--- a/public/js/tasks/social_media/media/Social_media_task_instructions_06_29_2022.pptx
+++ b/public/js/tasks/social_media/media/Social_media_task_instructions_06_29_2022.pptx
@@ -5,7 +5,7 @@
     <p:sldMasterId id="2147483660" r:id="rId1"/>
   </p:sldMasterIdLst>
   <p:notesMasterIdLst>
-    <p:notesMasterId r:id="rId32"/>
+    <p:notesMasterId r:id="rId33"/>
   </p:notesMasterIdLst>
   <p:sldIdLst>
     <p:sldId id="498" r:id="rId2"/>
@@ -31,13 +31,14 @@
     <p:sldId id="525" r:id="rId22"/>
     <p:sldId id="526" r:id="rId23"/>
     <p:sldId id="528" r:id="rId24"/>
-    <p:sldId id="529" r:id="rId25"/>
-    <p:sldId id="534" r:id="rId26"/>
-    <p:sldId id="530" r:id="rId27"/>
-    <p:sldId id="531" r:id="rId28"/>
-    <p:sldId id="538" r:id="rId29"/>
-    <p:sldId id="540" r:id="rId30"/>
-    <p:sldId id="541" r:id="rId31"/>
+    <p:sldId id="544" r:id="rId25"/>
+    <p:sldId id="529" r:id="rId26"/>
+    <p:sldId id="534" r:id="rId27"/>
+    <p:sldId id="530" r:id="rId28"/>
+    <p:sldId id="531" r:id="rId29"/>
+    <p:sldId id="538" r:id="rId30"/>
+    <p:sldId id="540" r:id="rId31"/>
+    <p:sldId id="541" r:id="rId32"/>
   </p:sldIdLst>
   <p:sldSz cx="12192000" cy="6858000"/>
   <p:notesSz cx="6858000" cy="9144000"/>
@@ -164,6 +165,7 @@
             <p14:sldId id="525"/>
             <p14:sldId id="526"/>
             <p14:sldId id="528"/>
+            <p14:sldId id="544"/>
             <p14:sldId id="529"/>
             <p14:sldId id="534"/>
             <p14:sldId id="530"/>
@@ -279,7 +281,7 @@
           <a:p>
             <a:fld id="{5ACDFB13-8C7E-2148-B293-047F9641DD71}" type="datetimeFigureOut">
               <a:rPr lang="en-US" smtClean="0"/>
-              <a:t>6/29/22</a:t>
+              <a:t>7/1/22</a:t>
             </a:fld>
             <a:endParaRPr lang="en-US" dirty="0"/>
           </a:p>
@@ -2177,7 +2179,7 @@
     </p:spTree>
     <p:extLst>
       <p:ext uri="{BB962C8B-B14F-4D97-AF65-F5344CB8AC3E}">
-        <p14:creationId xmlns:p14="http://schemas.microsoft.com/office/powerpoint/2010/main" val="965742879"/>
+        <p14:creationId xmlns:p14="http://schemas.microsoft.com/office/powerpoint/2010/main" val="934127021"/>
       </p:ext>
     </p:extLst>
   </p:cSld>
@@ -2274,7 +2276,7 @@
     </p:spTree>
     <p:extLst>
       <p:ext uri="{BB962C8B-B14F-4D97-AF65-F5344CB8AC3E}">
-        <p14:creationId xmlns:p14="http://schemas.microsoft.com/office/powerpoint/2010/main" val="2970812486"/>
+        <p14:creationId xmlns:p14="http://schemas.microsoft.com/office/powerpoint/2010/main" val="965742879"/>
       </p:ext>
     </p:extLst>
   </p:cSld>
@@ -2333,6 +2335,14 @@
           <a:bodyPr/>
           <a:lstStyle/>
           <a:p>
+            <a:r>
+              <a:rPr lang="en-US" dirty="0"/>
+              <a:t>Add screenshots of an X and an O</a:t>
+            </a:r>
+            <a:r>
+              <a:rPr lang="en-US" baseline="0" dirty="0"/>
+              <a:t> screen – like a timeline of screenshots.</a:t>
+            </a:r>
             <a:endParaRPr lang="en-US" dirty="0"/>
           </a:p>
         </p:txBody>
@@ -2363,7 +2373,7 @@
     </p:spTree>
     <p:extLst>
       <p:ext uri="{BB962C8B-B14F-4D97-AF65-F5344CB8AC3E}">
-        <p14:creationId xmlns:p14="http://schemas.microsoft.com/office/powerpoint/2010/main" val="3186647101"/>
+        <p14:creationId xmlns:p14="http://schemas.microsoft.com/office/powerpoint/2010/main" val="2970812486"/>
       </p:ext>
     </p:extLst>
   </p:cSld>
@@ -2452,7 +2462,7 @@
     </p:spTree>
     <p:extLst>
       <p:ext uri="{BB962C8B-B14F-4D97-AF65-F5344CB8AC3E}">
-        <p14:creationId xmlns:p14="http://schemas.microsoft.com/office/powerpoint/2010/main" val="3781381945"/>
+        <p14:creationId xmlns:p14="http://schemas.microsoft.com/office/powerpoint/2010/main" val="3186647101"/>
       </p:ext>
     </p:extLst>
   </p:cSld>
@@ -2511,10 +2521,7 @@
           <a:bodyPr/>
           <a:lstStyle/>
           <a:p>
-            <a:r>
-              <a:rPr lang="en-US" dirty="0"/>
-              <a:t>Add screen shot</a:t>
-            </a:r>
+            <a:endParaRPr lang="en-US" dirty="0"/>
           </a:p>
         </p:txBody>
       </p:sp>
@@ -2544,7 +2551,7 @@
     </p:spTree>
     <p:extLst>
       <p:ext uri="{BB962C8B-B14F-4D97-AF65-F5344CB8AC3E}">
-        <p14:creationId xmlns:p14="http://schemas.microsoft.com/office/powerpoint/2010/main" val="1620608549"/>
+        <p14:creationId xmlns:p14="http://schemas.microsoft.com/office/powerpoint/2010/main" val="3781381945"/>
       </p:ext>
     </p:extLst>
   </p:cSld>
@@ -2603,7 +2610,10 @@
           <a:bodyPr/>
           <a:lstStyle/>
           <a:p>
-            <a:endParaRPr lang="en-US" dirty="0"/>
+            <a:r>
+              <a:rPr lang="en-US" dirty="0"/>
+              <a:t>Add screen shot</a:t>
+            </a:r>
           </a:p>
         </p:txBody>
       </p:sp>
@@ -2633,7 +2643,7 @@
     </p:spTree>
     <p:extLst>
       <p:ext uri="{BB962C8B-B14F-4D97-AF65-F5344CB8AC3E}">
-        <p14:creationId xmlns:p14="http://schemas.microsoft.com/office/powerpoint/2010/main" val="3372806075"/>
+        <p14:creationId xmlns:p14="http://schemas.microsoft.com/office/powerpoint/2010/main" val="1620608549"/>
       </p:ext>
     </p:extLst>
   </p:cSld>
@@ -2819,6 +2829,95 @@
     </p:spTree>
     <p:extLst>
       <p:ext uri="{BB962C8B-B14F-4D97-AF65-F5344CB8AC3E}">
+        <p14:creationId xmlns:p14="http://schemas.microsoft.com/office/powerpoint/2010/main" val="3372806075"/>
+      </p:ext>
+    </p:extLst>
+  </p:cSld>
+  <p:clrMapOvr>
+    <a:masterClrMapping/>
+  </p:clrMapOvr>
+</p:notes>
+</file>
+
+<file path=ppt/notesSlides/notesSlide31.xml><?xml version="1.0" encoding="utf-8"?>
+<p:notes xmlns:a="http://schemas.openxmlformats.org/drawingml/2006/main" xmlns:r="http://schemas.openxmlformats.org/officeDocument/2006/relationships" xmlns:p="http://schemas.openxmlformats.org/presentationml/2006/main">
+  <p:cSld>
+    <p:spTree>
+      <p:nvGrpSpPr>
+        <p:cNvPr id="1" name=""/>
+        <p:cNvGrpSpPr/>
+        <p:nvPr/>
+      </p:nvGrpSpPr>
+      <p:grpSpPr>
+        <a:xfrm>
+          <a:off x="0" y="0"/>
+          <a:ext cx="0" cy="0"/>
+          <a:chOff x="0" y="0"/>
+          <a:chExt cx="0" cy="0"/>
+        </a:xfrm>
+      </p:grpSpPr>
+      <p:sp>
+        <p:nvSpPr>
+          <p:cNvPr id="2" name="Slide Image Placeholder 1"/>
+          <p:cNvSpPr>
+            <a:spLocks noGrp="1" noRot="1" noChangeAspect="1"/>
+          </p:cNvSpPr>
+          <p:nvPr>
+            <p:ph type="sldImg"/>
+          </p:nvPr>
+        </p:nvSpPr>
+        <p:spPr>
+          <a:xfrm>
+            <a:off x="381000" y="685800"/>
+            <a:ext cx="6096000" cy="3429000"/>
+          </a:xfrm>
+        </p:spPr>
+      </p:sp>
+      <p:sp>
+        <p:nvSpPr>
+          <p:cNvPr id="3" name="Notes Placeholder 2"/>
+          <p:cNvSpPr>
+            <a:spLocks noGrp="1"/>
+          </p:cNvSpPr>
+          <p:nvPr>
+            <p:ph type="body" idx="1"/>
+          </p:nvPr>
+        </p:nvSpPr>
+        <p:spPr/>
+        <p:txBody>
+          <a:bodyPr/>
+          <a:lstStyle/>
+          <a:p>
+            <a:endParaRPr lang="en-US" dirty="0"/>
+          </a:p>
+        </p:txBody>
+      </p:sp>
+      <p:sp>
+        <p:nvSpPr>
+          <p:cNvPr id="4" name="Slide Number Placeholder 3"/>
+          <p:cNvSpPr>
+            <a:spLocks noGrp="1"/>
+          </p:cNvSpPr>
+          <p:nvPr>
+            <p:ph type="sldNum" sz="quarter" idx="10"/>
+          </p:nvPr>
+        </p:nvSpPr>
+        <p:spPr/>
+        <p:txBody>
+          <a:bodyPr/>
+          <a:lstStyle/>
+          <a:p>
+            <a:fld id="{BCAE12D7-AE97-9243-8341-9A20FCA5A307}" type="slidenum">
+              <a:rPr lang="en-US" smtClean="0"/>
+              <a:t>31</a:t>
+            </a:fld>
+            <a:endParaRPr lang="en-US"/>
+          </a:p>
+        </p:txBody>
+      </p:sp>
+    </p:spTree>
+    <p:extLst>
+      <p:ext uri="{BB962C8B-B14F-4D97-AF65-F5344CB8AC3E}">
         <p14:creationId xmlns:p14="http://schemas.microsoft.com/office/powerpoint/2010/main" val="3223258865"/>
       </p:ext>
     </p:extLst>
@@ -3585,7 +3684,7 @@
           <a:p>
             <a:fld id="{E69A4D3A-6EF8-7448-AC6F-AD52FEDAA6A8}" type="datetimeFigureOut">
               <a:rPr lang="en-US" smtClean="0"/>
-              <a:t>6/29/22</a:t>
+              <a:t>7/1/22</a:t>
             </a:fld>
             <a:endParaRPr lang="en-US" dirty="0"/>
           </a:p>
@@ -3753,7 +3852,7 @@
           <a:p>
             <a:fld id="{E69A4D3A-6EF8-7448-AC6F-AD52FEDAA6A8}" type="datetimeFigureOut">
               <a:rPr lang="en-US" smtClean="0"/>
-              <a:t>6/29/22</a:t>
+              <a:t>7/1/22</a:t>
             </a:fld>
             <a:endParaRPr lang="en-US" dirty="0"/>
           </a:p>
@@ -3931,7 +4030,7 @@
           <a:p>
             <a:fld id="{E69A4D3A-6EF8-7448-AC6F-AD52FEDAA6A8}" type="datetimeFigureOut">
               <a:rPr lang="en-US" smtClean="0"/>
-              <a:t>6/29/22</a:t>
+              <a:t>7/1/22</a:t>
             </a:fld>
             <a:endParaRPr lang="en-US" dirty="0"/>
           </a:p>
@@ -4099,7 +4198,7 @@
           <a:p>
             <a:fld id="{E69A4D3A-6EF8-7448-AC6F-AD52FEDAA6A8}" type="datetimeFigureOut">
               <a:rPr lang="en-US" smtClean="0"/>
-              <a:t>6/29/22</a:t>
+              <a:t>7/1/22</a:t>
             </a:fld>
             <a:endParaRPr lang="en-US" dirty="0"/>
           </a:p>
@@ -4344,7 +4443,7 @@
           <a:p>
             <a:fld id="{E69A4D3A-6EF8-7448-AC6F-AD52FEDAA6A8}" type="datetimeFigureOut">
               <a:rPr lang="en-US" smtClean="0"/>
-              <a:t>6/29/22</a:t>
+              <a:t>7/1/22</a:t>
             </a:fld>
             <a:endParaRPr lang="en-US" dirty="0"/>
           </a:p>
@@ -4629,7 +4728,7 @@
           <a:p>
             <a:fld id="{E69A4D3A-6EF8-7448-AC6F-AD52FEDAA6A8}" type="datetimeFigureOut">
               <a:rPr lang="en-US" smtClean="0"/>
-              <a:t>6/29/22</a:t>
+              <a:t>7/1/22</a:t>
             </a:fld>
             <a:endParaRPr lang="en-US" dirty="0"/>
           </a:p>
@@ -5048,7 +5147,7 @@
           <a:p>
             <a:fld id="{E69A4D3A-6EF8-7448-AC6F-AD52FEDAA6A8}" type="datetimeFigureOut">
               <a:rPr lang="en-US" smtClean="0"/>
-              <a:t>6/29/22</a:t>
+              <a:t>7/1/22</a:t>
             </a:fld>
             <a:endParaRPr lang="en-US" dirty="0"/>
           </a:p>
@@ -5165,7 +5264,7 @@
           <a:p>
             <a:fld id="{E69A4D3A-6EF8-7448-AC6F-AD52FEDAA6A8}" type="datetimeFigureOut">
               <a:rPr lang="en-US" smtClean="0"/>
-              <a:t>6/29/22</a:t>
+              <a:t>7/1/22</a:t>
             </a:fld>
             <a:endParaRPr lang="en-US" dirty="0"/>
           </a:p>
@@ -5260,7 +5359,7 @@
           <a:p>
             <a:fld id="{E69A4D3A-6EF8-7448-AC6F-AD52FEDAA6A8}" type="datetimeFigureOut">
               <a:rPr lang="en-US" smtClean="0"/>
-              <a:t>6/29/22</a:t>
+              <a:t>7/1/22</a:t>
             </a:fld>
             <a:endParaRPr lang="en-US" dirty="0"/>
           </a:p>
@@ -5535,7 +5634,7 @@
           <a:p>
             <a:fld id="{E69A4D3A-6EF8-7448-AC6F-AD52FEDAA6A8}" type="datetimeFigureOut">
               <a:rPr lang="en-US" smtClean="0"/>
-              <a:t>6/29/22</a:t>
+              <a:t>7/1/22</a:t>
             </a:fld>
             <a:endParaRPr lang="en-US" dirty="0"/>
           </a:p>
@@ -5790,7 +5889,7 @@
           <a:p>
             <a:fld id="{E69A4D3A-6EF8-7448-AC6F-AD52FEDAA6A8}" type="datetimeFigureOut">
               <a:rPr lang="en-US" smtClean="0"/>
-              <a:t>6/29/22</a:t>
+              <a:t>7/1/22</a:t>
             </a:fld>
             <a:endParaRPr lang="en-US" dirty="0"/>
           </a:p>
@@ -6004,7 +6103,7 @@
           <a:p>
             <a:fld id="{E69A4D3A-6EF8-7448-AC6F-AD52FEDAA6A8}" type="datetimeFigureOut">
               <a:rPr lang="en-US" smtClean="0"/>
-              <a:t>6/29/22</a:t>
+              <a:t>7/1/22</a:t>
             </a:fld>
             <a:endParaRPr lang="en-US" dirty="0"/>
           </a:p>
@@ -7249,6 +7348,250 @@
           </a:p>
         </p:txBody>
       </p:sp>
+      <p:sp>
+        <p:nvSpPr>
+          <p:cNvPr id="9" name="Subtitle 8">
+            <a:extLst>
+              <a:ext uri="{FF2B5EF4-FFF2-40B4-BE49-F238E27FC236}">
+                <a16:creationId xmlns:a16="http://schemas.microsoft.com/office/drawing/2014/main" id="{5363B67C-48D2-EB41-8067-62EBF9B76016}"/>
+              </a:ext>
+            </a:extLst>
+          </p:cNvPr>
+          <p:cNvSpPr txBox="1">
+            <a:spLocks/>
+          </p:cNvSpPr>
+          <p:nvPr/>
+        </p:nvSpPr>
+        <p:spPr>
+          <a:xfrm>
+            <a:off x="1518826" y="6073844"/>
+            <a:ext cx="1532830" cy="801636"/>
+          </a:xfrm>
+          <a:prstGeom prst="rect">
+            <a:avLst/>
+          </a:prstGeom>
+        </p:spPr>
+        <p:txBody>
+          <a:bodyPr vert="horz" lIns="91440" tIns="45720" rIns="91440" bIns="45720" rtlCol="0">
+            <a:normAutofit/>
+          </a:bodyPr>
+          <a:lstStyle>
+            <a:lvl1pPr marL="0" indent="0" algn="ctr" defTabSz="914400" rtl="0" eaLnBrk="1" latinLnBrk="0" hangingPunct="1">
+              <a:spcBef>
+                <a:spcPct val="20000"/>
+              </a:spcBef>
+              <a:buFont typeface="Arial" pitchFamily="34" charset="0"/>
+              <a:buNone/>
+              <a:defRPr sz="3200" kern="1200">
+                <a:solidFill>
+                  <a:schemeClr val="tx1">
+                    <a:tint val="75000"/>
+                  </a:schemeClr>
+                </a:solidFill>
+                <a:latin typeface="+mn-lt"/>
+                <a:ea typeface="+mn-ea"/>
+                <a:cs typeface="+mn-cs"/>
+              </a:defRPr>
+            </a:lvl1pPr>
+            <a:lvl2pPr marL="457200" indent="0" algn="ctr" defTabSz="914400" rtl="0" eaLnBrk="1" latinLnBrk="0" hangingPunct="1">
+              <a:spcBef>
+                <a:spcPct val="20000"/>
+              </a:spcBef>
+              <a:buFont typeface="Arial" pitchFamily="34" charset="0"/>
+              <a:buNone/>
+              <a:defRPr sz="2800" kern="1200">
+                <a:solidFill>
+                  <a:schemeClr val="tx1">
+                    <a:tint val="75000"/>
+                  </a:schemeClr>
+                </a:solidFill>
+                <a:latin typeface="+mn-lt"/>
+                <a:ea typeface="+mn-ea"/>
+                <a:cs typeface="+mn-cs"/>
+              </a:defRPr>
+            </a:lvl2pPr>
+            <a:lvl3pPr marL="914400" indent="0" algn="ctr" defTabSz="914400" rtl="0" eaLnBrk="1" latinLnBrk="0" hangingPunct="1">
+              <a:spcBef>
+                <a:spcPct val="20000"/>
+              </a:spcBef>
+              <a:buFont typeface="Arial" pitchFamily="34" charset="0"/>
+              <a:buNone/>
+              <a:defRPr sz="2400" kern="1200">
+                <a:solidFill>
+                  <a:schemeClr val="tx1">
+                    <a:tint val="75000"/>
+                  </a:schemeClr>
+                </a:solidFill>
+                <a:latin typeface="+mn-lt"/>
+                <a:ea typeface="+mn-ea"/>
+                <a:cs typeface="+mn-cs"/>
+              </a:defRPr>
+            </a:lvl3pPr>
+            <a:lvl4pPr marL="1371600" indent="0" algn="ctr" defTabSz="914400" rtl="0" eaLnBrk="1" latinLnBrk="0" hangingPunct="1">
+              <a:spcBef>
+                <a:spcPct val="20000"/>
+              </a:spcBef>
+              <a:buFont typeface="Arial" pitchFamily="34" charset="0"/>
+              <a:buNone/>
+              <a:defRPr sz="2000" kern="1200">
+                <a:solidFill>
+                  <a:schemeClr val="tx1">
+                    <a:tint val="75000"/>
+                  </a:schemeClr>
+                </a:solidFill>
+                <a:latin typeface="+mn-lt"/>
+                <a:ea typeface="+mn-ea"/>
+                <a:cs typeface="+mn-cs"/>
+              </a:defRPr>
+            </a:lvl4pPr>
+            <a:lvl5pPr marL="1828800" indent="0" algn="ctr" defTabSz="914400" rtl="0" eaLnBrk="1" latinLnBrk="0" hangingPunct="1">
+              <a:spcBef>
+                <a:spcPct val="20000"/>
+              </a:spcBef>
+              <a:buFont typeface="Arial" pitchFamily="34" charset="0"/>
+              <a:buNone/>
+              <a:defRPr sz="2000" kern="1200">
+                <a:solidFill>
+                  <a:schemeClr val="tx1">
+                    <a:tint val="75000"/>
+                  </a:schemeClr>
+                </a:solidFill>
+                <a:latin typeface="+mn-lt"/>
+                <a:ea typeface="+mn-ea"/>
+                <a:cs typeface="+mn-cs"/>
+              </a:defRPr>
+            </a:lvl5pPr>
+            <a:lvl6pPr marL="2286000" indent="0" algn="ctr" defTabSz="914400" rtl="0" eaLnBrk="1" latinLnBrk="0" hangingPunct="1">
+              <a:spcBef>
+                <a:spcPct val="20000"/>
+              </a:spcBef>
+              <a:buFont typeface="Arial" pitchFamily="34" charset="0"/>
+              <a:buNone/>
+              <a:defRPr sz="2000" kern="1200">
+                <a:solidFill>
+                  <a:schemeClr val="tx1">
+                    <a:tint val="75000"/>
+                  </a:schemeClr>
+                </a:solidFill>
+                <a:latin typeface="+mn-lt"/>
+                <a:ea typeface="+mn-ea"/>
+                <a:cs typeface="+mn-cs"/>
+              </a:defRPr>
+            </a:lvl6pPr>
+            <a:lvl7pPr marL="2743200" indent="0" algn="ctr" defTabSz="914400" rtl="0" eaLnBrk="1" latinLnBrk="0" hangingPunct="1">
+              <a:spcBef>
+                <a:spcPct val="20000"/>
+              </a:spcBef>
+              <a:buFont typeface="Arial" pitchFamily="34" charset="0"/>
+              <a:buNone/>
+              <a:defRPr sz="2000" kern="1200">
+                <a:solidFill>
+                  <a:schemeClr val="tx1">
+                    <a:tint val="75000"/>
+                  </a:schemeClr>
+                </a:solidFill>
+                <a:latin typeface="+mn-lt"/>
+                <a:ea typeface="+mn-ea"/>
+                <a:cs typeface="+mn-cs"/>
+              </a:defRPr>
+            </a:lvl7pPr>
+            <a:lvl8pPr marL="3200400" indent="0" algn="ctr" defTabSz="914400" rtl="0" eaLnBrk="1" latinLnBrk="0" hangingPunct="1">
+              <a:spcBef>
+                <a:spcPct val="20000"/>
+              </a:spcBef>
+              <a:buFont typeface="Arial" pitchFamily="34" charset="0"/>
+              <a:buNone/>
+              <a:defRPr sz="2000" kern="1200">
+                <a:solidFill>
+                  <a:schemeClr val="tx1">
+                    <a:tint val="75000"/>
+                  </a:schemeClr>
+                </a:solidFill>
+                <a:latin typeface="+mn-lt"/>
+                <a:ea typeface="+mn-ea"/>
+                <a:cs typeface="+mn-cs"/>
+              </a:defRPr>
+            </a:lvl8pPr>
+            <a:lvl9pPr marL="3657600" indent="0" algn="ctr" defTabSz="914400" rtl="0" eaLnBrk="1" latinLnBrk="0" hangingPunct="1">
+              <a:spcBef>
+                <a:spcPct val="20000"/>
+              </a:spcBef>
+              <a:buFont typeface="Arial" pitchFamily="34" charset="0"/>
+              <a:buNone/>
+              <a:defRPr sz="2000" kern="1200">
+                <a:solidFill>
+                  <a:schemeClr val="tx1">
+                    <a:tint val="75000"/>
+                  </a:schemeClr>
+                </a:solidFill>
+                <a:latin typeface="+mn-lt"/>
+                <a:ea typeface="+mn-ea"/>
+                <a:cs typeface="+mn-cs"/>
+              </a:defRPr>
+            </a:lvl9pPr>
+          </a:lstStyle>
+          <a:p>
+            <a:r>
+              <a:rPr lang="en-US" sz="1600" dirty="0">
+                <a:solidFill>
+                  <a:schemeClr val="tx1"/>
+                </a:solidFill>
+              </a:rPr>
+              <a:t>LEFT</a:t>
+            </a:r>
+          </a:p>
+        </p:txBody>
+      </p:sp>
+      <p:sp>
+        <p:nvSpPr>
+          <p:cNvPr id="10" name="Right Arrow 9">
+            <a:extLst>
+              <a:ext uri="{FF2B5EF4-FFF2-40B4-BE49-F238E27FC236}">
+                <a16:creationId xmlns:a16="http://schemas.microsoft.com/office/drawing/2014/main" id="{33C3E268-526B-6545-AB36-817E90D79538}"/>
+              </a:ext>
+            </a:extLst>
+          </p:cNvPr>
+          <p:cNvSpPr/>
+          <p:nvPr/>
+        </p:nvSpPr>
+        <p:spPr>
+          <a:xfrm rot="10800000">
+            <a:off x="1902125" y="6391827"/>
+            <a:ext cx="640200" cy="289763"/>
+          </a:xfrm>
+          <a:prstGeom prst="rightArrow">
+            <a:avLst/>
+          </a:prstGeom>
+          <a:solidFill>
+            <a:schemeClr val="tx1"/>
+          </a:solidFill>
+          <a:ln>
+            <a:noFill/>
+          </a:ln>
+        </p:spPr>
+        <p:style>
+          <a:lnRef idx="1">
+            <a:schemeClr val="accent1"/>
+          </a:lnRef>
+          <a:fillRef idx="3">
+            <a:schemeClr val="accent1"/>
+          </a:fillRef>
+          <a:effectRef idx="2">
+            <a:schemeClr val="accent1"/>
+          </a:effectRef>
+          <a:fontRef idx="minor">
+            <a:schemeClr val="lt1"/>
+          </a:fontRef>
+        </p:style>
+        <p:txBody>
+          <a:bodyPr rtlCol="0" anchor="ctr"/>
+          <a:lstStyle/>
+          <a:p>
+            <a:pPr algn="ctr"/>
+            <a:endParaRPr lang="en-US"/>
+          </a:p>
+        </p:txBody>
+      </p:sp>
     </p:spTree>
     <p:extLst>
       <p:ext uri="{BB962C8B-B14F-4D97-AF65-F5344CB8AC3E}">
@@ -7796,6 +8139,250 @@
           </a:p>
         </p:txBody>
       </p:sp>
+      <p:sp>
+        <p:nvSpPr>
+          <p:cNvPr id="11" name="Subtitle 8">
+            <a:extLst>
+              <a:ext uri="{FF2B5EF4-FFF2-40B4-BE49-F238E27FC236}">
+                <a16:creationId xmlns:a16="http://schemas.microsoft.com/office/drawing/2014/main" id="{F21B82D7-2578-164B-A6A6-BE7B5BCE2B6C}"/>
+              </a:ext>
+            </a:extLst>
+          </p:cNvPr>
+          <p:cNvSpPr txBox="1">
+            <a:spLocks/>
+          </p:cNvSpPr>
+          <p:nvPr/>
+        </p:nvSpPr>
+        <p:spPr>
+          <a:xfrm>
+            <a:off x="1518826" y="6073844"/>
+            <a:ext cx="1532830" cy="801636"/>
+          </a:xfrm>
+          <a:prstGeom prst="rect">
+            <a:avLst/>
+          </a:prstGeom>
+        </p:spPr>
+        <p:txBody>
+          <a:bodyPr vert="horz" lIns="91440" tIns="45720" rIns="91440" bIns="45720" rtlCol="0">
+            <a:normAutofit/>
+          </a:bodyPr>
+          <a:lstStyle>
+            <a:lvl1pPr marL="0" indent="0" algn="ctr" defTabSz="914400" rtl="0" eaLnBrk="1" latinLnBrk="0" hangingPunct="1">
+              <a:spcBef>
+                <a:spcPct val="20000"/>
+              </a:spcBef>
+              <a:buFont typeface="Arial" pitchFamily="34" charset="0"/>
+              <a:buNone/>
+              <a:defRPr sz="3200" kern="1200">
+                <a:solidFill>
+                  <a:schemeClr val="tx1">
+                    <a:tint val="75000"/>
+                  </a:schemeClr>
+                </a:solidFill>
+                <a:latin typeface="+mn-lt"/>
+                <a:ea typeface="+mn-ea"/>
+                <a:cs typeface="+mn-cs"/>
+              </a:defRPr>
+            </a:lvl1pPr>
+            <a:lvl2pPr marL="457200" indent="0" algn="ctr" defTabSz="914400" rtl="0" eaLnBrk="1" latinLnBrk="0" hangingPunct="1">
+              <a:spcBef>
+                <a:spcPct val="20000"/>
+              </a:spcBef>
+              <a:buFont typeface="Arial" pitchFamily="34" charset="0"/>
+              <a:buNone/>
+              <a:defRPr sz="2800" kern="1200">
+                <a:solidFill>
+                  <a:schemeClr val="tx1">
+                    <a:tint val="75000"/>
+                  </a:schemeClr>
+                </a:solidFill>
+                <a:latin typeface="+mn-lt"/>
+                <a:ea typeface="+mn-ea"/>
+                <a:cs typeface="+mn-cs"/>
+              </a:defRPr>
+            </a:lvl2pPr>
+            <a:lvl3pPr marL="914400" indent="0" algn="ctr" defTabSz="914400" rtl="0" eaLnBrk="1" latinLnBrk="0" hangingPunct="1">
+              <a:spcBef>
+                <a:spcPct val="20000"/>
+              </a:spcBef>
+              <a:buFont typeface="Arial" pitchFamily="34" charset="0"/>
+              <a:buNone/>
+              <a:defRPr sz="2400" kern="1200">
+                <a:solidFill>
+                  <a:schemeClr val="tx1">
+                    <a:tint val="75000"/>
+                  </a:schemeClr>
+                </a:solidFill>
+                <a:latin typeface="+mn-lt"/>
+                <a:ea typeface="+mn-ea"/>
+                <a:cs typeface="+mn-cs"/>
+              </a:defRPr>
+            </a:lvl3pPr>
+            <a:lvl4pPr marL="1371600" indent="0" algn="ctr" defTabSz="914400" rtl="0" eaLnBrk="1" latinLnBrk="0" hangingPunct="1">
+              <a:spcBef>
+                <a:spcPct val="20000"/>
+              </a:spcBef>
+              <a:buFont typeface="Arial" pitchFamily="34" charset="0"/>
+              <a:buNone/>
+              <a:defRPr sz="2000" kern="1200">
+                <a:solidFill>
+                  <a:schemeClr val="tx1">
+                    <a:tint val="75000"/>
+                  </a:schemeClr>
+                </a:solidFill>
+                <a:latin typeface="+mn-lt"/>
+                <a:ea typeface="+mn-ea"/>
+                <a:cs typeface="+mn-cs"/>
+              </a:defRPr>
+            </a:lvl4pPr>
+            <a:lvl5pPr marL="1828800" indent="0" algn="ctr" defTabSz="914400" rtl="0" eaLnBrk="1" latinLnBrk="0" hangingPunct="1">
+              <a:spcBef>
+                <a:spcPct val="20000"/>
+              </a:spcBef>
+              <a:buFont typeface="Arial" pitchFamily="34" charset="0"/>
+              <a:buNone/>
+              <a:defRPr sz="2000" kern="1200">
+                <a:solidFill>
+                  <a:schemeClr val="tx1">
+                    <a:tint val="75000"/>
+                  </a:schemeClr>
+                </a:solidFill>
+                <a:latin typeface="+mn-lt"/>
+                <a:ea typeface="+mn-ea"/>
+                <a:cs typeface="+mn-cs"/>
+              </a:defRPr>
+            </a:lvl5pPr>
+            <a:lvl6pPr marL="2286000" indent="0" algn="ctr" defTabSz="914400" rtl="0" eaLnBrk="1" latinLnBrk="0" hangingPunct="1">
+              <a:spcBef>
+                <a:spcPct val="20000"/>
+              </a:spcBef>
+              <a:buFont typeface="Arial" pitchFamily="34" charset="0"/>
+              <a:buNone/>
+              <a:defRPr sz="2000" kern="1200">
+                <a:solidFill>
+                  <a:schemeClr val="tx1">
+                    <a:tint val="75000"/>
+                  </a:schemeClr>
+                </a:solidFill>
+                <a:latin typeface="+mn-lt"/>
+                <a:ea typeface="+mn-ea"/>
+                <a:cs typeface="+mn-cs"/>
+              </a:defRPr>
+            </a:lvl6pPr>
+            <a:lvl7pPr marL="2743200" indent="0" algn="ctr" defTabSz="914400" rtl="0" eaLnBrk="1" latinLnBrk="0" hangingPunct="1">
+              <a:spcBef>
+                <a:spcPct val="20000"/>
+              </a:spcBef>
+              <a:buFont typeface="Arial" pitchFamily="34" charset="0"/>
+              <a:buNone/>
+              <a:defRPr sz="2000" kern="1200">
+                <a:solidFill>
+                  <a:schemeClr val="tx1">
+                    <a:tint val="75000"/>
+                  </a:schemeClr>
+                </a:solidFill>
+                <a:latin typeface="+mn-lt"/>
+                <a:ea typeface="+mn-ea"/>
+                <a:cs typeface="+mn-cs"/>
+              </a:defRPr>
+            </a:lvl7pPr>
+            <a:lvl8pPr marL="3200400" indent="0" algn="ctr" defTabSz="914400" rtl="0" eaLnBrk="1" latinLnBrk="0" hangingPunct="1">
+              <a:spcBef>
+                <a:spcPct val="20000"/>
+              </a:spcBef>
+              <a:buFont typeface="Arial" pitchFamily="34" charset="0"/>
+              <a:buNone/>
+              <a:defRPr sz="2000" kern="1200">
+                <a:solidFill>
+                  <a:schemeClr val="tx1">
+                    <a:tint val="75000"/>
+                  </a:schemeClr>
+                </a:solidFill>
+                <a:latin typeface="+mn-lt"/>
+                <a:ea typeface="+mn-ea"/>
+                <a:cs typeface="+mn-cs"/>
+              </a:defRPr>
+            </a:lvl8pPr>
+            <a:lvl9pPr marL="3657600" indent="0" algn="ctr" defTabSz="914400" rtl="0" eaLnBrk="1" latinLnBrk="0" hangingPunct="1">
+              <a:spcBef>
+                <a:spcPct val="20000"/>
+              </a:spcBef>
+              <a:buFont typeface="Arial" pitchFamily="34" charset="0"/>
+              <a:buNone/>
+              <a:defRPr sz="2000" kern="1200">
+                <a:solidFill>
+                  <a:schemeClr val="tx1">
+                    <a:tint val="75000"/>
+                  </a:schemeClr>
+                </a:solidFill>
+                <a:latin typeface="+mn-lt"/>
+                <a:ea typeface="+mn-ea"/>
+                <a:cs typeface="+mn-cs"/>
+              </a:defRPr>
+            </a:lvl9pPr>
+          </a:lstStyle>
+          <a:p>
+            <a:r>
+              <a:rPr lang="en-US" sz="1600" dirty="0">
+                <a:solidFill>
+                  <a:schemeClr val="tx1"/>
+                </a:solidFill>
+              </a:rPr>
+              <a:t>LEFT</a:t>
+            </a:r>
+          </a:p>
+        </p:txBody>
+      </p:sp>
+      <p:sp>
+        <p:nvSpPr>
+          <p:cNvPr id="14" name="Right Arrow 13">
+            <a:extLst>
+              <a:ext uri="{FF2B5EF4-FFF2-40B4-BE49-F238E27FC236}">
+                <a16:creationId xmlns:a16="http://schemas.microsoft.com/office/drawing/2014/main" id="{4750D5B8-F8DB-8040-B9AB-86B452278C41}"/>
+              </a:ext>
+            </a:extLst>
+          </p:cNvPr>
+          <p:cNvSpPr/>
+          <p:nvPr/>
+        </p:nvSpPr>
+        <p:spPr>
+          <a:xfrm rot="10800000">
+            <a:off x="1902125" y="6391827"/>
+            <a:ext cx="640200" cy="289763"/>
+          </a:xfrm>
+          <a:prstGeom prst="rightArrow">
+            <a:avLst/>
+          </a:prstGeom>
+          <a:solidFill>
+            <a:schemeClr val="tx1"/>
+          </a:solidFill>
+          <a:ln>
+            <a:noFill/>
+          </a:ln>
+        </p:spPr>
+        <p:style>
+          <a:lnRef idx="1">
+            <a:schemeClr val="accent1"/>
+          </a:lnRef>
+          <a:fillRef idx="3">
+            <a:schemeClr val="accent1"/>
+          </a:fillRef>
+          <a:effectRef idx="2">
+            <a:schemeClr val="accent1"/>
+          </a:effectRef>
+          <a:fontRef idx="minor">
+            <a:schemeClr val="lt1"/>
+          </a:fontRef>
+        </p:style>
+        <p:txBody>
+          <a:bodyPr rtlCol="0" anchor="ctr"/>
+          <a:lstStyle/>
+          <a:p>
+            <a:pPr algn="ctr"/>
+            <a:endParaRPr lang="en-US"/>
+          </a:p>
+        </p:txBody>
+      </p:sp>
     </p:spTree>
     <p:extLst>
       <p:ext uri="{BB962C8B-B14F-4D97-AF65-F5344CB8AC3E}">
@@ -8455,6 +9042,250 @@
           </a:p>
         </p:txBody>
       </p:sp>
+      <p:sp>
+        <p:nvSpPr>
+          <p:cNvPr id="16" name="Subtitle 8">
+            <a:extLst>
+              <a:ext uri="{FF2B5EF4-FFF2-40B4-BE49-F238E27FC236}">
+                <a16:creationId xmlns:a16="http://schemas.microsoft.com/office/drawing/2014/main" id="{47C59450-4C6B-CA4A-A7F1-FF7A4CF59276}"/>
+              </a:ext>
+            </a:extLst>
+          </p:cNvPr>
+          <p:cNvSpPr txBox="1">
+            <a:spLocks/>
+          </p:cNvSpPr>
+          <p:nvPr/>
+        </p:nvSpPr>
+        <p:spPr>
+          <a:xfrm>
+            <a:off x="1518826" y="6073844"/>
+            <a:ext cx="1532830" cy="801636"/>
+          </a:xfrm>
+          <a:prstGeom prst="rect">
+            <a:avLst/>
+          </a:prstGeom>
+        </p:spPr>
+        <p:txBody>
+          <a:bodyPr vert="horz" lIns="91440" tIns="45720" rIns="91440" bIns="45720" rtlCol="0">
+            <a:normAutofit/>
+          </a:bodyPr>
+          <a:lstStyle>
+            <a:lvl1pPr marL="0" indent="0" algn="ctr" defTabSz="914400" rtl="0" eaLnBrk="1" latinLnBrk="0" hangingPunct="1">
+              <a:spcBef>
+                <a:spcPct val="20000"/>
+              </a:spcBef>
+              <a:buFont typeface="Arial" pitchFamily="34" charset="0"/>
+              <a:buNone/>
+              <a:defRPr sz="3200" kern="1200">
+                <a:solidFill>
+                  <a:schemeClr val="tx1">
+                    <a:tint val="75000"/>
+                  </a:schemeClr>
+                </a:solidFill>
+                <a:latin typeface="+mn-lt"/>
+                <a:ea typeface="+mn-ea"/>
+                <a:cs typeface="+mn-cs"/>
+              </a:defRPr>
+            </a:lvl1pPr>
+            <a:lvl2pPr marL="457200" indent="0" algn="ctr" defTabSz="914400" rtl="0" eaLnBrk="1" latinLnBrk="0" hangingPunct="1">
+              <a:spcBef>
+                <a:spcPct val="20000"/>
+              </a:spcBef>
+              <a:buFont typeface="Arial" pitchFamily="34" charset="0"/>
+              <a:buNone/>
+              <a:defRPr sz="2800" kern="1200">
+                <a:solidFill>
+                  <a:schemeClr val="tx1">
+                    <a:tint val="75000"/>
+                  </a:schemeClr>
+                </a:solidFill>
+                <a:latin typeface="+mn-lt"/>
+                <a:ea typeface="+mn-ea"/>
+                <a:cs typeface="+mn-cs"/>
+              </a:defRPr>
+            </a:lvl2pPr>
+            <a:lvl3pPr marL="914400" indent="0" algn="ctr" defTabSz="914400" rtl="0" eaLnBrk="1" latinLnBrk="0" hangingPunct="1">
+              <a:spcBef>
+                <a:spcPct val="20000"/>
+              </a:spcBef>
+              <a:buFont typeface="Arial" pitchFamily="34" charset="0"/>
+              <a:buNone/>
+              <a:defRPr sz="2400" kern="1200">
+                <a:solidFill>
+                  <a:schemeClr val="tx1">
+                    <a:tint val="75000"/>
+                  </a:schemeClr>
+                </a:solidFill>
+                <a:latin typeface="+mn-lt"/>
+                <a:ea typeface="+mn-ea"/>
+                <a:cs typeface="+mn-cs"/>
+              </a:defRPr>
+            </a:lvl3pPr>
+            <a:lvl4pPr marL="1371600" indent="0" algn="ctr" defTabSz="914400" rtl="0" eaLnBrk="1" latinLnBrk="0" hangingPunct="1">
+              <a:spcBef>
+                <a:spcPct val="20000"/>
+              </a:spcBef>
+              <a:buFont typeface="Arial" pitchFamily="34" charset="0"/>
+              <a:buNone/>
+              <a:defRPr sz="2000" kern="1200">
+                <a:solidFill>
+                  <a:schemeClr val="tx1">
+                    <a:tint val="75000"/>
+                  </a:schemeClr>
+                </a:solidFill>
+                <a:latin typeface="+mn-lt"/>
+                <a:ea typeface="+mn-ea"/>
+                <a:cs typeface="+mn-cs"/>
+              </a:defRPr>
+            </a:lvl4pPr>
+            <a:lvl5pPr marL="1828800" indent="0" algn="ctr" defTabSz="914400" rtl="0" eaLnBrk="1" latinLnBrk="0" hangingPunct="1">
+              <a:spcBef>
+                <a:spcPct val="20000"/>
+              </a:spcBef>
+              <a:buFont typeface="Arial" pitchFamily="34" charset="0"/>
+              <a:buNone/>
+              <a:defRPr sz="2000" kern="1200">
+                <a:solidFill>
+                  <a:schemeClr val="tx1">
+                    <a:tint val="75000"/>
+                  </a:schemeClr>
+                </a:solidFill>
+                <a:latin typeface="+mn-lt"/>
+                <a:ea typeface="+mn-ea"/>
+                <a:cs typeface="+mn-cs"/>
+              </a:defRPr>
+            </a:lvl5pPr>
+            <a:lvl6pPr marL="2286000" indent="0" algn="ctr" defTabSz="914400" rtl="0" eaLnBrk="1" latinLnBrk="0" hangingPunct="1">
+              <a:spcBef>
+                <a:spcPct val="20000"/>
+              </a:spcBef>
+              <a:buFont typeface="Arial" pitchFamily="34" charset="0"/>
+              <a:buNone/>
+              <a:defRPr sz="2000" kern="1200">
+                <a:solidFill>
+                  <a:schemeClr val="tx1">
+                    <a:tint val="75000"/>
+                  </a:schemeClr>
+                </a:solidFill>
+                <a:latin typeface="+mn-lt"/>
+                <a:ea typeface="+mn-ea"/>
+                <a:cs typeface="+mn-cs"/>
+              </a:defRPr>
+            </a:lvl6pPr>
+            <a:lvl7pPr marL="2743200" indent="0" algn="ctr" defTabSz="914400" rtl="0" eaLnBrk="1" latinLnBrk="0" hangingPunct="1">
+              <a:spcBef>
+                <a:spcPct val="20000"/>
+              </a:spcBef>
+              <a:buFont typeface="Arial" pitchFamily="34" charset="0"/>
+              <a:buNone/>
+              <a:defRPr sz="2000" kern="1200">
+                <a:solidFill>
+                  <a:schemeClr val="tx1">
+                    <a:tint val="75000"/>
+                  </a:schemeClr>
+                </a:solidFill>
+                <a:latin typeface="+mn-lt"/>
+                <a:ea typeface="+mn-ea"/>
+                <a:cs typeface="+mn-cs"/>
+              </a:defRPr>
+            </a:lvl7pPr>
+            <a:lvl8pPr marL="3200400" indent="0" algn="ctr" defTabSz="914400" rtl="0" eaLnBrk="1" latinLnBrk="0" hangingPunct="1">
+              <a:spcBef>
+                <a:spcPct val="20000"/>
+              </a:spcBef>
+              <a:buFont typeface="Arial" pitchFamily="34" charset="0"/>
+              <a:buNone/>
+              <a:defRPr sz="2000" kern="1200">
+                <a:solidFill>
+                  <a:schemeClr val="tx1">
+                    <a:tint val="75000"/>
+                  </a:schemeClr>
+                </a:solidFill>
+                <a:latin typeface="+mn-lt"/>
+                <a:ea typeface="+mn-ea"/>
+                <a:cs typeface="+mn-cs"/>
+              </a:defRPr>
+            </a:lvl8pPr>
+            <a:lvl9pPr marL="3657600" indent="0" algn="ctr" defTabSz="914400" rtl="0" eaLnBrk="1" latinLnBrk="0" hangingPunct="1">
+              <a:spcBef>
+                <a:spcPct val="20000"/>
+              </a:spcBef>
+              <a:buFont typeface="Arial" pitchFamily="34" charset="0"/>
+              <a:buNone/>
+              <a:defRPr sz="2000" kern="1200">
+                <a:solidFill>
+                  <a:schemeClr val="tx1">
+                    <a:tint val="75000"/>
+                  </a:schemeClr>
+                </a:solidFill>
+                <a:latin typeface="+mn-lt"/>
+                <a:ea typeface="+mn-ea"/>
+                <a:cs typeface="+mn-cs"/>
+              </a:defRPr>
+            </a:lvl9pPr>
+          </a:lstStyle>
+          <a:p>
+            <a:r>
+              <a:rPr lang="en-US" sz="1600" dirty="0">
+                <a:solidFill>
+                  <a:schemeClr val="tx1"/>
+                </a:solidFill>
+              </a:rPr>
+              <a:t>LEFT</a:t>
+            </a:r>
+          </a:p>
+        </p:txBody>
+      </p:sp>
+      <p:sp>
+        <p:nvSpPr>
+          <p:cNvPr id="17" name="Right Arrow 16">
+            <a:extLst>
+              <a:ext uri="{FF2B5EF4-FFF2-40B4-BE49-F238E27FC236}">
+                <a16:creationId xmlns:a16="http://schemas.microsoft.com/office/drawing/2014/main" id="{FD62D775-076A-984C-9DAD-9E781971A27A}"/>
+              </a:ext>
+            </a:extLst>
+          </p:cNvPr>
+          <p:cNvSpPr/>
+          <p:nvPr/>
+        </p:nvSpPr>
+        <p:spPr>
+          <a:xfrm rot="10800000">
+            <a:off x="1902125" y="6391827"/>
+            <a:ext cx="640200" cy="289763"/>
+          </a:xfrm>
+          <a:prstGeom prst="rightArrow">
+            <a:avLst/>
+          </a:prstGeom>
+          <a:solidFill>
+            <a:schemeClr val="tx1"/>
+          </a:solidFill>
+          <a:ln>
+            <a:noFill/>
+          </a:ln>
+        </p:spPr>
+        <p:style>
+          <a:lnRef idx="1">
+            <a:schemeClr val="accent1"/>
+          </a:lnRef>
+          <a:fillRef idx="3">
+            <a:schemeClr val="accent1"/>
+          </a:fillRef>
+          <a:effectRef idx="2">
+            <a:schemeClr val="accent1"/>
+          </a:effectRef>
+          <a:fontRef idx="minor">
+            <a:schemeClr val="lt1"/>
+          </a:fontRef>
+        </p:style>
+        <p:txBody>
+          <a:bodyPr rtlCol="0" anchor="ctr"/>
+          <a:lstStyle/>
+          <a:p>
+            <a:pPr algn="ctr"/>
+            <a:endParaRPr lang="en-US"/>
+          </a:p>
+        </p:txBody>
+      </p:sp>
     </p:spTree>
     <p:extLst>
       <p:ext uri="{BB962C8B-B14F-4D97-AF65-F5344CB8AC3E}">
@@ -9338,6 +10169,250 @@
           </a:p>
         </p:txBody>
       </p:sp>
+      <p:sp>
+        <p:nvSpPr>
+          <p:cNvPr id="25" name="Subtitle 8">
+            <a:extLst>
+              <a:ext uri="{FF2B5EF4-FFF2-40B4-BE49-F238E27FC236}">
+                <a16:creationId xmlns:a16="http://schemas.microsoft.com/office/drawing/2014/main" id="{7AD63CDA-C8F9-1940-8BD5-08E00EB33675}"/>
+              </a:ext>
+            </a:extLst>
+          </p:cNvPr>
+          <p:cNvSpPr txBox="1">
+            <a:spLocks/>
+          </p:cNvSpPr>
+          <p:nvPr/>
+        </p:nvSpPr>
+        <p:spPr>
+          <a:xfrm>
+            <a:off x="1518826" y="6073844"/>
+            <a:ext cx="1532830" cy="801636"/>
+          </a:xfrm>
+          <a:prstGeom prst="rect">
+            <a:avLst/>
+          </a:prstGeom>
+        </p:spPr>
+        <p:txBody>
+          <a:bodyPr vert="horz" lIns="91440" tIns="45720" rIns="91440" bIns="45720" rtlCol="0">
+            <a:normAutofit/>
+          </a:bodyPr>
+          <a:lstStyle>
+            <a:lvl1pPr marL="0" indent="0" algn="ctr" defTabSz="914400" rtl="0" eaLnBrk="1" latinLnBrk="0" hangingPunct="1">
+              <a:spcBef>
+                <a:spcPct val="20000"/>
+              </a:spcBef>
+              <a:buFont typeface="Arial" pitchFamily="34" charset="0"/>
+              <a:buNone/>
+              <a:defRPr sz="3200" kern="1200">
+                <a:solidFill>
+                  <a:schemeClr val="tx1">
+                    <a:tint val="75000"/>
+                  </a:schemeClr>
+                </a:solidFill>
+                <a:latin typeface="+mn-lt"/>
+                <a:ea typeface="+mn-ea"/>
+                <a:cs typeface="+mn-cs"/>
+              </a:defRPr>
+            </a:lvl1pPr>
+            <a:lvl2pPr marL="457200" indent="0" algn="ctr" defTabSz="914400" rtl="0" eaLnBrk="1" latinLnBrk="0" hangingPunct="1">
+              <a:spcBef>
+                <a:spcPct val="20000"/>
+              </a:spcBef>
+              <a:buFont typeface="Arial" pitchFamily="34" charset="0"/>
+              <a:buNone/>
+              <a:defRPr sz="2800" kern="1200">
+                <a:solidFill>
+                  <a:schemeClr val="tx1">
+                    <a:tint val="75000"/>
+                  </a:schemeClr>
+                </a:solidFill>
+                <a:latin typeface="+mn-lt"/>
+                <a:ea typeface="+mn-ea"/>
+                <a:cs typeface="+mn-cs"/>
+              </a:defRPr>
+            </a:lvl2pPr>
+            <a:lvl3pPr marL="914400" indent="0" algn="ctr" defTabSz="914400" rtl="0" eaLnBrk="1" latinLnBrk="0" hangingPunct="1">
+              <a:spcBef>
+                <a:spcPct val="20000"/>
+              </a:spcBef>
+              <a:buFont typeface="Arial" pitchFamily="34" charset="0"/>
+              <a:buNone/>
+              <a:defRPr sz="2400" kern="1200">
+                <a:solidFill>
+                  <a:schemeClr val="tx1">
+                    <a:tint val="75000"/>
+                  </a:schemeClr>
+                </a:solidFill>
+                <a:latin typeface="+mn-lt"/>
+                <a:ea typeface="+mn-ea"/>
+                <a:cs typeface="+mn-cs"/>
+              </a:defRPr>
+            </a:lvl3pPr>
+            <a:lvl4pPr marL="1371600" indent="0" algn="ctr" defTabSz="914400" rtl="0" eaLnBrk="1" latinLnBrk="0" hangingPunct="1">
+              <a:spcBef>
+                <a:spcPct val="20000"/>
+              </a:spcBef>
+              <a:buFont typeface="Arial" pitchFamily="34" charset="0"/>
+              <a:buNone/>
+              <a:defRPr sz="2000" kern="1200">
+                <a:solidFill>
+                  <a:schemeClr val="tx1">
+                    <a:tint val="75000"/>
+                  </a:schemeClr>
+                </a:solidFill>
+                <a:latin typeface="+mn-lt"/>
+                <a:ea typeface="+mn-ea"/>
+                <a:cs typeface="+mn-cs"/>
+              </a:defRPr>
+            </a:lvl4pPr>
+            <a:lvl5pPr marL="1828800" indent="0" algn="ctr" defTabSz="914400" rtl="0" eaLnBrk="1" latinLnBrk="0" hangingPunct="1">
+              <a:spcBef>
+                <a:spcPct val="20000"/>
+              </a:spcBef>
+              <a:buFont typeface="Arial" pitchFamily="34" charset="0"/>
+              <a:buNone/>
+              <a:defRPr sz="2000" kern="1200">
+                <a:solidFill>
+                  <a:schemeClr val="tx1">
+                    <a:tint val="75000"/>
+                  </a:schemeClr>
+                </a:solidFill>
+                <a:latin typeface="+mn-lt"/>
+                <a:ea typeface="+mn-ea"/>
+                <a:cs typeface="+mn-cs"/>
+              </a:defRPr>
+            </a:lvl5pPr>
+            <a:lvl6pPr marL="2286000" indent="0" algn="ctr" defTabSz="914400" rtl="0" eaLnBrk="1" latinLnBrk="0" hangingPunct="1">
+              <a:spcBef>
+                <a:spcPct val="20000"/>
+              </a:spcBef>
+              <a:buFont typeface="Arial" pitchFamily="34" charset="0"/>
+              <a:buNone/>
+              <a:defRPr sz="2000" kern="1200">
+                <a:solidFill>
+                  <a:schemeClr val="tx1">
+                    <a:tint val="75000"/>
+                  </a:schemeClr>
+                </a:solidFill>
+                <a:latin typeface="+mn-lt"/>
+                <a:ea typeface="+mn-ea"/>
+                <a:cs typeface="+mn-cs"/>
+              </a:defRPr>
+            </a:lvl6pPr>
+            <a:lvl7pPr marL="2743200" indent="0" algn="ctr" defTabSz="914400" rtl="0" eaLnBrk="1" latinLnBrk="0" hangingPunct="1">
+              <a:spcBef>
+                <a:spcPct val="20000"/>
+              </a:spcBef>
+              <a:buFont typeface="Arial" pitchFamily="34" charset="0"/>
+              <a:buNone/>
+              <a:defRPr sz="2000" kern="1200">
+                <a:solidFill>
+                  <a:schemeClr val="tx1">
+                    <a:tint val="75000"/>
+                  </a:schemeClr>
+                </a:solidFill>
+                <a:latin typeface="+mn-lt"/>
+                <a:ea typeface="+mn-ea"/>
+                <a:cs typeface="+mn-cs"/>
+              </a:defRPr>
+            </a:lvl7pPr>
+            <a:lvl8pPr marL="3200400" indent="0" algn="ctr" defTabSz="914400" rtl="0" eaLnBrk="1" latinLnBrk="0" hangingPunct="1">
+              <a:spcBef>
+                <a:spcPct val="20000"/>
+              </a:spcBef>
+              <a:buFont typeface="Arial" pitchFamily="34" charset="0"/>
+              <a:buNone/>
+              <a:defRPr sz="2000" kern="1200">
+                <a:solidFill>
+                  <a:schemeClr val="tx1">
+                    <a:tint val="75000"/>
+                  </a:schemeClr>
+                </a:solidFill>
+                <a:latin typeface="+mn-lt"/>
+                <a:ea typeface="+mn-ea"/>
+                <a:cs typeface="+mn-cs"/>
+              </a:defRPr>
+            </a:lvl8pPr>
+            <a:lvl9pPr marL="3657600" indent="0" algn="ctr" defTabSz="914400" rtl="0" eaLnBrk="1" latinLnBrk="0" hangingPunct="1">
+              <a:spcBef>
+                <a:spcPct val="20000"/>
+              </a:spcBef>
+              <a:buFont typeface="Arial" pitchFamily="34" charset="0"/>
+              <a:buNone/>
+              <a:defRPr sz="2000" kern="1200">
+                <a:solidFill>
+                  <a:schemeClr val="tx1">
+                    <a:tint val="75000"/>
+                  </a:schemeClr>
+                </a:solidFill>
+                <a:latin typeface="+mn-lt"/>
+                <a:ea typeface="+mn-ea"/>
+                <a:cs typeface="+mn-cs"/>
+              </a:defRPr>
+            </a:lvl9pPr>
+          </a:lstStyle>
+          <a:p>
+            <a:r>
+              <a:rPr lang="en-US" sz="1600" dirty="0">
+                <a:solidFill>
+                  <a:schemeClr val="tx1"/>
+                </a:solidFill>
+              </a:rPr>
+              <a:t>LEFT</a:t>
+            </a:r>
+          </a:p>
+        </p:txBody>
+      </p:sp>
+      <p:sp>
+        <p:nvSpPr>
+          <p:cNvPr id="27" name="Right Arrow 26">
+            <a:extLst>
+              <a:ext uri="{FF2B5EF4-FFF2-40B4-BE49-F238E27FC236}">
+                <a16:creationId xmlns:a16="http://schemas.microsoft.com/office/drawing/2014/main" id="{462BC990-493F-8043-8CC6-08CAA7585608}"/>
+              </a:ext>
+            </a:extLst>
+          </p:cNvPr>
+          <p:cNvSpPr/>
+          <p:nvPr/>
+        </p:nvSpPr>
+        <p:spPr>
+          <a:xfrm rot="10800000">
+            <a:off x="1902125" y="6391827"/>
+            <a:ext cx="640200" cy="289763"/>
+          </a:xfrm>
+          <a:prstGeom prst="rightArrow">
+            <a:avLst/>
+          </a:prstGeom>
+          <a:solidFill>
+            <a:schemeClr val="tx1"/>
+          </a:solidFill>
+          <a:ln>
+            <a:noFill/>
+          </a:ln>
+        </p:spPr>
+        <p:style>
+          <a:lnRef idx="1">
+            <a:schemeClr val="accent1"/>
+          </a:lnRef>
+          <a:fillRef idx="3">
+            <a:schemeClr val="accent1"/>
+          </a:fillRef>
+          <a:effectRef idx="2">
+            <a:schemeClr val="accent1"/>
+          </a:effectRef>
+          <a:fontRef idx="minor">
+            <a:schemeClr val="lt1"/>
+          </a:fontRef>
+        </p:style>
+        <p:txBody>
+          <a:bodyPr rtlCol="0" anchor="ctr"/>
+          <a:lstStyle/>
+          <a:p>
+            <a:pPr algn="ctr"/>
+            <a:endParaRPr lang="en-US"/>
+          </a:p>
+        </p:txBody>
+      </p:sp>
     </p:spTree>
     <p:extLst>
       <p:ext uri="{BB962C8B-B14F-4D97-AF65-F5344CB8AC3E}">
@@ -9752,6 +10827,250 @@
           </a:p>
         </p:txBody>
       </p:sp>
+      <p:sp>
+        <p:nvSpPr>
+          <p:cNvPr id="6" name="Subtitle 8">
+            <a:extLst>
+              <a:ext uri="{FF2B5EF4-FFF2-40B4-BE49-F238E27FC236}">
+                <a16:creationId xmlns:a16="http://schemas.microsoft.com/office/drawing/2014/main" id="{BA04E2E6-5E6D-8442-85C9-C03B284D45AA}"/>
+              </a:ext>
+            </a:extLst>
+          </p:cNvPr>
+          <p:cNvSpPr txBox="1">
+            <a:spLocks/>
+          </p:cNvSpPr>
+          <p:nvPr/>
+        </p:nvSpPr>
+        <p:spPr>
+          <a:xfrm>
+            <a:off x="1518826" y="6073844"/>
+            <a:ext cx="1532830" cy="801636"/>
+          </a:xfrm>
+          <a:prstGeom prst="rect">
+            <a:avLst/>
+          </a:prstGeom>
+        </p:spPr>
+        <p:txBody>
+          <a:bodyPr vert="horz" lIns="91440" tIns="45720" rIns="91440" bIns="45720" rtlCol="0">
+            <a:normAutofit/>
+          </a:bodyPr>
+          <a:lstStyle>
+            <a:lvl1pPr marL="0" indent="0" algn="ctr" defTabSz="914400" rtl="0" eaLnBrk="1" latinLnBrk="0" hangingPunct="1">
+              <a:spcBef>
+                <a:spcPct val="20000"/>
+              </a:spcBef>
+              <a:buFont typeface="Arial" pitchFamily="34" charset="0"/>
+              <a:buNone/>
+              <a:defRPr sz="3200" kern="1200">
+                <a:solidFill>
+                  <a:schemeClr val="tx1">
+                    <a:tint val="75000"/>
+                  </a:schemeClr>
+                </a:solidFill>
+                <a:latin typeface="+mn-lt"/>
+                <a:ea typeface="+mn-ea"/>
+                <a:cs typeface="+mn-cs"/>
+              </a:defRPr>
+            </a:lvl1pPr>
+            <a:lvl2pPr marL="457200" indent="0" algn="ctr" defTabSz="914400" rtl="0" eaLnBrk="1" latinLnBrk="0" hangingPunct="1">
+              <a:spcBef>
+                <a:spcPct val="20000"/>
+              </a:spcBef>
+              <a:buFont typeface="Arial" pitchFamily="34" charset="0"/>
+              <a:buNone/>
+              <a:defRPr sz="2800" kern="1200">
+                <a:solidFill>
+                  <a:schemeClr val="tx1">
+                    <a:tint val="75000"/>
+                  </a:schemeClr>
+                </a:solidFill>
+                <a:latin typeface="+mn-lt"/>
+                <a:ea typeface="+mn-ea"/>
+                <a:cs typeface="+mn-cs"/>
+              </a:defRPr>
+            </a:lvl2pPr>
+            <a:lvl3pPr marL="914400" indent="0" algn="ctr" defTabSz="914400" rtl="0" eaLnBrk="1" latinLnBrk="0" hangingPunct="1">
+              <a:spcBef>
+                <a:spcPct val="20000"/>
+              </a:spcBef>
+              <a:buFont typeface="Arial" pitchFamily="34" charset="0"/>
+              <a:buNone/>
+              <a:defRPr sz="2400" kern="1200">
+                <a:solidFill>
+                  <a:schemeClr val="tx1">
+                    <a:tint val="75000"/>
+                  </a:schemeClr>
+                </a:solidFill>
+                <a:latin typeface="+mn-lt"/>
+                <a:ea typeface="+mn-ea"/>
+                <a:cs typeface="+mn-cs"/>
+              </a:defRPr>
+            </a:lvl3pPr>
+            <a:lvl4pPr marL="1371600" indent="0" algn="ctr" defTabSz="914400" rtl="0" eaLnBrk="1" latinLnBrk="0" hangingPunct="1">
+              <a:spcBef>
+                <a:spcPct val="20000"/>
+              </a:spcBef>
+              <a:buFont typeface="Arial" pitchFamily="34" charset="0"/>
+              <a:buNone/>
+              <a:defRPr sz="2000" kern="1200">
+                <a:solidFill>
+                  <a:schemeClr val="tx1">
+                    <a:tint val="75000"/>
+                  </a:schemeClr>
+                </a:solidFill>
+                <a:latin typeface="+mn-lt"/>
+                <a:ea typeface="+mn-ea"/>
+                <a:cs typeface="+mn-cs"/>
+              </a:defRPr>
+            </a:lvl4pPr>
+            <a:lvl5pPr marL="1828800" indent="0" algn="ctr" defTabSz="914400" rtl="0" eaLnBrk="1" latinLnBrk="0" hangingPunct="1">
+              <a:spcBef>
+                <a:spcPct val="20000"/>
+              </a:spcBef>
+              <a:buFont typeface="Arial" pitchFamily="34" charset="0"/>
+              <a:buNone/>
+              <a:defRPr sz="2000" kern="1200">
+                <a:solidFill>
+                  <a:schemeClr val="tx1">
+                    <a:tint val="75000"/>
+                  </a:schemeClr>
+                </a:solidFill>
+                <a:latin typeface="+mn-lt"/>
+                <a:ea typeface="+mn-ea"/>
+                <a:cs typeface="+mn-cs"/>
+              </a:defRPr>
+            </a:lvl5pPr>
+            <a:lvl6pPr marL="2286000" indent="0" algn="ctr" defTabSz="914400" rtl="0" eaLnBrk="1" latinLnBrk="0" hangingPunct="1">
+              <a:spcBef>
+                <a:spcPct val="20000"/>
+              </a:spcBef>
+              <a:buFont typeface="Arial" pitchFamily="34" charset="0"/>
+              <a:buNone/>
+              <a:defRPr sz="2000" kern="1200">
+                <a:solidFill>
+                  <a:schemeClr val="tx1">
+                    <a:tint val="75000"/>
+                  </a:schemeClr>
+                </a:solidFill>
+                <a:latin typeface="+mn-lt"/>
+                <a:ea typeface="+mn-ea"/>
+                <a:cs typeface="+mn-cs"/>
+              </a:defRPr>
+            </a:lvl6pPr>
+            <a:lvl7pPr marL="2743200" indent="0" algn="ctr" defTabSz="914400" rtl="0" eaLnBrk="1" latinLnBrk="0" hangingPunct="1">
+              <a:spcBef>
+                <a:spcPct val="20000"/>
+              </a:spcBef>
+              <a:buFont typeface="Arial" pitchFamily="34" charset="0"/>
+              <a:buNone/>
+              <a:defRPr sz="2000" kern="1200">
+                <a:solidFill>
+                  <a:schemeClr val="tx1">
+                    <a:tint val="75000"/>
+                  </a:schemeClr>
+                </a:solidFill>
+                <a:latin typeface="+mn-lt"/>
+                <a:ea typeface="+mn-ea"/>
+                <a:cs typeface="+mn-cs"/>
+              </a:defRPr>
+            </a:lvl7pPr>
+            <a:lvl8pPr marL="3200400" indent="0" algn="ctr" defTabSz="914400" rtl="0" eaLnBrk="1" latinLnBrk="0" hangingPunct="1">
+              <a:spcBef>
+                <a:spcPct val="20000"/>
+              </a:spcBef>
+              <a:buFont typeface="Arial" pitchFamily="34" charset="0"/>
+              <a:buNone/>
+              <a:defRPr sz="2000" kern="1200">
+                <a:solidFill>
+                  <a:schemeClr val="tx1">
+                    <a:tint val="75000"/>
+                  </a:schemeClr>
+                </a:solidFill>
+                <a:latin typeface="+mn-lt"/>
+                <a:ea typeface="+mn-ea"/>
+                <a:cs typeface="+mn-cs"/>
+              </a:defRPr>
+            </a:lvl8pPr>
+            <a:lvl9pPr marL="3657600" indent="0" algn="ctr" defTabSz="914400" rtl="0" eaLnBrk="1" latinLnBrk="0" hangingPunct="1">
+              <a:spcBef>
+                <a:spcPct val="20000"/>
+              </a:spcBef>
+              <a:buFont typeface="Arial" pitchFamily="34" charset="0"/>
+              <a:buNone/>
+              <a:defRPr sz="2000" kern="1200">
+                <a:solidFill>
+                  <a:schemeClr val="tx1">
+                    <a:tint val="75000"/>
+                  </a:schemeClr>
+                </a:solidFill>
+                <a:latin typeface="+mn-lt"/>
+                <a:ea typeface="+mn-ea"/>
+                <a:cs typeface="+mn-cs"/>
+              </a:defRPr>
+            </a:lvl9pPr>
+          </a:lstStyle>
+          <a:p>
+            <a:r>
+              <a:rPr lang="en-US" sz="1600" dirty="0">
+                <a:solidFill>
+                  <a:schemeClr val="tx1"/>
+                </a:solidFill>
+              </a:rPr>
+              <a:t>LEFT</a:t>
+            </a:r>
+          </a:p>
+        </p:txBody>
+      </p:sp>
+      <p:sp>
+        <p:nvSpPr>
+          <p:cNvPr id="7" name="Right Arrow 6">
+            <a:extLst>
+              <a:ext uri="{FF2B5EF4-FFF2-40B4-BE49-F238E27FC236}">
+                <a16:creationId xmlns:a16="http://schemas.microsoft.com/office/drawing/2014/main" id="{5AD6B2D4-1F9F-D34A-9F43-9980FA31A6B4}"/>
+              </a:ext>
+            </a:extLst>
+          </p:cNvPr>
+          <p:cNvSpPr/>
+          <p:nvPr/>
+        </p:nvSpPr>
+        <p:spPr>
+          <a:xfrm rot="10800000">
+            <a:off x="1902125" y="6391827"/>
+            <a:ext cx="640200" cy="289763"/>
+          </a:xfrm>
+          <a:prstGeom prst="rightArrow">
+            <a:avLst/>
+          </a:prstGeom>
+          <a:solidFill>
+            <a:schemeClr val="tx1"/>
+          </a:solidFill>
+          <a:ln>
+            <a:noFill/>
+          </a:ln>
+        </p:spPr>
+        <p:style>
+          <a:lnRef idx="1">
+            <a:schemeClr val="accent1"/>
+          </a:lnRef>
+          <a:fillRef idx="3">
+            <a:schemeClr val="accent1"/>
+          </a:fillRef>
+          <a:effectRef idx="2">
+            <a:schemeClr val="accent1"/>
+          </a:effectRef>
+          <a:fontRef idx="minor">
+            <a:schemeClr val="lt1"/>
+          </a:fontRef>
+        </p:style>
+        <p:txBody>
+          <a:bodyPr rtlCol="0" anchor="ctr"/>
+          <a:lstStyle/>
+          <a:p>
+            <a:pPr algn="ctr"/>
+            <a:endParaRPr lang="en-US"/>
+          </a:p>
+        </p:txBody>
+      </p:sp>
     </p:spTree>
     <p:extLst>
       <p:ext uri="{BB962C8B-B14F-4D97-AF65-F5344CB8AC3E}">
@@ -10271,6 +11590,250 @@
           </a:p>
         </p:txBody>
       </p:sp>
+      <p:sp>
+        <p:nvSpPr>
+          <p:cNvPr id="6" name="Subtitle 8">
+            <a:extLst>
+              <a:ext uri="{FF2B5EF4-FFF2-40B4-BE49-F238E27FC236}">
+                <a16:creationId xmlns:a16="http://schemas.microsoft.com/office/drawing/2014/main" id="{D4503D36-E15D-BB40-B13C-418714626CF3}"/>
+              </a:ext>
+            </a:extLst>
+          </p:cNvPr>
+          <p:cNvSpPr txBox="1">
+            <a:spLocks/>
+          </p:cNvSpPr>
+          <p:nvPr/>
+        </p:nvSpPr>
+        <p:spPr>
+          <a:xfrm>
+            <a:off x="1518826" y="6073844"/>
+            <a:ext cx="1532830" cy="801636"/>
+          </a:xfrm>
+          <a:prstGeom prst="rect">
+            <a:avLst/>
+          </a:prstGeom>
+        </p:spPr>
+        <p:txBody>
+          <a:bodyPr vert="horz" lIns="91440" tIns="45720" rIns="91440" bIns="45720" rtlCol="0">
+            <a:normAutofit/>
+          </a:bodyPr>
+          <a:lstStyle>
+            <a:lvl1pPr marL="0" indent="0" algn="ctr" defTabSz="914400" rtl="0" eaLnBrk="1" latinLnBrk="0" hangingPunct="1">
+              <a:spcBef>
+                <a:spcPct val="20000"/>
+              </a:spcBef>
+              <a:buFont typeface="Arial" pitchFamily="34" charset="0"/>
+              <a:buNone/>
+              <a:defRPr sz="3200" kern="1200">
+                <a:solidFill>
+                  <a:schemeClr val="tx1">
+                    <a:tint val="75000"/>
+                  </a:schemeClr>
+                </a:solidFill>
+                <a:latin typeface="+mn-lt"/>
+                <a:ea typeface="+mn-ea"/>
+                <a:cs typeface="+mn-cs"/>
+              </a:defRPr>
+            </a:lvl1pPr>
+            <a:lvl2pPr marL="457200" indent="0" algn="ctr" defTabSz="914400" rtl="0" eaLnBrk="1" latinLnBrk="0" hangingPunct="1">
+              <a:spcBef>
+                <a:spcPct val="20000"/>
+              </a:spcBef>
+              <a:buFont typeface="Arial" pitchFamily="34" charset="0"/>
+              <a:buNone/>
+              <a:defRPr sz="2800" kern="1200">
+                <a:solidFill>
+                  <a:schemeClr val="tx1">
+                    <a:tint val="75000"/>
+                  </a:schemeClr>
+                </a:solidFill>
+                <a:latin typeface="+mn-lt"/>
+                <a:ea typeface="+mn-ea"/>
+                <a:cs typeface="+mn-cs"/>
+              </a:defRPr>
+            </a:lvl2pPr>
+            <a:lvl3pPr marL="914400" indent="0" algn="ctr" defTabSz="914400" rtl="0" eaLnBrk="1" latinLnBrk="0" hangingPunct="1">
+              <a:spcBef>
+                <a:spcPct val="20000"/>
+              </a:spcBef>
+              <a:buFont typeface="Arial" pitchFamily="34" charset="0"/>
+              <a:buNone/>
+              <a:defRPr sz="2400" kern="1200">
+                <a:solidFill>
+                  <a:schemeClr val="tx1">
+                    <a:tint val="75000"/>
+                  </a:schemeClr>
+                </a:solidFill>
+                <a:latin typeface="+mn-lt"/>
+                <a:ea typeface="+mn-ea"/>
+                <a:cs typeface="+mn-cs"/>
+              </a:defRPr>
+            </a:lvl3pPr>
+            <a:lvl4pPr marL="1371600" indent="0" algn="ctr" defTabSz="914400" rtl="0" eaLnBrk="1" latinLnBrk="0" hangingPunct="1">
+              <a:spcBef>
+                <a:spcPct val="20000"/>
+              </a:spcBef>
+              <a:buFont typeface="Arial" pitchFamily="34" charset="0"/>
+              <a:buNone/>
+              <a:defRPr sz="2000" kern="1200">
+                <a:solidFill>
+                  <a:schemeClr val="tx1">
+                    <a:tint val="75000"/>
+                  </a:schemeClr>
+                </a:solidFill>
+                <a:latin typeface="+mn-lt"/>
+                <a:ea typeface="+mn-ea"/>
+                <a:cs typeface="+mn-cs"/>
+              </a:defRPr>
+            </a:lvl4pPr>
+            <a:lvl5pPr marL="1828800" indent="0" algn="ctr" defTabSz="914400" rtl="0" eaLnBrk="1" latinLnBrk="0" hangingPunct="1">
+              <a:spcBef>
+                <a:spcPct val="20000"/>
+              </a:spcBef>
+              <a:buFont typeface="Arial" pitchFamily="34" charset="0"/>
+              <a:buNone/>
+              <a:defRPr sz="2000" kern="1200">
+                <a:solidFill>
+                  <a:schemeClr val="tx1">
+                    <a:tint val="75000"/>
+                  </a:schemeClr>
+                </a:solidFill>
+                <a:latin typeface="+mn-lt"/>
+                <a:ea typeface="+mn-ea"/>
+                <a:cs typeface="+mn-cs"/>
+              </a:defRPr>
+            </a:lvl5pPr>
+            <a:lvl6pPr marL="2286000" indent="0" algn="ctr" defTabSz="914400" rtl="0" eaLnBrk="1" latinLnBrk="0" hangingPunct="1">
+              <a:spcBef>
+                <a:spcPct val="20000"/>
+              </a:spcBef>
+              <a:buFont typeface="Arial" pitchFamily="34" charset="0"/>
+              <a:buNone/>
+              <a:defRPr sz="2000" kern="1200">
+                <a:solidFill>
+                  <a:schemeClr val="tx1">
+                    <a:tint val="75000"/>
+                  </a:schemeClr>
+                </a:solidFill>
+                <a:latin typeface="+mn-lt"/>
+                <a:ea typeface="+mn-ea"/>
+                <a:cs typeface="+mn-cs"/>
+              </a:defRPr>
+            </a:lvl6pPr>
+            <a:lvl7pPr marL="2743200" indent="0" algn="ctr" defTabSz="914400" rtl="0" eaLnBrk="1" latinLnBrk="0" hangingPunct="1">
+              <a:spcBef>
+                <a:spcPct val="20000"/>
+              </a:spcBef>
+              <a:buFont typeface="Arial" pitchFamily="34" charset="0"/>
+              <a:buNone/>
+              <a:defRPr sz="2000" kern="1200">
+                <a:solidFill>
+                  <a:schemeClr val="tx1">
+                    <a:tint val="75000"/>
+                  </a:schemeClr>
+                </a:solidFill>
+                <a:latin typeface="+mn-lt"/>
+                <a:ea typeface="+mn-ea"/>
+                <a:cs typeface="+mn-cs"/>
+              </a:defRPr>
+            </a:lvl7pPr>
+            <a:lvl8pPr marL="3200400" indent="0" algn="ctr" defTabSz="914400" rtl="0" eaLnBrk="1" latinLnBrk="0" hangingPunct="1">
+              <a:spcBef>
+                <a:spcPct val="20000"/>
+              </a:spcBef>
+              <a:buFont typeface="Arial" pitchFamily="34" charset="0"/>
+              <a:buNone/>
+              <a:defRPr sz="2000" kern="1200">
+                <a:solidFill>
+                  <a:schemeClr val="tx1">
+                    <a:tint val="75000"/>
+                  </a:schemeClr>
+                </a:solidFill>
+                <a:latin typeface="+mn-lt"/>
+                <a:ea typeface="+mn-ea"/>
+                <a:cs typeface="+mn-cs"/>
+              </a:defRPr>
+            </a:lvl8pPr>
+            <a:lvl9pPr marL="3657600" indent="0" algn="ctr" defTabSz="914400" rtl="0" eaLnBrk="1" latinLnBrk="0" hangingPunct="1">
+              <a:spcBef>
+                <a:spcPct val="20000"/>
+              </a:spcBef>
+              <a:buFont typeface="Arial" pitchFamily="34" charset="0"/>
+              <a:buNone/>
+              <a:defRPr sz="2000" kern="1200">
+                <a:solidFill>
+                  <a:schemeClr val="tx1">
+                    <a:tint val="75000"/>
+                  </a:schemeClr>
+                </a:solidFill>
+                <a:latin typeface="+mn-lt"/>
+                <a:ea typeface="+mn-ea"/>
+                <a:cs typeface="+mn-cs"/>
+              </a:defRPr>
+            </a:lvl9pPr>
+          </a:lstStyle>
+          <a:p>
+            <a:r>
+              <a:rPr lang="en-US" sz="1600" dirty="0">
+                <a:solidFill>
+                  <a:schemeClr val="tx1"/>
+                </a:solidFill>
+              </a:rPr>
+              <a:t>LEFT</a:t>
+            </a:r>
+          </a:p>
+        </p:txBody>
+      </p:sp>
+      <p:sp>
+        <p:nvSpPr>
+          <p:cNvPr id="7" name="Right Arrow 6">
+            <a:extLst>
+              <a:ext uri="{FF2B5EF4-FFF2-40B4-BE49-F238E27FC236}">
+                <a16:creationId xmlns:a16="http://schemas.microsoft.com/office/drawing/2014/main" id="{04C477A1-2E10-1849-89EC-970884EB7650}"/>
+              </a:ext>
+            </a:extLst>
+          </p:cNvPr>
+          <p:cNvSpPr/>
+          <p:nvPr/>
+        </p:nvSpPr>
+        <p:spPr>
+          <a:xfrm rot="10800000">
+            <a:off x="1902125" y="6391827"/>
+            <a:ext cx="640200" cy="289763"/>
+          </a:xfrm>
+          <a:prstGeom prst="rightArrow">
+            <a:avLst/>
+          </a:prstGeom>
+          <a:solidFill>
+            <a:schemeClr val="tx1"/>
+          </a:solidFill>
+          <a:ln>
+            <a:noFill/>
+          </a:ln>
+        </p:spPr>
+        <p:style>
+          <a:lnRef idx="1">
+            <a:schemeClr val="accent1"/>
+          </a:lnRef>
+          <a:fillRef idx="3">
+            <a:schemeClr val="accent1"/>
+          </a:fillRef>
+          <a:effectRef idx="2">
+            <a:schemeClr val="accent1"/>
+          </a:effectRef>
+          <a:fontRef idx="minor">
+            <a:schemeClr val="lt1"/>
+          </a:fontRef>
+        </p:style>
+        <p:txBody>
+          <a:bodyPr rtlCol="0" anchor="ctr"/>
+          <a:lstStyle/>
+          <a:p>
+            <a:pPr algn="ctr"/>
+            <a:endParaRPr lang="en-US"/>
+          </a:p>
+        </p:txBody>
+      </p:sp>
     </p:spTree>
     <p:extLst>
       <p:ext uri="{BB962C8B-B14F-4D97-AF65-F5344CB8AC3E}">
@@ -10732,6 +12295,250 @@
           </a:p>
         </p:txBody>
       </p:sp>
+      <p:sp>
+        <p:nvSpPr>
+          <p:cNvPr id="6" name="Subtitle 8">
+            <a:extLst>
+              <a:ext uri="{FF2B5EF4-FFF2-40B4-BE49-F238E27FC236}">
+                <a16:creationId xmlns:a16="http://schemas.microsoft.com/office/drawing/2014/main" id="{191E1420-A7C5-C14C-A3A4-EBAF77462F9E}"/>
+              </a:ext>
+            </a:extLst>
+          </p:cNvPr>
+          <p:cNvSpPr txBox="1">
+            <a:spLocks/>
+          </p:cNvSpPr>
+          <p:nvPr/>
+        </p:nvSpPr>
+        <p:spPr>
+          <a:xfrm>
+            <a:off x="1518826" y="6073844"/>
+            <a:ext cx="1532830" cy="801636"/>
+          </a:xfrm>
+          <a:prstGeom prst="rect">
+            <a:avLst/>
+          </a:prstGeom>
+        </p:spPr>
+        <p:txBody>
+          <a:bodyPr vert="horz" lIns="91440" tIns="45720" rIns="91440" bIns="45720" rtlCol="0">
+            <a:normAutofit/>
+          </a:bodyPr>
+          <a:lstStyle>
+            <a:lvl1pPr marL="0" indent="0" algn="ctr" defTabSz="914400" rtl="0" eaLnBrk="1" latinLnBrk="0" hangingPunct="1">
+              <a:spcBef>
+                <a:spcPct val="20000"/>
+              </a:spcBef>
+              <a:buFont typeface="Arial" pitchFamily="34" charset="0"/>
+              <a:buNone/>
+              <a:defRPr sz="3200" kern="1200">
+                <a:solidFill>
+                  <a:schemeClr val="tx1">
+                    <a:tint val="75000"/>
+                  </a:schemeClr>
+                </a:solidFill>
+                <a:latin typeface="+mn-lt"/>
+                <a:ea typeface="+mn-ea"/>
+                <a:cs typeface="+mn-cs"/>
+              </a:defRPr>
+            </a:lvl1pPr>
+            <a:lvl2pPr marL="457200" indent="0" algn="ctr" defTabSz="914400" rtl="0" eaLnBrk="1" latinLnBrk="0" hangingPunct="1">
+              <a:spcBef>
+                <a:spcPct val="20000"/>
+              </a:spcBef>
+              <a:buFont typeface="Arial" pitchFamily="34" charset="0"/>
+              <a:buNone/>
+              <a:defRPr sz="2800" kern="1200">
+                <a:solidFill>
+                  <a:schemeClr val="tx1">
+                    <a:tint val="75000"/>
+                  </a:schemeClr>
+                </a:solidFill>
+                <a:latin typeface="+mn-lt"/>
+                <a:ea typeface="+mn-ea"/>
+                <a:cs typeface="+mn-cs"/>
+              </a:defRPr>
+            </a:lvl2pPr>
+            <a:lvl3pPr marL="914400" indent="0" algn="ctr" defTabSz="914400" rtl="0" eaLnBrk="1" latinLnBrk="0" hangingPunct="1">
+              <a:spcBef>
+                <a:spcPct val="20000"/>
+              </a:spcBef>
+              <a:buFont typeface="Arial" pitchFamily="34" charset="0"/>
+              <a:buNone/>
+              <a:defRPr sz="2400" kern="1200">
+                <a:solidFill>
+                  <a:schemeClr val="tx1">
+                    <a:tint val="75000"/>
+                  </a:schemeClr>
+                </a:solidFill>
+                <a:latin typeface="+mn-lt"/>
+                <a:ea typeface="+mn-ea"/>
+                <a:cs typeface="+mn-cs"/>
+              </a:defRPr>
+            </a:lvl3pPr>
+            <a:lvl4pPr marL="1371600" indent="0" algn="ctr" defTabSz="914400" rtl="0" eaLnBrk="1" latinLnBrk="0" hangingPunct="1">
+              <a:spcBef>
+                <a:spcPct val="20000"/>
+              </a:spcBef>
+              <a:buFont typeface="Arial" pitchFamily="34" charset="0"/>
+              <a:buNone/>
+              <a:defRPr sz="2000" kern="1200">
+                <a:solidFill>
+                  <a:schemeClr val="tx1">
+                    <a:tint val="75000"/>
+                  </a:schemeClr>
+                </a:solidFill>
+                <a:latin typeface="+mn-lt"/>
+                <a:ea typeface="+mn-ea"/>
+                <a:cs typeface="+mn-cs"/>
+              </a:defRPr>
+            </a:lvl4pPr>
+            <a:lvl5pPr marL="1828800" indent="0" algn="ctr" defTabSz="914400" rtl="0" eaLnBrk="1" latinLnBrk="0" hangingPunct="1">
+              <a:spcBef>
+                <a:spcPct val="20000"/>
+              </a:spcBef>
+              <a:buFont typeface="Arial" pitchFamily="34" charset="0"/>
+              <a:buNone/>
+              <a:defRPr sz="2000" kern="1200">
+                <a:solidFill>
+                  <a:schemeClr val="tx1">
+                    <a:tint val="75000"/>
+                  </a:schemeClr>
+                </a:solidFill>
+                <a:latin typeface="+mn-lt"/>
+                <a:ea typeface="+mn-ea"/>
+                <a:cs typeface="+mn-cs"/>
+              </a:defRPr>
+            </a:lvl5pPr>
+            <a:lvl6pPr marL="2286000" indent="0" algn="ctr" defTabSz="914400" rtl="0" eaLnBrk="1" latinLnBrk="0" hangingPunct="1">
+              <a:spcBef>
+                <a:spcPct val="20000"/>
+              </a:spcBef>
+              <a:buFont typeface="Arial" pitchFamily="34" charset="0"/>
+              <a:buNone/>
+              <a:defRPr sz="2000" kern="1200">
+                <a:solidFill>
+                  <a:schemeClr val="tx1">
+                    <a:tint val="75000"/>
+                  </a:schemeClr>
+                </a:solidFill>
+                <a:latin typeface="+mn-lt"/>
+                <a:ea typeface="+mn-ea"/>
+                <a:cs typeface="+mn-cs"/>
+              </a:defRPr>
+            </a:lvl6pPr>
+            <a:lvl7pPr marL="2743200" indent="0" algn="ctr" defTabSz="914400" rtl="0" eaLnBrk="1" latinLnBrk="0" hangingPunct="1">
+              <a:spcBef>
+                <a:spcPct val="20000"/>
+              </a:spcBef>
+              <a:buFont typeface="Arial" pitchFamily="34" charset="0"/>
+              <a:buNone/>
+              <a:defRPr sz="2000" kern="1200">
+                <a:solidFill>
+                  <a:schemeClr val="tx1">
+                    <a:tint val="75000"/>
+                  </a:schemeClr>
+                </a:solidFill>
+                <a:latin typeface="+mn-lt"/>
+                <a:ea typeface="+mn-ea"/>
+                <a:cs typeface="+mn-cs"/>
+              </a:defRPr>
+            </a:lvl7pPr>
+            <a:lvl8pPr marL="3200400" indent="0" algn="ctr" defTabSz="914400" rtl="0" eaLnBrk="1" latinLnBrk="0" hangingPunct="1">
+              <a:spcBef>
+                <a:spcPct val="20000"/>
+              </a:spcBef>
+              <a:buFont typeface="Arial" pitchFamily="34" charset="0"/>
+              <a:buNone/>
+              <a:defRPr sz="2000" kern="1200">
+                <a:solidFill>
+                  <a:schemeClr val="tx1">
+                    <a:tint val="75000"/>
+                  </a:schemeClr>
+                </a:solidFill>
+                <a:latin typeface="+mn-lt"/>
+                <a:ea typeface="+mn-ea"/>
+                <a:cs typeface="+mn-cs"/>
+              </a:defRPr>
+            </a:lvl8pPr>
+            <a:lvl9pPr marL="3657600" indent="0" algn="ctr" defTabSz="914400" rtl="0" eaLnBrk="1" latinLnBrk="0" hangingPunct="1">
+              <a:spcBef>
+                <a:spcPct val="20000"/>
+              </a:spcBef>
+              <a:buFont typeface="Arial" pitchFamily="34" charset="0"/>
+              <a:buNone/>
+              <a:defRPr sz="2000" kern="1200">
+                <a:solidFill>
+                  <a:schemeClr val="tx1">
+                    <a:tint val="75000"/>
+                  </a:schemeClr>
+                </a:solidFill>
+                <a:latin typeface="+mn-lt"/>
+                <a:ea typeface="+mn-ea"/>
+                <a:cs typeface="+mn-cs"/>
+              </a:defRPr>
+            </a:lvl9pPr>
+          </a:lstStyle>
+          <a:p>
+            <a:r>
+              <a:rPr lang="en-US" sz="1600" dirty="0">
+                <a:solidFill>
+                  <a:schemeClr val="tx1"/>
+                </a:solidFill>
+              </a:rPr>
+              <a:t>LEFT</a:t>
+            </a:r>
+          </a:p>
+        </p:txBody>
+      </p:sp>
+      <p:sp>
+        <p:nvSpPr>
+          <p:cNvPr id="7" name="Right Arrow 6">
+            <a:extLst>
+              <a:ext uri="{FF2B5EF4-FFF2-40B4-BE49-F238E27FC236}">
+                <a16:creationId xmlns:a16="http://schemas.microsoft.com/office/drawing/2014/main" id="{471C1C0C-C6F3-CE4D-AC01-4C259D09C0F2}"/>
+              </a:ext>
+            </a:extLst>
+          </p:cNvPr>
+          <p:cNvSpPr/>
+          <p:nvPr/>
+        </p:nvSpPr>
+        <p:spPr>
+          <a:xfrm rot="10800000">
+            <a:off x="1902125" y="6391827"/>
+            <a:ext cx="640200" cy="289763"/>
+          </a:xfrm>
+          <a:prstGeom prst="rightArrow">
+            <a:avLst/>
+          </a:prstGeom>
+          <a:solidFill>
+            <a:schemeClr val="tx1"/>
+          </a:solidFill>
+          <a:ln>
+            <a:noFill/>
+          </a:ln>
+        </p:spPr>
+        <p:style>
+          <a:lnRef idx="1">
+            <a:schemeClr val="accent1"/>
+          </a:lnRef>
+          <a:fillRef idx="3">
+            <a:schemeClr val="accent1"/>
+          </a:fillRef>
+          <a:effectRef idx="2">
+            <a:schemeClr val="accent1"/>
+          </a:effectRef>
+          <a:fontRef idx="minor">
+            <a:schemeClr val="lt1"/>
+          </a:fontRef>
+        </p:style>
+        <p:txBody>
+          <a:bodyPr rtlCol="0" anchor="ctr"/>
+          <a:lstStyle/>
+          <a:p>
+            <a:pPr algn="ctr"/>
+            <a:endParaRPr lang="en-US"/>
+          </a:p>
+        </p:txBody>
+      </p:sp>
     </p:spTree>
     <p:extLst>
       <p:ext uri="{BB962C8B-B14F-4D97-AF65-F5344CB8AC3E}">
@@ -11419,6 +13226,250 @@
           </a:p>
         </p:txBody>
       </p:sp>
+      <p:sp>
+        <p:nvSpPr>
+          <p:cNvPr id="16" name="Subtitle 8">
+            <a:extLst>
+              <a:ext uri="{FF2B5EF4-FFF2-40B4-BE49-F238E27FC236}">
+                <a16:creationId xmlns:a16="http://schemas.microsoft.com/office/drawing/2014/main" id="{B4606754-71A0-4D48-B2BA-9FDEC03DA67A}"/>
+              </a:ext>
+            </a:extLst>
+          </p:cNvPr>
+          <p:cNvSpPr txBox="1">
+            <a:spLocks/>
+          </p:cNvSpPr>
+          <p:nvPr/>
+        </p:nvSpPr>
+        <p:spPr>
+          <a:xfrm>
+            <a:off x="1518826" y="6073844"/>
+            <a:ext cx="1532830" cy="801636"/>
+          </a:xfrm>
+          <a:prstGeom prst="rect">
+            <a:avLst/>
+          </a:prstGeom>
+        </p:spPr>
+        <p:txBody>
+          <a:bodyPr vert="horz" lIns="91440" tIns="45720" rIns="91440" bIns="45720" rtlCol="0">
+            <a:normAutofit/>
+          </a:bodyPr>
+          <a:lstStyle>
+            <a:lvl1pPr marL="0" indent="0" algn="ctr" defTabSz="914400" rtl="0" eaLnBrk="1" latinLnBrk="0" hangingPunct="1">
+              <a:spcBef>
+                <a:spcPct val="20000"/>
+              </a:spcBef>
+              <a:buFont typeface="Arial" pitchFamily="34" charset="0"/>
+              <a:buNone/>
+              <a:defRPr sz="3200" kern="1200">
+                <a:solidFill>
+                  <a:schemeClr val="tx1">
+                    <a:tint val="75000"/>
+                  </a:schemeClr>
+                </a:solidFill>
+                <a:latin typeface="+mn-lt"/>
+                <a:ea typeface="+mn-ea"/>
+                <a:cs typeface="+mn-cs"/>
+              </a:defRPr>
+            </a:lvl1pPr>
+            <a:lvl2pPr marL="457200" indent="0" algn="ctr" defTabSz="914400" rtl="0" eaLnBrk="1" latinLnBrk="0" hangingPunct="1">
+              <a:spcBef>
+                <a:spcPct val="20000"/>
+              </a:spcBef>
+              <a:buFont typeface="Arial" pitchFamily="34" charset="0"/>
+              <a:buNone/>
+              <a:defRPr sz="2800" kern="1200">
+                <a:solidFill>
+                  <a:schemeClr val="tx1">
+                    <a:tint val="75000"/>
+                  </a:schemeClr>
+                </a:solidFill>
+                <a:latin typeface="+mn-lt"/>
+                <a:ea typeface="+mn-ea"/>
+                <a:cs typeface="+mn-cs"/>
+              </a:defRPr>
+            </a:lvl2pPr>
+            <a:lvl3pPr marL="914400" indent="0" algn="ctr" defTabSz="914400" rtl="0" eaLnBrk="1" latinLnBrk="0" hangingPunct="1">
+              <a:spcBef>
+                <a:spcPct val="20000"/>
+              </a:spcBef>
+              <a:buFont typeface="Arial" pitchFamily="34" charset="0"/>
+              <a:buNone/>
+              <a:defRPr sz="2400" kern="1200">
+                <a:solidFill>
+                  <a:schemeClr val="tx1">
+                    <a:tint val="75000"/>
+                  </a:schemeClr>
+                </a:solidFill>
+                <a:latin typeface="+mn-lt"/>
+                <a:ea typeface="+mn-ea"/>
+                <a:cs typeface="+mn-cs"/>
+              </a:defRPr>
+            </a:lvl3pPr>
+            <a:lvl4pPr marL="1371600" indent="0" algn="ctr" defTabSz="914400" rtl="0" eaLnBrk="1" latinLnBrk="0" hangingPunct="1">
+              <a:spcBef>
+                <a:spcPct val="20000"/>
+              </a:spcBef>
+              <a:buFont typeface="Arial" pitchFamily="34" charset="0"/>
+              <a:buNone/>
+              <a:defRPr sz="2000" kern="1200">
+                <a:solidFill>
+                  <a:schemeClr val="tx1">
+                    <a:tint val="75000"/>
+                  </a:schemeClr>
+                </a:solidFill>
+                <a:latin typeface="+mn-lt"/>
+                <a:ea typeface="+mn-ea"/>
+                <a:cs typeface="+mn-cs"/>
+              </a:defRPr>
+            </a:lvl4pPr>
+            <a:lvl5pPr marL="1828800" indent="0" algn="ctr" defTabSz="914400" rtl="0" eaLnBrk="1" latinLnBrk="0" hangingPunct="1">
+              <a:spcBef>
+                <a:spcPct val="20000"/>
+              </a:spcBef>
+              <a:buFont typeface="Arial" pitchFamily="34" charset="0"/>
+              <a:buNone/>
+              <a:defRPr sz="2000" kern="1200">
+                <a:solidFill>
+                  <a:schemeClr val="tx1">
+                    <a:tint val="75000"/>
+                  </a:schemeClr>
+                </a:solidFill>
+                <a:latin typeface="+mn-lt"/>
+                <a:ea typeface="+mn-ea"/>
+                <a:cs typeface="+mn-cs"/>
+              </a:defRPr>
+            </a:lvl5pPr>
+            <a:lvl6pPr marL="2286000" indent="0" algn="ctr" defTabSz="914400" rtl="0" eaLnBrk="1" latinLnBrk="0" hangingPunct="1">
+              <a:spcBef>
+                <a:spcPct val="20000"/>
+              </a:spcBef>
+              <a:buFont typeface="Arial" pitchFamily="34" charset="0"/>
+              <a:buNone/>
+              <a:defRPr sz="2000" kern="1200">
+                <a:solidFill>
+                  <a:schemeClr val="tx1">
+                    <a:tint val="75000"/>
+                  </a:schemeClr>
+                </a:solidFill>
+                <a:latin typeface="+mn-lt"/>
+                <a:ea typeface="+mn-ea"/>
+                <a:cs typeface="+mn-cs"/>
+              </a:defRPr>
+            </a:lvl6pPr>
+            <a:lvl7pPr marL="2743200" indent="0" algn="ctr" defTabSz="914400" rtl="0" eaLnBrk="1" latinLnBrk="0" hangingPunct="1">
+              <a:spcBef>
+                <a:spcPct val="20000"/>
+              </a:spcBef>
+              <a:buFont typeface="Arial" pitchFamily="34" charset="0"/>
+              <a:buNone/>
+              <a:defRPr sz="2000" kern="1200">
+                <a:solidFill>
+                  <a:schemeClr val="tx1">
+                    <a:tint val="75000"/>
+                  </a:schemeClr>
+                </a:solidFill>
+                <a:latin typeface="+mn-lt"/>
+                <a:ea typeface="+mn-ea"/>
+                <a:cs typeface="+mn-cs"/>
+              </a:defRPr>
+            </a:lvl7pPr>
+            <a:lvl8pPr marL="3200400" indent="0" algn="ctr" defTabSz="914400" rtl="0" eaLnBrk="1" latinLnBrk="0" hangingPunct="1">
+              <a:spcBef>
+                <a:spcPct val="20000"/>
+              </a:spcBef>
+              <a:buFont typeface="Arial" pitchFamily="34" charset="0"/>
+              <a:buNone/>
+              <a:defRPr sz="2000" kern="1200">
+                <a:solidFill>
+                  <a:schemeClr val="tx1">
+                    <a:tint val="75000"/>
+                  </a:schemeClr>
+                </a:solidFill>
+                <a:latin typeface="+mn-lt"/>
+                <a:ea typeface="+mn-ea"/>
+                <a:cs typeface="+mn-cs"/>
+              </a:defRPr>
+            </a:lvl8pPr>
+            <a:lvl9pPr marL="3657600" indent="0" algn="ctr" defTabSz="914400" rtl="0" eaLnBrk="1" latinLnBrk="0" hangingPunct="1">
+              <a:spcBef>
+                <a:spcPct val="20000"/>
+              </a:spcBef>
+              <a:buFont typeface="Arial" pitchFamily="34" charset="0"/>
+              <a:buNone/>
+              <a:defRPr sz="2000" kern="1200">
+                <a:solidFill>
+                  <a:schemeClr val="tx1">
+                    <a:tint val="75000"/>
+                  </a:schemeClr>
+                </a:solidFill>
+                <a:latin typeface="+mn-lt"/>
+                <a:ea typeface="+mn-ea"/>
+                <a:cs typeface="+mn-cs"/>
+              </a:defRPr>
+            </a:lvl9pPr>
+          </a:lstStyle>
+          <a:p>
+            <a:r>
+              <a:rPr lang="en-US" sz="1600" dirty="0">
+                <a:solidFill>
+                  <a:schemeClr val="tx1"/>
+                </a:solidFill>
+              </a:rPr>
+              <a:t>LEFT</a:t>
+            </a:r>
+          </a:p>
+        </p:txBody>
+      </p:sp>
+      <p:sp>
+        <p:nvSpPr>
+          <p:cNvPr id="17" name="Right Arrow 16">
+            <a:extLst>
+              <a:ext uri="{FF2B5EF4-FFF2-40B4-BE49-F238E27FC236}">
+                <a16:creationId xmlns:a16="http://schemas.microsoft.com/office/drawing/2014/main" id="{3D22C720-80FB-A24C-8C37-21145FEF61B5}"/>
+              </a:ext>
+            </a:extLst>
+          </p:cNvPr>
+          <p:cNvSpPr/>
+          <p:nvPr/>
+        </p:nvSpPr>
+        <p:spPr>
+          <a:xfrm rot="10800000">
+            <a:off x="1902125" y="6391827"/>
+            <a:ext cx="640200" cy="289763"/>
+          </a:xfrm>
+          <a:prstGeom prst="rightArrow">
+            <a:avLst/>
+          </a:prstGeom>
+          <a:solidFill>
+            <a:schemeClr val="tx1"/>
+          </a:solidFill>
+          <a:ln>
+            <a:noFill/>
+          </a:ln>
+        </p:spPr>
+        <p:style>
+          <a:lnRef idx="1">
+            <a:schemeClr val="accent1"/>
+          </a:lnRef>
+          <a:fillRef idx="3">
+            <a:schemeClr val="accent1"/>
+          </a:fillRef>
+          <a:effectRef idx="2">
+            <a:schemeClr val="accent1"/>
+          </a:effectRef>
+          <a:fontRef idx="minor">
+            <a:schemeClr val="lt1"/>
+          </a:fontRef>
+        </p:style>
+        <p:txBody>
+          <a:bodyPr rtlCol="0" anchor="ctr"/>
+          <a:lstStyle/>
+          <a:p>
+            <a:pPr algn="ctr"/>
+            <a:endParaRPr lang="en-US"/>
+          </a:p>
+        </p:txBody>
+      </p:sp>
     </p:spTree>
     <p:extLst>
       <p:ext uri="{BB962C8B-B14F-4D97-AF65-F5344CB8AC3E}">
@@ -11963,6 +14014,250 @@
           </a:p>
         </p:txBody>
       </p:sp>
+      <p:sp>
+        <p:nvSpPr>
+          <p:cNvPr id="11" name="Subtitle 8">
+            <a:extLst>
+              <a:ext uri="{FF2B5EF4-FFF2-40B4-BE49-F238E27FC236}">
+                <a16:creationId xmlns:a16="http://schemas.microsoft.com/office/drawing/2014/main" id="{1FEB19E2-FC1A-954B-BAB0-7D1DAA43A60F}"/>
+              </a:ext>
+            </a:extLst>
+          </p:cNvPr>
+          <p:cNvSpPr txBox="1">
+            <a:spLocks/>
+          </p:cNvSpPr>
+          <p:nvPr/>
+        </p:nvSpPr>
+        <p:spPr>
+          <a:xfrm>
+            <a:off x="1518826" y="6073844"/>
+            <a:ext cx="1532830" cy="801636"/>
+          </a:xfrm>
+          <a:prstGeom prst="rect">
+            <a:avLst/>
+          </a:prstGeom>
+        </p:spPr>
+        <p:txBody>
+          <a:bodyPr vert="horz" lIns="91440" tIns="45720" rIns="91440" bIns="45720" rtlCol="0">
+            <a:normAutofit/>
+          </a:bodyPr>
+          <a:lstStyle>
+            <a:lvl1pPr marL="0" indent="0" algn="ctr" defTabSz="914400" rtl="0" eaLnBrk="1" latinLnBrk="0" hangingPunct="1">
+              <a:spcBef>
+                <a:spcPct val="20000"/>
+              </a:spcBef>
+              <a:buFont typeface="Arial" pitchFamily="34" charset="0"/>
+              <a:buNone/>
+              <a:defRPr sz="3200" kern="1200">
+                <a:solidFill>
+                  <a:schemeClr val="tx1">
+                    <a:tint val="75000"/>
+                  </a:schemeClr>
+                </a:solidFill>
+                <a:latin typeface="+mn-lt"/>
+                <a:ea typeface="+mn-ea"/>
+                <a:cs typeface="+mn-cs"/>
+              </a:defRPr>
+            </a:lvl1pPr>
+            <a:lvl2pPr marL="457200" indent="0" algn="ctr" defTabSz="914400" rtl="0" eaLnBrk="1" latinLnBrk="0" hangingPunct="1">
+              <a:spcBef>
+                <a:spcPct val="20000"/>
+              </a:spcBef>
+              <a:buFont typeface="Arial" pitchFamily="34" charset="0"/>
+              <a:buNone/>
+              <a:defRPr sz="2800" kern="1200">
+                <a:solidFill>
+                  <a:schemeClr val="tx1">
+                    <a:tint val="75000"/>
+                  </a:schemeClr>
+                </a:solidFill>
+                <a:latin typeface="+mn-lt"/>
+                <a:ea typeface="+mn-ea"/>
+                <a:cs typeface="+mn-cs"/>
+              </a:defRPr>
+            </a:lvl2pPr>
+            <a:lvl3pPr marL="914400" indent="0" algn="ctr" defTabSz="914400" rtl="0" eaLnBrk="1" latinLnBrk="0" hangingPunct="1">
+              <a:spcBef>
+                <a:spcPct val="20000"/>
+              </a:spcBef>
+              <a:buFont typeface="Arial" pitchFamily="34" charset="0"/>
+              <a:buNone/>
+              <a:defRPr sz="2400" kern="1200">
+                <a:solidFill>
+                  <a:schemeClr val="tx1">
+                    <a:tint val="75000"/>
+                  </a:schemeClr>
+                </a:solidFill>
+                <a:latin typeface="+mn-lt"/>
+                <a:ea typeface="+mn-ea"/>
+                <a:cs typeface="+mn-cs"/>
+              </a:defRPr>
+            </a:lvl3pPr>
+            <a:lvl4pPr marL="1371600" indent="0" algn="ctr" defTabSz="914400" rtl="0" eaLnBrk="1" latinLnBrk="0" hangingPunct="1">
+              <a:spcBef>
+                <a:spcPct val="20000"/>
+              </a:spcBef>
+              <a:buFont typeface="Arial" pitchFamily="34" charset="0"/>
+              <a:buNone/>
+              <a:defRPr sz="2000" kern="1200">
+                <a:solidFill>
+                  <a:schemeClr val="tx1">
+                    <a:tint val="75000"/>
+                  </a:schemeClr>
+                </a:solidFill>
+                <a:latin typeface="+mn-lt"/>
+                <a:ea typeface="+mn-ea"/>
+                <a:cs typeface="+mn-cs"/>
+              </a:defRPr>
+            </a:lvl4pPr>
+            <a:lvl5pPr marL="1828800" indent="0" algn="ctr" defTabSz="914400" rtl="0" eaLnBrk="1" latinLnBrk="0" hangingPunct="1">
+              <a:spcBef>
+                <a:spcPct val="20000"/>
+              </a:spcBef>
+              <a:buFont typeface="Arial" pitchFamily="34" charset="0"/>
+              <a:buNone/>
+              <a:defRPr sz="2000" kern="1200">
+                <a:solidFill>
+                  <a:schemeClr val="tx1">
+                    <a:tint val="75000"/>
+                  </a:schemeClr>
+                </a:solidFill>
+                <a:latin typeface="+mn-lt"/>
+                <a:ea typeface="+mn-ea"/>
+                <a:cs typeface="+mn-cs"/>
+              </a:defRPr>
+            </a:lvl5pPr>
+            <a:lvl6pPr marL="2286000" indent="0" algn="ctr" defTabSz="914400" rtl="0" eaLnBrk="1" latinLnBrk="0" hangingPunct="1">
+              <a:spcBef>
+                <a:spcPct val="20000"/>
+              </a:spcBef>
+              <a:buFont typeface="Arial" pitchFamily="34" charset="0"/>
+              <a:buNone/>
+              <a:defRPr sz="2000" kern="1200">
+                <a:solidFill>
+                  <a:schemeClr val="tx1">
+                    <a:tint val="75000"/>
+                  </a:schemeClr>
+                </a:solidFill>
+                <a:latin typeface="+mn-lt"/>
+                <a:ea typeface="+mn-ea"/>
+                <a:cs typeface="+mn-cs"/>
+              </a:defRPr>
+            </a:lvl6pPr>
+            <a:lvl7pPr marL="2743200" indent="0" algn="ctr" defTabSz="914400" rtl="0" eaLnBrk="1" latinLnBrk="0" hangingPunct="1">
+              <a:spcBef>
+                <a:spcPct val="20000"/>
+              </a:spcBef>
+              <a:buFont typeface="Arial" pitchFamily="34" charset="0"/>
+              <a:buNone/>
+              <a:defRPr sz="2000" kern="1200">
+                <a:solidFill>
+                  <a:schemeClr val="tx1">
+                    <a:tint val="75000"/>
+                  </a:schemeClr>
+                </a:solidFill>
+                <a:latin typeface="+mn-lt"/>
+                <a:ea typeface="+mn-ea"/>
+                <a:cs typeface="+mn-cs"/>
+              </a:defRPr>
+            </a:lvl7pPr>
+            <a:lvl8pPr marL="3200400" indent="0" algn="ctr" defTabSz="914400" rtl="0" eaLnBrk="1" latinLnBrk="0" hangingPunct="1">
+              <a:spcBef>
+                <a:spcPct val="20000"/>
+              </a:spcBef>
+              <a:buFont typeface="Arial" pitchFamily="34" charset="0"/>
+              <a:buNone/>
+              <a:defRPr sz="2000" kern="1200">
+                <a:solidFill>
+                  <a:schemeClr val="tx1">
+                    <a:tint val="75000"/>
+                  </a:schemeClr>
+                </a:solidFill>
+                <a:latin typeface="+mn-lt"/>
+                <a:ea typeface="+mn-ea"/>
+                <a:cs typeface="+mn-cs"/>
+              </a:defRPr>
+            </a:lvl8pPr>
+            <a:lvl9pPr marL="3657600" indent="0" algn="ctr" defTabSz="914400" rtl="0" eaLnBrk="1" latinLnBrk="0" hangingPunct="1">
+              <a:spcBef>
+                <a:spcPct val="20000"/>
+              </a:spcBef>
+              <a:buFont typeface="Arial" pitchFamily="34" charset="0"/>
+              <a:buNone/>
+              <a:defRPr sz="2000" kern="1200">
+                <a:solidFill>
+                  <a:schemeClr val="tx1">
+                    <a:tint val="75000"/>
+                  </a:schemeClr>
+                </a:solidFill>
+                <a:latin typeface="+mn-lt"/>
+                <a:ea typeface="+mn-ea"/>
+                <a:cs typeface="+mn-cs"/>
+              </a:defRPr>
+            </a:lvl9pPr>
+          </a:lstStyle>
+          <a:p>
+            <a:r>
+              <a:rPr lang="en-US" sz="1600" dirty="0">
+                <a:solidFill>
+                  <a:schemeClr val="tx1"/>
+                </a:solidFill>
+              </a:rPr>
+              <a:t>LEFT</a:t>
+            </a:r>
+          </a:p>
+        </p:txBody>
+      </p:sp>
+      <p:sp>
+        <p:nvSpPr>
+          <p:cNvPr id="14" name="Right Arrow 13">
+            <a:extLst>
+              <a:ext uri="{FF2B5EF4-FFF2-40B4-BE49-F238E27FC236}">
+                <a16:creationId xmlns:a16="http://schemas.microsoft.com/office/drawing/2014/main" id="{97214DF3-483F-0D4D-99B9-A4D1F523D806}"/>
+              </a:ext>
+            </a:extLst>
+          </p:cNvPr>
+          <p:cNvSpPr/>
+          <p:nvPr/>
+        </p:nvSpPr>
+        <p:spPr>
+          <a:xfrm rot="10800000">
+            <a:off x="1902125" y="6391827"/>
+            <a:ext cx="640200" cy="289763"/>
+          </a:xfrm>
+          <a:prstGeom prst="rightArrow">
+            <a:avLst/>
+          </a:prstGeom>
+          <a:solidFill>
+            <a:schemeClr val="tx1"/>
+          </a:solidFill>
+          <a:ln>
+            <a:noFill/>
+          </a:ln>
+        </p:spPr>
+        <p:style>
+          <a:lnRef idx="1">
+            <a:schemeClr val="accent1"/>
+          </a:lnRef>
+          <a:fillRef idx="3">
+            <a:schemeClr val="accent1"/>
+          </a:fillRef>
+          <a:effectRef idx="2">
+            <a:schemeClr val="accent1"/>
+          </a:effectRef>
+          <a:fontRef idx="minor">
+            <a:schemeClr val="lt1"/>
+          </a:fontRef>
+        </p:style>
+        <p:txBody>
+          <a:bodyPr rtlCol="0" anchor="ctr"/>
+          <a:lstStyle/>
+          <a:p>
+            <a:pPr algn="ctr"/>
+            <a:endParaRPr lang="en-US"/>
+          </a:p>
+        </p:txBody>
+      </p:sp>
     </p:spTree>
     <p:extLst>
       <p:ext uri="{BB962C8B-B14F-4D97-AF65-F5344CB8AC3E}">
@@ -12519,6 +14814,250 @@
           </a:ln>
         </p:spPr>
       </p:pic>
+      <p:sp>
+        <p:nvSpPr>
+          <p:cNvPr id="7" name="Subtitle 8">
+            <a:extLst>
+              <a:ext uri="{FF2B5EF4-FFF2-40B4-BE49-F238E27FC236}">
+                <a16:creationId xmlns:a16="http://schemas.microsoft.com/office/drawing/2014/main" id="{AB18D5B1-FFE8-2D45-B5C5-B626315F7323}"/>
+              </a:ext>
+            </a:extLst>
+          </p:cNvPr>
+          <p:cNvSpPr txBox="1">
+            <a:spLocks/>
+          </p:cNvSpPr>
+          <p:nvPr/>
+        </p:nvSpPr>
+        <p:spPr>
+          <a:xfrm>
+            <a:off x="1518826" y="6073844"/>
+            <a:ext cx="1532830" cy="801636"/>
+          </a:xfrm>
+          <a:prstGeom prst="rect">
+            <a:avLst/>
+          </a:prstGeom>
+        </p:spPr>
+        <p:txBody>
+          <a:bodyPr vert="horz" lIns="91440" tIns="45720" rIns="91440" bIns="45720" rtlCol="0">
+            <a:normAutofit/>
+          </a:bodyPr>
+          <a:lstStyle>
+            <a:lvl1pPr marL="0" indent="0" algn="ctr" defTabSz="914400" rtl="0" eaLnBrk="1" latinLnBrk="0" hangingPunct="1">
+              <a:spcBef>
+                <a:spcPct val="20000"/>
+              </a:spcBef>
+              <a:buFont typeface="Arial" pitchFamily="34" charset="0"/>
+              <a:buNone/>
+              <a:defRPr sz="3200" kern="1200">
+                <a:solidFill>
+                  <a:schemeClr val="tx1">
+                    <a:tint val="75000"/>
+                  </a:schemeClr>
+                </a:solidFill>
+                <a:latin typeface="+mn-lt"/>
+                <a:ea typeface="+mn-ea"/>
+                <a:cs typeface="+mn-cs"/>
+              </a:defRPr>
+            </a:lvl1pPr>
+            <a:lvl2pPr marL="457200" indent="0" algn="ctr" defTabSz="914400" rtl="0" eaLnBrk="1" latinLnBrk="0" hangingPunct="1">
+              <a:spcBef>
+                <a:spcPct val="20000"/>
+              </a:spcBef>
+              <a:buFont typeface="Arial" pitchFamily="34" charset="0"/>
+              <a:buNone/>
+              <a:defRPr sz="2800" kern="1200">
+                <a:solidFill>
+                  <a:schemeClr val="tx1">
+                    <a:tint val="75000"/>
+                  </a:schemeClr>
+                </a:solidFill>
+                <a:latin typeface="+mn-lt"/>
+                <a:ea typeface="+mn-ea"/>
+                <a:cs typeface="+mn-cs"/>
+              </a:defRPr>
+            </a:lvl2pPr>
+            <a:lvl3pPr marL="914400" indent="0" algn="ctr" defTabSz="914400" rtl="0" eaLnBrk="1" latinLnBrk="0" hangingPunct="1">
+              <a:spcBef>
+                <a:spcPct val="20000"/>
+              </a:spcBef>
+              <a:buFont typeface="Arial" pitchFamily="34" charset="0"/>
+              <a:buNone/>
+              <a:defRPr sz="2400" kern="1200">
+                <a:solidFill>
+                  <a:schemeClr val="tx1">
+                    <a:tint val="75000"/>
+                  </a:schemeClr>
+                </a:solidFill>
+                <a:latin typeface="+mn-lt"/>
+                <a:ea typeface="+mn-ea"/>
+                <a:cs typeface="+mn-cs"/>
+              </a:defRPr>
+            </a:lvl3pPr>
+            <a:lvl4pPr marL="1371600" indent="0" algn="ctr" defTabSz="914400" rtl="0" eaLnBrk="1" latinLnBrk="0" hangingPunct="1">
+              <a:spcBef>
+                <a:spcPct val="20000"/>
+              </a:spcBef>
+              <a:buFont typeface="Arial" pitchFamily="34" charset="0"/>
+              <a:buNone/>
+              <a:defRPr sz="2000" kern="1200">
+                <a:solidFill>
+                  <a:schemeClr val="tx1">
+                    <a:tint val="75000"/>
+                  </a:schemeClr>
+                </a:solidFill>
+                <a:latin typeface="+mn-lt"/>
+                <a:ea typeface="+mn-ea"/>
+                <a:cs typeface="+mn-cs"/>
+              </a:defRPr>
+            </a:lvl4pPr>
+            <a:lvl5pPr marL="1828800" indent="0" algn="ctr" defTabSz="914400" rtl="0" eaLnBrk="1" latinLnBrk="0" hangingPunct="1">
+              <a:spcBef>
+                <a:spcPct val="20000"/>
+              </a:spcBef>
+              <a:buFont typeface="Arial" pitchFamily="34" charset="0"/>
+              <a:buNone/>
+              <a:defRPr sz="2000" kern="1200">
+                <a:solidFill>
+                  <a:schemeClr val="tx1">
+                    <a:tint val="75000"/>
+                  </a:schemeClr>
+                </a:solidFill>
+                <a:latin typeface="+mn-lt"/>
+                <a:ea typeface="+mn-ea"/>
+                <a:cs typeface="+mn-cs"/>
+              </a:defRPr>
+            </a:lvl5pPr>
+            <a:lvl6pPr marL="2286000" indent="0" algn="ctr" defTabSz="914400" rtl="0" eaLnBrk="1" latinLnBrk="0" hangingPunct="1">
+              <a:spcBef>
+                <a:spcPct val="20000"/>
+              </a:spcBef>
+              <a:buFont typeface="Arial" pitchFamily="34" charset="0"/>
+              <a:buNone/>
+              <a:defRPr sz="2000" kern="1200">
+                <a:solidFill>
+                  <a:schemeClr val="tx1">
+                    <a:tint val="75000"/>
+                  </a:schemeClr>
+                </a:solidFill>
+                <a:latin typeface="+mn-lt"/>
+                <a:ea typeface="+mn-ea"/>
+                <a:cs typeface="+mn-cs"/>
+              </a:defRPr>
+            </a:lvl6pPr>
+            <a:lvl7pPr marL="2743200" indent="0" algn="ctr" defTabSz="914400" rtl="0" eaLnBrk="1" latinLnBrk="0" hangingPunct="1">
+              <a:spcBef>
+                <a:spcPct val="20000"/>
+              </a:spcBef>
+              <a:buFont typeface="Arial" pitchFamily="34" charset="0"/>
+              <a:buNone/>
+              <a:defRPr sz="2000" kern="1200">
+                <a:solidFill>
+                  <a:schemeClr val="tx1">
+                    <a:tint val="75000"/>
+                  </a:schemeClr>
+                </a:solidFill>
+                <a:latin typeface="+mn-lt"/>
+                <a:ea typeface="+mn-ea"/>
+                <a:cs typeface="+mn-cs"/>
+              </a:defRPr>
+            </a:lvl7pPr>
+            <a:lvl8pPr marL="3200400" indent="0" algn="ctr" defTabSz="914400" rtl="0" eaLnBrk="1" latinLnBrk="0" hangingPunct="1">
+              <a:spcBef>
+                <a:spcPct val="20000"/>
+              </a:spcBef>
+              <a:buFont typeface="Arial" pitchFamily="34" charset="0"/>
+              <a:buNone/>
+              <a:defRPr sz="2000" kern="1200">
+                <a:solidFill>
+                  <a:schemeClr val="tx1">
+                    <a:tint val="75000"/>
+                  </a:schemeClr>
+                </a:solidFill>
+                <a:latin typeface="+mn-lt"/>
+                <a:ea typeface="+mn-ea"/>
+                <a:cs typeface="+mn-cs"/>
+              </a:defRPr>
+            </a:lvl8pPr>
+            <a:lvl9pPr marL="3657600" indent="0" algn="ctr" defTabSz="914400" rtl="0" eaLnBrk="1" latinLnBrk="0" hangingPunct="1">
+              <a:spcBef>
+                <a:spcPct val="20000"/>
+              </a:spcBef>
+              <a:buFont typeface="Arial" pitchFamily="34" charset="0"/>
+              <a:buNone/>
+              <a:defRPr sz="2000" kern="1200">
+                <a:solidFill>
+                  <a:schemeClr val="tx1">
+                    <a:tint val="75000"/>
+                  </a:schemeClr>
+                </a:solidFill>
+                <a:latin typeface="+mn-lt"/>
+                <a:ea typeface="+mn-ea"/>
+                <a:cs typeface="+mn-cs"/>
+              </a:defRPr>
+            </a:lvl9pPr>
+          </a:lstStyle>
+          <a:p>
+            <a:r>
+              <a:rPr lang="en-US" sz="1600" dirty="0">
+                <a:solidFill>
+                  <a:schemeClr val="tx1"/>
+                </a:solidFill>
+              </a:rPr>
+              <a:t>LEFT</a:t>
+            </a:r>
+          </a:p>
+        </p:txBody>
+      </p:sp>
+      <p:sp>
+        <p:nvSpPr>
+          <p:cNvPr id="8" name="Right Arrow 7">
+            <a:extLst>
+              <a:ext uri="{FF2B5EF4-FFF2-40B4-BE49-F238E27FC236}">
+                <a16:creationId xmlns:a16="http://schemas.microsoft.com/office/drawing/2014/main" id="{99A00011-9179-3E48-B879-0F171F2A60C4}"/>
+              </a:ext>
+            </a:extLst>
+          </p:cNvPr>
+          <p:cNvSpPr/>
+          <p:nvPr/>
+        </p:nvSpPr>
+        <p:spPr>
+          <a:xfrm rot="10800000">
+            <a:off x="1902125" y="6391827"/>
+            <a:ext cx="640200" cy="289763"/>
+          </a:xfrm>
+          <a:prstGeom prst="rightArrow">
+            <a:avLst/>
+          </a:prstGeom>
+          <a:solidFill>
+            <a:schemeClr val="tx1"/>
+          </a:solidFill>
+          <a:ln>
+            <a:noFill/>
+          </a:ln>
+        </p:spPr>
+        <p:style>
+          <a:lnRef idx="1">
+            <a:schemeClr val="accent1"/>
+          </a:lnRef>
+          <a:fillRef idx="3">
+            <a:schemeClr val="accent1"/>
+          </a:fillRef>
+          <a:effectRef idx="2">
+            <a:schemeClr val="accent1"/>
+          </a:effectRef>
+          <a:fontRef idx="minor">
+            <a:schemeClr val="lt1"/>
+          </a:fontRef>
+        </p:style>
+        <p:txBody>
+          <a:bodyPr rtlCol="0" anchor="ctr"/>
+          <a:lstStyle/>
+          <a:p>
+            <a:pPr algn="ctr"/>
+            <a:endParaRPr lang="en-US"/>
+          </a:p>
+        </p:txBody>
+      </p:sp>
     </p:spTree>
     <p:extLst>
       <p:ext uri="{BB962C8B-B14F-4D97-AF65-F5344CB8AC3E}">
@@ -12957,6 +15496,250 @@
           </a:p>
         </p:txBody>
       </p:sp>
+      <p:sp>
+        <p:nvSpPr>
+          <p:cNvPr id="8" name="Subtitle 8">
+            <a:extLst>
+              <a:ext uri="{FF2B5EF4-FFF2-40B4-BE49-F238E27FC236}">
+                <a16:creationId xmlns:a16="http://schemas.microsoft.com/office/drawing/2014/main" id="{49AF0E53-D5B3-F04D-B832-8B116D935F10}"/>
+              </a:ext>
+            </a:extLst>
+          </p:cNvPr>
+          <p:cNvSpPr txBox="1">
+            <a:spLocks/>
+          </p:cNvSpPr>
+          <p:nvPr/>
+        </p:nvSpPr>
+        <p:spPr>
+          <a:xfrm>
+            <a:off x="1518826" y="6073844"/>
+            <a:ext cx="1532830" cy="801636"/>
+          </a:xfrm>
+          <a:prstGeom prst="rect">
+            <a:avLst/>
+          </a:prstGeom>
+        </p:spPr>
+        <p:txBody>
+          <a:bodyPr vert="horz" lIns="91440" tIns="45720" rIns="91440" bIns="45720" rtlCol="0">
+            <a:normAutofit/>
+          </a:bodyPr>
+          <a:lstStyle>
+            <a:lvl1pPr marL="0" indent="0" algn="ctr" defTabSz="914400" rtl="0" eaLnBrk="1" latinLnBrk="0" hangingPunct="1">
+              <a:spcBef>
+                <a:spcPct val="20000"/>
+              </a:spcBef>
+              <a:buFont typeface="Arial" pitchFamily="34" charset="0"/>
+              <a:buNone/>
+              <a:defRPr sz="3200" kern="1200">
+                <a:solidFill>
+                  <a:schemeClr val="tx1">
+                    <a:tint val="75000"/>
+                  </a:schemeClr>
+                </a:solidFill>
+                <a:latin typeface="+mn-lt"/>
+                <a:ea typeface="+mn-ea"/>
+                <a:cs typeface="+mn-cs"/>
+              </a:defRPr>
+            </a:lvl1pPr>
+            <a:lvl2pPr marL="457200" indent="0" algn="ctr" defTabSz="914400" rtl="0" eaLnBrk="1" latinLnBrk="0" hangingPunct="1">
+              <a:spcBef>
+                <a:spcPct val="20000"/>
+              </a:spcBef>
+              <a:buFont typeface="Arial" pitchFamily="34" charset="0"/>
+              <a:buNone/>
+              <a:defRPr sz="2800" kern="1200">
+                <a:solidFill>
+                  <a:schemeClr val="tx1">
+                    <a:tint val="75000"/>
+                  </a:schemeClr>
+                </a:solidFill>
+                <a:latin typeface="+mn-lt"/>
+                <a:ea typeface="+mn-ea"/>
+                <a:cs typeface="+mn-cs"/>
+              </a:defRPr>
+            </a:lvl2pPr>
+            <a:lvl3pPr marL="914400" indent="0" algn="ctr" defTabSz="914400" rtl="0" eaLnBrk="1" latinLnBrk="0" hangingPunct="1">
+              <a:spcBef>
+                <a:spcPct val="20000"/>
+              </a:spcBef>
+              <a:buFont typeface="Arial" pitchFamily="34" charset="0"/>
+              <a:buNone/>
+              <a:defRPr sz="2400" kern="1200">
+                <a:solidFill>
+                  <a:schemeClr val="tx1">
+                    <a:tint val="75000"/>
+                  </a:schemeClr>
+                </a:solidFill>
+                <a:latin typeface="+mn-lt"/>
+                <a:ea typeface="+mn-ea"/>
+                <a:cs typeface="+mn-cs"/>
+              </a:defRPr>
+            </a:lvl3pPr>
+            <a:lvl4pPr marL="1371600" indent="0" algn="ctr" defTabSz="914400" rtl="0" eaLnBrk="1" latinLnBrk="0" hangingPunct="1">
+              <a:spcBef>
+                <a:spcPct val="20000"/>
+              </a:spcBef>
+              <a:buFont typeface="Arial" pitchFamily="34" charset="0"/>
+              <a:buNone/>
+              <a:defRPr sz="2000" kern="1200">
+                <a:solidFill>
+                  <a:schemeClr val="tx1">
+                    <a:tint val="75000"/>
+                  </a:schemeClr>
+                </a:solidFill>
+                <a:latin typeface="+mn-lt"/>
+                <a:ea typeface="+mn-ea"/>
+                <a:cs typeface="+mn-cs"/>
+              </a:defRPr>
+            </a:lvl4pPr>
+            <a:lvl5pPr marL="1828800" indent="0" algn="ctr" defTabSz="914400" rtl="0" eaLnBrk="1" latinLnBrk="0" hangingPunct="1">
+              <a:spcBef>
+                <a:spcPct val="20000"/>
+              </a:spcBef>
+              <a:buFont typeface="Arial" pitchFamily="34" charset="0"/>
+              <a:buNone/>
+              <a:defRPr sz="2000" kern="1200">
+                <a:solidFill>
+                  <a:schemeClr val="tx1">
+                    <a:tint val="75000"/>
+                  </a:schemeClr>
+                </a:solidFill>
+                <a:latin typeface="+mn-lt"/>
+                <a:ea typeface="+mn-ea"/>
+                <a:cs typeface="+mn-cs"/>
+              </a:defRPr>
+            </a:lvl5pPr>
+            <a:lvl6pPr marL="2286000" indent="0" algn="ctr" defTabSz="914400" rtl="0" eaLnBrk="1" latinLnBrk="0" hangingPunct="1">
+              <a:spcBef>
+                <a:spcPct val="20000"/>
+              </a:spcBef>
+              <a:buFont typeface="Arial" pitchFamily="34" charset="0"/>
+              <a:buNone/>
+              <a:defRPr sz="2000" kern="1200">
+                <a:solidFill>
+                  <a:schemeClr val="tx1">
+                    <a:tint val="75000"/>
+                  </a:schemeClr>
+                </a:solidFill>
+                <a:latin typeface="+mn-lt"/>
+                <a:ea typeface="+mn-ea"/>
+                <a:cs typeface="+mn-cs"/>
+              </a:defRPr>
+            </a:lvl6pPr>
+            <a:lvl7pPr marL="2743200" indent="0" algn="ctr" defTabSz="914400" rtl="0" eaLnBrk="1" latinLnBrk="0" hangingPunct="1">
+              <a:spcBef>
+                <a:spcPct val="20000"/>
+              </a:spcBef>
+              <a:buFont typeface="Arial" pitchFamily="34" charset="0"/>
+              <a:buNone/>
+              <a:defRPr sz="2000" kern="1200">
+                <a:solidFill>
+                  <a:schemeClr val="tx1">
+                    <a:tint val="75000"/>
+                  </a:schemeClr>
+                </a:solidFill>
+                <a:latin typeface="+mn-lt"/>
+                <a:ea typeface="+mn-ea"/>
+                <a:cs typeface="+mn-cs"/>
+              </a:defRPr>
+            </a:lvl7pPr>
+            <a:lvl8pPr marL="3200400" indent="0" algn="ctr" defTabSz="914400" rtl="0" eaLnBrk="1" latinLnBrk="0" hangingPunct="1">
+              <a:spcBef>
+                <a:spcPct val="20000"/>
+              </a:spcBef>
+              <a:buFont typeface="Arial" pitchFamily="34" charset="0"/>
+              <a:buNone/>
+              <a:defRPr sz="2000" kern="1200">
+                <a:solidFill>
+                  <a:schemeClr val="tx1">
+                    <a:tint val="75000"/>
+                  </a:schemeClr>
+                </a:solidFill>
+                <a:latin typeface="+mn-lt"/>
+                <a:ea typeface="+mn-ea"/>
+                <a:cs typeface="+mn-cs"/>
+              </a:defRPr>
+            </a:lvl8pPr>
+            <a:lvl9pPr marL="3657600" indent="0" algn="ctr" defTabSz="914400" rtl="0" eaLnBrk="1" latinLnBrk="0" hangingPunct="1">
+              <a:spcBef>
+                <a:spcPct val="20000"/>
+              </a:spcBef>
+              <a:buFont typeface="Arial" pitchFamily="34" charset="0"/>
+              <a:buNone/>
+              <a:defRPr sz="2000" kern="1200">
+                <a:solidFill>
+                  <a:schemeClr val="tx1">
+                    <a:tint val="75000"/>
+                  </a:schemeClr>
+                </a:solidFill>
+                <a:latin typeface="+mn-lt"/>
+                <a:ea typeface="+mn-ea"/>
+                <a:cs typeface="+mn-cs"/>
+              </a:defRPr>
+            </a:lvl9pPr>
+          </a:lstStyle>
+          <a:p>
+            <a:r>
+              <a:rPr lang="en-US" sz="1600" dirty="0">
+                <a:solidFill>
+                  <a:schemeClr val="tx1"/>
+                </a:solidFill>
+              </a:rPr>
+              <a:t>LEFT</a:t>
+            </a:r>
+          </a:p>
+        </p:txBody>
+      </p:sp>
+      <p:sp>
+        <p:nvSpPr>
+          <p:cNvPr id="9" name="Right Arrow 8">
+            <a:extLst>
+              <a:ext uri="{FF2B5EF4-FFF2-40B4-BE49-F238E27FC236}">
+                <a16:creationId xmlns:a16="http://schemas.microsoft.com/office/drawing/2014/main" id="{E548F8E5-02C7-C140-AFB1-DEAE578A7754}"/>
+              </a:ext>
+            </a:extLst>
+          </p:cNvPr>
+          <p:cNvSpPr/>
+          <p:nvPr/>
+        </p:nvSpPr>
+        <p:spPr>
+          <a:xfrm rot="10800000">
+            <a:off x="1902125" y="6391827"/>
+            <a:ext cx="640200" cy="289763"/>
+          </a:xfrm>
+          <a:prstGeom prst="rightArrow">
+            <a:avLst/>
+          </a:prstGeom>
+          <a:solidFill>
+            <a:schemeClr val="tx1"/>
+          </a:solidFill>
+          <a:ln>
+            <a:noFill/>
+          </a:ln>
+        </p:spPr>
+        <p:style>
+          <a:lnRef idx="1">
+            <a:schemeClr val="accent1"/>
+          </a:lnRef>
+          <a:fillRef idx="3">
+            <a:schemeClr val="accent1"/>
+          </a:fillRef>
+          <a:effectRef idx="2">
+            <a:schemeClr val="accent1"/>
+          </a:effectRef>
+          <a:fontRef idx="minor">
+            <a:schemeClr val="lt1"/>
+          </a:fontRef>
+        </p:style>
+        <p:txBody>
+          <a:bodyPr rtlCol="0" anchor="ctr"/>
+          <a:lstStyle/>
+          <a:p>
+            <a:pPr algn="ctr"/>
+            <a:endParaRPr lang="en-US"/>
+          </a:p>
+        </p:txBody>
+      </p:sp>
     </p:spTree>
     <p:extLst>
       <p:ext uri="{BB962C8B-B14F-4D97-AF65-F5344CB8AC3E}">
@@ -13421,6 +16204,250 @@
           </a:ln>
         </p:spPr>
       </p:pic>
+      <p:sp>
+        <p:nvSpPr>
+          <p:cNvPr id="8" name="Subtitle 8">
+            <a:extLst>
+              <a:ext uri="{FF2B5EF4-FFF2-40B4-BE49-F238E27FC236}">
+                <a16:creationId xmlns:a16="http://schemas.microsoft.com/office/drawing/2014/main" id="{6D80E513-E29B-994E-AB80-5D1D68EF0CF2}"/>
+              </a:ext>
+            </a:extLst>
+          </p:cNvPr>
+          <p:cNvSpPr txBox="1">
+            <a:spLocks/>
+          </p:cNvSpPr>
+          <p:nvPr/>
+        </p:nvSpPr>
+        <p:spPr>
+          <a:xfrm>
+            <a:off x="1518826" y="6073844"/>
+            <a:ext cx="1532830" cy="801636"/>
+          </a:xfrm>
+          <a:prstGeom prst="rect">
+            <a:avLst/>
+          </a:prstGeom>
+        </p:spPr>
+        <p:txBody>
+          <a:bodyPr vert="horz" lIns="91440" tIns="45720" rIns="91440" bIns="45720" rtlCol="0">
+            <a:normAutofit/>
+          </a:bodyPr>
+          <a:lstStyle>
+            <a:lvl1pPr marL="0" indent="0" algn="ctr" defTabSz="914400" rtl="0" eaLnBrk="1" latinLnBrk="0" hangingPunct="1">
+              <a:spcBef>
+                <a:spcPct val="20000"/>
+              </a:spcBef>
+              <a:buFont typeface="Arial" pitchFamily="34" charset="0"/>
+              <a:buNone/>
+              <a:defRPr sz="3200" kern="1200">
+                <a:solidFill>
+                  <a:schemeClr val="tx1">
+                    <a:tint val="75000"/>
+                  </a:schemeClr>
+                </a:solidFill>
+                <a:latin typeface="+mn-lt"/>
+                <a:ea typeface="+mn-ea"/>
+                <a:cs typeface="+mn-cs"/>
+              </a:defRPr>
+            </a:lvl1pPr>
+            <a:lvl2pPr marL="457200" indent="0" algn="ctr" defTabSz="914400" rtl="0" eaLnBrk="1" latinLnBrk="0" hangingPunct="1">
+              <a:spcBef>
+                <a:spcPct val="20000"/>
+              </a:spcBef>
+              <a:buFont typeface="Arial" pitchFamily="34" charset="0"/>
+              <a:buNone/>
+              <a:defRPr sz="2800" kern="1200">
+                <a:solidFill>
+                  <a:schemeClr val="tx1">
+                    <a:tint val="75000"/>
+                  </a:schemeClr>
+                </a:solidFill>
+                <a:latin typeface="+mn-lt"/>
+                <a:ea typeface="+mn-ea"/>
+                <a:cs typeface="+mn-cs"/>
+              </a:defRPr>
+            </a:lvl2pPr>
+            <a:lvl3pPr marL="914400" indent="0" algn="ctr" defTabSz="914400" rtl="0" eaLnBrk="1" latinLnBrk="0" hangingPunct="1">
+              <a:spcBef>
+                <a:spcPct val="20000"/>
+              </a:spcBef>
+              <a:buFont typeface="Arial" pitchFamily="34" charset="0"/>
+              <a:buNone/>
+              <a:defRPr sz="2400" kern="1200">
+                <a:solidFill>
+                  <a:schemeClr val="tx1">
+                    <a:tint val="75000"/>
+                  </a:schemeClr>
+                </a:solidFill>
+                <a:latin typeface="+mn-lt"/>
+                <a:ea typeface="+mn-ea"/>
+                <a:cs typeface="+mn-cs"/>
+              </a:defRPr>
+            </a:lvl3pPr>
+            <a:lvl4pPr marL="1371600" indent="0" algn="ctr" defTabSz="914400" rtl="0" eaLnBrk="1" latinLnBrk="0" hangingPunct="1">
+              <a:spcBef>
+                <a:spcPct val="20000"/>
+              </a:spcBef>
+              <a:buFont typeface="Arial" pitchFamily="34" charset="0"/>
+              <a:buNone/>
+              <a:defRPr sz="2000" kern="1200">
+                <a:solidFill>
+                  <a:schemeClr val="tx1">
+                    <a:tint val="75000"/>
+                  </a:schemeClr>
+                </a:solidFill>
+                <a:latin typeface="+mn-lt"/>
+                <a:ea typeface="+mn-ea"/>
+                <a:cs typeface="+mn-cs"/>
+              </a:defRPr>
+            </a:lvl4pPr>
+            <a:lvl5pPr marL="1828800" indent="0" algn="ctr" defTabSz="914400" rtl="0" eaLnBrk="1" latinLnBrk="0" hangingPunct="1">
+              <a:spcBef>
+                <a:spcPct val="20000"/>
+              </a:spcBef>
+              <a:buFont typeface="Arial" pitchFamily="34" charset="0"/>
+              <a:buNone/>
+              <a:defRPr sz="2000" kern="1200">
+                <a:solidFill>
+                  <a:schemeClr val="tx1">
+                    <a:tint val="75000"/>
+                  </a:schemeClr>
+                </a:solidFill>
+                <a:latin typeface="+mn-lt"/>
+                <a:ea typeface="+mn-ea"/>
+                <a:cs typeface="+mn-cs"/>
+              </a:defRPr>
+            </a:lvl5pPr>
+            <a:lvl6pPr marL="2286000" indent="0" algn="ctr" defTabSz="914400" rtl="0" eaLnBrk="1" latinLnBrk="0" hangingPunct="1">
+              <a:spcBef>
+                <a:spcPct val="20000"/>
+              </a:spcBef>
+              <a:buFont typeface="Arial" pitchFamily="34" charset="0"/>
+              <a:buNone/>
+              <a:defRPr sz="2000" kern="1200">
+                <a:solidFill>
+                  <a:schemeClr val="tx1">
+                    <a:tint val="75000"/>
+                  </a:schemeClr>
+                </a:solidFill>
+                <a:latin typeface="+mn-lt"/>
+                <a:ea typeface="+mn-ea"/>
+                <a:cs typeface="+mn-cs"/>
+              </a:defRPr>
+            </a:lvl6pPr>
+            <a:lvl7pPr marL="2743200" indent="0" algn="ctr" defTabSz="914400" rtl="0" eaLnBrk="1" latinLnBrk="0" hangingPunct="1">
+              <a:spcBef>
+                <a:spcPct val="20000"/>
+              </a:spcBef>
+              <a:buFont typeface="Arial" pitchFamily="34" charset="0"/>
+              <a:buNone/>
+              <a:defRPr sz="2000" kern="1200">
+                <a:solidFill>
+                  <a:schemeClr val="tx1">
+                    <a:tint val="75000"/>
+                  </a:schemeClr>
+                </a:solidFill>
+                <a:latin typeface="+mn-lt"/>
+                <a:ea typeface="+mn-ea"/>
+                <a:cs typeface="+mn-cs"/>
+              </a:defRPr>
+            </a:lvl7pPr>
+            <a:lvl8pPr marL="3200400" indent="0" algn="ctr" defTabSz="914400" rtl="0" eaLnBrk="1" latinLnBrk="0" hangingPunct="1">
+              <a:spcBef>
+                <a:spcPct val="20000"/>
+              </a:spcBef>
+              <a:buFont typeface="Arial" pitchFamily="34" charset="0"/>
+              <a:buNone/>
+              <a:defRPr sz="2000" kern="1200">
+                <a:solidFill>
+                  <a:schemeClr val="tx1">
+                    <a:tint val="75000"/>
+                  </a:schemeClr>
+                </a:solidFill>
+                <a:latin typeface="+mn-lt"/>
+                <a:ea typeface="+mn-ea"/>
+                <a:cs typeface="+mn-cs"/>
+              </a:defRPr>
+            </a:lvl8pPr>
+            <a:lvl9pPr marL="3657600" indent="0" algn="ctr" defTabSz="914400" rtl="0" eaLnBrk="1" latinLnBrk="0" hangingPunct="1">
+              <a:spcBef>
+                <a:spcPct val="20000"/>
+              </a:spcBef>
+              <a:buFont typeface="Arial" pitchFamily="34" charset="0"/>
+              <a:buNone/>
+              <a:defRPr sz="2000" kern="1200">
+                <a:solidFill>
+                  <a:schemeClr val="tx1">
+                    <a:tint val="75000"/>
+                  </a:schemeClr>
+                </a:solidFill>
+                <a:latin typeface="+mn-lt"/>
+                <a:ea typeface="+mn-ea"/>
+                <a:cs typeface="+mn-cs"/>
+              </a:defRPr>
+            </a:lvl9pPr>
+          </a:lstStyle>
+          <a:p>
+            <a:r>
+              <a:rPr lang="en-US" sz="1600" dirty="0">
+                <a:solidFill>
+                  <a:schemeClr val="tx1"/>
+                </a:solidFill>
+              </a:rPr>
+              <a:t>LEFT</a:t>
+            </a:r>
+          </a:p>
+        </p:txBody>
+      </p:sp>
+      <p:sp>
+        <p:nvSpPr>
+          <p:cNvPr id="9" name="Right Arrow 8">
+            <a:extLst>
+              <a:ext uri="{FF2B5EF4-FFF2-40B4-BE49-F238E27FC236}">
+                <a16:creationId xmlns:a16="http://schemas.microsoft.com/office/drawing/2014/main" id="{15A5E6BE-04F6-8341-9E58-1F3C9A57148E}"/>
+              </a:ext>
+            </a:extLst>
+          </p:cNvPr>
+          <p:cNvSpPr/>
+          <p:nvPr/>
+        </p:nvSpPr>
+        <p:spPr>
+          <a:xfrm rot="10800000">
+            <a:off x="1902125" y="6391827"/>
+            <a:ext cx="640200" cy="289763"/>
+          </a:xfrm>
+          <a:prstGeom prst="rightArrow">
+            <a:avLst/>
+          </a:prstGeom>
+          <a:solidFill>
+            <a:schemeClr val="tx1"/>
+          </a:solidFill>
+          <a:ln>
+            <a:noFill/>
+          </a:ln>
+        </p:spPr>
+        <p:style>
+          <a:lnRef idx="1">
+            <a:schemeClr val="accent1"/>
+          </a:lnRef>
+          <a:fillRef idx="3">
+            <a:schemeClr val="accent1"/>
+          </a:fillRef>
+          <a:effectRef idx="2">
+            <a:schemeClr val="accent1"/>
+          </a:effectRef>
+          <a:fontRef idx="minor">
+            <a:schemeClr val="lt1"/>
+          </a:fontRef>
+        </p:style>
+        <p:txBody>
+          <a:bodyPr rtlCol="0" anchor="ctr"/>
+          <a:lstStyle/>
+          <a:p>
+            <a:pPr algn="ctr"/>
+            <a:endParaRPr lang="en-US"/>
+          </a:p>
+        </p:txBody>
+      </p:sp>
     </p:spTree>
     <p:extLst>
       <p:ext uri="{BB962C8B-B14F-4D97-AF65-F5344CB8AC3E}">
@@ -13919,6 +16946,250 @@
           </a:ln>
         </p:spPr>
       </p:pic>
+      <p:sp>
+        <p:nvSpPr>
+          <p:cNvPr id="8" name="Subtitle 8">
+            <a:extLst>
+              <a:ext uri="{FF2B5EF4-FFF2-40B4-BE49-F238E27FC236}">
+                <a16:creationId xmlns:a16="http://schemas.microsoft.com/office/drawing/2014/main" id="{FB7191B8-5B4A-C046-A3FF-AEFD2484DD6F}"/>
+              </a:ext>
+            </a:extLst>
+          </p:cNvPr>
+          <p:cNvSpPr txBox="1">
+            <a:spLocks/>
+          </p:cNvSpPr>
+          <p:nvPr/>
+        </p:nvSpPr>
+        <p:spPr>
+          <a:xfrm>
+            <a:off x="1518826" y="6073844"/>
+            <a:ext cx="1532830" cy="801636"/>
+          </a:xfrm>
+          <a:prstGeom prst="rect">
+            <a:avLst/>
+          </a:prstGeom>
+        </p:spPr>
+        <p:txBody>
+          <a:bodyPr vert="horz" lIns="91440" tIns="45720" rIns="91440" bIns="45720" rtlCol="0">
+            <a:normAutofit/>
+          </a:bodyPr>
+          <a:lstStyle>
+            <a:lvl1pPr marL="0" indent="0" algn="ctr" defTabSz="914400" rtl="0" eaLnBrk="1" latinLnBrk="0" hangingPunct="1">
+              <a:spcBef>
+                <a:spcPct val="20000"/>
+              </a:spcBef>
+              <a:buFont typeface="Arial" pitchFamily="34" charset="0"/>
+              <a:buNone/>
+              <a:defRPr sz="3200" kern="1200">
+                <a:solidFill>
+                  <a:schemeClr val="tx1">
+                    <a:tint val="75000"/>
+                  </a:schemeClr>
+                </a:solidFill>
+                <a:latin typeface="+mn-lt"/>
+                <a:ea typeface="+mn-ea"/>
+                <a:cs typeface="+mn-cs"/>
+              </a:defRPr>
+            </a:lvl1pPr>
+            <a:lvl2pPr marL="457200" indent="0" algn="ctr" defTabSz="914400" rtl="0" eaLnBrk="1" latinLnBrk="0" hangingPunct="1">
+              <a:spcBef>
+                <a:spcPct val="20000"/>
+              </a:spcBef>
+              <a:buFont typeface="Arial" pitchFamily="34" charset="0"/>
+              <a:buNone/>
+              <a:defRPr sz="2800" kern="1200">
+                <a:solidFill>
+                  <a:schemeClr val="tx1">
+                    <a:tint val="75000"/>
+                  </a:schemeClr>
+                </a:solidFill>
+                <a:latin typeface="+mn-lt"/>
+                <a:ea typeface="+mn-ea"/>
+                <a:cs typeface="+mn-cs"/>
+              </a:defRPr>
+            </a:lvl2pPr>
+            <a:lvl3pPr marL="914400" indent="0" algn="ctr" defTabSz="914400" rtl="0" eaLnBrk="1" latinLnBrk="0" hangingPunct="1">
+              <a:spcBef>
+                <a:spcPct val="20000"/>
+              </a:spcBef>
+              <a:buFont typeface="Arial" pitchFamily="34" charset="0"/>
+              <a:buNone/>
+              <a:defRPr sz="2400" kern="1200">
+                <a:solidFill>
+                  <a:schemeClr val="tx1">
+                    <a:tint val="75000"/>
+                  </a:schemeClr>
+                </a:solidFill>
+                <a:latin typeface="+mn-lt"/>
+                <a:ea typeface="+mn-ea"/>
+                <a:cs typeface="+mn-cs"/>
+              </a:defRPr>
+            </a:lvl3pPr>
+            <a:lvl4pPr marL="1371600" indent="0" algn="ctr" defTabSz="914400" rtl="0" eaLnBrk="1" latinLnBrk="0" hangingPunct="1">
+              <a:spcBef>
+                <a:spcPct val="20000"/>
+              </a:spcBef>
+              <a:buFont typeface="Arial" pitchFamily="34" charset="0"/>
+              <a:buNone/>
+              <a:defRPr sz="2000" kern="1200">
+                <a:solidFill>
+                  <a:schemeClr val="tx1">
+                    <a:tint val="75000"/>
+                  </a:schemeClr>
+                </a:solidFill>
+                <a:latin typeface="+mn-lt"/>
+                <a:ea typeface="+mn-ea"/>
+                <a:cs typeface="+mn-cs"/>
+              </a:defRPr>
+            </a:lvl4pPr>
+            <a:lvl5pPr marL="1828800" indent="0" algn="ctr" defTabSz="914400" rtl="0" eaLnBrk="1" latinLnBrk="0" hangingPunct="1">
+              <a:spcBef>
+                <a:spcPct val="20000"/>
+              </a:spcBef>
+              <a:buFont typeface="Arial" pitchFamily="34" charset="0"/>
+              <a:buNone/>
+              <a:defRPr sz="2000" kern="1200">
+                <a:solidFill>
+                  <a:schemeClr val="tx1">
+                    <a:tint val="75000"/>
+                  </a:schemeClr>
+                </a:solidFill>
+                <a:latin typeface="+mn-lt"/>
+                <a:ea typeface="+mn-ea"/>
+                <a:cs typeface="+mn-cs"/>
+              </a:defRPr>
+            </a:lvl5pPr>
+            <a:lvl6pPr marL="2286000" indent="0" algn="ctr" defTabSz="914400" rtl="0" eaLnBrk="1" latinLnBrk="0" hangingPunct="1">
+              <a:spcBef>
+                <a:spcPct val="20000"/>
+              </a:spcBef>
+              <a:buFont typeface="Arial" pitchFamily="34" charset="0"/>
+              <a:buNone/>
+              <a:defRPr sz="2000" kern="1200">
+                <a:solidFill>
+                  <a:schemeClr val="tx1">
+                    <a:tint val="75000"/>
+                  </a:schemeClr>
+                </a:solidFill>
+                <a:latin typeface="+mn-lt"/>
+                <a:ea typeface="+mn-ea"/>
+                <a:cs typeface="+mn-cs"/>
+              </a:defRPr>
+            </a:lvl6pPr>
+            <a:lvl7pPr marL="2743200" indent="0" algn="ctr" defTabSz="914400" rtl="0" eaLnBrk="1" latinLnBrk="0" hangingPunct="1">
+              <a:spcBef>
+                <a:spcPct val="20000"/>
+              </a:spcBef>
+              <a:buFont typeface="Arial" pitchFamily="34" charset="0"/>
+              <a:buNone/>
+              <a:defRPr sz="2000" kern="1200">
+                <a:solidFill>
+                  <a:schemeClr val="tx1">
+                    <a:tint val="75000"/>
+                  </a:schemeClr>
+                </a:solidFill>
+                <a:latin typeface="+mn-lt"/>
+                <a:ea typeface="+mn-ea"/>
+                <a:cs typeface="+mn-cs"/>
+              </a:defRPr>
+            </a:lvl7pPr>
+            <a:lvl8pPr marL="3200400" indent="0" algn="ctr" defTabSz="914400" rtl="0" eaLnBrk="1" latinLnBrk="0" hangingPunct="1">
+              <a:spcBef>
+                <a:spcPct val="20000"/>
+              </a:spcBef>
+              <a:buFont typeface="Arial" pitchFamily="34" charset="0"/>
+              <a:buNone/>
+              <a:defRPr sz="2000" kern="1200">
+                <a:solidFill>
+                  <a:schemeClr val="tx1">
+                    <a:tint val="75000"/>
+                  </a:schemeClr>
+                </a:solidFill>
+                <a:latin typeface="+mn-lt"/>
+                <a:ea typeface="+mn-ea"/>
+                <a:cs typeface="+mn-cs"/>
+              </a:defRPr>
+            </a:lvl8pPr>
+            <a:lvl9pPr marL="3657600" indent="0" algn="ctr" defTabSz="914400" rtl="0" eaLnBrk="1" latinLnBrk="0" hangingPunct="1">
+              <a:spcBef>
+                <a:spcPct val="20000"/>
+              </a:spcBef>
+              <a:buFont typeface="Arial" pitchFamily="34" charset="0"/>
+              <a:buNone/>
+              <a:defRPr sz="2000" kern="1200">
+                <a:solidFill>
+                  <a:schemeClr val="tx1">
+                    <a:tint val="75000"/>
+                  </a:schemeClr>
+                </a:solidFill>
+                <a:latin typeface="+mn-lt"/>
+                <a:ea typeface="+mn-ea"/>
+                <a:cs typeface="+mn-cs"/>
+              </a:defRPr>
+            </a:lvl9pPr>
+          </a:lstStyle>
+          <a:p>
+            <a:r>
+              <a:rPr lang="en-US" sz="1600" dirty="0">
+                <a:solidFill>
+                  <a:schemeClr val="tx1"/>
+                </a:solidFill>
+              </a:rPr>
+              <a:t>LEFT</a:t>
+            </a:r>
+          </a:p>
+        </p:txBody>
+      </p:sp>
+      <p:sp>
+        <p:nvSpPr>
+          <p:cNvPr id="9" name="Right Arrow 8">
+            <a:extLst>
+              <a:ext uri="{FF2B5EF4-FFF2-40B4-BE49-F238E27FC236}">
+                <a16:creationId xmlns:a16="http://schemas.microsoft.com/office/drawing/2014/main" id="{180996E7-3031-DE41-B63B-43777A93F7A9}"/>
+              </a:ext>
+            </a:extLst>
+          </p:cNvPr>
+          <p:cNvSpPr/>
+          <p:nvPr/>
+        </p:nvSpPr>
+        <p:spPr>
+          <a:xfrm rot="10800000">
+            <a:off x="1902125" y="6391827"/>
+            <a:ext cx="640200" cy="289763"/>
+          </a:xfrm>
+          <a:prstGeom prst="rightArrow">
+            <a:avLst/>
+          </a:prstGeom>
+          <a:solidFill>
+            <a:schemeClr val="tx1"/>
+          </a:solidFill>
+          <a:ln>
+            <a:noFill/>
+          </a:ln>
+        </p:spPr>
+        <p:style>
+          <a:lnRef idx="1">
+            <a:schemeClr val="accent1"/>
+          </a:lnRef>
+          <a:fillRef idx="3">
+            <a:schemeClr val="accent1"/>
+          </a:fillRef>
+          <a:effectRef idx="2">
+            <a:schemeClr val="accent1"/>
+          </a:effectRef>
+          <a:fontRef idx="minor">
+            <a:schemeClr val="lt1"/>
+          </a:fontRef>
+        </p:style>
+        <p:txBody>
+          <a:bodyPr rtlCol="0" anchor="ctr"/>
+          <a:lstStyle/>
+          <a:p>
+            <a:pPr algn="ctr"/>
+            <a:endParaRPr lang="en-US"/>
+          </a:p>
+        </p:txBody>
+      </p:sp>
     </p:spTree>
     <p:extLst>
       <p:ext uri="{BB962C8B-B14F-4D97-AF65-F5344CB8AC3E}">
@@ -14023,6 +17294,12 @@
               <a:t>, you will see this.</a:t>
             </a:r>
           </a:p>
+          <a:p>
+            <a:pPr marL="0" indent="0">
+              <a:buNone/>
+            </a:pPr>
+            <a:endParaRPr lang="en-US" sz="2800" dirty="0"/>
+          </a:p>
         </p:txBody>
       </p:sp>
       <p:sp>
@@ -14392,6 +17669,250 @@
           </a:ln>
         </p:spPr>
       </p:pic>
+      <p:sp>
+        <p:nvSpPr>
+          <p:cNvPr id="8" name="Subtitle 8">
+            <a:extLst>
+              <a:ext uri="{FF2B5EF4-FFF2-40B4-BE49-F238E27FC236}">
+                <a16:creationId xmlns:a16="http://schemas.microsoft.com/office/drawing/2014/main" id="{51B17024-9446-2648-8656-1FC88E37D9E0}"/>
+              </a:ext>
+            </a:extLst>
+          </p:cNvPr>
+          <p:cNvSpPr txBox="1">
+            <a:spLocks/>
+          </p:cNvSpPr>
+          <p:nvPr/>
+        </p:nvSpPr>
+        <p:spPr>
+          <a:xfrm>
+            <a:off x="1518826" y="6073844"/>
+            <a:ext cx="1532830" cy="801636"/>
+          </a:xfrm>
+          <a:prstGeom prst="rect">
+            <a:avLst/>
+          </a:prstGeom>
+        </p:spPr>
+        <p:txBody>
+          <a:bodyPr vert="horz" lIns="91440" tIns="45720" rIns="91440" bIns="45720" rtlCol="0">
+            <a:normAutofit/>
+          </a:bodyPr>
+          <a:lstStyle>
+            <a:lvl1pPr marL="0" indent="0" algn="ctr" defTabSz="914400" rtl="0" eaLnBrk="1" latinLnBrk="0" hangingPunct="1">
+              <a:spcBef>
+                <a:spcPct val="20000"/>
+              </a:spcBef>
+              <a:buFont typeface="Arial" pitchFamily="34" charset="0"/>
+              <a:buNone/>
+              <a:defRPr sz="3200" kern="1200">
+                <a:solidFill>
+                  <a:schemeClr val="tx1">
+                    <a:tint val="75000"/>
+                  </a:schemeClr>
+                </a:solidFill>
+                <a:latin typeface="+mn-lt"/>
+                <a:ea typeface="+mn-ea"/>
+                <a:cs typeface="+mn-cs"/>
+              </a:defRPr>
+            </a:lvl1pPr>
+            <a:lvl2pPr marL="457200" indent="0" algn="ctr" defTabSz="914400" rtl="0" eaLnBrk="1" latinLnBrk="0" hangingPunct="1">
+              <a:spcBef>
+                <a:spcPct val="20000"/>
+              </a:spcBef>
+              <a:buFont typeface="Arial" pitchFamily="34" charset="0"/>
+              <a:buNone/>
+              <a:defRPr sz="2800" kern="1200">
+                <a:solidFill>
+                  <a:schemeClr val="tx1">
+                    <a:tint val="75000"/>
+                  </a:schemeClr>
+                </a:solidFill>
+                <a:latin typeface="+mn-lt"/>
+                <a:ea typeface="+mn-ea"/>
+                <a:cs typeface="+mn-cs"/>
+              </a:defRPr>
+            </a:lvl2pPr>
+            <a:lvl3pPr marL="914400" indent="0" algn="ctr" defTabSz="914400" rtl="0" eaLnBrk="1" latinLnBrk="0" hangingPunct="1">
+              <a:spcBef>
+                <a:spcPct val="20000"/>
+              </a:spcBef>
+              <a:buFont typeface="Arial" pitchFamily="34" charset="0"/>
+              <a:buNone/>
+              <a:defRPr sz="2400" kern="1200">
+                <a:solidFill>
+                  <a:schemeClr val="tx1">
+                    <a:tint val="75000"/>
+                  </a:schemeClr>
+                </a:solidFill>
+                <a:latin typeface="+mn-lt"/>
+                <a:ea typeface="+mn-ea"/>
+                <a:cs typeface="+mn-cs"/>
+              </a:defRPr>
+            </a:lvl3pPr>
+            <a:lvl4pPr marL="1371600" indent="0" algn="ctr" defTabSz="914400" rtl="0" eaLnBrk="1" latinLnBrk="0" hangingPunct="1">
+              <a:spcBef>
+                <a:spcPct val="20000"/>
+              </a:spcBef>
+              <a:buFont typeface="Arial" pitchFamily="34" charset="0"/>
+              <a:buNone/>
+              <a:defRPr sz="2000" kern="1200">
+                <a:solidFill>
+                  <a:schemeClr val="tx1">
+                    <a:tint val="75000"/>
+                  </a:schemeClr>
+                </a:solidFill>
+                <a:latin typeface="+mn-lt"/>
+                <a:ea typeface="+mn-ea"/>
+                <a:cs typeface="+mn-cs"/>
+              </a:defRPr>
+            </a:lvl4pPr>
+            <a:lvl5pPr marL="1828800" indent="0" algn="ctr" defTabSz="914400" rtl="0" eaLnBrk="1" latinLnBrk="0" hangingPunct="1">
+              <a:spcBef>
+                <a:spcPct val="20000"/>
+              </a:spcBef>
+              <a:buFont typeface="Arial" pitchFamily="34" charset="0"/>
+              <a:buNone/>
+              <a:defRPr sz="2000" kern="1200">
+                <a:solidFill>
+                  <a:schemeClr val="tx1">
+                    <a:tint val="75000"/>
+                  </a:schemeClr>
+                </a:solidFill>
+                <a:latin typeface="+mn-lt"/>
+                <a:ea typeface="+mn-ea"/>
+                <a:cs typeface="+mn-cs"/>
+              </a:defRPr>
+            </a:lvl5pPr>
+            <a:lvl6pPr marL="2286000" indent="0" algn="ctr" defTabSz="914400" rtl="0" eaLnBrk="1" latinLnBrk="0" hangingPunct="1">
+              <a:spcBef>
+                <a:spcPct val="20000"/>
+              </a:spcBef>
+              <a:buFont typeface="Arial" pitchFamily="34" charset="0"/>
+              <a:buNone/>
+              <a:defRPr sz="2000" kern="1200">
+                <a:solidFill>
+                  <a:schemeClr val="tx1">
+                    <a:tint val="75000"/>
+                  </a:schemeClr>
+                </a:solidFill>
+                <a:latin typeface="+mn-lt"/>
+                <a:ea typeface="+mn-ea"/>
+                <a:cs typeface="+mn-cs"/>
+              </a:defRPr>
+            </a:lvl6pPr>
+            <a:lvl7pPr marL="2743200" indent="0" algn="ctr" defTabSz="914400" rtl="0" eaLnBrk="1" latinLnBrk="0" hangingPunct="1">
+              <a:spcBef>
+                <a:spcPct val="20000"/>
+              </a:spcBef>
+              <a:buFont typeface="Arial" pitchFamily="34" charset="0"/>
+              <a:buNone/>
+              <a:defRPr sz="2000" kern="1200">
+                <a:solidFill>
+                  <a:schemeClr val="tx1">
+                    <a:tint val="75000"/>
+                  </a:schemeClr>
+                </a:solidFill>
+                <a:latin typeface="+mn-lt"/>
+                <a:ea typeface="+mn-ea"/>
+                <a:cs typeface="+mn-cs"/>
+              </a:defRPr>
+            </a:lvl7pPr>
+            <a:lvl8pPr marL="3200400" indent="0" algn="ctr" defTabSz="914400" rtl="0" eaLnBrk="1" latinLnBrk="0" hangingPunct="1">
+              <a:spcBef>
+                <a:spcPct val="20000"/>
+              </a:spcBef>
+              <a:buFont typeface="Arial" pitchFamily="34" charset="0"/>
+              <a:buNone/>
+              <a:defRPr sz="2000" kern="1200">
+                <a:solidFill>
+                  <a:schemeClr val="tx1">
+                    <a:tint val="75000"/>
+                  </a:schemeClr>
+                </a:solidFill>
+                <a:latin typeface="+mn-lt"/>
+                <a:ea typeface="+mn-ea"/>
+                <a:cs typeface="+mn-cs"/>
+              </a:defRPr>
+            </a:lvl8pPr>
+            <a:lvl9pPr marL="3657600" indent="0" algn="ctr" defTabSz="914400" rtl="0" eaLnBrk="1" latinLnBrk="0" hangingPunct="1">
+              <a:spcBef>
+                <a:spcPct val="20000"/>
+              </a:spcBef>
+              <a:buFont typeface="Arial" pitchFamily="34" charset="0"/>
+              <a:buNone/>
+              <a:defRPr sz="2000" kern="1200">
+                <a:solidFill>
+                  <a:schemeClr val="tx1">
+                    <a:tint val="75000"/>
+                  </a:schemeClr>
+                </a:solidFill>
+                <a:latin typeface="+mn-lt"/>
+                <a:ea typeface="+mn-ea"/>
+                <a:cs typeface="+mn-cs"/>
+              </a:defRPr>
+            </a:lvl9pPr>
+          </a:lstStyle>
+          <a:p>
+            <a:r>
+              <a:rPr lang="en-US" sz="1600" dirty="0">
+                <a:solidFill>
+                  <a:schemeClr val="tx1"/>
+                </a:solidFill>
+              </a:rPr>
+              <a:t>LEFT</a:t>
+            </a:r>
+          </a:p>
+        </p:txBody>
+      </p:sp>
+      <p:sp>
+        <p:nvSpPr>
+          <p:cNvPr id="9" name="Right Arrow 8">
+            <a:extLst>
+              <a:ext uri="{FF2B5EF4-FFF2-40B4-BE49-F238E27FC236}">
+                <a16:creationId xmlns:a16="http://schemas.microsoft.com/office/drawing/2014/main" id="{3472987C-C444-1D46-9EAF-BA381019F533}"/>
+              </a:ext>
+            </a:extLst>
+          </p:cNvPr>
+          <p:cNvSpPr/>
+          <p:nvPr/>
+        </p:nvSpPr>
+        <p:spPr>
+          <a:xfrm rot="10800000">
+            <a:off x="1902125" y="6391827"/>
+            <a:ext cx="640200" cy="289763"/>
+          </a:xfrm>
+          <a:prstGeom prst="rightArrow">
+            <a:avLst/>
+          </a:prstGeom>
+          <a:solidFill>
+            <a:schemeClr val="tx1"/>
+          </a:solidFill>
+          <a:ln>
+            <a:noFill/>
+          </a:ln>
+        </p:spPr>
+        <p:style>
+          <a:lnRef idx="1">
+            <a:schemeClr val="accent1"/>
+          </a:lnRef>
+          <a:fillRef idx="3">
+            <a:schemeClr val="accent1"/>
+          </a:fillRef>
+          <a:effectRef idx="2">
+            <a:schemeClr val="accent1"/>
+          </a:effectRef>
+          <a:fontRef idx="minor">
+            <a:schemeClr val="lt1"/>
+          </a:fontRef>
+        </p:style>
+        <p:txBody>
+          <a:bodyPr rtlCol="0" anchor="ctr"/>
+          <a:lstStyle/>
+          <a:p>
+            <a:pPr algn="ctr"/>
+            <a:endParaRPr lang="en-US"/>
+          </a:p>
+        </p:txBody>
+      </p:sp>
     </p:spTree>
     <p:extLst>
       <p:ext uri="{BB962C8B-B14F-4D97-AF65-F5344CB8AC3E}">
@@ -14792,6 +18313,250 @@
           </a:ln>
         </p:spPr>
       </p:pic>
+      <p:sp>
+        <p:nvSpPr>
+          <p:cNvPr id="7" name="Subtitle 8">
+            <a:extLst>
+              <a:ext uri="{FF2B5EF4-FFF2-40B4-BE49-F238E27FC236}">
+                <a16:creationId xmlns:a16="http://schemas.microsoft.com/office/drawing/2014/main" id="{B0AC6AAB-8EB2-6C44-A0CA-95B963B55EF7}"/>
+              </a:ext>
+            </a:extLst>
+          </p:cNvPr>
+          <p:cNvSpPr txBox="1">
+            <a:spLocks/>
+          </p:cNvSpPr>
+          <p:nvPr/>
+        </p:nvSpPr>
+        <p:spPr>
+          <a:xfrm>
+            <a:off x="1518826" y="6073844"/>
+            <a:ext cx="1532830" cy="801636"/>
+          </a:xfrm>
+          <a:prstGeom prst="rect">
+            <a:avLst/>
+          </a:prstGeom>
+        </p:spPr>
+        <p:txBody>
+          <a:bodyPr vert="horz" lIns="91440" tIns="45720" rIns="91440" bIns="45720" rtlCol="0">
+            <a:normAutofit/>
+          </a:bodyPr>
+          <a:lstStyle>
+            <a:lvl1pPr marL="0" indent="0" algn="ctr" defTabSz="914400" rtl="0" eaLnBrk="1" latinLnBrk="0" hangingPunct="1">
+              <a:spcBef>
+                <a:spcPct val="20000"/>
+              </a:spcBef>
+              <a:buFont typeface="Arial" pitchFamily="34" charset="0"/>
+              <a:buNone/>
+              <a:defRPr sz="3200" kern="1200">
+                <a:solidFill>
+                  <a:schemeClr val="tx1">
+                    <a:tint val="75000"/>
+                  </a:schemeClr>
+                </a:solidFill>
+                <a:latin typeface="+mn-lt"/>
+                <a:ea typeface="+mn-ea"/>
+                <a:cs typeface="+mn-cs"/>
+              </a:defRPr>
+            </a:lvl1pPr>
+            <a:lvl2pPr marL="457200" indent="0" algn="ctr" defTabSz="914400" rtl="0" eaLnBrk="1" latinLnBrk="0" hangingPunct="1">
+              <a:spcBef>
+                <a:spcPct val="20000"/>
+              </a:spcBef>
+              <a:buFont typeface="Arial" pitchFamily="34" charset="0"/>
+              <a:buNone/>
+              <a:defRPr sz="2800" kern="1200">
+                <a:solidFill>
+                  <a:schemeClr val="tx1">
+                    <a:tint val="75000"/>
+                  </a:schemeClr>
+                </a:solidFill>
+                <a:latin typeface="+mn-lt"/>
+                <a:ea typeface="+mn-ea"/>
+                <a:cs typeface="+mn-cs"/>
+              </a:defRPr>
+            </a:lvl2pPr>
+            <a:lvl3pPr marL="914400" indent="0" algn="ctr" defTabSz="914400" rtl="0" eaLnBrk="1" latinLnBrk="0" hangingPunct="1">
+              <a:spcBef>
+                <a:spcPct val="20000"/>
+              </a:spcBef>
+              <a:buFont typeface="Arial" pitchFamily="34" charset="0"/>
+              <a:buNone/>
+              <a:defRPr sz="2400" kern="1200">
+                <a:solidFill>
+                  <a:schemeClr val="tx1">
+                    <a:tint val="75000"/>
+                  </a:schemeClr>
+                </a:solidFill>
+                <a:latin typeface="+mn-lt"/>
+                <a:ea typeface="+mn-ea"/>
+                <a:cs typeface="+mn-cs"/>
+              </a:defRPr>
+            </a:lvl3pPr>
+            <a:lvl4pPr marL="1371600" indent="0" algn="ctr" defTabSz="914400" rtl="0" eaLnBrk="1" latinLnBrk="0" hangingPunct="1">
+              <a:spcBef>
+                <a:spcPct val="20000"/>
+              </a:spcBef>
+              <a:buFont typeface="Arial" pitchFamily="34" charset="0"/>
+              <a:buNone/>
+              <a:defRPr sz="2000" kern="1200">
+                <a:solidFill>
+                  <a:schemeClr val="tx1">
+                    <a:tint val="75000"/>
+                  </a:schemeClr>
+                </a:solidFill>
+                <a:latin typeface="+mn-lt"/>
+                <a:ea typeface="+mn-ea"/>
+                <a:cs typeface="+mn-cs"/>
+              </a:defRPr>
+            </a:lvl4pPr>
+            <a:lvl5pPr marL="1828800" indent="0" algn="ctr" defTabSz="914400" rtl="0" eaLnBrk="1" latinLnBrk="0" hangingPunct="1">
+              <a:spcBef>
+                <a:spcPct val="20000"/>
+              </a:spcBef>
+              <a:buFont typeface="Arial" pitchFamily="34" charset="0"/>
+              <a:buNone/>
+              <a:defRPr sz="2000" kern="1200">
+                <a:solidFill>
+                  <a:schemeClr val="tx1">
+                    <a:tint val="75000"/>
+                  </a:schemeClr>
+                </a:solidFill>
+                <a:latin typeface="+mn-lt"/>
+                <a:ea typeface="+mn-ea"/>
+                <a:cs typeface="+mn-cs"/>
+              </a:defRPr>
+            </a:lvl5pPr>
+            <a:lvl6pPr marL="2286000" indent="0" algn="ctr" defTabSz="914400" rtl="0" eaLnBrk="1" latinLnBrk="0" hangingPunct="1">
+              <a:spcBef>
+                <a:spcPct val="20000"/>
+              </a:spcBef>
+              <a:buFont typeface="Arial" pitchFamily="34" charset="0"/>
+              <a:buNone/>
+              <a:defRPr sz="2000" kern="1200">
+                <a:solidFill>
+                  <a:schemeClr val="tx1">
+                    <a:tint val="75000"/>
+                  </a:schemeClr>
+                </a:solidFill>
+                <a:latin typeface="+mn-lt"/>
+                <a:ea typeface="+mn-ea"/>
+                <a:cs typeface="+mn-cs"/>
+              </a:defRPr>
+            </a:lvl6pPr>
+            <a:lvl7pPr marL="2743200" indent="0" algn="ctr" defTabSz="914400" rtl="0" eaLnBrk="1" latinLnBrk="0" hangingPunct="1">
+              <a:spcBef>
+                <a:spcPct val="20000"/>
+              </a:spcBef>
+              <a:buFont typeface="Arial" pitchFamily="34" charset="0"/>
+              <a:buNone/>
+              <a:defRPr sz="2000" kern="1200">
+                <a:solidFill>
+                  <a:schemeClr val="tx1">
+                    <a:tint val="75000"/>
+                  </a:schemeClr>
+                </a:solidFill>
+                <a:latin typeface="+mn-lt"/>
+                <a:ea typeface="+mn-ea"/>
+                <a:cs typeface="+mn-cs"/>
+              </a:defRPr>
+            </a:lvl7pPr>
+            <a:lvl8pPr marL="3200400" indent="0" algn="ctr" defTabSz="914400" rtl="0" eaLnBrk="1" latinLnBrk="0" hangingPunct="1">
+              <a:spcBef>
+                <a:spcPct val="20000"/>
+              </a:spcBef>
+              <a:buFont typeface="Arial" pitchFamily="34" charset="0"/>
+              <a:buNone/>
+              <a:defRPr sz="2000" kern="1200">
+                <a:solidFill>
+                  <a:schemeClr val="tx1">
+                    <a:tint val="75000"/>
+                  </a:schemeClr>
+                </a:solidFill>
+                <a:latin typeface="+mn-lt"/>
+                <a:ea typeface="+mn-ea"/>
+                <a:cs typeface="+mn-cs"/>
+              </a:defRPr>
+            </a:lvl8pPr>
+            <a:lvl9pPr marL="3657600" indent="0" algn="ctr" defTabSz="914400" rtl="0" eaLnBrk="1" latinLnBrk="0" hangingPunct="1">
+              <a:spcBef>
+                <a:spcPct val="20000"/>
+              </a:spcBef>
+              <a:buFont typeface="Arial" pitchFamily="34" charset="0"/>
+              <a:buNone/>
+              <a:defRPr sz="2000" kern="1200">
+                <a:solidFill>
+                  <a:schemeClr val="tx1">
+                    <a:tint val="75000"/>
+                  </a:schemeClr>
+                </a:solidFill>
+                <a:latin typeface="+mn-lt"/>
+                <a:ea typeface="+mn-ea"/>
+                <a:cs typeface="+mn-cs"/>
+              </a:defRPr>
+            </a:lvl9pPr>
+          </a:lstStyle>
+          <a:p>
+            <a:r>
+              <a:rPr lang="en-US" sz="1600" dirty="0">
+                <a:solidFill>
+                  <a:schemeClr val="tx1"/>
+                </a:solidFill>
+              </a:rPr>
+              <a:t>LEFT</a:t>
+            </a:r>
+          </a:p>
+        </p:txBody>
+      </p:sp>
+      <p:sp>
+        <p:nvSpPr>
+          <p:cNvPr id="8" name="Right Arrow 7">
+            <a:extLst>
+              <a:ext uri="{FF2B5EF4-FFF2-40B4-BE49-F238E27FC236}">
+                <a16:creationId xmlns:a16="http://schemas.microsoft.com/office/drawing/2014/main" id="{C8F500FC-A60C-6B4D-A11B-88DB77FBB1A2}"/>
+              </a:ext>
+            </a:extLst>
+          </p:cNvPr>
+          <p:cNvSpPr/>
+          <p:nvPr/>
+        </p:nvSpPr>
+        <p:spPr>
+          <a:xfrm rot="10800000">
+            <a:off x="1902125" y="6391827"/>
+            <a:ext cx="640200" cy="289763"/>
+          </a:xfrm>
+          <a:prstGeom prst="rightArrow">
+            <a:avLst/>
+          </a:prstGeom>
+          <a:solidFill>
+            <a:schemeClr val="tx1"/>
+          </a:solidFill>
+          <a:ln>
+            <a:noFill/>
+          </a:ln>
+        </p:spPr>
+        <p:style>
+          <a:lnRef idx="1">
+            <a:schemeClr val="accent1"/>
+          </a:lnRef>
+          <a:fillRef idx="3">
+            <a:schemeClr val="accent1"/>
+          </a:fillRef>
+          <a:effectRef idx="2">
+            <a:schemeClr val="accent1"/>
+          </a:effectRef>
+          <a:fontRef idx="minor">
+            <a:schemeClr val="lt1"/>
+          </a:fontRef>
+        </p:style>
+        <p:txBody>
+          <a:bodyPr rtlCol="0" anchor="ctr"/>
+          <a:lstStyle/>
+          <a:p>
+            <a:pPr algn="ctr"/>
+            <a:endParaRPr lang="en-US"/>
+          </a:p>
+        </p:txBody>
+      </p:sp>
     </p:spTree>
     <p:extLst>
       <p:ext uri="{BB962C8B-B14F-4D97-AF65-F5344CB8AC3E}">
@@ -14842,8 +18607,8 @@
         </p:nvSpPr>
         <p:spPr>
           <a:xfrm>
-            <a:off x="1307938" y="473172"/>
-            <a:ext cx="10363361" cy="3298728"/>
+            <a:off x="1296364" y="473172"/>
+            <a:ext cx="9792183" cy="2181538"/>
           </a:xfrm>
           <a:ln>
             <a:noFill/>
@@ -14860,28 +18625,43 @@
             </a:pPr>
             <a:r>
               <a:rPr lang="en-US" dirty="0"/>
-              <a:t>Once these four </a:t>
+              <a:t>Your </a:t>
             </a:r>
             <a:r>
               <a:rPr lang="en-US" dirty="0">
                 <a:solidFill>
-                  <a:srgbClr val="FFFF66"/>
+                  <a:srgbClr val="00FDFF"/>
+                </a:solidFill>
+              </a:rPr>
+              <a:t>social approval score </a:t>
+            </a:r>
+            <a:r>
+              <a:rPr lang="en-US" dirty="0"/>
+              <a:t>will not be affected by the number of </a:t>
+            </a:r>
+            <a:r>
+              <a:rPr lang="en-US" dirty="0">
+                <a:solidFill>
+                  <a:srgbClr val="00FDFF"/>
+                </a:solidFill>
+              </a:rPr>
+              <a:t>likes</a:t>
+            </a:r>
+            <a:r>
+              <a:rPr lang="en-US" dirty="0"/>
+              <a:t> you get on the first four </a:t>
+            </a:r>
+            <a:r>
+              <a:rPr lang="en-US" dirty="0">
+                <a:solidFill>
+                  <a:srgbClr val="00FDFF"/>
                 </a:solidFill>
               </a:rPr>
               <a:t>posts</a:t>
             </a:r>
             <a:r>
               <a:rPr lang="en-US" dirty="0"/>
-              <a:t> are complete, you will be free to choose between the two topics. </a:t>
-            </a:r>
-          </a:p>
-          <a:p>
-            <a:pPr marL="0" indent="0">
-              <a:buNone/>
-            </a:pPr>
-            <a:r>
-              <a:rPr lang="en-US" dirty="0"/>
-              <a:t>This is indicated by both topic options being lit up. </a:t>
+              <a:t> where you only have one option.</a:t>
             </a:r>
           </a:p>
         </p:txBody>
@@ -15169,10 +18949,10 @@
       </p:sp>
       <p:pic>
         <p:nvPicPr>
-          <p:cNvPr id="6" name="Picture 5" descr="Graphical user interface&#10;&#10;Description automatically generated">
+          <p:cNvPr id="11" name="Picture 10">
             <a:extLst>
               <a:ext uri="{FF2B5EF4-FFF2-40B4-BE49-F238E27FC236}">
-                <a16:creationId xmlns:a16="http://schemas.microsoft.com/office/drawing/2014/main" id="{6FC358C1-B626-994A-8A79-A3ADE11ED0D6}"/>
+                <a16:creationId xmlns:a16="http://schemas.microsoft.com/office/drawing/2014/main" id="{F5950FDC-4F77-6E44-9FB5-9089D63516A4}"/>
               </a:ext>
             </a:extLst>
           </p:cNvPr>
@@ -15183,14 +18963,13 @@
         </p:nvPicPr>
         <p:blipFill>
           <a:blip r:embed="rId3"/>
-          <a:stretch>
-            <a:fillRect/>
-          </a:stretch>
+          <a:srcRect/>
+          <a:stretch/>
         </p:blipFill>
         <p:spPr>
           <a:xfrm>
-            <a:off x="2254212" y="3076483"/>
-            <a:ext cx="7652548" cy="1934730"/>
+            <a:off x="6511373" y="3439973"/>
+            <a:ext cx="4577174" cy="1202299"/>
           </a:xfrm>
           <a:prstGeom prst="rect">
             <a:avLst/>
@@ -15202,10 +18981,288 @@
           </a:ln>
         </p:spPr>
       </p:pic>
+      <p:sp>
+        <p:nvSpPr>
+          <p:cNvPr id="7" name="Subtitle 8">
+            <a:extLst>
+              <a:ext uri="{FF2B5EF4-FFF2-40B4-BE49-F238E27FC236}">
+                <a16:creationId xmlns:a16="http://schemas.microsoft.com/office/drawing/2014/main" id="{B0AC6AAB-8EB2-6C44-A0CA-95B963B55EF7}"/>
+              </a:ext>
+            </a:extLst>
+          </p:cNvPr>
+          <p:cNvSpPr txBox="1">
+            <a:spLocks/>
+          </p:cNvSpPr>
+          <p:nvPr/>
+        </p:nvSpPr>
+        <p:spPr>
+          <a:xfrm>
+            <a:off x="1518826" y="6073844"/>
+            <a:ext cx="1532830" cy="801636"/>
+          </a:xfrm>
+          <a:prstGeom prst="rect">
+            <a:avLst/>
+          </a:prstGeom>
+        </p:spPr>
+        <p:txBody>
+          <a:bodyPr vert="horz" lIns="91440" tIns="45720" rIns="91440" bIns="45720" rtlCol="0">
+            <a:normAutofit/>
+          </a:bodyPr>
+          <a:lstStyle>
+            <a:lvl1pPr marL="0" indent="0" algn="ctr" defTabSz="914400" rtl="0" eaLnBrk="1" latinLnBrk="0" hangingPunct="1">
+              <a:spcBef>
+                <a:spcPct val="20000"/>
+              </a:spcBef>
+              <a:buFont typeface="Arial" pitchFamily="34" charset="0"/>
+              <a:buNone/>
+              <a:defRPr sz="3200" kern="1200">
+                <a:solidFill>
+                  <a:schemeClr val="tx1">
+                    <a:tint val="75000"/>
+                  </a:schemeClr>
+                </a:solidFill>
+                <a:latin typeface="+mn-lt"/>
+                <a:ea typeface="+mn-ea"/>
+                <a:cs typeface="+mn-cs"/>
+              </a:defRPr>
+            </a:lvl1pPr>
+            <a:lvl2pPr marL="457200" indent="0" algn="ctr" defTabSz="914400" rtl="0" eaLnBrk="1" latinLnBrk="0" hangingPunct="1">
+              <a:spcBef>
+                <a:spcPct val="20000"/>
+              </a:spcBef>
+              <a:buFont typeface="Arial" pitchFamily="34" charset="0"/>
+              <a:buNone/>
+              <a:defRPr sz="2800" kern="1200">
+                <a:solidFill>
+                  <a:schemeClr val="tx1">
+                    <a:tint val="75000"/>
+                  </a:schemeClr>
+                </a:solidFill>
+                <a:latin typeface="+mn-lt"/>
+                <a:ea typeface="+mn-ea"/>
+                <a:cs typeface="+mn-cs"/>
+              </a:defRPr>
+            </a:lvl2pPr>
+            <a:lvl3pPr marL="914400" indent="0" algn="ctr" defTabSz="914400" rtl="0" eaLnBrk="1" latinLnBrk="0" hangingPunct="1">
+              <a:spcBef>
+                <a:spcPct val="20000"/>
+              </a:spcBef>
+              <a:buFont typeface="Arial" pitchFamily="34" charset="0"/>
+              <a:buNone/>
+              <a:defRPr sz="2400" kern="1200">
+                <a:solidFill>
+                  <a:schemeClr val="tx1">
+                    <a:tint val="75000"/>
+                  </a:schemeClr>
+                </a:solidFill>
+                <a:latin typeface="+mn-lt"/>
+                <a:ea typeface="+mn-ea"/>
+                <a:cs typeface="+mn-cs"/>
+              </a:defRPr>
+            </a:lvl3pPr>
+            <a:lvl4pPr marL="1371600" indent="0" algn="ctr" defTabSz="914400" rtl="0" eaLnBrk="1" latinLnBrk="0" hangingPunct="1">
+              <a:spcBef>
+                <a:spcPct val="20000"/>
+              </a:spcBef>
+              <a:buFont typeface="Arial" pitchFamily="34" charset="0"/>
+              <a:buNone/>
+              <a:defRPr sz="2000" kern="1200">
+                <a:solidFill>
+                  <a:schemeClr val="tx1">
+                    <a:tint val="75000"/>
+                  </a:schemeClr>
+                </a:solidFill>
+                <a:latin typeface="+mn-lt"/>
+                <a:ea typeface="+mn-ea"/>
+                <a:cs typeface="+mn-cs"/>
+              </a:defRPr>
+            </a:lvl4pPr>
+            <a:lvl5pPr marL="1828800" indent="0" algn="ctr" defTabSz="914400" rtl="0" eaLnBrk="1" latinLnBrk="0" hangingPunct="1">
+              <a:spcBef>
+                <a:spcPct val="20000"/>
+              </a:spcBef>
+              <a:buFont typeface="Arial" pitchFamily="34" charset="0"/>
+              <a:buNone/>
+              <a:defRPr sz="2000" kern="1200">
+                <a:solidFill>
+                  <a:schemeClr val="tx1">
+                    <a:tint val="75000"/>
+                  </a:schemeClr>
+                </a:solidFill>
+                <a:latin typeface="+mn-lt"/>
+                <a:ea typeface="+mn-ea"/>
+                <a:cs typeface="+mn-cs"/>
+              </a:defRPr>
+            </a:lvl5pPr>
+            <a:lvl6pPr marL="2286000" indent="0" algn="ctr" defTabSz="914400" rtl="0" eaLnBrk="1" latinLnBrk="0" hangingPunct="1">
+              <a:spcBef>
+                <a:spcPct val="20000"/>
+              </a:spcBef>
+              <a:buFont typeface="Arial" pitchFamily="34" charset="0"/>
+              <a:buNone/>
+              <a:defRPr sz="2000" kern="1200">
+                <a:solidFill>
+                  <a:schemeClr val="tx1">
+                    <a:tint val="75000"/>
+                  </a:schemeClr>
+                </a:solidFill>
+                <a:latin typeface="+mn-lt"/>
+                <a:ea typeface="+mn-ea"/>
+                <a:cs typeface="+mn-cs"/>
+              </a:defRPr>
+            </a:lvl6pPr>
+            <a:lvl7pPr marL="2743200" indent="0" algn="ctr" defTabSz="914400" rtl="0" eaLnBrk="1" latinLnBrk="0" hangingPunct="1">
+              <a:spcBef>
+                <a:spcPct val="20000"/>
+              </a:spcBef>
+              <a:buFont typeface="Arial" pitchFamily="34" charset="0"/>
+              <a:buNone/>
+              <a:defRPr sz="2000" kern="1200">
+                <a:solidFill>
+                  <a:schemeClr val="tx1">
+                    <a:tint val="75000"/>
+                  </a:schemeClr>
+                </a:solidFill>
+                <a:latin typeface="+mn-lt"/>
+                <a:ea typeface="+mn-ea"/>
+                <a:cs typeface="+mn-cs"/>
+              </a:defRPr>
+            </a:lvl7pPr>
+            <a:lvl8pPr marL="3200400" indent="0" algn="ctr" defTabSz="914400" rtl="0" eaLnBrk="1" latinLnBrk="0" hangingPunct="1">
+              <a:spcBef>
+                <a:spcPct val="20000"/>
+              </a:spcBef>
+              <a:buFont typeface="Arial" pitchFamily="34" charset="0"/>
+              <a:buNone/>
+              <a:defRPr sz="2000" kern="1200">
+                <a:solidFill>
+                  <a:schemeClr val="tx1">
+                    <a:tint val="75000"/>
+                  </a:schemeClr>
+                </a:solidFill>
+                <a:latin typeface="+mn-lt"/>
+                <a:ea typeface="+mn-ea"/>
+                <a:cs typeface="+mn-cs"/>
+              </a:defRPr>
+            </a:lvl8pPr>
+            <a:lvl9pPr marL="3657600" indent="0" algn="ctr" defTabSz="914400" rtl="0" eaLnBrk="1" latinLnBrk="0" hangingPunct="1">
+              <a:spcBef>
+                <a:spcPct val="20000"/>
+              </a:spcBef>
+              <a:buFont typeface="Arial" pitchFamily="34" charset="0"/>
+              <a:buNone/>
+              <a:defRPr sz="2000" kern="1200">
+                <a:solidFill>
+                  <a:schemeClr val="tx1">
+                    <a:tint val="75000"/>
+                  </a:schemeClr>
+                </a:solidFill>
+                <a:latin typeface="+mn-lt"/>
+                <a:ea typeface="+mn-ea"/>
+                <a:cs typeface="+mn-cs"/>
+              </a:defRPr>
+            </a:lvl9pPr>
+          </a:lstStyle>
+          <a:p>
+            <a:r>
+              <a:rPr lang="en-US" sz="1600" dirty="0">
+                <a:solidFill>
+                  <a:schemeClr val="tx1"/>
+                </a:solidFill>
+              </a:rPr>
+              <a:t>LEFT</a:t>
+            </a:r>
+          </a:p>
+        </p:txBody>
+      </p:sp>
+      <p:sp>
+        <p:nvSpPr>
+          <p:cNvPr id="8" name="Right Arrow 7">
+            <a:extLst>
+              <a:ext uri="{FF2B5EF4-FFF2-40B4-BE49-F238E27FC236}">
+                <a16:creationId xmlns:a16="http://schemas.microsoft.com/office/drawing/2014/main" id="{C8F500FC-A60C-6B4D-A11B-88DB77FBB1A2}"/>
+              </a:ext>
+            </a:extLst>
+          </p:cNvPr>
+          <p:cNvSpPr/>
+          <p:nvPr/>
+        </p:nvSpPr>
+        <p:spPr>
+          <a:xfrm rot="10800000">
+            <a:off x="1902125" y="6391827"/>
+            <a:ext cx="640200" cy="289763"/>
+          </a:xfrm>
+          <a:prstGeom prst="rightArrow">
+            <a:avLst/>
+          </a:prstGeom>
+          <a:solidFill>
+            <a:schemeClr val="tx1"/>
+          </a:solidFill>
+          <a:ln>
+            <a:noFill/>
+          </a:ln>
+        </p:spPr>
+        <p:style>
+          <a:lnRef idx="1">
+            <a:schemeClr val="accent1"/>
+          </a:lnRef>
+          <a:fillRef idx="3">
+            <a:schemeClr val="accent1"/>
+          </a:fillRef>
+          <a:effectRef idx="2">
+            <a:schemeClr val="accent1"/>
+          </a:effectRef>
+          <a:fontRef idx="minor">
+            <a:schemeClr val="lt1"/>
+          </a:fontRef>
+        </p:style>
+        <p:txBody>
+          <a:bodyPr rtlCol="0" anchor="ctr"/>
+          <a:lstStyle/>
+          <a:p>
+            <a:pPr algn="ctr"/>
+            <a:endParaRPr lang="en-US"/>
+          </a:p>
+        </p:txBody>
+      </p:sp>
+      <p:pic>
+        <p:nvPicPr>
+          <p:cNvPr id="10" name="Picture 9">
+            <a:extLst>
+              <a:ext uri="{FF2B5EF4-FFF2-40B4-BE49-F238E27FC236}">
+                <a16:creationId xmlns:a16="http://schemas.microsoft.com/office/drawing/2014/main" id="{12A3E121-544D-2347-B6B1-C8EABF4072CA}"/>
+              </a:ext>
+            </a:extLst>
+          </p:cNvPr>
+          <p:cNvPicPr>
+            <a:picLocks noChangeAspect="1"/>
+          </p:cNvPicPr>
+          <p:nvPr/>
+        </p:nvPicPr>
+        <p:blipFill>
+          <a:blip r:embed="rId4"/>
+          <a:srcRect/>
+          <a:stretch/>
+        </p:blipFill>
+        <p:spPr>
+          <a:xfrm>
+            <a:off x="1323012" y="3429000"/>
+            <a:ext cx="4689491" cy="1224247"/>
+          </a:xfrm>
+          <a:prstGeom prst="rect">
+            <a:avLst/>
+          </a:prstGeom>
+          <a:ln>
+            <a:solidFill>
+              <a:schemeClr val="tx1"/>
+            </a:solidFill>
+          </a:ln>
+        </p:spPr>
+      </p:pic>
     </p:spTree>
     <p:extLst>
       <p:ext uri="{BB962C8B-B14F-4D97-AF65-F5344CB8AC3E}">
-        <p14:creationId xmlns:p14="http://schemas.microsoft.com/office/powerpoint/2010/main" val="101108559"/>
+        <p14:creationId xmlns:p14="http://schemas.microsoft.com/office/powerpoint/2010/main" val="474479370"/>
       </p:ext>
     </p:extLst>
   </p:cSld>
@@ -15252,8 +19309,8 @@
         </p:nvSpPr>
         <p:spPr>
           <a:xfrm>
-            <a:off x="1400536" y="285535"/>
-            <a:ext cx="9919505" cy="3298728"/>
+            <a:off x="1307938" y="473172"/>
+            <a:ext cx="10363361" cy="3298728"/>
           </a:xfrm>
           <a:ln>
             <a:noFill/>
@@ -15270,92 +19327,29 @@
             </a:pPr>
             <a:r>
               <a:rPr lang="en-US" dirty="0"/>
-              <a:t>We will keep track of the total number of </a:t>
+              <a:t>Once these four </a:t>
             </a:r>
             <a:r>
               <a:rPr lang="en-US" dirty="0">
                 <a:solidFill>
-                  <a:srgbClr val="00FDFF"/>
+                  <a:srgbClr val="FFFF66"/>
                 </a:solidFill>
               </a:rPr>
-              <a:t>likes</a:t>
+              <a:t>posts</a:t>
             </a:r>
             <a:r>
               <a:rPr lang="en-US" dirty="0"/>
-              <a:t> you receive across all </a:t>
-            </a:r>
-            <a:r>
-              <a:rPr lang="en-US" dirty="0">
-                <a:solidFill>
-                  <a:srgbClr val="00FF00"/>
-                </a:solidFill>
-              </a:rPr>
-              <a:t>chatrooms</a:t>
-            </a:r>
+              <a:t> are complete, you will be free to choose between the two topics. </a:t>
+            </a:r>
+          </a:p>
+          <a:p>
+            <a:pPr marL="0" indent="0">
+              <a:buNone/>
+            </a:pPr>
             <a:r>
               <a:rPr lang="en-US" dirty="0"/>
-              <a:t>. </a:t>
-            </a:r>
-          </a:p>
-          <a:p>
-            <a:pPr marL="0" indent="0">
-              <a:buNone/>
-            </a:pPr>
-            <a:r>
-              <a:rPr lang="en-US" dirty="0"/>
-              <a:t>Try to get as many </a:t>
-            </a:r>
-            <a:r>
-              <a:rPr lang="en-US" dirty="0">
-                <a:solidFill>
-                  <a:srgbClr val="00FDFF"/>
-                </a:solidFill>
-              </a:rPr>
-              <a:t>likes</a:t>
-            </a:r>
-            <a:r>
-              <a:rPr lang="en-US" dirty="0"/>
-              <a:t> as possible. </a:t>
-            </a:r>
-          </a:p>
-          <a:p>
-            <a:pPr marL="0" indent="0">
-              <a:buNone/>
-            </a:pPr>
-            <a:r>
-              <a:rPr lang="en-US" dirty="0"/>
-              <a:t>In the upper-right corner, we will use this to calculate your overall “</a:t>
-            </a:r>
-            <a:r>
-              <a:rPr lang="en-US" dirty="0">
-                <a:solidFill>
-                  <a:srgbClr val="00FDFF"/>
-                </a:solidFill>
-              </a:rPr>
-              <a:t>social approval score</a:t>
-            </a:r>
-            <a:r>
-              <a:rPr lang="en-US" dirty="0"/>
-              <a:t>”, which will go up or down over time depending on how many </a:t>
-            </a:r>
-            <a:r>
-              <a:rPr lang="en-US" dirty="0">
-                <a:solidFill>
-                  <a:srgbClr val="00FDFF"/>
-                </a:solidFill>
-              </a:rPr>
-              <a:t>likes</a:t>
-            </a:r>
-            <a:r>
-              <a:rPr lang="en-US" dirty="0"/>
-              <a:t> you get.</a:t>
-            </a:r>
-          </a:p>
-          <a:p>
-            <a:pPr marL="0" indent="0" algn="ctr">
-              <a:buNone/>
-            </a:pPr>
-            <a:endParaRPr lang="en-US" dirty="0"/>
+              <a:t>This is indicated by both topic options being lit up. </a:t>
+            </a:r>
           </a:p>
         </p:txBody>
       </p:sp>
@@ -15642,10 +19636,10 @@
       </p:sp>
       <p:pic>
         <p:nvPicPr>
-          <p:cNvPr id="4" name="Picture 3" descr="Graphical user interface, website&#10;&#10;Description automatically generated">
+          <p:cNvPr id="6" name="Picture 5" descr="Graphical user interface&#10;&#10;Description automatically generated">
             <a:extLst>
               <a:ext uri="{FF2B5EF4-FFF2-40B4-BE49-F238E27FC236}">
-                <a16:creationId xmlns:a16="http://schemas.microsoft.com/office/drawing/2014/main" id="{0F2ECFCF-775B-6249-8F94-0AE6566E9DB5}"/>
+                <a16:creationId xmlns:a16="http://schemas.microsoft.com/office/drawing/2014/main" id="{6FC358C1-B626-994A-8A79-A3ADE11ED0D6}"/>
               </a:ext>
             </a:extLst>
           </p:cNvPr>
@@ -15662,8 +19656,8 @@
         </p:blipFill>
         <p:spPr>
           <a:xfrm>
-            <a:off x="3215533" y="3677802"/>
-            <a:ext cx="5247982" cy="2429953"/>
+            <a:off x="2254212" y="3076483"/>
+            <a:ext cx="7652548" cy="1934730"/>
           </a:xfrm>
           <a:prstGeom prst="rect">
             <a:avLst/>
@@ -15675,10 +19669,254 @@
           </a:ln>
         </p:spPr>
       </p:pic>
+      <p:sp>
+        <p:nvSpPr>
+          <p:cNvPr id="7" name="Subtitle 8">
+            <a:extLst>
+              <a:ext uri="{FF2B5EF4-FFF2-40B4-BE49-F238E27FC236}">
+                <a16:creationId xmlns:a16="http://schemas.microsoft.com/office/drawing/2014/main" id="{AC4E2662-BD07-D440-8337-EF69351F4AF9}"/>
+              </a:ext>
+            </a:extLst>
+          </p:cNvPr>
+          <p:cNvSpPr txBox="1">
+            <a:spLocks/>
+          </p:cNvSpPr>
+          <p:nvPr/>
+        </p:nvSpPr>
+        <p:spPr>
+          <a:xfrm>
+            <a:off x="1518826" y="6073844"/>
+            <a:ext cx="1532830" cy="801636"/>
+          </a:xfrm>
+          <a:prstGeom prst="rect">
+            <a:avLst/>
+          </a:prstGeom>
+        </p:spPr>
+        <p:txBody>
+          <a:bodyPr vert="horz" lIns="91440" tIns="45720" rIns="91440" bIns="45720" rtlCol="0">
+            <a:normAutofit/>
+          </a:bodyPr>
+          <a:lstStyle>
+            <a:lvl1pPr marL="0" indent="0" algn="ctr" defTabSz="914400" rtl="0" eaLnBrk="1" latinLnBrk="0" hangingPunct="1">
+              <a:spcBef>
+                <a:spcPct val="20000"/>
+              </a:spcBef>
+              <a:buFont typeface="Arial" pitchFamily="34" charset="0"/>
+              <a:buNone/>
+              <a:defRPr sz="3200" kern="1200">
+                <a:solidFill>
+                  <a:schemeClr val="tx1">
+                    <a:tint val="75000"/>
+                  </a:schemeClr>
+                </a:solidFill>
+                <a:latin typeface="+mn-lt"/>
+                <a:ea typeface="+mn-ea"/>
+                <a:cs typeface="+mn-cs"/>
+              </a:defRPr>
+            </a:lvl1pPr>
+            <a:lvl2pPr marL="457200" indent="0" algn="ctr" defTabSz="914400" rtl="0" eaLnBrk="1" latinLnBrk="0" hangingPunct="1">
+              <a:spcBef>
+                <a:spcPct val="20000"/>
+              </a:spcBef>
+              <a:buFont typeface="Arial" pitchFamily="34" charset="0"/>
+              <a:buNone/>
+              <a:defRPr sz="2800" kern="1200">
+                <a:solidFill>
+                  <a:schemeClr val="tx1">
+                    <a:tint val="75000"/>
+                  </a:schemeClr>
+                </a:solidFill>
+                <a:latin typeface="+mn-lt"/>
+                <a:ea typeface="+mn-ea"/>
+                <a:cs typeface="+mn-cs"/>
+              </a:defRPr>
+            </a:lvl2pPr>
+            <a:lvl3pPr marL="914400" indent="0" algn="ctr" defTabSz="914400" rtl="0" eaLnBrk="1" latinLnBrk="0" hangingPunct="1">
+              <a:spcBef>
+                <a:spcPct val="20000"/>
+              </a:spcBef>
+              <a:buFont typeface="Arial" pitchFamily="34" charset="0"/>
+              <a:buNone/>
+              <a:defRPr sz="2400" kern="1200">
+                <a:solidFill>
+                  <a:schemeClr val="tx1">
+                    <a:tint val="75000"/>
+                  </a:schemeClr>
+                </a:solidFill>
+                <a:latin typeface="+mn-lt"/>
+                <a:ea typeface="+mn-ea"/>
+                <a:cs typeface="+mn-cs"/>
+              </a:defRPr>
+            </a:lvl3pPr>
+            <a:lvl4pPr marL="1371600" indent="0" algn="ctr" defTabSz="914400" rtl="0" eaLnBrk="1" latinLnBrk="0" hangingPunct="1">
+              <a:spcBef>
+                <a:spcPct val="20000"/>
+              </a:spcBef>
+              <a:buFont typeface="Arial" pitchFamily="34" charset="0"/>
+              <a:buNone/>
+              <a:defRPr sz="2000" kern="1200">
+                <a:solidFill>
+                  <a:schemeClr val="tx1">
+                    <a:tint val="75000"/>
+                  </a:schemeClr>
+                </a:solidFill>
+                <a:latin typeface="+mn-lt"/>
+                <a:ea typeface="+mn-ea"/>
+                <a:cs typeface="+mn-cs"/>
+              </a:defRPr>
+            </a:lvl4pPr>
+            <a:lvl5pPr marL="1828800" indent="0" algn="ctr" defTabSz="914400" rtl="0" eaLnBrk="1" latinLnBrk="0" hangingPunct="1">
+              <a:spcBef>
+                <a:spcPct val="20000"/>
+              </a:spcBef>
+              <a:buFont typeface="Arial" pitchFamily="34" charset="0"/>
+              <a:buNone/>
+              <a:defRPr sz="2000" kern="1200">
+                <a:solidFill>
+                  <a:schemeClr val="tx1">
+                    <a:tint val="75000"/>
+                  </a:schemeClr>
+                </a:solidFill>
+                <a:latin typeface="+mn-lt"/>
+                <a:ea typeface="+mn-ea"/>
+                <a:cs typeface="+mn-cs"/>
+              </a:defRPr>
+            </a:lvl5pPr>
+            <a:lvl6pPr marL="2286000" indent="0" algn="ctr" defTabSz="914400" rtl="0" eaLnBrk="1" latinLnBrk="0" hangingPunct="1">
+              <a:spcBef>
+                <a:spcPct val="20000"/>
+              </a:spcBef>
+              <a:buFont typeface="Arial" pitchFamily="34" charset="0"/>
+              <a:buNone/>
+              <a:defRPr sz="2000" kern="1200">
+                <a:solidFill>
+                  <a:schemeClr val="tx1">
+                    <a:tint val="75000"/>
+                  </a:schemeClr>
+                </a:solidFill>
+                <a:latin typeface="+mn-lt"/>
+                <a:ea typeface="+mn-ea"/>
+                <a:cs typeface="+mn-cs"/>
+              </a:defRPr>
+            </a:lvl6pPr>
+            <a:lvl7pPr marL="2743200" indent="0" algn="ctr" defTabSz="914400" rtl="0" eaLnBrk="1" latinLnBrk="0" hangingPunct="1">
+              <a:spcBef>
+                <a:spcPct val="20000"/>
+              </a:spcBef>
+              <a:buFont typeface="Arial" pitchFamily="34" charset="0"/>
+              <a:buNone/>
+              <a:defRPr sz="2000" kern="1200">
+                <a:solidFill>
+                  <a:schemeClr val="tx1">
+                    <a:tint val="75000"/>
+                  </a:schemeClr>
+                </a:solidFill>
+                <a:latin typeface="+mn-lt"/>
+                <a:ea typeface="+mn-ea"/>
+                <a:cs typeface="+mn-cs"/>
+              </a:defRPr>
+            </a:lvl7pPr>
+            <a:lvl8pPr marL="3200400" indent="0" algn="ctr" defTabSz="914400" rtl="0" eaLnBrk="1" latinLnBrk="0" hangingPunct="1">
+              <a:spcBef>
+                <a:spcPct val="20000"/>
+              </a:spcBef>
+              <a:buFont typeface="Arial" pitchFamily="34" charset="0"/>
+              <a:buNone/>
+              <a:defRPr sz="2000" kern="1200">
+                <a:solidFill>
+                  <a:schemeClr val="tx1">
+                    <a:tint val="75000"/>
+                  </a:schemeClr>
+                </a:solidFill>
+                <a:latin typeface="+mn-lt"/>
+                <a:ea typeface="+mn-ea"/>
+                <a:cs typeface="+mn-cs"/>
+              </a:defRPr>
+            </a:lvl8pPr>
+            <a:lvl9pPr marL="3657600" indent="0" algn="ctr" defTabSz="914400" rtl="0" eaLnBrk="1" latinLnBrk="0" hangingPunct="1">
+              <a:spcBef>
+                <a:spcPct val="20000"/>
+              </a:spcBef>
+              <a:buFont typeface="Arial" pitchFamily="34" charset="0"/>
+              <a:buNone/>
+              <a:defRPr sz="2000" kern="1200">
+                <a:solidFill>
+                  <a:schemeClr val="tx1">
+                    <a:tint val="75000"/>
+                  </a:schemeClr>
+                </a:solidFill>
+                <a:latin typeface="+mn-lt"/>
+                <a:ea typeface="+mn-ea"/>
+                <a:cs typeface="+mn-cs"/>
+              </a:defRPr>
+            </a:lvl9pPr>
+          </a:lstStyle>
+          <a:p>
+            <a:r>
+              <a:rPr lang="en-US" sz="1600" dirty="0">
+                <a:solidFill>
+                  <a:schemeClr val="tx1"/>
+                </a:solidFill>
+              </a:rPr>
+              <a:t>LEFT</a:t>
+            </a:r>
+          </a:p>
+        </p:txBody>
+      </p:sp>
+      <p:sp>
+        <p:nvSpPr>
+          <p:cNvPr id="8" name="Right Arrow 7">
+            <a:extLst>
+              <a:ext uri="{FF2B5EF4-FFF2-40B4-BE49-F238E27FC236}">
+                <a16:creationId xmlns:a16="http://schemas.microsoft.com/office/drawing/2014/main" id="{7561A77B-7126-1044-9F53-7EDA909B3D7B}"/>
+              </a:ext>
+            </a:extLst>
+          </p:cNvPr>
+          <p:cNvSpPr/>
+          <p:nvPr/>
+        </p:nvSpPr>
+        <p:spPr>
+          <a:xfrm rot="10800000">
+            <a:off x="1902125" y="6391827"/>
+            <a:ext cx="640200" cy="289763"/>
+          </a:xfrm>
+          <a:prstGeom prst="rightArrow">
+            <a:avLst/>
+          </a:prstGeom>
+          <a:solidFill>
+            <a:schemeClr val="tx1"/>
+          </a:solidFill>
+          <a:ln>
+            <a:noFill/>
+          </a:ln>
+        </p:spPr>
+        <p:style>
+          <a:lnRef idx="1">
+            <a:schemeClr val="accent1"/>
+          </a:lnRef>
+          <a:fillRef idx="3">
+            <a:schemeClr val="accent1"/>
+          </a:fillRef>
+          <a:effectRef idx="2">
+            <a:schemeClr val="accent1"/>
+          </a:effectRef>
+          <a:fontRef idx="minor">
+            <a:schemeClr val="lt1"/>
+          </a:fontRef>
+        </p:style>
+        <p:txBody>
+          <a:bodyPr rtlCol="0" anchor="ctr"/>
+          <a:lstStyle/>
+          <a:p>
+            <a:pPr algn="ctr"/>
+            <a:endParaRPr lang="en-US"/>
+          </a:p>
+        </p:txBody>
+      </p:sp>
     </p:spTree>
     <p:extLst>
       <p:ext uri="{BB962C8B-B14F-4D97-AF65-F5344CB8AC3E}">
-        <p14:creationId xmlns:p14="http://schemas.microsoft.com/office/powerpoint/2010/main" val="1934461905"/>
+        <p14:creationId xmlns:p14="http://schemas.microsoft.com/office/powerpoint/2010/main" val="101108559"/>
       </p:ext>
     </p:extLst>
   </p:cSld>
@@ -15725,6 +19963,723 @@
         </p:nvSpPr>
         <p:spPr>
           <a:xfrm>
+            <a:off x="1400536" y="285535"/>
+            <a:ext cx="9919505" cy="3298728"/>
+          </a:xfrm>
+          <a:ln>
+            <a:noFill/>
+          </a:ln>
+        </p:spPr>
+        <p:txBody>
+          <a:bodyPr>
+            <a:noAutofit/>
+          </a:bodyPr>
+          <a:lstStyle/>
+          <a:p>
+            <a:pPr marL="0" indent="0">
+              <a:buNone/>
+            </a:pPr>
+            <a:r>
+              <a:rPr lang="en-US" dirty="0"/>
+              <a:t>We will keep track of the total number of </a:t>
+            </a:r>
+            <a:r>
+              <a:rPr lang="en-US" dirty="0">
+                <a:solidFill>
+                  <a:srgbClr val="00FDFF"/>
+                </a:solidFill>
+              </a:rPr>
+              <a:t>likes</a:t>
+            </a:r>
+            <a:r>
+              <a:rPr lang="en-US" dirty="0"/>
+              <a:t> you receive across all </a:t>
+            </a:r>
+            <a:r>
+              <a:rPr lang="en-US" dirty="0">
+                <a:solidFill>
+                  <a:srgbClr val="00FF00"/>
+                </a:solidFill>
+              </a:rPr>
+              <a:t>chatrooms</a:t>
+            </a:r>
+            <a:r>
+              <a:rPr lang="en-US" dirty="0"/>
+              <a:t>. </a:t>
+            </a:r>
+          </a:p>
+          <a:p>
+            <a:pPr marL="0" indent="0">
+              <a:buNone/>
+            </a:pPr>
+            <a:r>
+              <a:rPr lang="en-US" dirty="0"/>
+              <a:t>Try to get as many </a:t>
+            </a:r>
+            <a:r>
+              <a:rPr lang="en-US" dirty="0">
+                <a:solidFill>
+                  <a:srgbClr val="00FDFF"/>
+                </a:solidFill>
+              </a:rPr>
+              <a:t>likes</a:t>
+            </a:r>
+            <a:r>
+              <a:rPr lang="en-US" dirty="0"/>
+              <a:t> as possible. </a:t>
+            </a:r>
+          </a:p>
+          <a:p>
+            <a:pPr marL="0" indent="0">
+              <a:buNone/>
+            </a:pPr>
+            <a:r>
+              <a:rPr lang="en-US" dirty="0"/>
+              <a:t>In the upper-right corner, we will use this to calculate your overall “</a:t>
+            </a:r>
+            <a:r>
+              <a:rPr lang="en-US" dirty="0">
+                <a:solidFill>
+                  <a:srgbClr val="00FDFF"/>
+                </a:solidFill>
+              </a:rPr>
+              <a:t>social approval score</a:t>
+            </a:r>
+            <a:r>
+              <a:rPr lang="en-US" dirty="0"/>
+              <a:t>”, which will go up or down over time depending on how many </a:t>
+            </a:r>
+            <a:r>
+              <a:rPr lang="en-US" dirty="0">
+                <a:solidFill>
+                  <a:srgbClr val="00FDFF"/>
+                </a:solidFill>
+              </a:rPr>
+              <a:t>likes</a:t>
+            </a:r>
+            <a:r>
+              <a:rPr lang="en-US" dirty="0"/>
+              <a:t> you get.</a:t>
+            </a:r>
+          </a:p>
+          <a:p>
+            <a:pPr marL="0" indent="0" algn="ctr">
+              <a:buNone/>
+            </a:pPr>
+            <a:endParaRPr lang="en-US" dirty="0"/>
+          </a:p>
+        </p:txBody>
+      </p:sp>
+      <p:sp>
+        <p:nvSpPr>
+          <p:cNvPr id="26" name="Title 3"/>
+          <p:cNvSpPr txBox="1">
+            <a:spLocks/>
+          </p:cNvSpPr>
+          <p:nvPr/>
+        </p:nvSpPr>
+        <p:spPr>
+          <a:xfrm>
+            <a:off x="1524000" y="6201295"/>
+            <a:ext cx="9149174" cy="656705"/>
+          </a:xfrm>
+          <a:prstGeom prst="rect">
+            <a:avLst/>
+          </a:prstGeom>
+        </p:spPr>
+        <p:txBody>
+          <a:bodyPr vert="horz" lIns="91440" tIns="45720" rIns="91440" bIns="45720" rtlCol="0" anchor="ctr">
+            <a:normAutofit/>
+          </a:bodyPr>
+          <a:lstStyle>
+            <a:lvl1pPr algn="ctr" defTabSz="914400" rtl="0" eaLnBrk="1" latinLnBrk="0" hangingPunct="1">
+              <a:spcBef>
+                <a:spcPct val="0"/>
+              </a:spcBef>
+              <a:buNone/>
+              <a:defRPr sz="4400" kern="1200">
+                <a:solidFill>
+                  <a:schemeClr val="tx1"/>
+                </a:solidFill>
+                <a:latin typeface="+mj-lt"/>
+                <a:ea typeface="+mj-ea"/>
+                <a:cs typeface="+mj-cs"/>
+              </a:defRPr>
+            </a:lvl1pPr>
+          </a:lstStyle>
+          <a:p>
+            <a:r>
+              <a:rPr lang="en-US" sz="3000" dirty="0">
+                <a:solidFill>
+                  <a:srgbClr val="FF0000"/>
+                </a:solidFill>
+              </a:rPr>
+              <a:t>PRESS THE RIGHT BUTTON TO CONTINUE</a:t>
+            </a:r>
+          </a:p>
+        </p:txBody>
+      </p:sp>
+      <p:sp>
+        <p:nvSpPr>
+          <p:cNvPr id="12" name="Subtitle 8"/>
+          <p:cNvSpPr txBox="1">
+            <a:spLocks/>
+          </p:cNvSpPr>
+          <p:nvPr/>
+        </p:nvSpPr>
+        <p:spPr>
+          <a:xfrm>
+            <a:off x="9140345" y="6073844"/>
+            <a:ext cx="1532830" cy="801636"/>
+          </a:xfrm>
+          <a:prstGeom prst="rect">
+            <a:avLst/>
+          </a:prstGeom>
+        </p:spPr>
+        <p:txBody>
+          <a:bodyPr vert="horz" lIns="91440" tIns="45720" rIns="91440" bIns="45720" rtlCol="0">
+            <a:normAutofit/>
+          </a:bodyPr>
+          <a:lstStyle>
+            <a:lvl1pPr marL="0" indent="0" algn="ctr" defTabSz="914400" rtl="0" eaLnBrk="1" latinLnBrk="0" hangingPunct="1">
+              <a:spcBef>
+                <a:spcPct val="20000"/>
+              </a:spcBef>
+              <a:buFont typeface="Arial" pitchFamily="34" charset="0"/>
+              <a:buNone/>
+              <a:defRPr sz="3200" kern="1200">
+                <a:solidFill>
+                  <a:schemeClr val="tx1">
+                    <a:tint val="75000"/>
+                  </a:schemeClr>
+                </a:solidFill>
+                <a:latin typeface="+mn-lt"/>
+                <a:ea typeface="+mn-ea"/>
+                <a:cs typeface="+mn-cs"/>
+              </a:defRPr>
+            </a:lvl1pPr>
+            <a:lvl2pPr marL="457200" indent="0" algn="ctr" defTabSz="914400" rtl="0" eaLnBrk="1" latinLnBrk="0" hangingPunct="1">
+              <a:spcBef>
+                <a:spcPct val="20000"/>
+              </a:spcBef>
+              <a:buFont typeface="Arial" pitchFamily="34" charset="0"/>
+              <a:buNone/>
+              <a:defRPr sz="2800" kern="1200">
+                <a:solidFill>
+                  <a:schemeClr val="tx1">
+                    <a:tint val="75000"/>
+                  </a:schemeClr>
+                </a:solidFill>
+                <a:latin typeface="+mn-lt"/>
+                <a:ea typeface="+mn-ea"/>
+                <a:cs typeface="+mn-cs"/>
+              </a:defRPr>
+            </a:lvl2pPr>
+            <a:lvl3pPr marL="914400" indent="0" algn="ctr" defTabSz="914400" rtl="0" eaLnBrk="1" latinLnBrk="0" hangingPunct="1">
+              <a:spcBef>
+                <a:spcPct val="20000"/>
+              </a:spcBef>
+              <a:buFont typeface="Arial" pitchFamily="34" charset="0"/>
+              <a:buNone/>
+              <a:defRPr sz="2400" kern="1200">
+                <a:solidFill>
+                  <a:schemeClr val="tx1">
+                    <a:tint val="75000"/>
+                  </a:schemeClr>
+                </a:solidFill>
+                <a:latin typeface="+mn-lt"/>
+                <a:ea typeface="+mn-ea"/>
+                <a:cs typeface="+mn-cs"/>
+              </a:defRPr>
+            </a:lvl3pPr>
+            <a:lvl4pPr marL="1371600" indent="0" algn="ctr" defTabSz="914400" rtl="0" eaLnBrk="1" latinLnBrk="0" hangingPunct="1">
+              <a:spcBef>
+                <a:spcPct val="20000"/>
+              </a:spcBef>
+              <a:buFont typeface="Arial" pitchFamily="34" charset="0"/>
+              <a:buNone/>
+              <a:defRPr sz="2000" kern="1200">
+                <a:solidFill>
+                  <a:schemeClr val="tx1">
+                    <a:tint val="75000"/>
+                  </a:schemeClr>
+                </a:solidFill>
+                <a:latin typeface="+mn-lt"/>
+                <a:ea typeface="+mn-ea"/>
+                <a:cs typeface="+mn-cs"/>
+              </a:defRPr>
+            </a:lvl4pPr>
+            <a:lvl5pPr marL="1828800" indent="0" algn="ctr" defTabSz="914400" rtl="0" eaLnBrk="1" latinLnBrk="0" hangingPunct="1">
+              <a:spcBef>
+                <a:spcPct val="20000"/>
+              </a:spcBef>
+              <a:buFont typeface="Arial" pitchFamily="34" charset="0"/>
+              <a:buNone/>
+              <a:defRPr sz="2000" kern="1200">
+                <a:solidFill>
+                  <a:schemeClr val="tx1">
+                    <a:tint val="75000"/>
+                  </a:schemeClr>
+                </a:solidFill>
+                <a:latin typeface="+mn-lt"/>
+                <a:ea typeface="+mn-ea"/>
+                <a:cs typeface="+mn-cs"/>
+              </a:defRPr>
+            </a:lvl5pPr>
+            <a:lvl6pPr marL="2286000" indent="0" algn="ctr" defTabSz="914400" rtl="0" eaLnBrk="1" latinLnBrk="0" hangingPunct="1">
+              <a:spcBef>
+                <a:spcPct val="20000"/>
+              </a:spcBef>
+              <a:buFont typeface="Arial" pitchFamily="34" charset="0"/>
+              <a:buNone/>
+              <a:defRPr sz="2000" kern="1200">
+                <a:solidFill>
+                  <a:schemeClr val="tx1">
+                    <a:tint val="75000"/>
+                  </a:schemeClr>
+                </a:solidFill>
+                <a:latin typeface="+mn-lt"/>
+                <a:ea typeface="+mn-ea"/>
+                <a:cs typeface="+mn-cs"/>
+              </a:defRPr>
+            </a:lvl6pPr>
+            <a:lvl7pPr marL="2743200" indent="0" algn="ctr" defTabSz="914400" rtl="0" eaLnBrk="1" latinLnBrk="0" hangingPunct="1">
+              <a:spcBef>
+                <a:spcPct val="20000"/>
+              </a:spcBef>
+              <a:buFont typeface="Arial" pitchFamily="34" charset="0"/>
+              <a:buNone/>
+              <a:defRPr sz="2000" kern="1200">
+                <a:solidFill>
+                  <a:schemeClr val="tx1">
+                    <a:tint val="75000"/>
+                  </a:schemeClr>
+                </a:solidFill>
+                <a:latin typeface="+mn-lt"/>
+                <a:ea typeface="+mn-ea"/>
+                <a:cs typeface="+mn-cs"/>
+              </a:defRPr>
+            </a:lvl7pPr>
+            <a:lvl8pPr marL="3200400" indent="0" algn="ctr" defTabSz="914400" rtl="0" eaLnBrk="1" latinLnBrk="0" hangingPunct="1">
+              <a:spcBef>
+                <a:spcPct val="20000"/>
+              </a:spcBef>
+              <a:buFont typeface="Arial" pitchFamily="34" charset="0"/>
+              <a:buNone/>
+              <a:defRPr sz="2000" kern="1200">
+                <a:solidFill>
+                  <a:schemeClr val="tx1">
+                    <a:tint val="75000"/>
+                  </a:schemeClr>
+                </a:solidFill>
+                <a:latin typeface="+mn-lt"/>
+                <a:ea typeface="+mn-ea"/>
+                <a:cs typeface="+mn-cs"/>
+              </a:defRPr>
+            </a:lvl8pPr>
+            <a:lvl9pPr marL="3657600" indent="0" algn="ctr" defTabSz="914400" rtl="0" eaLnBrk="1" latinLnBrk="0" hangingPunct="1">
+              <a:spcBef>
+                <a:spcPct val="20000"/>
+              </a:spcBef>
+              <a:buFont typeface="Arial" pitchFamily="34" charset="0"/>
+              <a:buNone/>
+              <a:defRPr sz="2000" kern="1200">
+                <a:solidFill>
+                  <a:schemeClr val="tx1">
+                    <a:tint val="75000"/>
+                  </a:schemeClr>
+                </a:solidFill>
+                <a:latin typeface="+mn-lt"/>
+                <a:ea typeface="+mn-ea"/>
+                <a:cs typeface="+mn-cs"/>
+              </a:defRPr>
+            </a:lvl9pPr>
+          </a:lstStyle>
+          <a:p>
+            <a:r>
+              <a:rPr lang="en-US" sz="1600" dirty="0">
+                <a:solidFill>
+                  <a:schemeClr val="tx1"/>
+                </a:solidFill>
+              </a:rPr>
+              <a:t>RIGHT</a:t>
+            </a:r>
+          </a:p>
+        </p:txBody>
+      </p:sp>
+      <p:sp>
+        <p:nvSpPr>
+          <p:cNvPr id="13" name="Right Arrow 12"/>
+          <p:cNvSpPr/>
+          <p:nvPr/>
+        </p:nvSpPr>
+        <p:spPr>
+          <a:xfrm>
+            <a:off x="9637318" y="6391827"/>
+            <a:ext cx="640200" cy="289763"/>
+          </a:xfrm>
+          <a:prstGeom prst="rightArrow">
+            <a:avLst/>
+          </a:prstGeom>
+          <a:solidFill>
+            <a:schemeClr val="tx1"/>
+          </a:solidFill>
+          <a:ln>
+            <a:noFill/>
+          </a:ln>
+        </p:spPr>
+        <p:style>
+          <a:lnRef idx="1">
+            <a:schemeClr val="accent1"/>
+          </a:lnRef>
+          <a:fillRef idx="3">
+            <a:schemeClr val="accent1"/>
+          </a:fillRef>
+          <a:effectRef idx="2">
+            <a:schemeClr val="accent1"/>
+          </a:effectRef>
+          <a:fontRef idx="minor">
+            <a:schemeClr val="lt1"/>
+          </a:fontRef>
+        </p:style>
+        <p:txBody>
+          <a:bodyPr rtlCol="0" anchor="ctr"/>
+          <a:lstStyle/>
+          <a:p>
+            <a:pPr algn="ctr"/>
+            <a:endParaRPr lang="en-US"/>
+          </a:p>
+        </p:txBody>
+      </p:sp>
+      <p:pic>
+        <p:nvPicPr>
+          <p:cNvPr id="4" name="Picture 3" descr="Graphical user interface, website&#10;&#10;Description automatically generated">
+            <a:extLst>
+              <a:ext uri="{FF2B5EF4-FFF2-40B4-BE49-F238E27FC236}">
+                <a16:creationId xmlns:a16="http://schemas.microsoft.com/office/drawing/2014/main" id="{0F2ECFCF-775B-6249-8F94-0AE6566E9DB5}"/>
+              </a:ext>
+            </a:extLst>
+          </p:cNvPr>
+          <p:cNvPicPr>
+            <a:picLocks noChangeAspect="1"/>
+          </p:cNvPicPr>
+          <p:nvPr/>
+        </p:nvPicPr>
+        <p:blipFill>
+          <a:blip r:embed="rId3"/>
+          <a:stretch>
+            <a:fillRect/>
+          </a:stretch>
+        </p:blipFill>
+        <p:spPr>
+          <a:xfrm>
+            <a:off x="3215533" y="3677802"/>
+            <a:ext cx="5247982" cy="2429953"/>
+          </a:xfrm>
+          <a:prstGeom prst="rect">
+            <a:avLst/>
+          </a:prstGeom>
+          <a:ln>
+            <a:solidFill>
+              <a:schemeClr val="tx1"/>
+            </a:solidFill>
+          </a:ln>
+        </p:spPr>
+      </p:pic>
+      <p:sp>
+        <p:nvSpPr>
+          <p:cNvPr id="7" name="Subtitle 8">
+            <a:extLst>
+              <a:ext uri="{FF2B5EF4-FFF2-40B4-BE49-F238E27FC236}">
+                <a16:creationId xmlns:a16="http://schemas.microsoft.com/office/drawing/2014/main" id="{5C270E37-0E22-6148-A1BA-04BA1036CA80}"/>
+              </a:ext>
+            </a:extLst>
+          </p:cNvPr>
+          <p:cNvSpPr txBox="1">
+            <a:spLocks/>
+          </p:cNvSpPr>
+          <p:nvPr/>
+        </p:nvSpPr>
+        <p:spPr>
+          <a:xfrm>
+            <a:off x="1518826" y="6073844"/>
+            <a:ext cx="1532830" cy="801636"/>
+          </a:xfrm>
+          <a:prstGeom prst="rect">
+            <a:avLst/>
+          </a:prstGeom>
+        </p:spPr>
+        <p:txBody>
+          <a:bodyPr vert="horz" lIns="91440" tIns="45720" rIns="91440" bIns="45720" rtlCol="0">
+            <a:normAutofit/>
+          </a:bodyPr>
+          <a:lstStyle>
+            <a:lvl1pPr marL="0" indent="0" algn="ctr" defTabSz="914400" rtl="0" eaLnBrk="1" latinLnBrk="0" hangingPunct="1">
+              <a:spcBef>
+                <a:spcPct val="20000"/>
+              </a:spcBef>
+              <a:buFont typeface="Arial" pitchFamily="34" charset="0"/>
+              <a:buNone/>
+              <a:defRPr sz="3200" kern="1200">
+                <a:solidFill>
+                  <a:schemeClr val="tx1">
+                    <a:tint val="75000"/>
+                  </a:schemeClr>
+                </a:solidFill>
+                <a:latin typeface="+mn-lt"/>
+                <a:ea typeface="+mn-ea"/>
+                <a:cs typeface="+mn-cs"/>
+              </a:defRPr>
+            </a:lvl1pPr>
+            <a:lvl2pPr marL="457200" indent="0" algn="ctr" defTabSz="914400" rtl="0" eaLnBrk="1" latinLnBrk="0" hangingPunct="1">
+              <a:spcBef>
+                <a:spcPct val="20000"/>
+              </a:spcBef>
+              <a:buFont typeface="Arial" pitchFamily="34" charset="0"/>
+              <a:buNone/>
+              <a:defRPr sz="2800" kern="1200">
+                <a:solidFill>
+                  <a:schemeClr val="tx1">
+                    <a:tint val="75000"/>
+                  </a:schemeClr>
+                </a:solidFill>
+                <a:latin typeface="+mn-lt"/>
+                <a:ea typeface="+mn-ea"/>
+                <a:cs typeface="+mn-cs"/>
+              </a:defRPr>
+            </a:lvl2pPr>
+            <a:lvl3pPr marL="914400" indent="0" algn="ctr" defTabSz="914400" rtl="0" eaLnBrk="1" latinLnBrk="0" hangingPunct="1">
+              <a:spcBef>
+                <a:spcPct val="20000"/>
+              </a:spcBef>
+              <a:buFont typeface="Arial" pitchFamily="34" charset="0"/>
+              <a:buNone/>
+              <a:defRPr sz="2400" kern="1200">
+                <a:solidFill>
+                  <a:schemeClr val="tx1">
+                    <a:tint val="75000"/>
+                  </a:schemeClr>
+                </a:solidFill>
+                <a:latin typeface="+mn-lt"/>
+                <a:ea typeface="+mn-ea"/>
+                <a:cs typeface="+mn-cs"/>
+              </a:defRPr>
+            </a:lvl3pPr>
+            <a:lvl4pPr marL="1371600" indent="0" algn="ctr" defTabSz="914400" rtl="0" eaLnBrk="1" latinLnBrk="0" hangingPunct="1">
+              <a:spcBef>
+                <a:spcPct val="20000"/>
+              </a:spcBef>
+              <a:buFont typeface="Arial" pitchFamily="34" charset="0"/>
+              <a:buNone/>
+              <a:defRPr sz="2000" kern="1200">
+                <a:solidFill>
+                  <a:schemeClr val="tx1">
+                    <a:tint val="75000"/>
+                  </a:schemeClr>
+                </a:solidFill>
+                <a:latin typeface="+mn-lt"/>
+                <a:ea typeface="+mn-ea"/>
+                <a:cs typeface="+mn-cs"/>
+              </a:defRPr>
+            </a:lvl4pPr>
+            <a:lvl5pPr marL="1828800" indent="0" algn="ctr" defTabSz="914400" rtl="0" eaLnBrk="1" latinLnBrk="0" hangingPunct="1">
+              <a:spcBef>
+                <a:spcPct val="20000"/>
+              </a:spcBef>
+              <a:buFont typeface="Arial" pitchFamily="34" charset="0"/>
+              <a:buNone/>
+              <a:defRPr sz="2000" kern="1200">
+                <a:solidFill>
+                  <a:schemeClr val="tx1">
+                    <a:tint val="75000"/>
+                  </a:schemeClr>
+                </a:solidFill>
+                <a:latin typeface="+mn-lt"/>
+                <a:ea typeface="+mn-ea"/>
+                <a:cs typeface="+mn-cs"/>
+              </a:defRPr>
+            </a:lvl5pPr>
+            <a:lvl6pPr marL="2286000" indent="0" algn="ctr" defTabSz="914400" rtl="0" eaLnBrk="1" latinLnBrk="0" hangingPunct="1">
+              <a:spcBef>
+                <a:spcPct val="20000"/>
+              </a:spcBef>
+              <a:buFont typeface="Arial" pitchFamily="34" charset="0"/>
+              <a:buNone/>
+              <a:defRPr sz="2000" kern="1200">
+                <a:solidFill>
+                  <a:schemeClr val="tx1">
+                    <a:tint val="75000"/>
+                  </a:schemeClr>
+                </a:solidFill>
+                <a:latin typeface="+mn-lt"/>
+                <a:ea typeface="+mn-ea"/>
+                <a:cs typeface="+mn-cs"/>
+              </a:defRPr>
+            </a:lvl6pPr>
+            <a:lvl7pPr marL="2743200" indent="0" algn="ctr" defTabSz="914400" rtl="0" eaLnBrk="1" latinLnBrk="0" hangingPunct="1">
+              <a:spcBef>
+                <a:spcPct val="20000"/>
+              </a:spcBef>
+              <a:buFont typeface="Arial" pitchFamily="34" charset="0"/>
+              <a:buNone/>
+              <a:defRPr sz="2000" kern="1200">
+                <a:solidFill>
+                  <a:schemeClr val="tx1">
+                    <a:tint val="75000"/>
+                  </a:schemeClr>
+                </a:solidFill>
+                <a:latin typeface="+mn-lt"/>
+                <a:ea typeface="+mn-ea"/>
+                <a:cs typeface="+mn-cs"/>
+              </a:defRPr>
+            </a:lvl7pPr>
+            <a:lvl8pPr marL="3200400" indent="0" algn="ctr" defTabSz="914400" rtl="0" eaLnBrk="1" latinLnBrk="0" hangingPunct="1">
+              <a:spcBef>
+                <a:spcPct val="20000"/>
+              </a:spcBef>
+              <a:buFont typeface="Arial" pitchFamily="34" charset="0"/>
+              <a:buNone/>
+              <a:defRPr sz="2000" kern="1200">
+                <a:solidFill>
+                  <a:schemeClr val="tx1">
+                    <a:tint val="75000"/>
+                  </a:schemeClr>
+                </a:solidFill>
+                <a:latin typeface="+mn-lt"/>
+                <a:ea typeface="+mn-ea"/>
+                <a:cs typeface="+mn-cs"/>
+              </a:defRPr>
+            </a:lvl8pPr>
+            <a:lvl9pPr marL="3657600" indent="0" algn="ctr" defTabSz="914400" rtl="0" eaLnBrk="1" latinLnBrk="0" hangingPunct="1">
+              <a:spcBef>
+                <a:spcPct val="20000"/>
+              </a:spcBef>
+              <a:buFont typeface="Arial" pitchFamily="34" charset="0"/>
+              <a:buNone/>
+              <a:defRPr sz="2000" kern="1200">
+                <a:solidFill>
+                  <a:schemeClr val="tx1">
+                    <a:tint val="75000"/>
+                  </a:schemeClr>
+                </a:solidFill>
+                <a:latin typeface="+mn-lt"/>
+                <a:ea typeface="+mn-ea"/>
+                <a:cs typeface="+mn-cs"/>
+              </a:defRPr>
+            </a:lvl9pPr>
+          </a:lstStyle>
+          <a:p>
+            <a:r>
+              <a:rPr lang="en-US" sz="1600" dirty="0">
+                <a:solidFill>
+                  <a:schemeClr val="tx1"/>
+                </a:solidFill>
+              </a:rPr>
+              <a:t>LEFT</a:t>
+            </a:r>
+          </a:p>
+        </p:txBody>
+      </p:sp>
+      <p:sp>
+        <p:nvSpPr>
+          <p:cNvPr id="8" name="Right Arrow 7">
+            <a:extLst>
+              <a:ext uri="{FF2B5EF4-FFF2-40B4-BE49-F238E27FC236}">
+                <a16:creationId xmlns:a16="http://schemas.microsoft.com/office/drawing/2014/main" id="{B0947CFA-28C1-1D40-ACC2-E94E571EE1F6}"/>
+              </a:ext>
+            </a:extLst>
+          </p:cNvPr>
+          <p:cNvSpPr/>
+          <p:nvPr/>
+        </p:nvSpPr>
+        <p:spPr>
+          <a:xfrm rot="10800000">
+            <a:off x="1902125" y="6391827"/>
+            <a:ext cx="640200" cy="289763"/>
+          </a:xfrm>
+          <a:prstGeom prst="rightArrow">
+            <a:avLst/>
+          </a:prstGeom>
+          <a:solidFill>
+            <a:schemeClr val="tx1"/>
+          </a:solidFill>
+          <a:ln>
+            <a:noFill/>
+          </a:ln>
+        </p:spPr>
+        <p:style>
+          <a:lnRef idx="1">
+            <a:schemeClr val="accent1"/>
+          </a:lnRef>
+          <a:fillRef idx="3">
+            <a:schemeClr val="accent1"/>
+          </a:fillRef>
+          <a:effectRef idx="2">
+            <a:schemeClr val="accent1"/>
+          </a:effectRef>
+          <a:fontRef idx="minor">
+            <a:schemeClr val="lt1"/>
+          </a:fontRef>
+        </p:style>
+        <p:txBody>
+          <a:bodyPr rtlCol="0" anchor="ctr"/>
+          <a:lstStyle/>
+          <a:p>
+            <a:pPr algn="ctr"/>
+            <a:endParaRPr lang="en-US"/>
+          </a:p>
+        </p:txBody>
+      </p:sp>
+    </p:spTree>
+    <p:extLst>
+      <p:ext uri="{BB962C8B-B14F-4D97-AF65-F5344CB8AC3E}">
+        <p14:creationId xmlns:p14="http://schemas.microsoft.com/office/powerpoint/2010/main" val="1934461905"/>
+      </p:ext>
+    </p:extLst>
+  </p:cSld>
+  <p:clrMapOvr>
+    <a:masterClrMapping/>
+  </p:clrMapOvr>
+</p:sld>
+</file>
+
+<file path=ppt/slides/slide27.xml><?xml version="1.0" encoding="utf-8"?>
+<p:sld xmlns:a="http://schemas.openxmlformats.org/drawingml/2006/main" xmlns:r="http://schemas.openxmlformats.org/officeDocument/2006/relationships" xmlns:p="http://schemas.openxmlformats.org/presentationml/2006/main">
+  <p:cSld>
+    <p:bg>
+      <p:bgPr>
+        <a:solidFill>
+          <a:schemeClr val="bg1"/>
+        </a:solidFill>
+        <a:effectLst/>
+      </p:bgPr>
+    </p:bg>
+    <p:spTree>
+      <p:nvGrpSpPr>
+        <p:cNvPr id="1" name=""/>
+        <p:cNvGrpSpPr/>
+        <p:nvPr/>
+      </p:nvGrpSpPr>
+      <p:grpSpPr>
+        <a:xfrm>
+          <a:off x="0" y="0"/>
+          <a:ext cx="0" cy="0"/>
+          <a:chOff x="0" y="0"/>
+          <a:chExt cx="0" cy="0"/>
+        </a:xfrm>
+      </p:grpSpPr>
+      <p:sp>
+        <p:nvSpPr>
+          <p:cNvPr id="3" name="Content Placeholder 2"/>
+          <p:cNvSpPr>
+            <a:spLocks noGrp="1"/>
+          </p:cNvSpPr>
+          <p:nvPr>
+            <p:ph idx="1"/>
+          </p:nvPr>
+        </p:nvSpPr>
+        <p:spPr>
+          <a:xfrm>
             <a:off x="1794076" y="473172"/>
             <a:ext cx="9051402" cy="1379691"/>
           </a:xfrm>
@@ -16275,6 +21230,250 @@
           </a:p>
         </p:txBody>
       </p:sp>
+      <p:sp>
+        <p:nvSpPr>
+          <p:cNvPr id="15" name="Subtitle 8">
+            <a:extLst>
+              <a:ext uri="{FF2B5EF4-FFF2-40B4-BE49-F238E27FC236}">
+                <a16:creationId xmlns:a16="http://schemas.microsoft.com/office/drawing/2014/main" id="{0F714337-856E-4449-A4F3-F54575B354AA}"/>
+              </a:ext>
+            </a:extLst>
+          </p:cNvPr>
+          <p:cNvSpPr txBox="1">
+            <a:spLocks/>
+          </p:cNvSpPr>
+          <p:nvPr/>
+        </p:nvSpPr>
+        <p:spPr>
+          <a:xfrm>
+            <a:off x="1518826" y="6073844"/>
+            <a:ext cx="1532830" cy="801636"/>
+          </a:xfrm>
+          <a:prstGeom prst="rect">
+            <a:avLst/>
+          </a:prstGeom>
+        </p:spPr>
+        <p:txBody>
+          <a:bodyPr vert="horz" lIns="91440" tIns="45720" rIns="91440" bIns="45720" rtlCol="0">
+            <a:normAutofit/>
+          </a:bodyPr>
+          <a:lstStyle>
+            <a:lvl1pPr marL="0" indent="0" algn="ctr" defTabSz="914400" rtl="0" eaLnBrk="1" latinLnBrk="0" hangingPunct="1">
+              <a:spcBef>
+                <a:spcPct val="20000"/>
+              </a:spcBef>
+              <a:buFont typeface="Arial" pitchFamily="34" charset="0"/>
+              <a:buNone/>
+              <a:defRPr sz="3200" kern="1200">
+                <a:solidFill>
+                  <a:schemeClr val="tx1">
+                    <a:tint val="75000"/>
+                  </a:schemeClr>
+                </a:solidFill>
+                <a:latin typeface="+mn-lt"/>
+                <a:ea typeface="+mn-ea"/>
+                <a:cs typeface="+mn-cs"/>
+              </a:defRPr>
+            </a:lvl1pPr>
+            <a:lvl2pPr marL="457200" indent="0" algn="ctr" defTabSz="914400" rtl="0" eaLnBrk="1" latinLnBrk="0" hangingPunct="1">
+              <a:spcBef>
+                <a:spcPct val="20000"/>
+              </a:spcBef>
+              <a:buFont typeface="Arial" pitchFamily="34" charset="0"/>
+              <a:buNone/>
+              <a:defRPr sz="2800" kern="1200">
+                <a:solidFill>
+                  <a:schemeClr val="tx1">
+                    <a:tint val="75000"/>
+                  </a:schemeClr>
+                </a:solidFill>
+                <a:latin typeface="+mn-lt"/>
+                <a:ea typeface="+mn-ea"/>
+                <a:cs typeface="+mn-cs"/>
+              </a:defRPr>
+            </a:lvl2pPr>
+            <a:lvl3pPr marL="914400" indent="0" algn="ctr" defTabSz="914400" rtl="0" eaLnBrk="1" latinLnBrk="0" hangingPunct="1">
+              <a:spcBef>
+                <a:spcPct val="20000"/>
+              </a:spcBef>
+              <a:buFont typeface="Arial" pitchFamily="34" charset="0"/>
+              <a:buNone/>
+              <a:defRPr sz="2400" kern="1200">
+                <a:solidFill>
+                  <a:schemeClr val="tx1">
+                    <a:tint val="75000"/>
+                  </a:schemeClr>
+                </a:solidFill>
+                <a:latin typeface="+mn-lt"/>
+                <a:ea typeface="+mn-ea"/>
+                <a:cs typeface="+mn-cs"/>
+              </a:defRPr>
+            </a:lvl3pPr>
+            <a:lvl4pPr marL="1371600" indent="0" algn="ctr" defTabSz="914400" rtl="0" eaLnBrk="1" latinLnBrk="0" hangingPunct="1">
+              <a:spcBef>
+                <a:spcPct val="20000"/>
+              </a:spcBef>
+              <a:buFont typeface="Arial" pitchFamily="34" charset="0"/>
+              <a:buNone/>
+              <a:defRPr sz="2000" kern="1200">
+                <a:solidFill>
+                  <a:schemeClr val="tx1">
+                    <a:tint val="75000"/>
+                  </a:schemeClr>
+                </a:solidFill>
+                <a:latin typeface="+mn-lt"/>
+                <a:ea typeface="+mn-ea"/>
+                <a:cs typeface="+mn-cs"/>
+              </a:defRPr>
+            </a:lvl4pPr>
+            <a:lvl5pPr marL="1828800" indent="0" algn="ctr" defTabSz="914400" rtl="0" eaLnBrk="1" latinLnBrk="0" hangingPunct="1">
+              <a:spcBef>
+                <a:spcPct val="20000"/>
+              </a:spcBef>
+              <a:buFont typeface="Arial" pitchFamily="34" charset="0"/>
+              <a:buNone/>
+              <a:defRPr sz="2000" kern="1200">
+                <a:solidFill>
+                  <a:schemeClr val="tx1">
+                    <a:tint val="75000"/>
+                  </a:schemeClr>
+                </a:solidFill>
+                <a:latin typeface="+mn-lt"/>
+                <a:ea typeface="+mn-ea"/>
+                <a:cs typeface="+mn-cs"/>
+              </a:defRPr>
+            </a:lvl5pPr>
+            <a:lvl6pPr marL="2286000" indent="0" algn="ctr" defTabSz="914400" rtl="0" eaLnBrk="1" latinLnBrk="0" hangingPunct="1">
+              <a:spcBef>
+                <a:spcPct val="20000"/>
+              </a:spcBef>
+              <a:buFont typeface="Arial" pitchFamily="34" charset="0"/>
+              <a:buNone/>
+              <a:defRPr sz="2000" kern="1200">
+                <a:solidFill>
+                  <a:schemeClr val="tx1">
+                    <a:tint val="75000"/>
+                  </a:schemeClr>
+                </a:solidFill>
+                <a:latin typeface="+mn-lt"/>
+                <a:ea typeface="+mn-ea"/>
+                <a:cs typeface="+mn-cs"/>
+              </a:defRPr>
+            </a:lvl6pPr>
+            <a:lvl7pPr marL="2743200" indent="0" algn="ctr" defTabSz="914400" rtl="0" eaLnBrk="1" latinLnBrk="0" hangingPunct="1">
+              <a:spcBef>
+                <a:spcPct val="20000"/>
+              </a:spcBef>
+              <a:buFont typeface="Arial" pitchFamily="34" charset="0"/>
+              <a:buNone/>
+              <a:defRPr sz="2000" kern="1200">
+                <a:solidFill>
+                  <a:schemeClr val="tx1">
+                    <a:tint val="75000"/>
+                  </a:schemeClr>
+                </a:solidFill>
+                <a:latin typeface="+mn-lt"/>
+                <a:ea typeface="+mn-ea"/>
+                <a:cs typeface="+mn-cs"/>
+              </a:defRPr>
+            </a:lvl7pPr>
+            <a:lvl8pPr marL="3200400" indent="0" algn="ctr" defTabSz="914400" rtl="0" eaLnBrk="1" latinLnBrk="0" hangingPunct="1">
+              <a:spcBef>
+                <a:spcPct val="20000"/>
+              </a:spcBef>
+              <a:buFont typeface="Arial" pitchFamily="34" charset="0"/>
+              <a:buNone/>
+              <a:defRPr sz="2000" kern="1200">
+                <a:solidFill>
+                  <a:schemeClr val="tx1">
+                    <a:tint val="75000"/>
+                  </a:schemeClr>
+                </a:solidFill>
+                <a:latin typeface="+mn-lt"/>
+                <a:ea typeface="+mn-ea"/>
+                <a:cs typeface="+mn-cs"/>
+              </a:defRPr>
+            </a:lvl8pPr>
+            <a:lvl9pPr marL="3657600" indent="0" algn="ctr" defTabSz="914400" rtl="0" eaLnBrk="1" latinLnBrk="0" hangingPunct="1">
+              <a:spcBef>
+                <a:spcPct val="20000"/>
+              </a:spcBef>
+              <a:buFont typeface="Arial" pitchFamily="34" charset="0"/>
+              <a:buNone/>
+              <a:defRPr sz="2000" kern="1200">
+                <a:solidFill>
+                  <a:schemeClr val="tx1">
+                    <a:tint val="75000"/>
+                  </a:schemeClr>
+                </a:solidFill>
+                <a:latin typeface="+mn-lt"/>
+                <a:ea typeface="+mn-ea"/>
+                <a:cs typeface="+mn-cs"/>
+              </a:defRPr>
+            </a:lvl9pPr>
+          </a:lstStyle>
+          <a:p>
+            <a:r>
+              <a:rPr lang="en-US" sz="1600" dirty="0">
+                <a:solidFill>
+                  <a:schemeClr val="tx1"/>
+                </a:solidFill>
+              </a:rPr>
+              <a:t>LEFT</a:t>
+            </a:r>
+          </a:p>
+        </p:txBody>
+      </p:sp>
+      <p:sp>
+        <p:nvSpPr>
+          <p:cNvPr id="16" name="Right Arrow 15">
+            <a:extLst>
+              <a:ext uri="{FF2B5EF4-FFF2-40B4-BE49-F238E27FC236}">
+                <a16:creationId xmlns:a16="http://schemas.microsoft.com/office/drawing/2014/main" id="{EE94B0F1-EBDA-F244-A053-DBD743B03033}"/>
+              </a:ext>
+            </a:extLst>
+          </p:cNvPr>
+          <p:cNvSpPr/>
+          <p:nvPr/>
+        </p:nvSpPr>
+        <p:spPr>
+          <a:xfrm rot="10800000">
+            <a:off x="1902125" y="6391827"/>
+            <a:ext cx="640200" cy="289763"/>
+          </a:xfrm>
+          <a:prstGeom prst="rightArrow">
+            <a:avLst/>
+          </a:prstGeom>
+          <a:solidFill>
+            <a:schemeClr val="tx1"/>
+          </a:solidFill>
+          <a:ln>
+            <a:noFill/>
+          </a:ln>
+        </p:spPr>
+        <p:style>
+          <a:lnRef idx="1">
+            <a:schemeClr val="accent1"/>
+          </a:lnRef>
+          <a:fillRef idx="3">
+            <a:schemeClr val="accent1"/>
+          </a:fillRef>
+          <a:effectRef idx="2">
+            <a:schemeClr val="accent1"/>
+          </a:effectRef>
+          <a:fontRef idx="minor">
+            <a:schemeClr val="lt1"/>
+          </a:fontRef>
+        </p:style>
+        <p:txBody>
+          <a:bodyPr rtlCol="0" anchor="ctr"/>
+          <a:lstStyle/>
+          <a:p>
+            <a:pPr algn="ctr"/>
+            <a:endParaRPr lang="en-US"/>
+          </a:p>
+        </p:txBody>
+      </p:sp>
     </p:spTree>
     <p:extLst>
       <p:ext uri="{BB962C8B-B14F-4D97-AF65-F5344CB8AC3E}">
@@ -16288,7 +21487,7 @@
 </p:sld>
 </file>
 
-<file path=ppt/slides/slide27.xml><?xml version="1.0" encoding="utf-8"?>
+<file path=ppt/slides/slide28.xml><?xml version="1.0" encoding="utf-8"?>
 <p:sld xmlns:a="http://schemas.openxmlformats.org/drawingml/2006/main" xmlns:r="http://schemas.openxmlformats.org/officeDocument/2006/relationships" xmlns:p="http://schemas.openxmlformats.org/presentationml/2006/main" show="0">
   <p:cSld>
     <p:bg>
@@ -16382,420 +21581,6 @@
     <p:extLst>
       <p:ext uri="{BB962C8B-B14F-4D97-AF65-F5344CB8AC3E}">
         <p14:creationId xmlns:p14="http://schemas.microsoft.com/office/powerpoint/2010/main" val="3634238876"/>
-      </p:ext>
-    </p:extLst>
-  </p:cSld>
-  <p:clrMapOvr>
-    <a:masterClrMapping/>
-  </p:clrMapOvr>
-</p:sld>
-</file>
-
-<file path=ppt/slides/slide28.xml><?xml version="1.0" encoding="utf-8"?>
-<p:sld xmlns:a="http://schemas.openxmlformats.org/drawingml/2006/main" xmlns:r="http://schemas.openxmlformats.org/officeDocument/2006/relationships" xmlns:p="http://schemas.openxmlformats.org/presentationml/2006/main">
-  <p:cSld>
-    <p:bg>
-      <p:bgPr>
-        <a:solidFill>
-          <a:schemeClr val="bg1"/>
-        </a:solidFill>
-        <a:effectLst/>
-      </p:bgPr>
-    </p:bg>
-    <p:spTree>
-      <p:nvGrpSpPr>
-        <p:cNvPr id="1" name=""/>
-        <p:cNvGrpSpPr/>
-        <p:nvPr/>
-      </p:nvGrpSpPr>
-      <p:grpSpPr>
-        <a:xfrm>
-          <a:off x="0" y="0"/>
-          <a:ext cx="0" cy="0"/>
-          <a:chOff x="0" y="0"/>
-          <a:chExt cx="0" cy="0"/>
-        </a:xfrm>
-      </p:grpSpPr>
-      <p:sp>
-        <p:nvSpPr>
-          <p:cNvPr id="3" name="Content Placeholder 2"/>
-          <p:cNvSpPr>
-            <a:spLocks noGrp="1"/>
-          </p:cNvSpPr>
-          <p:nvPr>
-            <p:ph idx="1"/>
-          </p:nvPr>
-        </p:nvSpPr>
-        <p:spPr>
-          <a:xfrm>
-            <a:off x="1111170" y="583724"/>
-            <a:ext cx="10591879" cy="5013227"/>
-          </a:xfrm>
-          <a:ln>
-            <a:noFill/>
-          </a:ln>
-        </p:spPr>
-        <p:txBody>
-          <a:bodyPr>
-            <a:noAutofit/>
-          </a:bodyPr>
-          <a:lstStyle/>
-          <a:p>
-            <a:pPr marL="0" indent="0">
-              <a:buNone/>
-            </a:pPr>
-            <a:r>
-              <a:rPr lang="en-US" dirty="0"/>
-              <a:t>Before you start playing as the person choosing </a:t>
-            </a:r>
-            <a:r>
-              <a:rPr lang="en-US" dirty="0">
-                <a:solidFill>
-                  <a:srgbClr val="FFFF66"/>
-                </a:solidFill>
-              </a:rPr>
-              <a:t>posts</a:t>
-            </a:r>
-            <a:r>
-              <a:rPr lang="en-US" dirty="0"/>
-              <a:t>, we'd also like you to help as a </a:t>
-            </a:r>
-            <a:r>
-              <a:rPr lang="en-US" dirty="0">
-                <a:solidFill>
-                  <a:srgbClr val="00FF00"/>
-                </a:solidFill>
-              </a:rPr>
-              <a:t>chatroom</a:t>
-            </a:r>
-            <a:r>
-              <a:rPr lang="en-US" dirty="0"/>
-              <a:t> member reading some other players' </a:t>
-            </a:r>
-            <a:r>
-              <a:rPr lang="en-US" dirty="0">
-                <a:solidFill>
-                  <a:srgbClr val="FFFF66"/>
-                </a:solidFill>
-              </a:rPr>
-              <a:t>posts</a:t>
-            </a:r>
-            <a:r>
-              <a:rPr lang="en-US" dirty="0"/>
-              <a:t>. </a:t>
-            </a:r>
-          </a:p>
-          <a:p>
-            <a:pPr marL="0" indent="0">
-              <a:buNone/>
-            </a:pPr>
-            <a:endParaRPr lang="en-US" dirty="0"/>
-          </a:p>
-        </p:txBody>
-      </p:sp>
-      <p:sp>
-        <p:nvSpPr>
-          <p:cNvPr id="4" name="Title 3">
-            <a:extLst>
-              <a:ext uri="{FF2B5EF4-FFF2-40B4-BE49-F238E27FC236}">
-                <a16:creationId xmlns:a16="http://schemas.microsoft.com/office/drawing/2014/main" id="{3A04687C-A569-2C46-9FC2-ADCBBB048C8E}"/>
-              </a:ext>
-            </a:extLst>
-          </p:cNvPr>
-          <p:cNvSpPr txBox="1">
-            <a:spLocks/>
-          </p:cNvSpPr>
-          <p:nvPr/>
-        </p:nvSpPr>
-        <p:spPr>
-          <a:xfrm>
-            <a:off x="1524000" y="6201295"/>
-            <a:ext cx="9149174" cy="656705"/>
-          </a:xfrm>
-          <a:prstGeom prst="rect">
-            <a:avLst/>
-          </a:prstGeom>
-        </p:spPr>
-        <p:txBody>
-          <a:bodyPr vert="horz" lIns="91440" tIns="45720" rIns="91440" bIns="45720" rtlCol="0" anchor="ctr">
-            <a:normAutofit/>
-          </a:bodyPr>
-          <a:lstStyle>
-            <a:lvl1pPr algn="ctr" defTabSz="914400" rtl="0" eaLnBrk="1" latinLnBrk="0" hangingPunct="1">
-              <a:spcBef>
-                <a:spcPct val="0"/>
-              </a:spcBef>
-              <a:buNone/>
-              <a:defRPr sz="4400" kern="1200">
-                <a:solidFill>
-                  <a:schemeClr val="tx1"/>
-                </a:solidFill>
-                <a:latin typeface="+mj-lt"/>
-                <a:ea typeface="+mj-ea"/>
-                <a:cs typeface="+mj-cs"/>
-              </a:defRPr>
-            </a:lvl1pPr>
-          </a:lstStyle>
-          <a:p>
-            <a:r>
-              <a:rPr lang="en-US" sz="3000" dirty="0">
-                <a:solidFill>
-                  <a:srgbClr val="FF0000"/>
-                </a:solidFill>
-              </a:rPr>
-              <a:t>PRESS THE RIGHT BUTTON TO CONTINUE</a:t>
-            </a:r>
-          </a:p>
-        </p:txBody>
-      </p:sp>
-      <p:sp>
-        <p:nvSpPr>
-          <p:cNvPr id="5" name="Subtitle 8">
-            <a:extLst>
-              <a:ext uri="{FF2B5EF4-FFF2-40B4-BE49-F238E27FC236}">
-                <a16:creationId xmlns:a16="http://schemas.microsoft.com/office/drawing/2014/main" id="{5385BA60-94EE-1D48-A0DD-23171E6645FB}"/>
-              </a:ext>
-            </a:extLst>
-          </p:cNvPr>
-          <p:cNvSpPr txBox="1">
-            <a:spLocks/>
-          </p:cNvSpPr>
-          <p:nvPr/>
-        </p:nvSpPr>
-        <p:spPr>
-          <a:xfrm>
-            <a:off x="9140345" y="6073844"/>
-            <a:ext cx="1532830" cy="801636"/>
-          </a:xfrm>
-          <a:prstGeom prst="rect">
-            <a:avLst/>
-          </a:prstGeom>
-        </p:spPr>
-        <p:txBody>
-          <a:bodyPr vert="horz" lIns="91440" tIns="45720" rIns="91440" bIns="45720" rtlCol="0">
-            <a:normAutofit/>
-          </a:bodyPr>
-          <a:lstStyle>
-            <a:lvl1pPr marL="0" indent="0" algn="ctr" defTabSz="914400" rtl="0" eaLnBrk="1" latinLnBrk="0" hangingPunct="1">
-              <a:spcBef>
-                <a:spcPct val="20000"/>
-              </a:spcBef>
-              <a:buFont typeface="Arial" pitchFamily="34" charset="0"/>
-              <a:buNone/>
-              <a:defRPr sz="3200" kern="1200">
-                <a:solidFill>
-                  <a:schemeClr val="tx1">
-                    <a:tint val="75000"/>
-                  </a:schemeClr>
-                </a:solidFill>
-                <a:latin typeface="+mn-lt"/>
-                <a:ea typeface="+mn-ea"/>
-                <a:cs typeface="+mn-cs"/>
-              </a:defRPr>
-            </a:lvl1pPr>
-            <a:lvl2pPr marL="457200" indent="0" algn="ctr" defTabSz="914400" rtl="0" eaLnBrk="1" latinLnBrk="0" hangingPunct="1">
-              <a:spcBef>
-                <a:spcPct val="20000"/>
-              </a:spcBef>
-              <a:buFont typeface="Arial" pitchFamily="34" charset="0"/>
-              <a:buNone/>
-              <a:defRPr sz="2800" kern="1200">
-                <a:solidFill>
-                  <a:schemeClr val="tx1">
-                    <a:tint val="75000"/>
-                  </a:schemeClr>
-                </a:solidFill>
-                <a:latin typeface="+mn-lt"/>
-                <a:ea typeface="+mn-ea"/>
-                <a:cs typeface="+mn-cs"/>
-              </a:defRPr>
-            </a:lvl2pPr>
-            <a:lvl3pPr marL="914400" indent="0" algn="ctr" defTabSz="914400" rtl="0" eaLnBrk="1" latinLnBrk="0" hangingPunct="1">
-              <a:spcBef>
-                <a:spcPct val="20000"/>
-              </a:spcBef>
-              <a:buFont typeface="Arial" pitchFamily="34" charset="0"/>
-              <a:buNone/>
-              <a:defRPr sz="2400" kern="1200">
-                <a:solidFill>
-                  <a:schemeClr val="tx1">
-                    <a:tint val="75000"/>
-                  </a:schemeClr>
-                </a:solidFill>
-                <a:latin typeface="+mn-lt"/>
-                <a:ea typeface="+mn-ea"/>
-                <a:cs typeface="+mn-cs"/>
-              </a:defRPr>
-            </a:lvl3pPr>
-            <a:lvl4pPr marL="1371600" indent="0" algn="ctr" defTabSz="914400" rtl="0" eaLnBrk="1" latinLnBrk="0" hangingPunct="1">
-              <a:spcBef>
-                <a:spcPct val="20000"/>
-              </a:spcBef>
-              <a:buFont typeface="Arial" pitchFamily="34" charset="0"/>
-              <a:buNone/>
-              <a:defRPr sz="2000" kern="1200">
-                <a:solidFill>
-                  <a:schemeClr val="tx1">
-                    <a:tint val="75000"/>
-                  </a:schemeClr>
-                </a:solidFill>
-                <a:latin typeface="+mn-lt"/>
-                <a:ea typeface="+mn-ea"/>
-                <a:cs typeface="+mn-cs"/>
-              </a:defRPr>
-            </a:lvl4pPr>
-            <a:lvl5pPr marL="1828800" indent="0" algn="ctr" defTabSz="914400" rtl="0" eaLnBrk="1" latinLnBrk="0" hangingPunct="1">
-              <a:spcBef>
-                <a:spcPct val="20000"/>
-              </a:spcBef>
-              <a:buFont typeface="Arial" pitchFamily="34" charset="0"/>
-              <a:buNone/>
-              <a:defRPr sz="2000" kern="1200">
-                <a:solidFill>
-                  <a:schemeClr val="tx1">
-                    <a:tint val="75000"/>
-                  </a:schemeClr>
-                </a:solidFill>
-                <a:latin typeface="+mn-lt"/>
-                <a:ea typeface="+mn-ea"/>
-                <a:cs typeface="+mn-cs"/>
-              </a:defRPr>
-            </a:lvl5pPr>
-            <a:lvl6pPr marL="2286000" indent="0" algn="ctr" defTabSz="914400" rtl="0" eaLnBrk="1" latinLnBrk="0" hangingPunct="1">
-              <a:spcBef>
-                <a:spcPct val="20000"/>
-              </a:spcBef>
-              <a:buFont typeface="Arial" pitchFamily="34" charset="0"/>
-              <a:buNone/>
-              <a:defRPr sz="2000" kern="1200">
-                <a:solidFill>
-                  <a:schemeClr val="tx1">
-                    <a:tint val="75000"/>
-                  </a:schemeClr>
-                </a:solidFill>
-                <a:latin typeface="+mn-lt"/>
-                <a:ea typeface="+mn-ea"/>
-                <a:cs typeface="+mn-cs"/>
-              </a:defRPr>
-            </a:lvl6pPr>
-            <a:lvl7pPr marL="2743200" indent="0" algn="ctr" defTabSz="914400" rtl="0" eaLnBrk="1" latinLnBrk="0" hangingPunct="1">
-              <a:spcBef>
-                <a:spcPct val="20000"/>
-              </a:spcBef>
-              <a:buFont typeface="Arial" pitchFamily="34" charset="0"/>
-              <a:buNone/>
-              <a:defRPr sz="2000" kern="1200">
-                <a:solidFill>
-                  <a:schemeClr val="tx1">
-                    <a:tint val="75000"/>
-                  </a:schemeClr>
-                </a:solidFill>
-                <a:latin typeface="+mn-lt"/>
-                <a:ea typeface="+mn-ea"/>
-                <a:cs typeface="+mn-cs"/>
-              </a:defRPr>
-            </a:lvl7pPr>
-            <a:lvl8pPr marL="3200400" indent="0" algn="ctr" defTabSz="914400" rtl="0" eaLnBrk="1" latinLnBrk="0" hangingPunct="1">
-              <a:spcBef>
-                <a:spcPct val="20000"/>
-              </a:spcBef>
-              <a:buFont typeface="Arial" pitchFamily="34" charset="0"/>
-              <a:buNone/>
-              <a:defRPr sz="2000" kern="1200">
-                <a:solidFill>
-                  <a:schemeClr val="tx1">
-                    <a:tint val="75000"/>
-                  </a:schemeClr>
-                </a:solidFill>
-                <a:latin typeface="+mn-lt"/>
-                <a:ea typeface="+mn-ea"/>
-                <a:cs typeface="+mn-cs"/>
-              </a:defRPr>
-            </a:lvl8pPr>
-            <a:lvl9pPr marL="3657600" indent="0" algn="ctr" defTabSz="914400" rtl="0" eaLnBrk="1" latinLnBrk="0" hangingPunct="1">
-              <a:spcBef>
-                <a:spcPct val="20000"/>
-              </a:spcBef>
-              <a:buFont typeface="Arial" pitchFamily="34" charset="0"/>
-              <a:buNone/>
-              <a:defRPr sz="2000" kern="1200">
-                <a:solidFill>
-                  <a:schemeClr val="tx1">
-                    <a:tint val="75000"/>
-                  </a:schemeClr>
-                </a:solidFill>
-                <a:latin typeface="+mn-lt"/>
-                <a:ea typeface="+mn-ea"/>
-                <a:cs typeface="+mn-cs"/>
-              </a:defRPr>
-            </a:lvl9pPr>
-          </a:lstStyle>
-          <a:p>
-            <a:r>
-              <a:rPr lang="en-US" sz="1600" dirty="0">
-                <a:solidFill>
-                  <a:schemeClr val="tx1"/>
-                </a:solidFill>
-              </a:rPr>
-              <a:t>RIGHT</a:t>
-            </a:r>
-          </a:p>
-        </p:txBody>
-      </p:sp>
-      <p:sp>
-        <p:nvSpPr>
-          <p:cNvPr id="6" name="Right Arrow 5">
-            <a:extLst>
-              <a:ext uri="{FF2B5EF4-FFF2-40B4-BE49-F238E27FC236}">
-                <a16:creationId xmlns:a16="http://schemas.microsoft.com/office/drawing/2014/main" id="{E505ED16-B2E8-4140-B53D-56027D0A90C5}"/>
-              </a:ext>
-            </a:extLst>
-          </p:cNvPr>
-          <p:cNvSpPr/>
-          <p:nvPr/>
-        </p:nvSpPr>
-        <p:spPr>
-          <a:xfrm>
-            <a:off x="9637318" y="6391827"/>
-            <a:ext cx="640200" cy="289763"/>
-          </a:xfrm>
-          <a:prstGeom prst="rightArrow">
-            <a:avLst/>
-          </a:prstGeom>
-          <a:solidFill>
-            <a:schemeClr val="tx1"/>
-          </a:solidFill>
-          <a:ln>
-            <a:noFill/>
-          </a:ln>
-        </p:spPr>
-        <p:style>
-          <a:lnRef idx="1">
-            <a:schemeClr val="accent1"/>
-          </a:lnRef>
-          <a:fillRef idx="3">
-            <a:schemeClr val="accent1"/>
-          </a:fillRef>
-          <a:effectRef idx="2">
-            <a:schemeClr val="accent1"/>
-          </a:effectRef>
-          <a:fontRef idx="minor">
-            <a:schemeClr val="lt1"/>
-          </a:fontRef>
-        </p:style>
-        <p:txBody>
-          <a:bodyPr rtlCol="0" anchor="ctr"/>
-          <a:lstStyle/>
-          <a:p>
-            <a:pPr algn="ctr"/>
-            <a:endParaRPr lang="en-US"/>
-          </a:p>
-        </p:txBody>
-      </p:sp>
-    </p:spTree>
-    <p:extLst>
-      <p:ext uri="{BB962C8B-B14F-4D97-AF65-F5344CB8AC3E}">
-        <p14:creationId xmlns:p14="http://schemas.microsoft.com/office/powerpoint/2010/main" val="3655759105"/>
       </p:ext>
     </p:extLst>
   </p:cSld>
@@ -16860,7 +21645,7 @@
             </a:pPr>
             <a:r>
               <a:rPr lang="en-US" dirty="0"/>
-              <a:t>For each </a:t>
+              <a:t>Before you start playing as the person choosing </a:t>
             </a:r>
             <a:r>
               <a:rPr lang="en-US" dirty="0">
@@ -16868,53 +21653,35 @@
                   <a:srgbClr val="FFFF66"/>
                 </a:solidFill>
               </a:rPr>
-              <a:t>post</a:t>
+              <a:t>posts</a:t>
             </a:r>
             <a:r>
               <a:rPr lang="en-US" dirty="0"/>
-              <a:t> you see:</a:t>
-            </a:r>
-          </a:p>
-          <a:p>
-            <a:pPr marL="0" indent="0">
-              <a:buNone/>
-            </a:pPr>
+              <a:t>, we'd also like you to help as a </a:t>
+            </a:r>
+            <a:r>
+              <a:rPr lang="en-US" dirty="0">
+                <a:solidFill>
+                  <a:srgbClr val="00FF00"/>
+                </a:solidFill>
+              </a:rPr>
+              <a:t>chatroom</a:t>
+            </a:r>
             <a:r>
               <a:rPr lang="en-US" dirty="0"/>
-              <a:t>Press the ‘&gt;’ KEY to add a </a:t>
+              <a:t> member reading some other players' </a:t>
             </a:r>
             <a:r>
               <a:rPr lang="en-US" dirty="0">
                 <a:solidFill>
-                  <a:srgbClr val="00FDFF"/>
+                  <a:srgbClr val="FFFF66"/>
                 </a:solidFill>
               </a:rPr>
-              <a:t>like</a:t>
+              <a:t>posts</a:t>
             </a:r>
             <a:r>
               <a:rPr lang="en-US" dirty="0"/>
-              <a:t>.</a:t>
-            </a:r>
-          </a:p>
-          <a:p>
-            <a:pPr marL="0" indent="0">
-              <a:buNone/>
-            </a:pPr>
-            <a:r>
-              <a:rPr lang="en-US" dirty="0"/>
-              <a:t>Press the ‘&lt;‘ KEY if you don’t want to add a </a:t>
-            </a:r>
-            <a:r>
-              <a:rPr lang="en-US" dirty="0">
-                <a:solidFill>
-                  <a:srgbClr val="00FDFF"/>
-                </a:solidFill>
-              </a:rPr>
-              <a:t>like</a:t>
-            </a:r>
-            <a:r>
-              <a:rPr lang="en-US" dirty="0"/>
-              <a:t>.</a:t>
+              <a:t>. </a:t>
             </a:r>
           </a:p>
           <a:p>
@@ -17224,10 +21991,254 @@
           </a:p>
         </p:txBody>
       </p:sp>
+      <p:sp>
+        <p:nvSpPr>
+          <p:cNvPr id="7" name="Subtitle 8">
+            <a:extLst>
+              <a:ext uri="{FF2B5EF4-FFF2-40B4-BE49-F238E27FC236}">
+                <a16:creationId xmlns:a16="http://schemas.microsoft.com/office/drawing/2014/main" id="{E6F82A75-E88D-9449-99A1-10A143D7EA42}"/>
+              </a:ext>
+            </a:extLst>
+          </p:cNvPr>
+          <p:cNvSpPr txBox="1">
+            <a:spLocks/>
+          </p:cNvSpPr>
+          <p:nvPr/>
+        </p:nvSpPr>
+        <p:spPr>
+          <a:xfrm>
+            <a:off x="1518826" y="6073844"/>
+            <a:ext cx="1532830" cy="801636"/>
+          </a:xfrm>
+          <a:prstGeom prst="rect">
+            <a:avLst/>
+          </a:prstGeom>
+        </p:spPr>
+        <p:txBody>
+          <a:bodyPr vert="horz" lIns="91440" tIns="45720" rIns="91440" bIns="45720" rtlCol="0">
+            <a:normAutofit/>
+          </a:bodyPr>
+          <a:lstStyle>
+            <a:lvl1pPr marL="0" indent="0" algn="ctr" defTabSz="914400" rtl="0" eaLnBrk="1" latinLnBrk="0" hangingPunct="1">
+              <a:spcBef>
+                <a:spcPct val="20000"/>
+              </a:spcBef>
+              <a:buFont typeface="Arial" pitchFamily="34" charset="0"/>
+              <a:buNone/>
+              <a:defRPr sz="3200" kern="1200">
+                <a:solidFill>
+                  <a:schemeClr val="tx1">
+                    <a:tint val="75000"/>
+                  </a:schemeClr>
+                </a:solidFill>
+                <a:latin typeface="+mn-lt"/>
+                <a:ea typeface="+mn-ea"/>
+                <a:cs typeface="+mn-cs"/>
+              </a:defRPr>
+            </a:lvl1pPr>
+            <a:lvl2pPr marL="457200" indent="0" algn="ctr" defTabSz="914400" rtl="0" eaLnBrk="1" latinLnBrk="0" hangingPunct="1">
+              <a:spcBef>
+                <a:spcPct val="20000"/>
+              </a:spcBef>
+              <a:buFont typeface="Arial" pitchFamily="34" charset="0"/>
+              <a:buNone/>
+              <a:defRPr sz="2800" kern="1200">
+                <a:solidFill>
+                  <a:schemeClr val="tx1">
+                    <a:tint val="75000"/>
+                  </a:schemeClr>
+                </a:solidFill>
+                <a:latin typeface="+mn-lt"/>
+                <a:ea typeface="+mn-ea"/>
+                <a:cs typeface="+mn-cs"/>
+              </a:defRPr>
+            </a:lvl2pPr>
+            <a:lvl3pPr marL="914400" indent="0" algn="ctr" defTabSz="914400" rtl="0" eaLnBrk="1" latinLnBrk="0" hangingPunct="1">
+              <a:spcBef>
+                <a:spcPct val="20000"/>
+              </a:spcBef>
+              <a:buFont typeface="Arial" pitchFamily="34" charset="0"/>
+              <a:buNone/>
+              <a:defRPr sz="2400" kern="1200">
+                <a:solidFill>
+                  <a:schemeClr val="tx1">
+                    <a:tint val="75000"/>
+                  </a:schemeClr>
+                </a:solidFill>
+                <a:latin typeface="+mn-lt"/>
+                <a:ea typeface="+mn-ea"/>
+                <a:cs typeface="+mn-cs"/>
+              </a:defRPr>
+            </a:lvl3pPr>
+            <a:lvl4pPr marL="1371600" indent="0" algn="ctr" defTabSz="914400" rtl="0" eaLnBrk="1" latinLnBrk="0" hangingPunct="1">
+              <a:spcBef>
+                <a:spcPct val="20000"/>
+              </a:spcBef>
+              <a:buFont typeface="Arial" pitchFamily="34" charset="0"/>
+              <a:buNone/>
+              <a:defRPr sz="2000" kern="1200">
+                <a:solidFill>
+                  <a:schemeClr val="tx1">
+                    <a:tint val="75000"/>
+                  </a:schemeClr>
+                </a:solidFill>
+                <a:latin typeface="+mn-lt"/>
+                <a:ea typeface="+mn-ea"/>
+                <a:cs typeface="+mn-cs"/>
+              </a:defRPr>
+            </a:lvl4pPr>
+            <a:lvl5pPr marL="1828800" indent="0" algn="ctr" defTabSz="914400" rtl="0" eaLnBrk="1" latinLnBrk="0" hangingPunct="1">
+              <a:spcBef>
+                <a:spcPct val="20000"/>
+              </a:spcBef>
+              <a:buFont typeface="Arial" pitchFamily="34" charset="0"/>
+              <a:buNone/>
+              <a:defRPr sz="2000" kern="1200">
+                <a:solidFill>
+                  <a:schemeClr val="tx1">
+                    <a:tint val="75000"/>
+                  </a:schemeClr>
+                </a:solidFill>
+                <a:latin typeface="+mn-lt"/>
+                <a:ea typeface="+mn-ea"/>
+                <a:cs typeface="+mn-cs"/>
+              </a:defRPr>
+            </a:lvl5pPr>
+            <a:lvl6pPr marL="2286000" indent="0" algn="ctr" defTabSz="914400" rtl="0" eaLnBrk="1" latinLnBrk="0" hangingPunct="1">
+              <a:spcBef>
+                <a:spcPct val="20000"/>
+              </a:spcBef>
+              <a:buFont typeface="Arial" pitchFamily="34" charset="0"/>
+              <a:buNone/>
+              <a:defRPr sz="2000" kern="1200">
+                <a:solidFill>
+                  <a:schemeClr val="tx1">
+                    <a:tint val="75000"/>
+                  </a:schemeClr>
+                </a:solidFill>
+                <a:latin typeface="+mn-lt"/>
+                <a:ea typeface="+mn-ea"/>
+                <a:cs typeface="+mn-cs"/>
+              </a:defRPr>
+            </a:lvl6pPr>
+            <a:lvl7pPr marL="2743200" indent="0" algn="ctr" defTabSz="914400" rtl="0" eaLnBrk="1" latinLnBrk="0" hangingPunct="1">
+              <a:spcBef>
+                <a:spcPct val="20000"/>
+              </a:spcBef>
+              <a:buFont typeface="Arial" pitchFamily="34" charset="0"/>
+              <a:buNone/>
+              <a:defRPr sz="2000" kern="1200">
+                <a:solidFill>
+                  <a:schemeClr val="tx1">
+                    <a:tint val="75000"/>
+                  </a:schemeClr>
+                </a:solidFill>
+                <a:latin typeface="+mn-lt"/>
+                <a:ea typeface="+mn-ea"/>
+                <a:cs typeface="+mn-cs"/>
+              </a:defRPr>
+            </a:lvl7pPr>
+            <a:lvl8pPr marL="3200400" indent="0" algn="ctr" defTabSz="914400" rtl="0" eaLnBrk="1" latinLnBrk="0" hangingPunct="1">
+              <a:spcBef>
+                <a:spcPct val="20000"/>
+              </a:spcBef>
+              <a:buFont typeface="Arial" pitchFamily="34" charset="0"/>
+              <a:buNone/>
+              <a:defRPr sz="2000" kern="1200">
+                <a:solidFill>
+                  <a:schemeClr val="tx1">
+                    <a:tint val="75000"/>
+                  </a:schemeClr>
+                </a:solidFill>
+                <a:latin typeface="+mn-lt"/>
+                <a:ea typeface="+mn-ea"/>
+                <a:cs typeface="+mn-cs"/>
+              </a:defRPr>
+            </a:lvl8pPr>
+            <a:lvl9pPr marL="3657600" indent="0" algn="ctr" defTabSz="914400" rtl="0" eaLnBrk="1" latinLnBrk="0" hangingPunct="1">
+              <a:spcBef>
+                <a:spcPct val="20000"/>
+              </a:spcBef>
+              <a:buFont typeface="Arial" pitchFamily="34" charset="0"/>
+              <a:buNone/>
+              <a:defRPr sz="2000" kern="1200">
+                <a:solidFill>
+                  <a:schemeClr val="tx1">
+                    <a:tint val="75000"/>
+                  </a:schemeClr>
+                </a:solidFill>
+                <a:latin typeface="+mn-lt"/>
+                <a:ea typeface="+mn-ea"/>
+                <a:cs typeface="+mn-cs"/>
+              </a:defRPr>
+            </a:lvl9pPr>
+          </a:lstStyle>
+          <a:p>
+            <a:r>
+              <a:rPr lang="en-US" sz="1600" dirty="0">
+                <a:solidFill>
+                  <a:schemeClr val="tx1"/>
+                </a:solidFill>
+              </a:rPr>
+              <a:t>LEFT</a:t>
+            </a:r>
+          </a:p>
+        </p:txBody>
+      </p:sp>
+      <p:sp>
+        <p:nvSpPr>
+          <p:cNvPr id="8" name="Right Arrow 7">
+            <a:extLst>
+              <a:ext uri="{FF2B5EF4-FFF2-40B4-BE49-F238E27FC236}">
+                <a16:creationId xmlns:a16="http://schemas.microsoft.com/office/drawing/2014/main" id="{427030FA-99E1-0845-A3B8-346EE1357636}"/>
+              </a:ext>
+            </a:extLst>
+          </p:cNvPr>
+          <p:cNvSpPr/>
+          <p:nvPr/>
+        </p:nvSpPr>
+        <p:spPr>
+          <a:xfrm rot="10800000">
+            <a:off x="1902125" y="6391827"/>
+            <a:ext cx="640200" cy="289763"/>
+          </a:xfrm>
+          <a:prstGeom prst="rightArrow">
+            <a:avLst/>
+          </a:prstGeom>
+          <a:solidFill>
+            <a:schemeClr val="tx1"/>
+          </a:solidFill>
+          <a:ln>
+            <a:noFill/>
+          </a:ln>
+        </p:spPr>
+        <p:style>
+          <a:lnRef idx="1">
+            <a:schemeClr val="accent1"/>
+          </a:lnRef>
+          <a:fillRef idx="3">
+            <a:schemeClr val="accent1"/>
+          </a:fillRef>
+          <a:effectRef idx="2">
+            <a:schemeClr val="accent1"/>
+          </a:effectRef>
+          <a:fontRef idx="minor">
+            <a:schemeClr val="lt1"/>
+          </a:fontRef>
+        </p:style>
+        <p:txBody>
+          <a:bodyPr rtlCol="0" anchor="ctr"/>
+          <a:lstStyle/>
+          <a:p>
+            <a:pPr algn="ctr"/>
+            <a:endParaRPr lang="en-US"/>
+          </a:p>
+        </p:txBody>
+      </p:sp>
     </p:spTree>
     <p:extLst>
       <p:ext uri="{BB962C8B-B14F-4D97-AF65-F5344CB8AC3E}">
-        <p14:creationId xmlns:p14="http://schemas.microsoft.com/office/powerpoint/2010/main" val="3066544549"/>
+        <p14:creationId xmlns:p14="http://schemas.microsoft.com/office/powerpoint/2010/main" val="3655759105"/>
       </p:ext>
     </p:extLst>
   </p:cSld>
@@ -17274,7 +22285,7 @@
         </p:nvSpPr>
         <p:spPr>
           <a:xfrm>
-            <a:off x="1975733" y="473173"/>
+            <a:off x="1699664" y="436250"/>
             <a:ext cx="8792672" cy="1088771"/>
           </a:xfrm>
           <a:ln>
@@ -17642,12 +22653,256 @@
           </a:p>
         </p:txBody>
       </p:sp>
+      <p:sp>
+        <p:nvSpPr>
+          <p:cNvPr id="8" name="Subtitle 8">
+            <a:extLst>
+              <a:ext uri="{FF2B5EF4-FFF2-40B4-BE49-F238E27FC236}">
+                <a16:creationId xmlns:a16="http://schemas.microsoft.com/office/drawing/2014/main" id="{F97EDD64-8A2C-FE4F-80FE-0737860394B0}"/>
+              </a:ext>
+            </a:extLst>
+          </p:cNvPr>
+          <p:cNvSpPr txBox="1">
+            <a:spLocks/>
+          </p:cNvSpPr>
+          <p:nvPr/>
+        </p:nvSpPr>
+        <p:spPr>
+          <a:xfrm>
+            <a:off x="1518826" y="6073844"/>
+            <a:ext cx="1532830" cy="801636"/>
+          </a:xfrm>
+          <a:prstGeom prst="rect">
+            <a:avLst/>
+          </a:prstGeom>
+        </p:spPr>
+        <p:txBody>
+          <a:bodyPr vert="horz" lIns="91440" tIns="45720" rIns="91440" bIns="45720" rtlCol="0">
+            <a:normAutofit/>
+          </a:bodyPr>
+          <a:lstStyle>
+            <a:lvl1pPr marL="0" indent="0" algn="ctr" defTabSz="914400" rtl="0" eaLnBrk="1" latinLnBrk="0" hangingPunct="1">
+              <a:spcBef>
+                <a:spcPct val="20000"/>
+              </a:spcBef>
+              <a:buFont typeface="Arial" pitchFamily="34" charset="0"/>
+              <a:buNone/>
+              <a:defRPr sz="3200" kern="1200">
+                <a:solidFill>
+                  <a:schemeClr val="tx1">
+                    <a:tint val="75000"/>
+                  </a:schemeClr>
+                </a:solidFill>
+                <a:latin typeface="+mn-lt"/>
+                <a:ea typeface="+mn-ea"/>
+                <a:cs typeface="+mn-cs"/>
+              </a:defRPr>
+            </a:lvl1pPr>
+            <a:lvl2pPr marL="457200" indent="0" algn="ctr" defTabSz="914400" rtl="0" eaLnBrk="1" latinLnBrk="0" hangingPunct="1">
+              <a:spcBef>
+                <a:spcPct val="20000"/>
+              </a:spcBef>
+              <a:buFont typeface="Arial" pitchFamily="34" charset="0"/>
+              <a:buNone/>
+              <a:defRPr sz="2800" kern="1200">
+                <a:solidFill>
+                  <a:schemeClr val="tx1">
+                    <a:tint val="75000"/>
+                  </a:schemeClr>
+                </a:solidFill>
+                <a:latin typeface="+mn-lt"/>
+                <a:ea typeface="+mn-ea"/>
+                <a:cs typeface="+mn-cs"/>
+              </a:defRPr>
+            </a:lvl2pPr>
+            <a:lvl3pPr marL="914400" indent="0" algn="ctr" defTabSz="914400" rtl="0" eaLnBrk="1" latinLnBrk="0" hangingPunct="1">
+              <a:spcBef>
+                <a:spcPct val="20000"/>
+              </a:spcBef>
+              <a:buFont typeface="Arial" pitchFamily="34" charset="0"/>
+              <a:buNone/>
+              <a:defRPr sz="2400" kern="1200">
+                <a:solidFill>
+                  <a:schemeClr val="tx1">
+                    <a:tint val="75000"/>
+                  </a:schemeClr>
+                </a:solidFill>
+                <a:latin typeface="+mn-lt"/>
+                <a:ea typeface="+mn-ea"/>
+                <a:cs typeface="+mn-cs"/>
+              </a:defRPr>
+            </a:lvl3pPr>
+            <a:lvl4pPr marL="1371600" indent="0" algn="ctr" defTabSz="914400" rtl="0" eaLnBrk="1" latinLnBrk="0" hangingPunct="1">
+              <a:spcBef>
+                <a:spcPct val="20000"/>
+              </a:spcBef>
+              <a:buFont typeface="Arial" pitchFamily="34" charset="0"/>
+              <a:buNone/>
+              <a:defRPr sz="2000" kern="1200">
+                <a:solidFill>
+                  <a:schemeClr val="tx1">
+                    <a:tint val="75000"/>
+                  </a:schemeClr>
+                </a:solidFill>
+                <a:latin typeface="+mn-lt"/>
+                <a:ea typeface="+mn-ea"/>
+                <a:cs typeface="+mn-cs"/>
+              </a:defRPr>
+            </a:lvl4pPr>
+            <a:lvl5pPr marL="1828800" indent="0" algn="ctr" defTabSz="914400" rtl="0" eaLnBrk="1" latinLnBrk="0" hangingPunct="1">
+              <a:spcBef>
+                <a:spcPct val="20000"/>
+              </a:spcBef>
+              <a:buFont typeface="Arial" pitchFamily="34" charset="0"/>
+              <a:buNone/>
+              <a:defRPr sz="2000" kern="1200">
+                <a:solidFill>
+                  <a:schemeClr val="tx1">
+                    <a:tint val="75000"/>
+                  </a:schemeClr>
+                </a:solidFill>
+                <a:latin typeface="+mn-lt"/>
+                <a:ea typeface="+mn-ea"/>
+                <a:cs typeface="+mn-cs"/>
+              </a:defRPr>
+            </a:lvl5pPr>
+            <a:lvl6pPr marL="2286000" indent="0" algn="ctr" defTabSz="914400" rtl="0" eaLnBrk="1" latinLnBrk="0" hangingPunct="1">
+              <a:spcBef>
+                <a:spcPct val="20000"/>
+              </a:spcBef>
+              <a:buFont typeface="Arial" pitchFamily="34" charset="0"/>
+              <a:buNone/>
+              <a:defRPr sz="2000" kern="1200">
+                <a:solidFill>
+                  <a:schemeClr val="tx1">
+                    <a:tint val="75000"/>
+                  </a:schemeClr>
+                </a:solidFill>
+                <a:latin typeface="+mn-lt"/>
+                <a:ea typeface="+mn-ea"/>
+                <a:cs typeface="+mn-cs"/>
+              </a:defRPr>
+            </a:lvl6pPr>
+            <a:lvl7pPr marL="2743200" indent="0" algn="ctr" defTabSz="914400" rtl="0" eaLnBrk="1" latinLnBrk="0" hangingPunct="1">
+              <a:spcBef>
+                <a:spcPct val="20000"/>
+              </a:spcBef>
+              <a:buFont typeface="Arial" pitchFamily="34" charset="0"/>
+              <a:buNone/>
+              <a:defRPr sz="2000" kern="1200">
+                <a:solidFill>
+                  <a:schemeClr val="tx1">
+                    <a:tint val="75000"/>
+                  </a:schemeClr>
+                </a:solidFill>
+                <a:latin typeface="+mn-lt"/>
+                <a:ea typeface="+mn-ea"/>
+                <a:cs typeface="+mn-cs"/>
+              </a:defRPr>
+            </a:lvl7pPr>
+            <a:lvl8pPr marL="3200400" indent="0" algn="ctr" defTabSz="914400" rtl="0" eaLnBrk="1" latinLnBrk="0" hangingPunct="1">
+              <a:spcBef>
+                <a:spcPct val="20000"/>
+              </a:spcBef>
+              <a:buFont typeface="Arial" pitchFamily="34" charset="0"/>
+              <a:buNone/>
+              <a:defRPr sz="2000" kern="1200">
+                <a:solidFill>
+                  <a:schemeClr val="tx1">
+                    <a:tint val="75000"/>
+                  </a:schemeClr>
+                </a:solidFill>
+                <a:latin typeface="+mn-lt"/>
+                <a:ea typeface="+mn-ea"/>
+                <a:cs typeface="+mn-cs"/>
+              </a:defRPr>
+            </a:lvl8pPr>
+            <a:lvl9pPr marL="3657600" indent="0" algn="ctr" defTabSz="914400" rtl="0" eaLnBrk="1" latinLnBrk="0" hangingPunct="1">
+              <a:spcBef>
+                <a:spcPct val="20000"/>
+              </a:spcBef>
+              <a:buFont typeface="Arial" pitchFamily="34" charset="0"/>
+              <a:buNone/>
+              <a:defRPr sz="2000" kern="1200">
+                <a:solidFill>
+                  <a:schemeClr val="tx1">
+                    <a:tint val="75000"/>
+                  </a:schemeClr>
+                </a:solidFill>
+                <a:latin typeface="+mn-lt"/>
+                <a:ea typeface="+mn-ea"/>
+                <a:cs typeface="+mn-cs"/>
+              </a:defRPr>
+            </a:lvl9pPr>
+          </a:lstStyle>
+          <a:p>
+            <a:r>
+              <a:rPr lang="en-US" sz="1600" dirty="0">
+                <a:solidFill>
+                  <a:schemeClr val="tx1"/>
+                </a:solidFill>
+              </a:rPr>
+              <a:t>LEFT</a:t>
+            </a:r>
+          </a:p>
+        </p:txBody>
+      </p:sp>
+      <p:sp>
+        <p:nvSpPr>
+          <p:cNvPr id="9" name="Right Arrow 8">
+            <a:extLst>
+              <a:ext uri="{FF2B5EF4-FFF2-40B4-BE49-F238E27FC236}">
+                <a16:creationId xmlns:a16="http://schemas.microsoft.com/office/drawing/2014/main" id="{A20A3A1C-360A-9544-8239-DFA1356F9ECA}"/>
+              </a:ext>
+            </a:extLst>
+          </p:cNvPr>
+          <p:cNvSpPr/>
+          <p:nvPr/>
+        </p:nvSpPr>
+        <p:spPr>
+          <a:xfrm rot="10800000">
+            <a:off x="1902125" y="6391827"/>
+            <a:ext cx="640200" cy="289763"/>
+          </a:xfrm>
+          <a:prstGeom prst="rightArrow">
+            <a:avLst/>
+          </a:prstGeom>
+          <a:solidFill>
+            <a:schemeClr val="tx1"/>
+          </a:solidFill>
+          <a:ln>
+            <a:noFill/>
+          </a:ln>
+        </p:spPr>
+        <p:style>
+          <a:lnRef idx="1">
+            <a:schemeClr val="accent1"/>
+          </a:lnRef>
+          <a:fillRef idx="3">
+            <a:schemeClr val="accent1"/>
+          </a:fillRef>
+          <a:effectRef idx="2">
+            <a:schemeClr val="accent1"/>
+          </a:effectRef>
+          <a:fontRef idx="minor">
+            <a:schemeClr val="lt1"/>
+          </a:fontRef>
+        </p:style>
+        <p:txBody>
+          <a:bodyPr rtlCol="0" anchor="ctr"/>
+          <a:lstStyle/>
+          <a:p>
+            <a:pPr algn="ctr"/>
+            <a:endParaRPr lang="en-US"/>
+          </a:p>
+        </p:txBody>
+      </p:sp>
       <p:pic>
         <p:nvPicPr>
-          <p:cNvPr id="4" name="Picture 3" descr="A screenshot of a computer&#10;&#10;Description automatically generated with medium confidence">
+          <p:cNvPr id="5" name="Picture 4" descr="A screenshot of a computer&#10;&#10;Description automatically generated with medium confidence">
             <a:extLst>
               <a:ext uri="{FF2B5EF4-FFF2-40B4-BE49-F238E27FC236}">
-                <a16:creationId xmlns:a16="http://schemas.microsoft.com/office/drawing/2014/main" id="{191F42A8-D44E-F240-AC52-4EB81DA80C3F}"/>
+                <a16:creationId xmlns:a16="http://schemas.microsoft.com/office/drawing/2014/main" id="{8A0E1E0F-615C-F245-919B-AF1D045173C5}"/>
               </a:ext>
             </a:extLst>
           </p:cNvPr>
@@ -17658,13 +22913,13 @@
         </p:nvPicPr>
         <p:blipFill rotWithShape="1">
           <a:blip r:embed="rId3"/>
-          <a:srcRect t="14188"/>
+          <a:srcRect l="5721" t="14234" r="4235" b="6280"/>
           <a:stretch/>
         </p:blipFill>
         <p:spPr>
           <a:xfrm>
-            <a:off x="2963464" y="1771040"/>
-            <a:ext cx="6176881" cy="4221159"/>
+            <a:off x="3130147" y="1679980"/>
+            <a:ext cx="5931706" cy="4406060"/>
           </a:xfrm>
           <a:prstGeom prst="rect">
             <a:avLst/>
@@ -17726,8 +22981,8 @@
         </p:nvSpPr>
         <p:spPr>
           <a:xfrm>
-            <a:off x="1111170" y="2255520"/>
-            <a:ext cx="10591879" cy="3341431"/>
+            <a:off x="1111170" y="583724"/>
+            <a:ext cx="10591879" cy="5013227"/>
           </a:xfrm>
           <a:ln>
             <a:noFill/>
@@ -17742,28 +22997,70 @@
             <a:pPr marL="0" indent="0">
               <a:buNone/>
             </a:pPr>
+            <a:r>
+              <a:rPr lang="en-US" dirty="0"/>
+              <a:t>For each </a:t>
+            </a:r>
+            <a:r>
+              <a:rPr lang="en-US" dirty="0">
+                <a:solidFill>
+                  <a:srgbClr val="FFFF66"/>
+                </a:solidFill>
+              </a:rPr>
+              <a:t>post</a:t>
+            </a:r>
+            <a:r>
+              <a:rPr lang="en-US" dirty="0"/>
+              <a:t> you see:</a:t>
+            </a:r>
+          </a:p>
+          <a:p>
+            <a:pPr marL="0" indent="0">
+              <a:buNone/>
+            </a:pPr>
+            <a:r>
+              <a:rPr lang="en-US" dirty="0"/>
+              <a:t>Press the ‘&gt;’ KEY to add a </a:t>
+            </a:r>
+            <a:r>
+              <a:rPr lang="en-US" dirty="0">
+                <a:solidFill>
+                  <a:srgbClr val="00FDFF"/>
+                </a:solidFill>
+              </a:rPr>
+              <a:t>like</a:t>
+            </a:r>
+            <a:r>
+              <a:rPr lang="en-US" dirty="0"/>
+              <a:t>.</a:t>
+            </a:r>
+          </a:p>
+          <a:p>
+            <a:pPr marL="0" indent="0">
+              <a:buNone/>
+            </a:pPr>
+            <a:r>
+              <a:rPr lang="en-US" dirty="0"/>
+              <a:t>Press the ‘&lt;‘ KEY if you don’t want to add a </a:t>
+            </a:r>
+            <a:r>
+              <a:rPr lang="en-US" dirty="0">
+                <a:solidFill>
+                  <a:srgbClr val="00FDFF"/>
+                </a:solidFill>
+              </a:rPr>
+              <a:t>like</a:t>
+            </a:r>
+            <a:r>
+              <a:rPr lang="en-US" dirty="0"/>
+              <a:t>.</a:t>
+            </a:r>
+          </a:p>
+          <a:p>
+            <a:pPr marL="0" indent="0">
+              <a:buNone/>
+            </a:pPr>
             <a:endParaRPr lang="en-US" dirty="0"/>
-          </a:p>
-          <a:p>
-            <a:pPr marL="0" indent="0">
-              <a:buNone/>
-            </a:pPr>
-            <a:r>
-              <a:rPr lang="en-US" dirty="0"/>
-              <a:t>We will just have you do this for two </a:t>
-            </a:r>
-            <a:r>
-              <a:rPr lang="en-US" dirty="0">
-                <a:solidFill>
-                  <a:srgbClr val="00FF00"/>
-                </a:solidFill>
-              </a:rPr>
-              <a:t>chatrooms</a:t>
-            </a:r>
-            <a:r>
-              <a:rPr lang="en-US" dirty="0"/>
-              <a:t> before you start playing as the one posting.</a:t>
-            </a:r>
           </a:p>
         </p:txBody>
       </p:sp>
@@ -18031,6 +23328,884 @@
         <p:spPr>
           <a:xfrm>
             <a:off x="9637318" y="6391827"/>
+            <a:ext cx="640200" cy="289763"/>
+          </a:xfrm>
+          <a:prstGeom prst="rightArrow">
+            <a:avLst/>
+          </a:prstGeom>
+          <a:solidFill>
+            <a:schemeClr val="tx1"/>
+          </a:solidFill>
+          <a:ln>
+            <a:noFill/>
+          </a:ln>
+        </p:spPr>
+        <p:style>
+          <a:lnRef idx="1">
+            <a:schemeClr val="accent1"/>
+          </a:lnRef>
+          <a:fillRef idx="3">
+            <a:schemeClr val="accent1"/>
+          </a:fillRef>
+          <a:effectRef idx="2">
+            <a:schemeClr val="accent1"/>
+          </a:effectRef>
+          <a:fontRef idx="minor">
+            <a:schemeClr val="lt1"/>
+          </a:fontRef>
+        </p:style>
+        <p:txBody>
+          <a:bodyPr rtlCol="0" anchor="ctr"/>
+          <a:lstStyle/>
+          <a:p>
+            <a:pPr algn="ctr"/>
+            <a:endParaRPr lang="en-US"/>
+          </a:p>
+        </p:txBody>
+      </p:sp>
+      <p:sp>
+        <p:nvSpPr>
+          <p:cNvPr id="7" name="Subtitle 8">
+            <a:extLst>
+              <a:ext uri="{FF2B5EF4-FFF2-40B4-BE49-F238E27FC236}">
+                <a16:creationId xmlns:a16="http://schemas.microsoft.com/office/drawing/2014/main" id="{4BDF4734-B63C-DF44-8671-1E43AFCD02DC}"/>
+              </a:ext>
+            </a:extLst>
+          </p:cNvPr>
+          <p:cNvSpPr txBox="1">
+            <a:spLocks/>
+          </p:cNvSpPr>
+          <p:nvPr/>
+        </p:nvSpPr>
+        <p:spPr>
+          <a:xfrm>
+            <a:off x="1518826" y="6073844"/>
+            <a:ext cx="1532830" cy="801636"/>
+          </a:xfrm>
+          <a:prstGeom prst="rect">
+            <a:avLst/>
+          </a:prstGeom>
+        </p:spPr>
+        <p:txBody>
+          <a:bodyPr vert="horz" lIns="91440" tIns="45720" rIns="91440" bIns="45720" rtlCol="0">
+            <a:normAutofit/>
+          </a:bodyPr>
+          <a:lstStyle>
+            <a:lvl1pPr marL="0" indent="0" algn="ctr" defTabSz="914400" rtl="0" eaLnBrk="1" latinLnBrk="0" hangingPunct="1">
+              <a:spcBef>
+                <a:spcPct val="20000"/>
+              </a:spcBef>
+              <a:buFont typeface="Arial" pitchFamily="34" charset="0"/>
+              <a:buNone/>
+              <a:defRPr sz="3200" kern="1200">
+                <a:solidFill>
+                  <a:schemeClr val="tx1">
+                    <a:tint val="75000"/>
+                  </a:schemeClr>
+                </a:solidFill>
+                <a:latin typeface="+mn-lt"/>
+                <a:ea typeface="+mn-ea"/>
+                <a:cs typeface="+mn-cs"/>
+              </a:defRPr>
+            </a:lvl1pPr>
+            <a:lvl2pPr marL="457200" indent="0" algn="ctr" defTabSz="914400" rtl="0" eaLnBrk="1" latinLnBrk="0" hangingPunct="1">
+              <a:spcBef>
+                <a:spcPct val="20000"/>
+              </a:spcBef>
+              <a:buFont typeface="Arial" pitchFamily="34" charset="0"/>
+              <a:buNone/>
+              <a:defRPr sz="2800" kern="1200">
+                <a:solidFill>
+                  <a:schemeClr val="tx1">
+                    <a:tint val="75000"/>
+                  </a:schemeClr>
+                </a:solidFill>
+                <a:latin typeface="+mn-lt"/>
+                <a:ea typeface="+mn-ea"/>
+                <a:cs typeface="+mn-cs"/>
+              </a:defRPr>
+            </a:lvl2pPr>
+            <a:lvl3pPr marL="914400" indent="0" algn="ctr" defTabSz="914400" rtl="0" eaLnBrk="1" latinLnBrk="0" hangingPunct="1">
+              <a:spcBef>
+                <a:spcPct val="20000"/>
+              </a:spcBef>
+              <a:buFont typeface="Arial" pitchFamily="34" charset="0"/>
+              <a:buNone/>
+              <a:defRPr sz="2400" kern="1200">
+                <a:solidFill>
+                  <a:schemeClr val="tx1">
+                    <a:tint val="75000"/>
+                  </a:schemeClr>
+                </a:solidFill>
+                <a:latin typeface="+mn-lt"/>
+                <a:ea typeface="+mn-ea"/>
+                <a:cs typeface="+mn-cs"/>
+              </a:defRPr>
+            </a:lvl3pPr>
+            <a:lvl4pPr marL="1371600" indent="0" algn="ctr" defTabSz="914400" rtl="0" eaLnBrk="1" latinLnBrk="0" hangingPunct="1">
+              <a:spcBef>
+                <a:spcPct val="20000"/>
+              </a:spcBef>
+              <a:buFont typeface="Arial" pitchFamily="34" charset="0"/>
+              <a:buNone/>
+              <a:defRPr sz="2000" kern="1200">
+                <a:solidFill>
+                  <a:schemeClr val="tx1">
+                    <a:tint val="75000"/>
+                  </a:schemeClr>
+                </a:solidFill>
+                <a:latin typeface="+mn-lt"/>
+                <a:ea typeface="+mn-ea"/>
+                <a:cs typeface="+mn-cs"/>
+              </a:defRPr>
+            </a:lvl4pPr>
+            <a:lvl5pPr marL="1828800" indent="0" algn="ctr" defTabSz="914400" rtl="0" eaLnBrk="1" latinLnBrk="0" hangingPunct="1">
+              <a:spcBef>
+                <a:spcPct val="20000"/>
+              </a:spcBef>
+              <a:buFont typeface="Arial" pitchFamily="34" charset="0"/>
+              <a:buNone/>
+              <a:defRPr sz="2000" kern="1200">
+                <a:solidFill>
+                  <a:schemeClr val="tx1">
+                    <a:tint val="75000"/>
+                  </a:schemeClr>
+                </a:solidFill>
+                <a:latin typeface="+mn-lt"/>
+                <a:ea typeface="+mn-ea"/>
+                <a:cs typeface="+mn-cs"/>
+              </a:defRPr>
+            </a:lvl5pPr>
+            <a:lvl6pPr marL="2286000" indent="0" algn="ctr" defTabSz="914400" rtl="0" eaLnBrk="1" latinLnBrk="0" hangingPunct="1">
+              <a:spcBef>
+                <a:spcPct val="20000"/>
+              </a:spcBef>
+              <a:buFont typeface="Arial" pitchFamily="34" charset="0"/>
+              <a:buNone/>
+              <a:defRPr sz="2000" kern="1200">
+                <a:solidFill>
+                  <a:schemeClr val="tx1">
+                    <a:tint val="75000"/>
+                  </a:schemeClr>
+                </a:solidFill>
+                <a:latin typeface="+mn-lt"/>
+                <a:ea typeface="+mn-ea"/>
+                <a:cs typeface="+mn-cs"/>
+              </a:defRPr>
+            </a:lvl6pPr>
+            <a:lvl7pPr marL="2743200" indent="0" algn="ctr" defTabSz="914400" rtl="0" eaLnBrk="1" latinLnBrk="0" hangingPunct="1">
+              <a:spcBef>
+                <a:spcPct val="20000"/>
+              </a:spcBef>
+              <a:buFont typeface="Arial" pitchFamily="34" charset="0"/>
+              <a:buNone/>
+              <a:defRPr sz="2000" kern="1200">
+                <a:solidFill>
+                  <a:schemeClr val="tx1">
+                    <a:tint val="75000"/>
+                  </a:schemeClr>
+                </a:solidFill>
+                <a:latin typeface="+mn-lt"/>
+                <a:ea typeface="+mn-ea"/>
+                <a:cs typeface="+mn-cs"/>
+              </a:defRPr>
+            </a:lvl7pPr>
+            <a:lvl8pPr marL="3200400" indent="0" algn="ctr" defTabSz="914400" rtl="0" eaLnBrk="1" latinLnBrk="0" hangingPunct="1">
+              <a:spcBef>
+                <a:spcPct val="20000"/>
+              </a:spcBef>
+              <a:buFont typeface="Arial" pitchFamily="34" charset="0"/>
+              <a:buNone/>
+              <a:defRPr sz="2000" kern="1200">
+                <a:solidFill>
+                  <a:schemeClr val="tx1">
+                    <a:tint val="75000"/>
+                  </a:schemeClr>
+                </a:solidFill>
+                <a:latin typeface="+mn-lt"/>
+                <a:ea typeface="+mn-ea"/>
+                <a:cs typeface="+mn-cs"/>
+              </a:defRPr>
+            </a:lvl8pPr>
+            <a:lvl9pPr marL="3657600" indent="0" algn="ctr" defTabSz="914400" rtl="0" eaLnBrk="1" latinLnBrk="0" hangingPunct="1">
+              <a:spcBef>
+                <a:spcPct val="20000"/>
+              </a:spcBef>
+              <a:buFont typeface="Arial" pitchFamily="34" charset="0"/>
+              <a:buNone/>
+              <a:defRPr sz="2000" kern="1200">
+                <a:solidFill>
+                  <a:schemeClr val="tx1">
+                    <a:tint val="75000"/>
+                  </a:schemeClr>
+                </a:solidFill>
+                <a:latin typeface="+mn-lt"/>
+                <a:ea typeface="+mn-ea"/>
+                <a:cs typeface="+mn-cs"/>
+              </a:defRPr>
+            </a:lvl9pPr>
+          </a:lstStyle>
+          <a:p>
+            <a:r>
+              <a:rPr lang="en-US" sz="1600" dirty="0">
+                <a:solidFill>
+                  <a:schemeClr val="tx1"/>
+                </a:solidFill>
+              </a:rPr>
+              <a:t>LEFT</a:t>
+            </a:r>
+          </a:p>
+        </p:txBody>
+      </p:sp>
+      <p:sp>
+        <p:nvSpPr>
+          <p:cNvPr id="8" name="Right Arrow 7">
+            <a:extLst>
+              <a:ext uri="{FF2B5EF4-FFF2-40B4-BE49-F238E27FC236}">
+                <a16:creationId xmlns:a16="http://schemas.microsoft.com/office/drawing/2014/main" id="{8E22DF06-D6BE-AB44-B261-74815089D5A0}"/>
+              </a:ext>
+            </a:extLst>
+          </p:cNvPr>
+          <p:cNvSpPr/>
+          <p:nvPr/>
+        </p:nvSpPr>
+        <p:spPr>
+          <a:xfrm rot="10800000">
+            <a:off x="1902125" y="6391827"/>
+            <a:ext cx="640200" cy="289763"/>
+          </a:xfrm>
+          <a:prstGeom prst="rightArrow">
+            <a:avLst/>
+          </a:prstGeom>
+          <a:solidFill>
+            <a:schemeClr val="tx1"/>
+          </a:solidFill>
+          <a:ln>
+            <a:noFill/>
+          </a:ln>
+        </p:spPr>
+        <p:style>
+          <a:lnRef idx="1">
+            <a:schemeClr val="accent1"/>
+          </a:lnRef>
+          <a:fillRef idx="3">
+            <a:schemeClr val="accent1"/>
+          </a:fillRef>
+          <a:effectRef idx="2">
+            <a:schemeClr val="accent1"/>
+          </a:effectRef>
+          <a:fontRef idx="minor">
+            <a:schemeClr val="lt1"/>
+          </a:fontRef>
+        </p:style>
+        <p:txBody>
+          <a:bodyPr rtlCol="0" anchor="ctr"/>
+          <a:lstStyle/>
+          <a:p>
+            <a:pPr algn="ctr"/>
+            <a:endParaRPr lang="en-US"/>
+          </a:p>
+        </p:txBody>
+      </p:sp>
+    </p:spTree>
+    <p:extLst>
+      <p:ext uri="{BB962C8B-B14F-4D97-AF65-F5344CB8AC3E}">
+        <p14:creationId xmlns:p14="http://schemas.microsoft.com/office/powerpoint/2010/main" val="3066544549"/>
+      </p:ext>
+    </p:extLst>
+  </p:cSld>
+  <p:clrMapOvr>
+    <a:masterClrMapping/>
+  </p:clrMapOvr>
+</p:sld>
+</file>
+
+<file path=ppt/slides/slide31.xml><?xml version="1.0" encoding="utf-8"?>
+<p:sld xmlns:a="http://schemas.openxmlformats.org/drawingml/2006/main" xmlns:r="http://schemas.openxmlformats.org/officeDocument/2006/relationships" xmlns:p="http://schemas.openxmlformats.org/presentationml/2006/main">
+  <p:cSld>
+    <p:bg>
+      <p:bgPr>
+        <a:solidFill>
+          <a:schemeClr val="bg1"/>
+        </a:solidFill>
+        <a:effectLst/>
+      </p:bgPr>
+    </p:bg>
+    <p:spTree>
+      <p:nvGrpSpPr>
+        <p:cNvPr id="1" name=""/>
+        <p:cNvGrpSpPr/>
+        <p:nvPr/>
+      </p:nvGrpSpPr>
+      <p:grpSpPr>
+        <a:xfrm>
+          <a:off x="0" y="0"/>
+          <a:ext cx="0" cy="0"/>
+          <a:chOff x="0" y="0"/>
+          <a:chExt cx="0" cy="0"/>
+        </a:xfrm>
+      </p:grpSpPr>
+      <p:sp>
+        <p:nvSpPr>
+          <p:cNvPr id="3" name="Content Placeholder 2"/>
+          <p:cNvSpPr>
+            <a:spLocks noGrp="1"/>
+          </p:cNvSpPr>
+          <p:nvPr>
+            <p:ph idx="1"/>
+          </p:nvPr>
+        </p:nvSpPr>
+        <p:spPr>
+          <a:xfrm>
+            <a:off x="1111170" y="2255520"/>
+            <a:ext cx="10591879" cy="3341431"/>
+          </a:xfrm>
+          <a:ln>
+            <a:noFill/>
+          </a:ln>
+        </p:spPr>
+        <p:txBody>
+          <a:bodyPr>
+            <a:noAutofit/>
+          </a:bodyPr>
+          <a:lstStyle/>
+          <a:p>
+            <a:pPr marL="0" indent="0">
+              <a:buNone/>
+            </a:pPr>
+            <a:endParaRPr lang="en-US" dirty="0"/>
+          </a:p>
+          <a:p>
+            <a:pPr marL="0" indent="0">
+              <a:buNone/>
+            </a:pPr>
+            <a:r>
+              <a:rPr lang="en-US" dirty="0"/>
+              <a:t>We will just have you do this for two </a:t>
+            </a:r>
+            <a:r>
+              <a:rPr lang="en-US" dirty="0">
+                <a:solidFill>
+                  <a:srgbClr val="00FF00"/>
+                </a:solidFill>
+              </a:rPr>
+              <a:t>chatrooms</a:t>
+            </a:r>
+            <a:r>
+              <a:rPr lang="en-US" dirty="0"/>
+              <a:t> before you start playing as the one posting.</a:t>
+            </a:r>
+          </a:p>
+        </p:txBody>
+      </p:sp>
+      <p:sp>
+        <p:nvSpPr>
+          <p:cNvPr id="4" name="Title 3">
+            <a:extLst>
+              <a:ext uri="{FF2B5EF4-FFF2-40B4-BE49-F238E27FC236}">
+                <a16:creationId xmlns:a16="http://schemas.microsoft.com/office/drawing/2014/main" id="{3A04687C-A569-2C46-9FC2-ADCBBB048C8E}"/>
+              </a:ext>
+            </a:extLst>
+          </p:cNvPr>
+          <p:cNvSpPr txBox="1">
+            <a:spLocks/>
+          </p:cNvSpPr>
+          <p:nvPr/>
+        </p:nvSpPr>
+        <p:spPr>
+          <a:xfrm>
+            <a:off x="1524000" y="6201295"/>
+            <a:ext cx="9149174" cy="656705"/>
+          </a:xfrm>
+          <a:prstGeom prst="rect">
+            <a:avLst/>
+          </a:prstGeom>
+        </p:spPr>
+        <p:txBody>
+          <a:bodyPr vert="horz" lIns="91440" tIns="45720" rIns="91440" bIns="45720" rtlCol="0" anchor="ctr">
+            <a:normAutofit/>
+          </a:bodyPr>
+          <a:lstStyle>
+            <a:lvl1pPr algn="ctr" defTabSz="914400" rtl="0" eaLnBrk="1" latinLnBrk="0" hangingPunct="1">
+              <a:spcBef>
+                <a:spcPct val="0"/>
+              </a:spcBef>
+              <a:buNone/>
+              <a:defRPr sz="4400" kern="1200">
+                <a:solidFill>
+                  <a:schemeClr val="tx1"/>
+                </a:solidFill>
+                <a:latin typeface="+mj-lt"/>
+                <a:ea typeface="+mj-ea"/>
+                <a:cs typeface="+mj-cs"/>
+              </a:defRPr>
+            </a:lvl1pPr>
+          </a:lstStyle>
+          <a:p>
+            <a:r>
+              <a:rPr lang="en-US" sz="3000" dirty="0">
+                <a:solidFill>
+                  <a:srgbClr val="FF0000"/>
+                </a:solidFill>
+              </a:rPr>
+              <a:t>PRESS THE RIGHT BUTTON TO CONTINUE</a:t>
+            </a:r>
+          </a:p>
+        </p:txBody>
+      </p:sp>
+      <p:sp>
+        <p:nvSpPr>
+          <p:cNvPr id="5" name="Subtitle 8">
+            <a:extLst>
+              <a:ext uri="{FF2B5EF4-FFF2-40B4-BE49-F238E27FC236}">
+                <a16:creationId xmlns:a16="http://schemas.microsoft.com/office/drawing/2014/main" id="{5385BA60-94EE-1D48-A0DD-23171E6645FB}"/>
+              </a:ext>
+            </a:extLst>
+          </p:cNvPr>
+          <p:cNvSpPr txBox="1">
+            <a:spLocks/>
+          </p:cNvSpPr>
+          <p:nvPr/>
+        </p:nvSpPr>
+        <p:spPr>
+          <a:xfrm>
+            <a:off x="9140345" y="6073844"/>
+            <a:ext cx="1532830" cy="801636"/>
+          </a:xfrm>
+          <a:prstGeom prst="rect">
+            <a:avLst/>
+          </a:prstGeom>
+        </p:spPr>
+        <p:txBody>
+          <a:bodyPr vert="horz" lIns="91440" tIns="45720" rIns="91440" bIns="45720" rtlCol="0">
+            <a:normAutofit/>
+          </a:bodyPr>
+          <a:lstStyle>
+            <a:lvl1pPr marL="0" indent="0" algn="ctr" defTabSz="914400" rtl="0" eaLnBrk="1" latinLnBrk="0" hangingPunct="1">
+              <a:spcBef>
+                <a:spcPct val="20000"/>
+              </a:spcBef>
+              <a:buFont typeface="Arial" pitchFamily="34" charset="0"/>
+              <a:buNone/>
+              <a:defRPr sz="3200" kern="1200">
+                <a:solidFill>
+                  <a:schemeClr val="tx1">
+                    <a:tint val="75000"/>
+                  </a:schemeClr>
+                </a:solidFill>
+                <a:latin typeface="+mn-lt"/>
+                <a:ea typeface="+mn-ea"/>
+                <a:cs typeface="+mn-cs"/>
+              </a:defRPr>
+            </a:lvl1pPr>
+            <a:lvl2pPr marL="457200" indent="0" algn="ctr" defTabSz="914400" rtl="0" eaLnBrk="1" latinLnBrk="0" hangingPunct="1">
+              <a:spcBef>
+                <a:spcPct val="20000"/>
+              </a:spcBef>
+              <a:buFont typeface="Arial" pitchFamily="34" charset="0"/>
+              <a:buNone/>
+              <a:defRPr sz="2800" kern="1200">
+                <a:solidFill>
+                  <a:schemeClr val="tx1">
+                    <a:tint val="75000"/>
+                  </a:schemeClr>
+                </a:solidFill>
+                <a:latin typeface="+mn-lt"/>
+                <a:ea typeface="+mn-ea"/>
+                <a:cs typeface="+mn-cs"/>
+              </a:defRPr>
+            </a:lvl2pPr>
+            <a:lvl3pPr marL="914400" indent="0" algn="ctr" defTabSz="914400" rtl="0" eaLnBrk="1" latinLnBrk="0" hangingPunct="1">
+              <a:spcBef>
+                <a:spcPct val="20000"/>
+              </a:spcBef>
+              <a:buFont typeface="Arial" pitchFamily="34" charset="0"/>
+              <a:buNone/>
+              <a:defRPr sz="2400" kern="1200">
+                <a:solidFill>
+                  <a:schemeClr val="tx1">
+                    <a:tint val="75000"/>
+                  </a:schemeClr>
+                </a:solidFill>
+                <a:latin typeface="+mn-lt"/>
+                <a:ea typeface="+mn-ea"/>
+                <a:cs typeface="+mn-cs"/>
+              </a:defRPr>
+            </a:lvl3pPr>
+            <a:lvl4pPr marL="1371600" indent="0" algn="ctr" defTabSz="914400" rtl="0" eaLnBrk="1" latinLnBrk="0" hangingPunct="1">
+              <a:spcBef>
+                <a:spcPct val="20000"/>
+              </a:spcBef>
+              <a:buFont typeface="Arial" pitchFamily="34" charset="0"/>
+              <a:buNone/>
+              <a:defRPr sz="2000" kern="1200">
+                <a:solidFill>
+                  <a:schemeClr val="tx1">
+                    <a:tint val="75000"/>
+                  </a:schemeClr>
+                </a:solidFill>
+                <a:latin typeface="+mn-lt"/>
+                <a:ea typeface="+mn-ea"/>
+                <a:cs typeface="+mn-cs"/>
+              </a:defRPr>
+            </a:lvl4pPr>
+            <a:lvl5pPr marL="1828800" indent="0" algn="ctr" defTabSz="914400" rtl="0" eaLnBrk="1" latinLnBrk="0" hangingPunct="1">
+              <a:spcBef>
+                <a:spcPct val="20000"/>
+              </a:spcBef>
+              <a:buFont typeface="Arial" pitchFamily="34" charset="0"/>
+              <a:buNone/>
+              <a:defRPr sz="2000" kern="1200">
+                <a:solidFill>
+                  <a:schemeClr val="tx1">
+                    <a:tint val="75000"/>
+                  </a:schemeClr>
+                </a:solidFill>
+                <a:latin typeface="+mn-lt"/>
+                <a:ea typeface="+mn-ea"/>
+                <a:cs typeface="+mn-cs"/>
+              </a:defRPr>
+            </a:lvl5pPr>
+            <a:lvl6pPr marL="2286000" indent="0" algn="ctr" defTabSz="914400" rtl="0" eaLnBrk="1" latinLnBrk="0" hangingPunct="1">
+              <a:spcBef>
+                <a:spcPct val="20000"/>
+              </a:spcBef>
+              <a:buFont typeface="Arial" pitchFamily="34" charset="0"/>
+              <a:buNone/>
+              <a:defRPr sz="2000" kern="1200">
+                <a:solidFill>
+                  <a:schemeClr val="tx1">
+                    <a:tint val="75000"/>
+                  </a:schemeClr>
+                </a:solidFill>
+                <a:latin typeface="+mn-lt"/>
+                <a:ea typeface="+mn-ea"/>
+                <a:cs typeface="+mn-cs"/>
+              </a:defRPr>
+            </a:lvl6pPr>
+            <a:lvl7pPr marL="2743200" indent="0" algn="ctr" defTabSz="914400" rtl="0" eaLnBrk="1" latinLnBrk="0" hangingPunct="1">
+              <a:spcBef>
+                <a:spcPct val="20000"/>
+              </a:spcBef>
+              <a:buFont typeface="Arial" pitchFamily="34" charset="0"/>
+              <a:buNone/>
+              <a:defRPr sz="2000" kern="1200">
+                <a:solidFill>
+                  <a:schemeClr val="tx1">
+                    <a:tint val="75000"/>
+                  </a:schemeClr>
+                </a:solidFill>
+                <a:latin typeface="+mn-lt"/>
+                <a:ea typeface="+mn-ea"/>
+                <a:cs typeface="+mn-cs"/>
+              </a:defRPr>
+            </a:lvl7pPr>
+            <a:lvl8pPr marL="3200400" indent="0" algn="ctr" defTabSz="914400" rtl="0" eaLnBrk="1" latinLnBrk="0" hangingPunct="1">
+              <a:spcBef>
+                <a:spcPct val="20000"/>
+              </a:spcBef>
+              <a:buFont typeface="Arial" pitchFamily="34" charset="0"/>
+              <a:buNone/>
+              <a:defRPr sz="2000" kern="1200">
+                <a:solidFill>
+                  <a:schemeClr val="tx1">
+                    <a:tint val="75000"/>
+                  </a:schemeClr>
+                </a:solidFill>
+                <a:latin typeface="+mn-lt"/>
+                <a:ea typeface="+mn-ea"/>
+                <a:cs typeface="+mn-cs"/>
+              </a:defRPr>
+            </a:lvl8pPr>
+            <a:lvl9pPr marL="3657600" indent="0" algn="ctr" defTabSz="914400" rtl="0" eaLnBrk="1" latinLnBrk="0" hangingPunct="1">
+              <a:spcBef>
+                <a:spcPct val="20000"/>
+              </a:spcBef>
+              <a:buFont typeface="Arial" pitchFamily="34" charset="0"/>
+              <a:buNone/>
+              <a:defRPr sz="2000" kern="1200">
+                <a:solidFill>
+                  <a:schemeClr val="tx1">
+                    <a:tint val="75000"/>
+                  </a:schemeClr>
+                </a:solidFill>
+                <a:latin typeface="+mn-lt"/>
+                <a:ea typeface="+mn-ea"/>
+                <a:cs typeface="+mn-cs"/>
+              </a:defRPr>
+            </a:lvl9pPr>
+          </a:lstStyle>
+          <a:p>
+            <a:r>
+              <a:rPr lang="en-US" sz="1600" dirty="0">
+                <a:solidFill>
+                  <a:schemeClr val="tx1"/>
+                </a:solidFill>
+              </a:rPr>
+              <a:t>RIGHT</a:t>
+            </a:r>
+          </a:p>
+        </p:txBody>
+      </p:sp>
+      <p:sp>
+        <p:nvSpPr>
+          <p:cNvPr id="6" name="Right Arrow 5">
+            <a:extLst>
+              <a:ext uri="{FF2B5EF4-FFF2-40B4-BE49-F238E27FC236}">
+                <a16:creationId xmlns:a16="http://schemas.microsoft.com/office/drawing/2014/main" id="{E505ED16-B2E8-4140-B53D-56027D0A90C5}"/>
+              </a:ext>
+            </a:extLst>
+          </p:cNvPr>
+          <p:cNvSpPr/>
+          <p:nvPr/>
+        </p:nvSpPr>
+        <p:spPr>
+          <a:xfrm>
+            <a:off x="9637318" y="6391827"/>
+            <a:ext cx="640200" cy="289763"/>
+          </a:xfrm>
+          <a:prstGeom prst="rightArrow">
+            <a:avLst/>
+          </a:prstGeom>
+          <a:solidFill>
+            <a:schemeClr val="tx1"/>
+          </a:solidFill>
+          <a:ln>
+            <a:noFill/>
+          </a:ln>
+        </p:spPr>
+        <p:style>
+          <a:lnRef idx="1">
+            <a:schemeClr val="accent1"/>
+          </a:lnRef>
+          <a:fillRef idx="3">
+            <a:schemeClr val="accent1"/>
+          </a:fillRef>
+          <a:effectRef idx="2">
+            <a:schemeClr val="accent1"/>
+          </a:effectRef>
+          <a:fontRef idx="minor">
+            <a:schemeClr val="lt1"/>
+          </a:fontRef>
+        </p:style>
+        <p:txBody>
+          <a:bodyPr rtlCol="0" anchor="ctr"/>
+          <a:lstStyle/>
+          <a:p>
+            <a:pPr algn="ctr"/>
+            <a:endParaRPr lang="en-US"/>
+          </a:p>
+        </p:txBody>
+      </p:sp>
+      <p:sp>
+        <p:nvSpPr>
+          <p:cNvPr id="7" name="Subtitle 8">
+            <a:extLst>
+              <a:ext uri="{FF2B5EF4-FFF2-40B4-BE49-F238E27FC236}">
+                <a16:creationId xmlns:a16="http://schemas.microsoft.com/office/drawing/2014/main" id="{8AFC28FF-E56E-C24A-ADF8-84A5C380A13A}"/>
+              </a:ext>
+            </a:extLst>
+          </p:cNvPr>
+          <p:cNvSpPr txBox="1">
+            <a:spLocks/>
+          </p:cNvSpPr>
+          <p:nvPr/>
+        </p:nvSpPr>
+        <p:spPr>
+          <a:xfrm>
+            <a:off x="1518826" y="6073844"/>
+            <a:ext cx="1532830" cy="801636"/>
+          </a:xfrm>
+          <a:prstGeom prst="rect">
+            <a:avLst/>
+          </a:prstGeom>
+        </p:spPr>
+        <p:txBody>
+          <a:bodyPr vert="horz" lIns="91440" tIns="45720" rIns="91440" bIns="45720" rtlCol="0">
+            <a:normAutofit/>
+          </a:bodyPr>
+          <a:lstStyle>
+            <a:lvl1pPr marL="0" indent="0" algn="ctr" defTabSz="914400" rtl="0" eaLnBrk="1" latinLnBrk="0" hangingPunct="1">
+              <a:spcBef>
+                <a:spcPct val="20000"/>
+              </a:spcBef>
+              <a:buFont typeface="Arial" pitchFamily="34" charset="0"/>
+              <a:buNone/>
+              <a:defRPr sz="3200" kern="1200">
+                <a:solidFill>
+                  <a:schemeClr val="tx1">
+                    <a:tint val="75000"/>
+                  </a:schemeClr>
+                </a:solidFill>
+                <a:latin typeface="+mn-lt"/>
+                <a:ea typeface="+mn-ea"/>
+                <a:cs typeface="+mn-cs"/>
+              </a:defRPr>
+            </a:lvl1pPr>
+            <a:lvl2pPr marL="457200" indent="0" algn="ctr" defTabSz="914400" rtl="0" eaLnBrk="1" latinLnBrk="0" hangingPunct="1">
+              <a:spcBef>
+                <a:spcPct val="20000"/>
+              </a:spcBef>
+              <a:buFont typeface="Arial" pitchFamily="34" charset="0"/>
+              <a:buNone/>
+              <a:defRPr sz="2800" kern="1200">
+                <a:solidFill>
+                  <a:schemeClr val="tx1">
+                    <a:tint val="75000"/>
+                  </a:schemeClr>
+                </a:solidFill>
+                <a:latin typeface="+mn-lt"/>
+                <a:ea typeface="+mn-ea"/>
+                <a:cs typeface="+mn-cs"/>
+              </a:defRPr>
+            </a:lvl2pPr>
+            <a:lvl3pPr marL="914400" indent="0" algn="ctr" defTabSz="914400" rtl="0" eaLnBrk="1" latinLnBrk="0" hangingPunct="1">
+              <a:spcBef>
+                <a:spcPct val="20000"/>
+              </a:spcBef>
+              <a:buFont typeface="Arial" pitchFamily="34" charset="0"/>
+              <a:buNone/>
+              <a:defRPr sz="2400" kern="1200">
+                <a:solidFill>
+                  <a:schemeClr val="tx1">
+                    <a:tint val="75000"/>
+                  </a:schemeClr>
+                </a:solidFill>
+                <a:latin typeface="+mn-lt"/>
+                <a:ea typeface="+mn-ea"/>
+                <a:cs typeface="+mn-cs"/>
+              </a:defRPr>
+            </a:lvl3pPr>
+            <a:lvl4pPr marL="1371600" indent="0" algn="ctr" defTabSz="914400" rtl="0" eaLnBrk="1" latinLnBrk="0" hangingPunct="1">
+              <a:spcBef>
+                <a:spcPct val="20000"/>
+              </a:spcBef>
+              <a:buFont typeface="Arial" pitchFamily="34" charset="0"/>
+              <a:buNone/>
+              <a:defRPr sz="2000" kern="1200">
+                <a:solidFill>
+                  <a:schemeClr val="tx1">
+                    <a:tint val="75000"/>
+                  </a:schemeClr>
+                </a:solidFill>
+                <a:latin typeface="+mn-lt"/>
+                <a:ea typeface="+mn-ea"/>
+                <a:cs typeface="+mn-cs"/>
+              </a:defRPr>
+            </a:lvl4pPr>
+            <a:lvl5pPr marL="1828800" indent="0" algn="ctr" defTabSz="914400" rtl="0" eaLnBrk="1" latinLnBrk="0" hangingPunct="1">
+              <a:spcBef>
+                <a:spcPct val="20000"/>
+              </a:spcBef>
+              <a:buFont typeface="Arial" pitchFamily="34" charset="0"/>
+              <a:buNone/>
+              <a:defRPr sz="2000" kern="1200">
+                <a:solidFill>
+                  <a:schemeClr val="tx1">
+                    <a:tint val="75000"/>
+                  </a:schemeClr>
+                </a:solidFill>
+                <a:latin typeface="+mn-lt"/>
+                <a:ea typeface="+mn-ea"/>
+                <a:cs typeface="+mn-cs"/>
+              </a:defRPr>
+            </a:lvl5pPr>
+            <a:lvl6pPr marL="2286000" indent="0" algn="ctr" defTabSz="914400" rtl="0" eaLnBrk="1" latinLnBrk="0" hangingPunct="1">
+              <a:spcBef>
+                <a:spcPct val="20000"/>
+              </a:spcBef>
+              <a:buFont typeface="Arial" pitchFamily="34" charset="0"/>
+              <a:buNone/>
+              <a:defRPr sz="2000" kern="1200">
+                <a:solidFill>
+                  <a:schemeClr val="tx1">
+                    <a:tint val="75000"/>
+                  </a:schemeClr>
+                </a:solidFill>
+                <a:latin typeface="+mn-lt"/>
+                <a:ea typeface="+mn-ea"/>
+                <a:cs typeface="+mn-cs"/>
+              </a:defRPr>
+            </a:lvl6pPr>
+            <a:lvl7pPr marL="2743200" indent="0" algn="ctr" defTabSz="914400" rtl="0" eaLnBrk="1" latinLnBrk="0" hangingPunct="1">
+              <a:spcBef>
+                <a:spcPct val="20000"/>
+              </a:spcBef>
+              <a:buFont typeface="Arial" pitchFamily="34" charset="0"/>
+              <a:buNone/>
+              <a:defRPr sz="2000" kern="1200">
+                <a:solidFill>
+                  <a:schemeClr val="tx1">
+                    <a:tint val="75000"/>
+                  </a:schemeClr>
+                </a:solidFill>
+                <a:latin typeface="+mn-lt"/>
+                <a:ea typeface="+mn-ea"/>
+                <a:cs typeface="+mn-cs"/>
+              </a:defRPr>
+            </a:lvl7pPr>
+            <a:lvl8pPr marL="3200400" indent="0" algn="ctr" defTabSz="914400" rtl="0" eaLnBrk="1" latinLnBrk="0" hangingPunct="1">
+              <a:spcBef>
+                <a:spcPct val="20000"/>
+              </a:spcBef>
+              <a:buFont typeface="Arial" pitchFamily="34" charset="0"/>
+              <a:buNone/>
+              <a:defRPr sz="2000" kern="1200">
+                <a:solidFill>
+                  <a:schemeClr val="tx1">
+                    <a:tint val="75000"/>
+                  </a:schemeClr>
+                </a:solidFill>
+                <a:latin typeface="+mn-lt"/>
+                <a:ea typeface="+mn-ea"/>
+                <a:cs typeface="+mn-cs"/>
+              </a:defRPr>
+            </a:lvl8pPr>
+            <a:lvl9pPr marL="3657600" indent="0" algn="ctr" defTabSz="914400" rtl="0" eaLnBrk="1" latinLnBrk="0" hangingPunct="1">
+              <a:spcBef>
+                <a:spcPct val="20000"/>
+              </a:spcBef>
+              <a:buFont typeface="Arial" pitchFamily="34" charset="0"/>
+              <a:buNone/>
+              <a:defRPr sz="2000" kern="1200">
+                <a:solidFill>
+                  <a:schemeClr val="tx1">
+                    <a:tint val="75000"/>
+                  </a:schemeClr>
+                </a:solidFill>
+                <a:latin typeface="+mn-lt"/>
+                <a:ea typeface="+mn-ea"/>
+                <a:cs typeface="+mn-cs"/>
+              </a:defRPr>
+            </a:lvl9pPr>
+          </a:lstStyle>
+          <a:p>
+            <a:r>
+              <a:rPr lang="en-US" sz="1600" dirty="0">
+                <a:solidFill>
+                  <a:schemeClr val="tx1"/>
+                </a:solidFill>
+              </a:rPr>
+              <a:t>LEFT</a:t>
+            </a:r>
+          </a:p>
+        </p:txBody>
+      </p:sp>
+      <p:sp>
+        <p:nvSpPr>
+          <p:cNvPr id="8" name="Right Arrow 7">
+            <a:extLst>
+              <a:ext uri="{FF2B5EF4-FFF2-40B4-BE49-F238E27FC236}">
+                <a16:creationId xmlns:a16="http://schemas.microsoft.com/office/drawing/2014/main" id="{B2397E97-8CBC-1849-B93C-7FDE623F1693}"/>
+              </a:ext>
+            </a:extLst>
+          </p:cNvPr>
+          <p:cNvSpPr/>
+          <p:nvPr/>
+        </p:nvSpPr>
+        <p:spPr>
+          <a:xfrm rot="10800000">
+            <a:off x="1902125" y="6391827"/>
             <a:ext cx="640200" cy="289763"/>
           </a:xfrm>
           <a:prstGeom prst="rightArrow">
@@ -18550,12 +24725,256 @@
           </a:p>
         </p:txBody>
       </p:sp>
+      <p:sp>
+        <p:nvSpPr>
+          <p:cNvPr id="9" name="Subtitle 8">
+            <a:extLst>
+              <a:ext uri="{FF2B5EF4-FFF2-40B4-BE49-F238E27FC236}">
+                <a16:creationId xmlns:a16="http://schemas.microsoft.com/office/drawing/2014/main" id="{0ED15FBD-3F9B-EA40-A568-A46463C63BEF}"/>
+              </a:ext>
+            </a:extLst>
+          </p:cNvPr>
+          <p:cNvSpPr txBox="1">
+            <a:spLocks/>
+          </p:cNvSpPr>
+          <p:nvPr/>
+        </p:nvSpPr>
+        <p:spPr>
+          <a:xfrm>
+            <a:off x="1518826" y="6073844"/>
+            <a:ext cx="1532830" cy="801636"/>
+          </a:xfrm>
+          <a:prstGeom prst="rect">
+            <a:avLst/>
+          </a:prstGeom>
+        </p:spPr>
+        <p:txBody>
+          <a:bodyPr vert="horz" lIns="91440" tIns="45720" rIns="91440" bIns="45720" rtlCol="0">
+            <a:normAutofit/>
+          </a:bodyPr>
+          <a:lstStyle>
+            <a:lvl1pPr marL="0" indent="0" algn="ctr" defTabSz="914400" rtl="0" eaLnBrk="1" latinLnBrk="0" hangingPunct="1">
+              <a:spcBef>
+                <a:spcPct val="20000"/>
+              </a:spcBef>
+              <a:buFont typeface="Arial" pitchFamily="34" charset="0"/>
+              <a:buNone/>
+              <a:defRPr sz="3200" kern="1200">
+                <a:solidFill>
+                  <a:schemeClr val="tx1">
+                    <a:tint val="75000"/>
+                  </a:schemeClr>
+                </a:solidFill>
+                <a:latin typeface="+mn-lt"/>
+                <a:ea typeface="+mn-ea"/>
+                <a:cs typeface="+mn-cs"/>
+              </a:defRPr>
+            </a:lvl1pPr>
+            <a:lvl2pPr marL="457200" indent="0" algn="ctr" defTabSz="914400" rtl="0" eaLnBrk="1" latinLnBrk="0" hangingPunct="1">
+              <a:spcBef>
+                <a:spcPct val="20000"/>
+              </a:spcBef>
+              <a:buFont typeface="Arial" pitchFamily="34" charset="0"/>
+              <a:buNone/>
+              <a:defRPr sz="2800" kern="1200">
+                <a:solidFill>
+                  <a:schemeClr val="tx1">
+                    <a:tint val="75000"/>
+                  </a:schemeClr>
+                </a:solidFill>
+                <a:latin typeface="+mn-lt"/>
+                <a:ea typeface="+mn-ea"/>
+                <a:cs typeface="+mn-cs"/>
+              </a:defRPr>
+            </a:lvl2pPr>
+            <a:lvl3pPr marL="914400" indent="0" algn="ctr" defTabSz="914400" rtl="0" eaLnBrk="1" latinLnBrk="0" hangingPunct="1">
+              <a:spcBef>
+                <a:spcPct val="20000"/>
+              </a:spcBef>
+              <a:buFont typeface="Arial" pitchFamily="34" charset="0"/>
+              <a:buNone/>
+              <a:defRPr sz="2400" kern="1200">
+                <a:solidFill>
+                  <a:schemeClr val="tx1">
+                    <a:tint val="75000"/>
+                  </a:schemeClr>
+                </a:solidFill>
+                <a:latin typeface="+mn-lt"/>
+                <a:ea typeface="+mn-ea"/>
+                <a:cs typeface="+mn-cs"/>
+              </a:defRPr>
+            </a:lvl3pPr>
+            <a:lvl4pPr marL="1371600" indent="0" algn="ctr" defTabSz="914400" rtl="0" eaLnBrk="1" latinLnBrk="0" hangingPunct="1">
+              <a:spcBef>
+                <a:spcPct val="20000"/>
+              </a:spcBef>
+              <a:buFont typeface="Arial" pitchFamily="34" charset="0"/>
+              <a:buNone/>
+              <a:defRPr sz="2000" kern="1200">
+                <a:solidFill>
+                  <a:schemeClr val="tx1">
+                    <a:tint val="75000"/>
+                  </a:schemeClr>
+                </a:solidFill>
+                <a:latin typeface="+mn-lt"/>
+                <a:ea typeface="+mn-ea"/>
+                <a:cs typeface="+mn-cs"/>
+              </a:defRPr>
+            </a:lvl4pPr>
+            <a:lvl5pPr marL="1828800" indent="0" algn="ctr" defTabSz="914400" rtl="0" eaLnBrk="1" latinLnBrk="0" hangingPunct="1">
+              <a:spcBef>
+                <a:spcPct val="20000"/>
+              </a:spcBef>
+              <a:buFont typeface="Arial" pitchFamily="34" charset="0"/>
+              <a:buNone/>
+              <a:defRPr sz="2000" kern="1200">
+                <a:solidFill>
+                  <a:schemeClr val="tx1">
+                    <a:tint val="75000"/>
+                  </a:schemeClr>
+                </a:solidFill>
+                <a:latin typeface="+mn-lt"/>
+                <a:ea typeface="+mn-ea"/>
+                <a:cs typeface="+mn-cs"/>
+              </a:defRPr>
+            </a:lvl5pPr>
+            <a:lvl6pPr marL="2286000" indent="0" algn="ctr" defTabSz="914400" rtl="0" eaLnBrk="1" latinLnBrk="0" hangingPunct="1">
+              <a:spcBef>
+                <a:spcPct val="20000"/>
+              </a:spcBef>
+              <a:buFont typeface="Arial" pitchFamily="34" charset="0"/>
+              <a:buNone/>
+              <a:defRPr sz="2000" kern="1200">
+                <a:solidFill>
+                  <a:schemeClr val="tx1">
+                    <a:tint val="75000"/>
+                  </a:schemeClr>
+                </a:solidFill>
+                <a:latin typeface="+mn-lt"/>
+                <a:ea typeface="+mn-ea"/>
+                <a:cs typeface="+mn-cs"/>
+              </a:defRPr>
+            </a:lvl6pPr>
+            <a:lvl7pPr marL="2743200" indent="0" algn="ctr" defTabSz="914400" rtl="0" eaLnBrk="1" latinLnBrk="0" hangingPunct="1">
+              <a:spcBef>
+                <a:spcPct val="20000"/>
+              </a:spcBef>
+              <a:buFont typeface="Arial" pitchFamily="34" charset="0"/>
+              <a:buNone/>
+              <a:defRPr sz="2000" kern="1200">
+                <a:solidFill>
+                  <a:schemeClr val="tx1">
+                    <a:tint val="75000"/>
+                  </a:schemeClr>
+                </a:solidFill>
+                <a:latin typeface="+mn-lt"/>
+                <a:ea typeface="+mn-ea"/>
+                <a:cs typeface="+mn-cs"/>
+              </a:defRPr>
+            </a:lvl7pPr>
+            <a:lvl8pPr marL="3200400" indent="0" algn="ctr" defTabSz="914400" rtl="0" eaLnBrk="1" latinLnBrk="0" hangingPunct="1">
+              <a:spcBef>
+                <a:spcPct val="20000"/>
+              </a:spcBef>
+              <a:buFont typeface="Arial" pitchFamily="34" charset="0"/>
+              <a:buNone/>
+              <a:defRPr sz="2000" kern="1200">
+                <a:solidFill>
+                  <a:schemeClr val="tx1">
+                    <a:tint val="75000"/>
+                  </a:schemeClr>
+                </a:solidFill>
+                <a:latin typeface="+mn-lt"/>
+                <a:ea typeface="+mn-ea"/>
+                <a:cs typeface="+mn-cs"/>
+              </a:defRPr>
+            </a:lvl8pPr>
+            <a:lvl9pPr marL="3657600" indent="0" algn="ctr" defTabSz="914400" rtl="0" eaLnBrk="1" latinLnBrk="0" hangingPunct="1">
+              <a:spcBef>
+                <a:spcPct val="20000"/>
+              </a:spcBef>
+              <a:buFont typeface="Arial" pitchFamily="34" charset="0"/>
+              <a:buNone/>
+              <a:defRPr sz="2000" kern="1200">
+                <a:solidFill>
+                  <a:schemeClr val="tx1">
+                    <a:tint val="75000"/>
+                  </a:schemeClr>
+                </a:solidFill>
+                <a:latin typeface="+mn-lt"/>
+                <a:ea typeface="+mn-ea"/>
+                <a:cs typeface="+mn-cs"/>
+              </a:defRPr>
+            </a:lvl9pPr>
+          </a:lstStyle>
+          <a:p>
+            <a:r>
+              <a:rPr lang="en-US" sz="1600" dirty="0">
+                <a:solidFill>
+                  <a:schemeClr val="tx1"/>
+                </a:solidFill>
+              </a:rPr>
+              <a:t>LEFT</a:t>
+            </a:r>
+          </a:p>
+        </p:txBody>
+      </p:sp>
+      <p:sp>
+        <p:nvSpPr>
+          <p:cNvPr id="11" name="Right Arrow 10">
+            <a:extLst>
+              <a:ext uri="{FF2B5EF4-FFF2-40B4-BE49-F238E27FC236}">
+                <a16:creationId xmlns:a16="http://schemas.microsoft.com/office/drawing/2014/main" id="{F47ECA33-6270-6F43-AFE0-8AFCFF3295BB}"/>
+              </a:ext>
+            </a:extLst>
+          </p:cNvPr>
+          <p:cNvSpPr/>
+          <p:nvPr/>
+        </p:nvSpPr>
+        <p:spPr>
+          <a:xfrm rot="10800000">
+            <a:off x="1902125" y="6391827"/>
+            <a:ext cx="640200" cy="289763"/>
+          </a:xfrm>
+          <a:prstGeom prst="rightArrow">
+            <a:avLst/>
+          </a:prstGeom>
+          <a:solidFill>
+            <a:schemeClr val="tx1"/>
+          </a:solidFill>
+          <a:ln>
+            <a:noFill/>
+          </a:ln>
+        </p:spPr>
+        <p:style>
+          <a:lnRef idx="1">
+            <a:schemeClr val="accent1"/>
+          </a:lnRef>
+          <a:fillRef idx="3">
+            <a:schemeClr val="accent1"/>
+          </a:fillRef>
+          <a:effectRef idx="2">
+            <a:schemeClr val="accent1"/>
+          </a:effectRef>
+          <a:fontRef idx="minor">
+            <a:schemeClr val="lt1"/>
+          </a:fontRef>
+        </p:style>
+        <p:txBody>
+          <a:bodyPr rtlCol="0" anchor="ctr"/>
+          <a:lstStyle/>
+          <a:p>
+            <a:pPr algn="ctr"/>
+            <a:endParaRPr lang="en-US"/>
+          </a:p>
+        </p:txBody>
+      </p:sp>
       <p:pic>
         <p:nvPicPr>
-          <p:cNvPr id="4" name="Picture 3" descr="A screenshot of a computer&#10;&#10;Description automatically generated">
+          <p:cNvPr id="15" name="Picture 14" descr="A screenshot of a computer&#10;&#10;Description automatically generated with medium confidence">
             <a:extLst>
               <a:ext uri="{FF2B5EF4-FFF2-40B4-BE49-F238E27FC236}">
-                <a16:creationId xmlns:a16="http://schemas.microsoft.com/office/drawing/2014/main" id="{ACDD2079-C87D-ED49-B195-8C5A3FD35E2E}"/>
+                <a16:creationId xmlns:a16="http://schemas.microsoft.com/office/drawing/2014/main" id="{E0F0364A-8C73-A34B-B64F-6C59EBA6E012}"/>
               </a:ext>
             </a:extLst>
           </p:cNvPr>
@@ -18566,13 +24985,13 @@
         </p:nvPicPr>
         <p:blipFill rotWithShape="1">
           <a:blip r:embed="rId3"/>
-          <a:srcRect t="14286"/>
+          <a:srcRect l="5721" t="14234" r="4235" b="6280"/>
           <a:stretch/>
         </p:blipFill>
         <p:spPr>
           <a:xfrm>
-            <a:off x="1524000" y="2580735"/>
-            <a:ext cx="4380631" cy="3052716"/>
+            <a:off x="6137393" y="2580953"/>
+            <a:ext cx="4109459" cy="3052498"/>
           </a:xfrm>
           <a:prstGeom prst="rect">
             <a:avLst/>
@@ -18586,10 +25005,10 @@
       </p:pic>
       <p:pic>
         <p:nvPicPr>
-          <p:cNvPr id="10" name="Picture 9" descr="A screenshot of a computer&#10;&#10;Description automatically generated with medium confidence">
+          <p:cNvPr id="6" name="Picture 5" descr="A screenshot of a computer&#10;&#10;Description automatically generated">
             <a:extLst>
               <a:ext uri="{FF2B5EF4-FFF2-40B4-BE49-F238E27FC236}">
-                <a16:creationId xmlns:a16="http://schemas.microsoft.com/office/drawing/2014/main" id="{BC5E9C3B-AE03-1E42-94BD-5F20AF29B097}"/>
+                <a16:creationId xmlns:a16="http://schemas.microsoft.com/office/drawing/2014/main" id="{10358DAF-9814-A74F-8652-EE02065D21FE}"/>
               </a:ext>
             </a:extLst>
           </p:cNvPr>
@@ -18600,13 +25019,13 @@
         </p:nvPicPr>
         <p:blipFill rotWithShape="1">
           <a:blip r:embed="rId4"/>
-          <a:srcRect t="14188"/>
+          <a:srcRect l="4161" t="13333" r="4112" b="6798"/>
           <a:stretch/>
         </p:blipFill>
         <p:spPr>
           <a:xfrm>
-            <a:off x="6096000" y="2580736"/>
-            <a:ext cx="4413196" cy="3015891"/>
+            <a:off x="1440439" y="2580953"/>
+            <a:ext cx="4166186" cy="3052498"/>
           </a:xfrm>
           <a:prstGeom prst="rect">
             <a:avLst/>
@@ -19124,6 +25543,250 @@
           </a:ln>
         </p:spPr>
       </p:pic>
+      <p:sp>
+        <p:nvSpPr>
+          <p:cNvPr id="7" name="Subtitle 8">
+            <a:extLst>
+              <a:ext uri="{FF2B5EF4-FFF2-40B4-BE49-F238E27FC236}">
+                <a16:creationId xmlns:a16="http://schemas.microsoft.com/office/drawing/2014/main" id="{5BFD3B99-9FBE-7345-9B45-2A49EDF78DEB}"/>
+              </a:ext>
+            </a:extLst>
+          </p:cNvPr>
+          <p:cNvSpPr txBox="1">
+            <a:spLocks/>
+          </p:cNvSpPr>
+          <p:nvPr/>
+        </p:nvSpPr>
+        <p:spPr>
+          <a:xfrm>
+            <a:off x="1518826" y="6073844"/>
+            <a:ext cx="1532830" cy="801636"/>
+          </a:xfrm>
+          <a:prstGeom prst="rect">
+            <a:avLst/>
+          </a:prstGeom>
+        </p:spPr>
+        <p:txBody>
+          <a:bodyPr vert="horz" lIns="91440" tIns="45720" rIns="91440" bIns="45720" rtlCol="0">
+            <a:normAutofit/>
+          </a:bodyPr>
+          <a:lstStyle>
+            <a:lvl1pPr marL="0" indent="0" algn="ctr" defTabSz="914400" rtl="0" eaLnBrk="1" latinLnBrk="0" hangingPunct="1">
+              <a:spcBef>
+                <a:spcPct val="20000"/>
+              </a:spcBef>
+              <a:buFont typeface="Arial" pitchFamily="34" charset="0"/>
+              <a:buNone/>
+              <a:defRPr sz="3200" kern="1200">
+                <a:solidFill>
+                  <a:schemeClr val="tx1">
+                    <a:tint val="75000"/>
+                  </a:schemeClr>
+                </a:solidFill>
+                <a:latin typeface="+mn-lt"/>
+                <a:ea typeface="+mn-ea"/>
+                <a:cs typeface="+mn-cs"/>
+              </a:defRPr>
+            </a:lvl1pPr>
+            <a:lvl2pPr marL="457200" indent="0" algn="ctr" defTabSz="914400" rtl="0" eaLnBrk="1" latinLnBrk="0" hangingPunct="1">
+              <a:spcBef>
+                <a:spcPct val="20000"/>
+              </a:spcBef>
+              <a:buFont typeface="Arial" pitchFamily="34" charset="0"/>
+              <a:buNone/>
+              <a:defRPr sz="2800" kern="1200">
+                <a:solidFill>
+                  <a:schemeClr val="tx1">
+                    <a:tint val="75000"/>
+                  </a:schemeClr>
+                </a:solidFill>
+                <a:latin typeface="+mn-lt"/>
+                <a:ea typeface="+mn-ea"/>
+                <a:cs typeface="+mn-cs"/>
+              </a:defRPr>
+            </a:lvl2pPr>
+            <a:lvl3pPr marL="914400" indent="0" algn="ctr" defTabSz="914400" rtl="0" eaLnBrk="1" latinLnBrk="0" hangingPunct="1">
+              <a:spcBef>
+                <a:spcPct val="20000"/>
+              </a:spcBef>
+              <a:buFont typeface="Arial" pitchFamily="34" charset="0"/>
+              <a:buNone/>
+              <a:defRPr sz="2400" kern="1200">
+                <a:solidFill>
+                  <a:schemeClr val="tx1">
+                    <a:tint val="75000"/>
+                  </a:schemeClr>
+                </a:solidFill>
+                <a:latin typeface="+mn-lt"/>
+                <a:ea typeface="+mn-ea"/>
+                <a:cs typeface="+mn-cs"/>
+              </a:defRPr>
+            </a:lvl3pPr>
+            <a:lvl4pPr marL="1371600" indent="0" algn="ctr" defTabSz="914400" rtl="0" eaLnBrk="1" latinLnBrk="0" hangingPunct="1">
+              <a:spcBef>
+                <a:spcPct val="20000"/>
+              </a:spcBef>
+              <a:buFont typeface="Arial" pitchFamily="34" charset="0"/>
+              <a:buNone/>
+              <a:defRPr sz="2000" kern="1200">
+                <a:solidFill>
+                  <a:schemeClr val="tx1">
+                    <a:tint val="75000"/>
+                  </a:schemeClr>
+                </a:solidFill>
+                <a:latin typeface="+mn-lt"/>
+                <a:ea typeface="+mn-ea"/>
+                <a:cs typeface="+mn-cs"/>
+              </a:defRPr>
+            </a:lvl4pPr>
+            <a:lvl5pPr marL="1828800" indent="0" algn="ctr" defTabSz="914400" rtl="0" eaLnBrk="1" latinLnBrk="0" hangingPunct="1">
+              <a:spcBef>
+                <a:spcPct val="20000"/>
+              </a:spcBef>
+              <a:buFont typeface="Arial" pitchFamily="34" charset="0"/>
+              <a:buNone/>
+              <a:defRPr sz="2000" kern="1200">
+                <a:solidFill>
+                  <a:schemeClr val="tx1">
+                    <a:tint val="75000"/>
+                  </a:schemeClr>
+                </a:solidFill>
+                <a:latin typeface="+mn-lt"/>
+                <a:ea typeface="+mn-ea"/>
+                <a:cs typeface="+mn-cs"/>
+              </a:defRPr>
+            </a:lvl5pPr>
+            <a:lvl6pPr marL="2286000" indent="0" algn="ctr" defTabSz="914400" rtl="0" eaLnBrk="1" latinLnBrk="0" hangingPunct="1">
+              <a:spcBef>
+                <a:spcPct val="20000"/>
+              </a:spcBef>
+              <a:buFont typeface="Arial" pitchFamily="34" charset="0"/>
+              <a:buNone/>
+              <a:defRPr sz="2000" kern="1200">
+                <a:solidFill>
+                  <a:schemeClr val="tx1">
+                    <a:tint val="75000"/>
+                  </a:schemeClr>
+                </a:solidFill>
+                <a:latin typeface="+mn-lt"/>
+                <a:ea typeface="+mn-ea"/>
+                <a:cs typeface="+mn-cs"/>
+              </a:defRPr>
+            </a:lvl6pPr>
+            <a:lvl7pPr marL="2743200" indent="0" algn="ctr" defTabSz="914400" rtl="0" eaLnBrk="1" latinLnBrk="0" hangingPunct="1">
+              <a:spcBef>
+                <a:spcPct val="20000"/>
+              </a:spcBef>
+              <a:buFont typeface="Arial" pitchFamily="34" charset="0"/>
+              <a:buNone/>
+              <a:defRPr sz="2000" kern="1200">
+                <a:solidFill>
+                  <a:schemeClr val="tx1">
+                    <a:tint val="75000"/>
+                  </a:schemeClr>
+                </a:solidFill>
+                <a:latin typeface="+mn-lt"/>
+                <a:ea typeface="+mn-ea"/>
+                <a:cs typeface="+mn-cs"/>
+              </a:defRPr>
+            </a:lvl7pPr>
+            <a:lvl8pPr marL="3200400" indent="0" algn="ctr" defTabSz="914400" rtl="0" eaLnBrk="1" latinLnBrk="0" hangingPunct="1">
+              <a:spcBef>
+                <a:spcPct val="20000"/>
+              </a:spcBef>
+              <a:buFont typeface="Arial" pitchFamily="34" charset="0"/>
+              <a:buNone/>
+              <a:defRPr sz="2000" kern="1200">
+                <a:solidFill>
+                  <a:schemeClr val="tx1">
+                    <a:tint val="75000"/>
+                  </a:schemeClr>
+                </a:solidFill>
+                <a:latin typeface="+mn-lt"/>
+                <a:ea typeface="+mn-ea"/>
+                <a:cs typeface="+mn-cs"/>
+              </a:defRPr>
+            </a:lvl8pPr>
+            <a:lvl9pPr marL="3657600" indent="0" algn="ctr" defTabSz="914400" rtl="0" eaLnBrk="1" latinLnBrk="0" hangingPunct="1">
+              <a:spcBef>
+                <a:spcPct val="20000"/>
+              </a:spcBef>
+              <a:buFont typeface="Arial" pitchFamily="34" charset="0"/>
+              <a:buNone/>
+              <a:defRPr sz="2000" kern="1200">
+                <a:solidFill>
+                  <a:schemeClr val="tx1">
+                    <a:tint val="75000"/>
+                  </a:schemeClr>
+                </a:solidFill>
+                <a:latin typeface="+mn-lt"/>
+                <a:ea typeface="+mn-ea"/>
+                <a:cs typeface="+mn-cs"/>
+              </a:defRPr>
+            </a:lvl9pPr>
+          </a:lstStyle>
+          <a:p>
+            <a:r>
+              <a:rPr lang="en-US" sz="1600" dirty="0">
+                <a:solidFill>
+                  <a:schemeClr val="tx1"/>
+                </a:solidFill>
+              </a:rPr>
+              <a:t>LEFT</a:t>
+            </a:r>
+          </a:p>
+        </p:txBody>
+      </p:sp>
+      <p:sp>
+        <p:nvSpPr>
+          <p:cNvPr id="8" name="Right Arrow 7">
+            <a:extLst>
+              <a:ext uri="{FF2B5EF4-FFF2-40B4-BE49-F238E27FC236}">
+                <a16:creationId xmlns:a16="http://schemas.microsoft.com/office/drawing/2014/main" id="{E103D135-E2A2-C040-94FF-6FC9383B7571}"/>
+              </a:ext>
+            </a:extLst>
+          </p:cNvPr>
+          <p:cNvSpPr/>
+          <p:nvPr/>
+        </p:nvSpPr>
+        <p:spPr>
+          <a:xfrm rot="10800000">
+            <a:off x="1902125" y="6391827"/>
+            <a:ext cx="640200" cy="289763"/>
+          </a:xfrm>
+          <a:prstGeom prst="rightArrow">
+            <a:avLst/>
+          </a:prstGeom>
+          <a:solidFill>
+            <a:schemeClr val="tx1"/>
+          </a:solidFill>
+          <a:ln>
+            <a:noFill/>
+          </a:ln>
+        </p:spPr>
+        <p:style>
+          <a:lnRef idx="1">
+            <a:schemeClr val="accent1"/>
+          </a:lnRef>
+          <a:fillRef idx="3">
+            <a:schemeClr val="accent1"/>
+          </a:fillRef>
+          <a:effectRef idx="2">
+            <a:schemeClr val="accent1"/>
+          </a:effectRef>
+          <a:fontRef idx="minor">
+            <a:schemeClr val="lt1"/>
+          </a:fontRef>
+        </p:style>
+        <p:txBody>
+          <a:bodyPr rtlCol="0" anchor="ctr"/>
+          <a:lstStyle/>
+          <a:p>
+            <a:pPr algn="ctr"/>
+            <a:endParaRPr lang="en-US"/>
+          </a:p>
+        </p:txBody>
+      </p:sp>
     </p:spTree>
     <p:extLst>
       <p:ext uri="{BB962C8B-B14F-4D97-AF65-F5344CB8AC3E}">
@@ -19896,6 +26559,250 @@
           </a:fontRef>
         </p:style>
       </p:cxnSp>
+      <p:sp>
+        <p:nvSpPr>
+          <p:cNvPr id="18" name="Subtitle 8">
+            <a:extLst>
+              <a:ext uri="{FF2B5EF4-FFF2-40B4-BE49-F238E27FC236}">
+                <a16:creationId xmlns:a16="http://schemas.microsoft.com/office/drawing/2014/main" id="{AD69DE6B-FA6B-7B40-80BC-3891823D28BC}"/>
+              </a:ext>
+            </a:extLst>
+          </p:cNvPr>
+          <p:cNvSpPr txBox="1">
+            <a:spLocks/>
+          </p:cNvSpPr>
+          <p:nvPr/>
+        </p:nvSpPr>
+        <p:spPr>
+          <a:xfrm>
+            <a:off x="1518826" y="6073844"/>
+            <a:ext cx="1532830" cy="801636"/>
+          </a:xfrm>
+          <a:prstGeom prst="rect">
+            <a:avLst/>
+          </a:prstGeom>
+        </p:spPr>
+        <p:txBody>
+          <a:bodyPr vert="horz" lIns="91440" tIns="45720" rIns="91440" bIns="45720" rtlCol="0">
+            <a:normAutofit/>
+          </a:bodyPr>
+          <a:lstStyle>
+            <a:lvl1pPr marL="0" indent="0" algn="ctr" defTabSz="914400" rtl="0" eaLnBrk="1" latinLnBrk="0" hangingPunct="1">
+              <a:spcBef>
+                <a:spcPct val="20000"/>
+              </a:spcBef>
+              <a:buFont typeface="Arial" pitchFamily="34" charset="0"/>
+              <a:buNone/>
+              <a:defRPr sz="3200" kern="1200">
+                <a:solidFill>
+                  <a:schemeClr val="tx1">
+                    <a:tint val="75000"/>
+                  </a:schemeClr>
+                </a:solidFill>
+                <a:latin typeface="+mn-lt"/>
+                <a:ea typeface="+mn-ea"/>
+                <a:cs typeface="+mn-cs"/>
+              </a:defRPr>
+            </a:lvl1pPr>
+            <a:lvl2pPr marL="457200" indent="0" algn="ctr" defTabSz="914400" rtl="0" eaLnBrk="1" latinLnBrk="0" hangingPunct="1">
+              <a:spcBef>
+                <a:spcPct val="20000"/>
+              </a:spcBef>
+              <a:buFont typeface="Arial" pitchFamily="34" charset="0"/>
+              <a:buNone/>
+              <a:defRPr sz="2800" kern="1200">
+                <a:solidFill>
+                  <a:schemeClr val="tx1">
+                    <a:tint val="75000"/>
+                  </a:schemeClr>
+                </a:solidFill>
+                <a:latin typeface="+mn-lt"/>
+                <a:ea typeface="+mn-ea"/>
+                <a:cs typeface="+mn-cs"/>
+              </a:defRPr>
+            </a:lvl2pPr>
+            <a:lvl3pPr marL="914400" indent="0" algn="ctr" defTabSz="914400" rtl="0" eaLnBrk="1" latinLnBrk="0" hangingPunct="1">
+              <a:spcBef>
+                <a:spcPct val="20000"/>
+              </a:spcBef>
+              <a:buFont typeface="Arial" pitchFamily="34" charset="0"/>
+              <a:buNone/>
+              <a:defRPr sz="2400" kern="1200">
+                <a:solidFill>
+                  <a:schemeClr val="tx1">
+                    <a:tint val="75000"/>
+                  </a:schemeClr>
+                </a:solidFill>
+                <a:latin typeface="+mn-lt"/>
+                <a:ea typeface="+mn-ea"/>
+                <a:cs typeface="+mn-cs"/>
+              </a:defRPr>
+            </a:lvl3pPr>
+            <a:lvl4pPr marL="1371600" indent="0" algn="ctr" defTabSz="914400" rtl="0" eaLnBrk="1" latinLnBrk="0" hangingPunct="1">
+              <a:spcBef>
+                <a:spcPct val="20000"/>
+              </a:spcBef>
+              <a:buFont typeface="Arial" pitchFamily="34" charset="0"/>
+              <a:buNone/>
+              <a:defRPr sz="2000" kern="1200">
+                <a:solidFill>
+                  <a:schemeClr val="tx1">
+                    <a:tint val="75000"/>
+                  </a:schemeClr>
+                </a:solidFill>
+                <a:latin typeface="+mn-lt"/>
+                <a:ea typeface="+mn-ea"/>
+                <a:cs typeface="+mn-cs"/>
+              </a:defRPr>
+            </a:lvl4pPr>
+            <a:lvl5pPr marL="1828800" indent="0" algn="ctr" defTabSz="914400" rtl="0" eaLnBrk="1" latinLnBrk="0" hangingPunct="1">
+              <a:spcBef>
+                <a:spcPct val="20000"/>
+              </a:spcBef>
+              <a:buFont typeface="Arial" pitchFamily="34" charset="0"/>
+              <a:buNone/>
+              <a:defRPr sz="2000" kern="1200">
+                <a:solidFill>
+                  <a:schemeClr val="tx1">
+                    <a:tint val="75000"/>
+                  </a:schemeClr>
+                </a:solidFill>
+                <a:latin typeface="+mn-lt"/>
+                <a:ea typeface="+mn-ea"/>
+                <a:cs typeface="+mn-cs"/>
+              </a:defRPr>
+            </a:lvl5pPr>
+            <a:lvl6pPr marL="2286000" indent="0" algn="ctr" defTabSz="914400" rtl="0" eaLnBrk="1" latinLnBrk="0" hangingPunct="1">
+              <a:spcBef>
+                <a:spcPct val="20000"/>
+              </a:spcBef>
+              <a:buFont typeface="Arial" pitchFamily="34" charset="0"/>
+              <a:buNone/>
+              <a:defRPr sz="2000" kern="1200">
+                <a:solidFill>
+                  <a:schemeClr val="tx1">
+                    <a:tint val="75000"/>
+                  </a:schemeClr>
+                </a:solidFill>
+                <a:latin typeface="+mn-lt"/>
+                <a:ea typeface="+mn-ea"/>
+                <a:cs typeface="+mn-cs"/>
+              </a:defRPr>
+            </a:lvl6pPr>
+            <a:lvl7pPr marL="2743200" indent="0" algn="ctr" defTabSz="914400" rtl="0" eaLnBrk="1" latinLnBrk="0" hangingPunct="1">
+              <a:spcBef>
+                <a:spcPct val="20000"/>
+              </a:spcBef>
+              <a:buFont typeface="Arial" pitchFamily="34" charset="0"/>
+              <a:buNone/>
+              <a:defRPr sz="2000" kern="1200">
+                <a:solidFill>
+                  <a:schemeClr val="tx1">
+                    <a:tint val="75000"/>
+                  </a:schemeClr>
+                </a:solidFill>
+                <a:latin typeface="+mn-lt"/>
+                <a:ea typeface="+mn-ea"/>
+                <a:cs typeface="+mn-cs"/>
+              </a:defRPr>
+            </a:lvl7pPr>
+            <a:lvl8pPr marL="3200400" indent="0" algn="ctr" defTabSz="914400" rtl="0" eaLnBrk="1" latinLnBrk="0" hangingPunct="1">
+              <a:spcBef>
+                <a:spcPct val="20000"/>
+              </a:spcBef>
+              <a:buFont typeface="Arial" pitchFamily="34" charset="0"/>
+              <a:buNone/>
+              <a:defRPr sz="2000" kern="1200">
+                <a:solidFill>
+                  <a:schemeClr val="tx1">
+                    <a:tint val="75000"/>
+                  </a:schemeClr>
+                </a:solidFill>
+                <a:latin typeface="+mn-lt"/>
+                <a:ea typeface="+mn-ea"/>
+                <a:cs typeface="+mn-cs"/>
+              </a:defRPr>
+            </a:lvl8pPr>
+            <a:lvl9pPr marL="3657600" indent="0" algn="ctr" defTabSz="914400" rtl="0" eaLnBrk="1" latinLnBrk="0" hangingPunct="1">
+              <a:spcBef>
+                <a:spcPct val="20000"/>
+              </a:spcBef>
+              <a:buFont typeface="Arial" pitchFamily="34" charset="0"/>
+              <a:buNone/>
+              <a:defRPr sz="2000" kern="1200">
+                <a:solidFill>
+                  <a:schemeClr val="tx1">
+                    <a:tint val="75000"/>
+                  </a:schemeClr>
+                </a:solidFill>
+                <a:latin typeface="+mn-lt"/>
+                <a:ea typeface="+mn-ea"/>
+                <a:cs typeface="+mn-cs"/>
+              </a:defRPr>
+            </a:lvl9pPr>
+          </a:lstStyle>
+          <a:p>
+            <a:r>
+              <a:rPr lang="en-US" sz="1600" dirty="0">
+                <a:solidFill>
+                  <a:schemeClr val="tx1"/>
+                </a:solidFill>
+              </a:rPr>
+              <a:t>LEFT</a:t>
+            </a:r>
+          </a:p>
+        </p:txBody>
+      </p:sp>
+      <p:sp>
+        <p:nvSpPr>
+          <p:cNvPr id="19" name="Right Arrow 18">
+            <a:extLst>
+              <a:ext uri="{FF2B5EF4-FFF2-40B4-BE49-F238E27FC236}">
+                <a16:creationId xmlns:a16="http://schemas.microsoft.com/office/drawing/2014/main" id="{E375FA1B-30A1-5943-8976-971A4FC9BEEB}"/>
+              </a:ext>
+            </a:extLst>
+          </p:cNvPr>
+          <p:cNvSpPr/>
+          <p:nvPr/>
+        </p:nvSpPr>
+        <p:spPr>
+          <a:xfrm rot="10800000">
+            <a:off x="1902125" y="6391827"/>
+            <a:ext cx="640200" cy="289763"/>
+          </a:xfrm>
+          <a:prstGeom prst="rightArrow">
+            <a:avLst/>
+          </a:prstGeom>
+          <a:solidFill>
+            <a:schemeClr val="tx1"/>
+          </a:solidFill>
+          <a:ln>
+            <a:noFill/>
+          </a:ln>
+        </p:spPr>
+        <p:style>
+          <a:lnRef idx="1">
+            <a:schemeClr val="accent1"/>
+          </a:lnRef>
+          <a:fillRef idx="3">
+            <a:schemeClr val="accent1"/>
+          </a:fillRef>
+          <a:effectRef idx="2">
+            <a:schemeClr val="accent1"/>
+          </a:effectRef>
+          <a:fontRef idx="minor">
+            <a:schemeClr val="lt1"/>
+          </a:fontRef>
+        </p:style>
+        <p:txBody>
+          <a:bodyPr rtlCol="0" anchor="ctr"/>
+          <a:lstStyle/>
+          <a:p>
+            <a:pPr algn="ctr"/>
+            <a:endParaRPr lang="en-US"/>
+          </a:p>
+        </p:txBody>
+      </p:sp>
     </p:spTree>
     <p:extLst>
       <p:ext uri="{BB962C8B-B14F-4D97-AF65-F5344CB8AC3E}">
@@ -20680,6 +27587,250 @@
           </a:fontRef>
         </p:style>
       </p:cxnSp>
+      <p:sp>
+        <p:nvSpPr>
+          <p:cNvPr id="16" name="Subtitle 8">
+            <a:extLst>
+              <a:ext uri="{FF2B5EF4-FFF2-40B4-BE49-F238E27FC236}">
+                <a16:creationId xmlns:a16="http://schemas.microsoft.com/office/drawing/2014/main" id="{43FE94E3-5627-3C4E-9E9E-EEF1B8A37EA3}"/>
+              </a:ext>
+            </a:extLst>
+          </p:cNvPr>
+          <p:cNvSpPr txBox="1">
+            <a:spLocks/>
+          </p:cNvSpPr>
+          <p:nvPr/>
+        </p:nvSpPr>
+        <p:spPr>
+          <a:xfrm>
+            <a:off x="1518826" y="6073844"/>
+            <a:ext cx="1532830" cy="801636"/>
+          </a:xfrm>
+          <a:prstGeom prst="rect">
+            <a:avLst/>
+          </a:prstGeom>
+        </p:spPr>
+        <p:txBody>
+          <a:bodyPr vert="horz" lIns="91440" tIns="45720" rIns="91440" bIns="45720" rtlCol="0">
+            <a:normAutofit/>
+          </a:bodyPr>
+          <a:lstStyle>
+            <a:lvl1pPr marL="0" indent="0" algn="ctr" defTabSz="914400" rtl="0" eaLnBrk="1" latinLnBrk="0" hangingPunct="1">
+              <a:spcBef>
+                <a:spcPct val="20000"/>
+              </a:spcBef>
+              <a:buFont typeface="Arial" pitchFamily="34" charset="0"/>
+              <a:buNone/>
+              <a:defRPr sz="3200" kern="1200">
+                <a:solidFill>
+                  <a:schemeClr val="tx1">
+                    <a:tint val="75000"/>
+                  </a:schemeClr>
+                </a:solidFill>
+                <a:latin typeface="+mn-lt"/>
+                <a:ea typeface="+mn-ea"/>
+                <a:cs typeface="+mn-cs"/>
+              </a:defRPr>
+            </a:lvl1pPr>
+            <a:lvl2pPr marL="457200" indent="0" algn="ctr" defTabSz="914400" rtl="0" eaLnBrk="1" latinLnBrk="0" hangingPunct="1">
+              <a:spcBef>
+                <a:spcPct val="20000"/>
+              </a:spcBef>
+              <a:buFont typeface="Arial" pitchFamily="34" charset="0"/>
+              <a:buNone/>
+              <a:defRPr sz="2800" kern="1200">
+                <a:solidFill>
+                  <a:schemeClr val="tx1">
+                    <a:tint val="75000"/>
+                  </a:schemeClr>
+                </a:solidFill>
+                <a:latin typeface="+mn-lt"/>
+                <a:ea typeface="+mn-ea"/>
+                <a:cs typeface="+mn-cs"/>
+              </a:defRPr>
+            </a:lvl2pPr>
+            <a:lvl3pPr marL="914400" indent="0" algn="ctr" defTabSz="914400" rtl="0" eaLnBrk="1" latinLnBrk="0" hangingPunct="1">
+              <a:spcBef>
+                <a:spcPct val="20000"/>
+              </a:spcBef>
+              <a:buFont typeface="Arial" pitchFamily="34" charset="0"/>
+              <a:buNone/>
+              <a:defRPr sz="2400" kern="1200">
+                <a:solidFill>
+                  <a:schemeClr val="tx1">
+                    <a:tint val="75000"/>
+                  </a:schemeClr>
+                </a:solidFill>
+                <a:latin typeface="+mn-lt"/>
+                <a:ea typeface="+mn-ea"/>
+                <a:cs typeface="+mn-cs"/>
+              </a:defRPr>
+            </a:lvl3pPr>
+            <a:lvl4pPr marL="1371600" indent="0" algn="ctr" defTabSz="914400" rtl="0" eaLnBrk="1" latinLnBrk="0" hangingPunct="1">
+              <a:spcBef>
+                <a:spcPct val="20000"/>
+              </a:spcBef>
+              <a:buFont typeface="Arial" pitchFamily="34" charset="0"/>
+              <a:buNone/>
+              <a:defRPr sz="2000" kern="1200">
+                <a:solidFill>
+                  <a:schemeClr val="tx1">
+                    <a:tint val="75000"/>
+                  </a:schemeClr>
+                </a:solidFill>
+                <a:latin typeface="+mn-lt"/>
+                <a:ea typeface="+mn-ea"/>
+                <a:cs typeface="+mn-cs"/>
+              </a:defRPr>
+            </a:lvl4pPr>
+            <a:lvl5pPr marL="1828800" indent="0" algn="ctr" defTabSz="914400" rtl="0" eaLnBrk="1" latinLnBrk="0" hangingPunct="1">
+              <a:spcBef>
+                <a:spcPct val="20000"/>
+              </a:spcBef>
+              <a:buFont typeface="Arial" pitchFamily="34" charset="0"/>
+              <a:buNone/>
+              <a:defRPr sz="2000" kern="1200">
+                <a:solidFill>
+                  <a:schemeClr val="tx1">
+                    <a:tint val="75000"/>
+                  </a:schemeClr>
+                </a:solidFill>
+                <a:latin typeface="+mn-lt"/>
+                <a:ea typeface="+mn-ea"/>
+                <a:cs typeface="+mn-cs"/>
+              </a:defRPr>
+            </a:lvl5pPr>
+            <a:lvl6pPr marL="2286000" indent="0" algn="ctr" defTabSz="914400" rtl="0" eaLnBrk="1" latinLnBrk="0" hangingPunct="1">
+              <a:spcBef>
+                <a:spcPct val="20000"/>
+              </a:spcBef>
+              <a:buFont typeface="Arial" pitchFamily="34" charset="0"/>
+              <a:buNone/>
+              <a:defRPr sz="2000" kern="1200">
+                <a:solidFill>
+                  <a:schemeClr val="tx1">
+                    <a:tint val="75000"/>
+                  </a:schemeClr>
+                </a:solidFill>
+                <a:latin typeface="+mn-lt"/>
+                <a:ea typeface="+mn-ea"/>
+                <a:cs typeface="+mn-cs"/>
+              </a:defRPr>
+            </a:lvl6pPr>
+            <a:lvl7pPr marL="2743200" indent="0" algn="ctr" defTabSz="914400" rtl="0" eaLnBrk="1" latinLnBrk="0" hangingPunct="1">
+              <a:spcBef>
+                <a:spcPct val="20000"/>
+              </a:spcBef>
+              <a:buFont typeface="Arial" pitchFamily="34" charset="0"/>
+              <a:buNone/>
+              <a:defRPr sz="2000" kern="1200">
+                <a:solidFill>
+                  <a:schemeClr val="tx1">
+                    <a:tint val="75000"/>
+                  </a:schemeClr>
+                </a:solidFill>
+                <a:latin typeface="+mn-lt"/>
+                <a:ea typeface="+mn-ea"/>
+                <a:cs typeface="+mn-cs"/>
+              </a:defRPr>
+            </a:lvl7pPr>
+            <a:lvl8pPr marL="3200400" indent="0" algn="ctr" defTabSz="914400" rtl="0" eaLnBrk="1" latinLnBrk="0" hangingPunct="1">
+              <a:spcBef>
+                <a:spcPct val="20000"/>
+              </a:spcBef>
+              <a:buFont typeface="Arial" pitchFamily="34" charset="0"/>
+              <a:buNone/>
+              <a:defRPr sz="2000" kern="1200">
+                <a:solidFill>
+                  <a:schemeClr val="tx1">
+                    <a:tint val="75000"/>
+                  </a:schemeClr>
+                </a:solidFill>
+                <a:latin typeface="+mn-lt"/>
+                <a:ea typeface="+mn-ea"/>
+                <a:cs typeface="+mn-cs"/>
+              </a:defRPr>
+            </a:lvl8pPr>
+            <a:lvl9pPr marL="3657600" indent="0" algn="ctr" defTabSz="914400" rtl="0" eaLnBrk="1" latinLnBrk="0" hangingPunct="1">
+              <a:spcBef>
+                <a:spcPct val="20000"/>
+              </a:spcBef>
+              <a:buFont typeface="Arial" pitchFamily="34" charset="0"/>
+              <a:buNone/>
+              <a:defRPr sz="2000" kern="1200">
+                <a:solidFill>
+                  <a:schemeClr val="tx1">
+                    <a:tint val="75000"/>
+                  </a:schemeClr>
+                </a:solidFill>
+                <a:latin typeface="+mn-lt"/>
+                <a:ea typeface="+mn-ea"/>
+                <a:cs typeface="+mn-cs"/>
+              </a:defRPr>
+            </a:lvl9pPr>
+          </a:lstStyle>
+          <a:p>
+            <a:r>
+              <a:rPr lang="en-US" sz="1600" dirty="0">
+                <a:solidFill>
+                  <a:schemeClr val="tx1"/>
+                </a:solidFill>
+              </a:rPr>
+              <a:t>LEFT</a:t>
+            </a:r>
+          </a:p>
+        </p:txBody>
+      </p:sp>
+      <p:sp>
+        <p:nvSpPr>
+          <p:cNvPr id="17" name="Right Arrow 16">
+            <a:extLst>
+              <a:ext uri="{FF2B5EF4-FFF2-40B4-BE49-F238E27FC236}">
+                <a16:creationId xmlns:a16="http://schemas.microsoft.com/office/drawing/2014/main" id="{2211C87E-3BC6-7545-A34B-208FAB504A4E}"/>
+              </a:ext>
+            </a:extLst>
+          </p:cNvPr>
+          <p:cNvSpPr/>
+          <p:nvPr/>
+        </p:nvSpPr>
+        <p:spPr>
+          <a:xfrm rot="10800000">
+            <a:off x="1902125" y="6391827"/>
+            <a:ext cx="640200" cy="289763"/>
+          </a:xfrm>
+          <a:prstGeom prst="rightArrow">
+            <a:avLst/>
+          </a:prstGeom>
+          <a:solidFill>
+            <a:schemeClr val="tx1"/>
+          </a:solidFill>
+          <a:ln>
+            <a:noFill/>
+          </a:ln>
+        </p:spPr>
+        <p:style>
+          <a:lnRef idx="1">
+            <a:schemeClr val="accent1"/>
+          </a:lnRef>
+          <a:fillRef idx="3">
+            <a:schemeClr val="accent1"/>
+          </a:fillRef>
+          <a:effectRef idx="2">
+            <a:schemeClr val="accent1"/>
+          </a:effectRef>
+          <a:fontRef idx="minor">
+            <a:schemeClr val="lt1"/>
+          </a:fontRef>
+        </p:style>
+        <p:txBody>
+          <a:bodyPr rtlCol="0" anchor="ctr"/>
+          <a:lstStyle/>
+          <a:p>
+            <a:pPr algn="ctr"/>
+            <a:endParaRPr lang="en-US"/>
+          </a:p>
+        </p:txBody>
+      </p:sp>
     </p:spTree>
     <p:extLst>
       <p:ext uri="{BB962C8B-B14F-4D97-AF65-F5344CB8AC3E}">
@@ -20873,7 +28024,7 @@
             </a:r>
             <a:r>
               <a:rPr lang="en-US" sz="2400" dirty="0"/>
-              <a:t> you have received out of the maximum possible number of 100 </a:t>
+              <a:t> you have received out of the maximum possible number </a:t>
             </a:r>
             <a:r>
               <a:rPr lang="en-US" sz="2400" dirty="0">
@@ -20881,11 +28032,11 @@
                   <a:srgbClr val="00FDFF"/>
                 </a:solidFill>
               </a:rPr>
-              <a:t>likes</a:t>
+              <a:t>likes </a:t>
             </a:r>
             <a:r>
               <a:rPr lang="en-US" sz="2400" dirty="0"/>
-              <a:t>.</a:t>
+              <a:t>across all chatrooms.</a:t>
             </a:r>
           </a:p>
         </p:txBody>
@@ -21325,6 +28476,250 @@
               </a:rPr>
               <a:t>30%</a:t>
             </a:r>
+          </a:p>
+        </p:txBody>
+      </p:sp>
+      <p:sp>
+        <p:nvSpPr>
+          <p:cNvPr id="14" name="Subtitle 8">
+            <a:extLst>
+              <a:ext uri="{FF2B5EF4-FFF2-40B4-BE49-F238E27FC236}">
+                <a16:creationId xmlns:a16="http://schemas.microsoft.com/office/drawing/2014/main" id="{D8FFC1B4-52FD-F54A-8354-0E5F6C35C736}"/>
+              </a:ext>
+            </a:extLst>
+          </p:cNvPr>
+          <p:cNvSpPr txBox="1">
+            <a:spLocks/>
+          </p:cNvSpPr>
+          <p:nvPr/>
+        </p:nvSpPr>
+        <p:spPr>
+          <a:xfrm>
+            <a:off x="1518826" y="6073844"/>
+            <a:ext cx="1532830" cy="801636"/>
+          </a:xfrm>
+          <a:prstGeom prst="rect">
+            <a:avLst/>
+          </a:prstGeom>
+        </p:spPr>
+        <p:txBody>
+          <a:bodyPr vert="horz" lIns="91440" tIns="45720" rIns="91440" bIns="45720" rtlCol="0">
+            <a:normAutofit/>
+          </a:bodyPr>
+          <a:lstStyle>
+            <a:lvl1pPr marL="0" indent="0" algn="ctr" defTabSz="914400" rtl="0" eaLnBrk="1" latinLnBrk="0" hangingPunct="1">
+              <a:spcBef>
+                <a:spcPct val="20000"/>
+              </a:spcBef>
+              <a:buFont typeface="Arial" pitchFamily="34" charset="0"/>
+              <a:buNone/>
+              <a:defRPr sz="3200" kern="1200">
+                <a:solidFill>
+                  <a:schemeClr val="tx1">
+                    <a:tint val="75000"/>
+                  </a:schemeClr>
+                </a:solidFill>
+                <a:latin typeface="+mn-lt"/>
+                <a:ea typeface="+mn-ea"/>
+                <a:cs typeface="+mn-cs"/>
+              </a:defRPr>
+            </a:lvl1pPr>
+            <a:lvl2pPr marL="457200" indent="0" algn="ctr" defTabSz="914400" rtl="0" eaLnBrk="1" latinLnBrk="0" hangingPunct="1">
+              <a:spcBef>
+                <a:spcPct val="20000"/>
+              </a:spcBef>
+              <a:buFont typeface="Arial" pitchFamily="34" charset="0"/>
+              <a:buNone/>
+              <a:defRPr sz="2800" kern="1200">
+                <a:solidFill>
+                  <a:schemeClr val="tx1">
+                    <a:tint val="75000"/>
+                  </a:schemeClr>
+                </a:solidFill>
+                <a:latin typeface="+mn-lt"/>
+                <a:ea typeface="+mn-ea"/>
+                <a:cs typeface="+mn-cs"/>
+              </a:defRPr>
+            </a:lvl2pPr>
+            <a:lvl3pPr marL="914400" indent="0" algn="ctr" defTabSz="914400" rtl="0" eaLnBrk="1" latinLnBrk="0" hangingPunct="1">
+              <a:spcBef>
+                <a:spcPct val="20000"/>
+              </a:spcBef>
+              <a:buFont typeface="Arial" pitchFamily="34" charset="0"/>
+              <a:buNone/>
+              <a:defRPr sz="2400" kern="1200">
+                <a:solidFill>
+                  <a:schemeClr val="tx1">
+                    <a:tint val="75000"/>
+                  </a:schemeClr>
+                </a:solidFill>
+                <a:latin typeface="+mn-lt"/>
+                <a:ea typeface="+mn-ea"/>
+                <a:cs typeface="+mn-cs"/>
+              </a:defRPr>
+            </a:lvl3pPr>
+            <a:lvl4pPr marL="1371600" indent="0" algn="ctr" defTabSz="914400" rtl="0" eaLnBrk="1" latinLnBrk="0" hangingPunct="1">
+              <a:spcBef>
+                <a:spcPct val="20000"/>
+              </a:spcBef>
+              <a:buFont typeface="Arial" pitchFamily="34" charset="0"/>
+              <a:buNone/>
+              <a:defRPr sz="2000" kern="1200">
+                <a:solidFill>
+                  <a:schemeClr val="tx1">
+                    <a:tint val="75000"/>
+                  </a:schemeClr>
+                </a:solidFill>
+                <a:latin typeface="+mn-lt"/>
+                <a:ea typeface="+mn-ea"/>
+                <a:cs typeface="+mn-cs"/>
+              </a:defRPr>
+            </a:lvl4pPr>
+            <a:lvl5pPr marL="1828800" indent="0" algn="ctr" defTabSz="914400" rtl="0" eaLnBrk="1" latinLnBrk="0" hangingPunct="1">
+              <a:spcBef>
+                <a:spcPct val="20000"/>
+              </a:spcBef>
+              <a:buFont typeface="Arial" pitchFamily="34" charset="0"/>
+              <a:buNone/>
+              <a:defRPr sz="2000" kern="1200">
+                <a:solidFill>
+                  <a:schemeClr val="tx1">
+                    <a:tint val="75000"/>
+                  </a:schemeClr>
+                </a:solidFill>
+                <a:latin typeface="+mn-lt"/>
+                <a:ea typeface="+mn-ea"/>
+                <a:cs typeface="+mn-cs"/>
+              </a:defRPr>
+            </a:lvl5pPr>
+            <a:lvl6pPr marL="2286000" indent="0" algn="ctr" defTabSz="914400" rtl="0" eaLnBrk="1" latinLnBrk="0" hangingPunct="1">
+              <a:spcBef>
+                <a:spcPct val="20000"/>
+              </a:spcBef>
+              <a:buFont typeface="Arial" pitchFamily="34" charset="0"/>
+              <a:buNone/>
+              <a:defRPr sz="2000" kern="1200">
+                <a:solidFill>
+                  <a:schemeClr val="tx1">
+                    <a:tint val="75000"/>
+                  </a:schemeClr>
+                </a:solidFill>
+                <a:latin typeface="+mn-lt"/>
+                <a:ea typeface="+mn-ea"/>
+                <a:cs typeface="+mn-cs"/>
+              </a:defRPr>
+            </a:lvl6pPr>
+            <a:lvl7pPr marL="2743200" indent="0" algn="ctr" defTabSz="914400" rtl="0" eaLnBrk="1" latinLnBrk="0" hangingPunct="1">
+              <a:spcBef>
+                <a:spcPct val="20000"/>
+              </a:spcBef>
+              <a:buFont typeface="Arial" pitchFamily="34" charset="0"/>
+              <a:buNone/>
+              <a:defRPr sz="2000" kern="1200">
+                <a:solidFill>
+                  <a:schemeClr val="tx1">
+                    <a:tint val="75000"/>
+                  </a:schemeClr>
+                </a:solidFill>
+                <a:latin typeface="+mn-lt"/>
+                <a:ea typeface="+mn-ea"/>
+                <a:cs typeface="+mn-cs"/>
+              </a:defRPr>
+            </a:lvl7pPr>
+            <a:lvl8pPr marL="3200400" indent="0" algn="ctr" defTabSz="914400" rtl="0" eaLnBrk="1" latinLnBrk="0" hangingPunct="1">
+              <a:spcBef>
+                <a:spcPct val="20000"/>
+              </a:spcBef>
+              <a:buFont typeface="Arial" pitchFamily="34" charset="0"/>
+              <a:buNone/>
+              <a:defRPr sz="2000" kern="1200">
+                <a:solidFill>
+                  <a:schemeClr val="tx1">
+                    <a:tint val="75000"/>
+                  </a:schemeClr>
+                </a:solidFill>
+                <a:latin typeface="+mn-lt"/>
+                <a:ea typeface="+mn-ea"/>
+                <a:cs typeface="+mn-cs"/>
+              </a:defRPr>
+            </a:lvl8pPr>
+            <a:lvl9pPr marL="3657600" indent="0" algn="ctr" defTabSz="914400" rtl="0" eaLnBrk="1" latinLnBrk="0" hangingPunct="1">
+              <a:spcBef>
+                <a:spcPct val="20000"/>
+              </a:spcBef>
+              <a:buFont typeface="Arial" pitchFamily="34" charset="0"/>
+              <a:buNone/>
+              <a:defRPr sz="2000" kern="1200">
+                <a:solidFill>
+                  <a:schemeClr val="tx1">
+                    <a:tint val="75000"/>
+                  </a:schemeClr>
+                </a:solidFill>
+                <a:latin typeface="+mn-lt"/>
+                <a:ea typeface="+mn-ea"/>
+                <a:cs typeface="+mn-cs"/>
+              </a:defRPr>
+            </a:lvl9pPr>
+          </a:lstStyle>
+          <a:p>
+            <a:r>
+              <a:rPr lang="en-US" sz="1600" dirty="0">
+                <a:solidFill>
+                  <a:schemeClr val="tx1"/>
+                </a:solidFill>
+              </a:rPr>
+              <a:t>LEFT</a:t>
+            </a:r>
+          </a:p>
+        </p:txBody>
+      </p:sp>
+      <p:sp>
+        <p:nvSpPr>
+          <p:cNvPr id="15" name="Right Arrow 14">
+            <a:extLst>
+              <a:ext uri="{FF2B5EF4-FFF2-40B4-BE49-F238E27FC236}">
+                <a16:creationId xmlns:a16="http://schemas.microsoft.com/office/drawing/2014/main" id="{6638499B-5FBC-604D-803B-4C9CC46A9B05}"/>
+              </a:ext>
+            </a:extLst>
+          </p:cNvPr>
+          <p:cNvSpPr/>
+          <p:nvPr/>
+        </p:nvSpPr>
+        <p:spPr>
+          <a:xfrm rot="10800000">
+            <a:off x="1902125" y="6391827"/>
+            <a:ext cx="640200" cy="289763"/>
+          </a:xfrm>
+          <a:prstGeom prst="rightArrow">
+            <a:avLst/>
+          </a:prstGeom>
+          <a:solidFill>
+            <a:schemeClr val="tx1"/>
+          </a:solidFill>
+          <a:ln>
+            <a:noFill/>
+          </a:ln>
+        </p:spPr>
+        <p:style>
+          <a:lnRef idx="1">
+            <a:schemeClr val="accent1"/>
+          </a:lnRef>
+          <a:fillRef idx="3">
+            <a:schemeClr val="accent1"/>
+          </a:fillRef>
+          <a:effectRef idx="2">
+            <a:schemeClr val="accent1"/>
+          </a:effectRef>
+          <a:fontRef idx="minor">
+            <a:schemeClr val="lt1"/>
+          </a:fontRef>
+        </p:style>
+        <p:txBody>
+          <a:bodyPr rtlCol="0" anchor="ctr"/>
+          <a:lstStyle/>
+          <a:p>
+            <a:pPr algn="ctr"/>
+            <a:endParaRPr lang="en-US"/>
           </a:p>
         </p:txBody>
       </p:sp>
@@ -21957,6 +29352,250 @@
               </a:rPr>
               <a:t>30%</a:t>
             </a:r>
+          </a:p>
+        </p:txBody>
+      </p:sp>
+      <p:sp>
+        <p:nvSpPr>
+          <p:cNvPr id="11" name="Subtitle 8">
+            <a:extLst>
+              <a:ext uri="{FF2B5EF4-FFF2-40B4-BE49-F238E27FC236}">
+                <a16:creationId xmlns:a16="http://schemas.microsoft.com/office/drawing/2014/main" id="{2122ABBB-3D93-314E-8C50-CF4D67864922}"/>
+              </a:ext>
+            </a:extLst>
+          </p:cNvPr>
+          <p:cNvSpPr txBox="1">
+            <a:spLocks/>
+          </p:cNvSpPr>
+          <p:nvPr/>
+        </p:nvSpPr>
+        <p:spPr>
+          <a:xfrm>
+            <a:off x="1518826" y="6073844"/>
+            <a:ext cx="1532830" cy="801636"/>
+          </a:xfrm>
+          <a:prstGeom prst="rect">
+            <a:avLst/>
+          </a:prstGeom>
+        </p:spPr>
+        <p:txBody>
+          <a:bodyPr vert="horz" lIns="91440" tIns="45720" rIns="91440" bIns="45720" rtlCol="0">
+            <a:normAutofit/>
+          </a:bodyPr>
+          <a:lstStyle>
+            <a:lvl1pPr marL="0" indent="0" algn="ctr" defTabSz="914400" rtl="0" eaLnBrk="1" latinLnBrk="0" hangingPunct="1">
+              <a:spcBef>
+                <a:spcPct val="20000"/>
+              </a:spcBef>
+              <a:buFont typeface="Arial" pitchFamily="34" charset="0"/>
+              <a:buNone/>
+              <a:defRPr sz="3200" kern="1200">
+                <a:solidFill>
+                  <a:schemeClr val="tx1">
+                    <a:tint val="75000"/>
+                  </a:schemeClr>
+                </a:solidFill>
+                <a:latin typeface="+mn-lt"/>
+                <a:ea typeface="+mn-ea"/>
+                <a:cs typeface="+mn-cs"/>
+              </a:defRPr>
+            </a:lvl1pPr>
+            <a:lvl2pPr marL="457200" indent="0" algn="ctr" defTabSz="914400" rtl="0" eaLnBrk="1" latinLnBrk="0" hangingPunct="1">
+              <a:spcBef>
+                <a:spcPct val="20000"/>
+              </a:spcBef>
+              <a:buFont typeface="Arial" pitchFamily="34" charset="0"/>
+              <a:buNone/>
+              <a:defRPr sz="2800" kern="1200">
+                <a:solidFill>
+                  <a:schemeClr val="tx1">
+                    <a:tint val="75000"/>
+                  </a:schemeClr>
+                </a:solidFill>
+                <a:latin typeface="+mn-lt"/>
+                <a:ea typeface="+mn-ea"/>
+                <a:cs typeface="+mn-cs"/>
+              </a:defRPr>
+            </a:lvl2pPr>
+            <a:lvl3pPr marL="914400" indent="0" algn="ctr" defTabSz="914400" rtl="0" eaLnBrk="1" latinLnBrk="0" hangingPunct="1">
+              <a:spcBef>
+                <a:spcPct val="20000"/>
+              </a:spcBef>
+              <a:buFont typeface="Arial" pitchFamily="34" charset="0"/>
+              <a:buNone/>
+              <a:defRPr sz="2400" kern="1200">
+                <a:solidFill>
+                  <a:schemeClr val="tx1">
+                    <a:tint val="75000"/>
+                  </a:schemeClr>
+                </a:solidFill>
+                <a:latin typeface="+mn-lt"/>
+                <a:ea typeface="+mn-ea"/>
+                <a:cs typeface="+mn-cs"/>
+              </a:defRPr>
+            </a:lvl3pPr>
+            <a:lvl4pPr marL="1371600" indent="0" algn="ctr" defTabSz="914400" rtl="0" eaLnBrk="1" latinLnBrk="0" hangingPunct="1">
+              <a:spcBef>
+                <a:spcPct val="20000"/>
+              </a:spcBef>
+              <a:buFont typeface="Arial" pitchFamily="34" charset="0"/>
+              <a:buNone/>
+              <a:defRPr sz="2000" kern="1200">
+                <a:solidFill>
+                  <a:schemeClr val="tx1">
+                    <a:tint val="75000"/>
+                  </a:schemeClr>
+                </a:solidFill>
+                <a:latin typeface="+mn-lt"/>
+                <a:ea typeface="+mn-ea"/>
+                <a:cs typeface="+mn-cs"/>
+              </a:defRPr>
+            </a:lvl4pPr>
+            <a:lvl5pPr marL="1828800" indent="0" algn="ctr" defTabSz="914400" rtl="0" eaLnBrk="1" latinLnBrk="0" hangingPunct="1">
+              <a:spcBef>
+                <a:spcPct val="20000"/>
+              </a:spcBef>
+              <a:buFont typeface="Arial" pitchFamily="34" charset="0"/>
+              <a:buNone/>
+              <a:defRPr sz="2000" kern="1200">
+                <a:solidFill>
+                  <a:schemeClr val="tx1">
+                    <a:tint val="75000"/>
+                  </a:schemeClr>
+                </a:solidFill>
+                <a:latin typeface="+mn-lt"/>
+                <a:ea typeface="+mn-ea"/>
+                <a:cs typeface="+mn-cs"/>
+              </a:defRPr>
+            </a:lvl5pPr>
+            <a:lvl6pPr marL="2286000" indent="0" algn="ctr" defTabSz="914400" rtl="0" eaLnBrk="1" latinLnBrk="0" hangingPunct="1">
+              <a:spcBef>
+                <a:spcPct val="20000"/>
+              </a:spcBef>
+              <a:buFont typeface="Arial" pitchFamily="34" charset="0"/>
+              <a:buNone/>
+              <a:defRPr sz="2000" kern="1200">
+                <a:solidFill>
+                  <a:schemeClr val="tx1">
+                    <a:tint val="75000"/>
+                  </a:schemeClr>
+                </a:solidFill>
+                <a:latin typeface="+mn-lt"/>
+                <a:ea typeface="+mn-ea"/>
+                <a:cs typeface="+mn-cs"/>
+              </a:defRPr>
+            </a:lvl6pPr>
+            <a:lvl7pPr marL="2743200" indent="0" algn="ctr" defTabSz="914400" rtl="0" eaLnBrk="1" latinLnBrk="0" hangingPunct="1">
+              <a:spcBef>
+                <a:spcPct val="20000"/>
+              </a:spcBef>
+              <a:buFont typeface="Arial" pitchFamily="34" charset="0"/>
+              <a:buNone/>
+              <a:defRPr sz="2000" kern="1200">
+                <a:solidFill>
+                  <a:schemeClr val="tx1">
+                    <a:tint val="75000"/>
+                  </a:schemeClr>
+                </a:solidFill>
+                <a:latin typeface="+mn-lt"/>
+                <a:ea typeface="+mn-ea"/>
+                <a:cs typeface="+mn-cs"/>
+              </a:defRPr>
+            </a:lvl7pPr>
+            <a:lvl8pPr marL="3200400" indent="0" algn="ctr" defTabSz="914400" rtl="0" eaLnBrk="1" latinLnBrk="0" hangingPunct="1">
+              <a:spcBef>
+                <a:spcPct val="20000"/>
+              </a:spcBef>
+              <a:buFont typeface="Arial" pitchFamily="34" charset="0"/>
+              <a:buNone/>
+              <a:defRPr sz="2000" kern="1200">
+                <a:solidFill>
+                  <a:schemeClr val="tx1">
+                    <a:tint val="75000"/>
+                  </a:schemeClr>
+                </a:solidFill>
+                <a:latin typeface="+mn-lt"/>
+                <a:ea typeface="+mn-ea"/>
+                <a:cs typeface="+mn-cs"/>
+              </a:defRPr>
+            </a:lvl8pPr>
+            <a:lvl9pPr marL="3657600" indent="0" algn="ctr" defTabSz="914400" rtl="0" eaLnBrk="1" latinLnBrk="0" hangingPunct="1">
+              <a:spcBef>
+                <a:spcPct val="20000"/>
+              </a:spcBef>
+              <a:buFont typeface="Arial" pitchFamily="34" charset="0"/>
+              <a:buNone/>
+              <a:defRPr sz="2000" kern="1200">
+                <a:solidFill>
+                  <a:schemeClr val="tx1">
+                    <a:tint val="75000"/>
+                  </a:schemeClr>
+                </a:solidFill>
+                <a:latin typeface="+mn-lt"/>
+                <a:ea typeface="+mn-ea"/>
+                <a:cs typeface="+mn-cs"/>
+              </a:defRPr>
+            </a:lvl9pPr>
+          </a:lstStyle>
+          <a:p>
+            <a:r>
+              <a:rPr lang="en-US" sz="1600" dirty="0">
+                <a:solidFill>
+                  <a:schemeClr val="tx1"/>
+                </a:solidFill>
+              </a:rPr>
+              <a:t>LEFT</a:t>
+            </a:r>
+          </a:p>
+        </p:txBody>
+      </p:sp>
+      <p:sp>
+        <p:nvSpPr>
+          <p:cNvPr id="17" name="Right Arrow 16">
+            <a:extLst>
+              <a:ext uri="{FF2B5EF4-FFF2-40B4-BE49-F238E27FC236}">
+                <a16:creationId xmlns:a16="http://schemas.microsoft.com/office/drawing/2014/main" id="{1D41D89A-A324-074F-8D33-E2E5469FDEA0}"/>
+              </a:ext>
+            </a:extLst>
+          </p:cNvPr>
+          <p:cNvSpPr/>
+          <p:nvPr/>
+        </p:nvSpPr>
+        <p:spPr>
+          <a:xfrm rot="10800000">
+            <a:off x="1902125" y="6391827"/>
+            <a:ext cx="640200" cy="289763"/>
+          </a:xfrm>
+          <a:prstGeom prst="rightArrow">
+            <a:avLst/>
+          </a:prstGeom>
+          <a:solidFill>
+            <a:schemeClr val="tx1"/>
+          </a:solidFill>
+          <a:ln>
+            <a:noFill/>
+          </a:ln>
+        </p:spPr>
+        <p:style>
+          <a:lnRef idx="1">
+            <a:schemeClr val="accent1"/>
+          </a:lnRef>
+          <a:fillRef idx="3">
+            <a:schemeClr val="accent1"/>
+          </a:fillRef>
+          <a:effectRef idx="2">
+            <a:schemeClr val="accent1"/>
+          </a:effectRef>
+          <a:fontRef idx="minor">
+            <a:schemeClr val="lt1"/>
+          </a:fontRef>
+        </p:style>
+        <p:txBody>
+          <a:bodyPr rtlCol="0" anchor="ctr"/>
+          <a:lstStyle/>
+          <a:p>
+            <a:pPr algn="ctr"/>
+            <a:endParaRPr lang="en-US"/>
           </a:p>
         </p:txBody>
       </p:sp>

--- a/public/js/tasks/social_media/media/Social_media_task_instructions_06_29_2022.pptx
+++ b/public/js/tasks/social_media/media/Social_media_task_instructions_06_29_2022.pptx
@@ -17981,7 +17981,7 @@
             </a:pPr>
             <a:r>
               <a:rPr lang="en-US" dirty="0"/>
-              <a:t>If you were instructed to choose the right topic on the third </a:t>
+              <a:t>If you were instructed to choose the right topic on the second </a:t>
             </a:r>
             <a:r>
               <a:rPr lang="en-US" dirty="0">
@@ -18661,7 +18661,7 @@
             </a:r>
             <a:r>
               <a:rPr lang="en-US" dirty="0"/>
-              <a:t> where you only have one option.</a:t>
+              <a:t> where you can only choose one topic.</a:t>
             </a:r>
           </a:p>
         </p:txBody>

--- a/public/js/tasks/social_media/media/Social_media_task_instructions_06_29_2022.pptx
+++ b/public/js/tasks/social_media/media/Social_media_task_instructions_06_29_2022.pptx
@@ -35,10 +35,10 @@
     <p:sldId id="529" r:id="rId26"/>
     <p:sldId id="534" r:id="rId27"/>
     <p:sldId id="530" r:id="rId28"/>
-    <p:sldId id="531" r:id="rId29"/>
-    <p:sldId id="538" r:id="rId30"/>
-    <p:sldId id="540" r:id="rId31"/>
-    <p:sldId id="541" r:id="rId32"/>
+    <p:sldId id="538" r:id="rId29"/>
+    <p:sldId id="540" r:id="rId30"/>
+    <p:sldId id="541" r:id="rId31"/>
+    <p:sldId id="545" r:id="rId32"/>
   </p:sldIdLst>
   <p:sldSz cx="12192000" cy="6858000"/>
   <p:notesSz cx="6858000" cy="9144000"/>
@@ -169,7 +169,6 @@
             <p14:sldId id="529"/>
             <p14:sldId id="534"/>
             <p14:sldId id="530"/>
-            <p14:sldId id="531"/>
           </p14:sldIdLst>
         </p14:section>
         <p14:section name="Role Reversal Section" id="{E14ED5AF-C50F-9842-B2C8-76EE845F50BB}">
@@ -177,6 +176,11 @@
             <p14:sldId id="538"/>
             <p14:sldId id="540"/>
             <p14:sldId id="541"/>
+          </p14:sldIdLst>
+        </p14:section>
+        <p14:section name="Main Play" id="{1481569A-AB52-774D-B08D-77F1481F9803}">
+          <p14:sldIdLst>
+            <p14:sldId id="545"/>
           </p14:sldIdLst>
         </p14:section>
       </p14:sectionLst>
@@ -2521,7 +2525,10 @@
           <a:bodyPr/>
           <a:lstStyle/>
           <a:p>
-            <a:endParaRPr lang="en-US" dirty="0"/>
+            <a:r>
+              <a:rPr lang="en-US" dirty="0"/>
+              <a:t>Add screen shot</a:t>
+            </a:r>
           </a:p>
         </p:txBody>
       </p:sp>
@@ -2551,7 +2558,7 @@
     </p:spTree>
     <p:extLst>
       <p:ext uri="{BB962C8B-B14F-4D97-AF65-F5344CB8AC3E}">
-        <p14:creationId xmlns:p14="http://schemas.microsoft.com/office/powerpoint/2010/main" val="3781381945"/>
+        <p14:creationId xmlns:p14="http://schemas.microsoft.com/office/powerpoint/2010/main" val="1620608549"/>
       </p:ext>
     </p:extLst>
   </p:cSld>
@@ -2610,10 +2617,7 @@
           <a:bodyPr/>
           <a:lstStyle/>
           <a:p>
-            <a:r>
-              <a:rPr lang="en-US" dirty="0"/>
-              <a:t>Add screen shot</a:t>
-            </a:r>
+            <a:endParaRPr lang="en-US" dirty="0"/>
           </a:p>
         </p:txBody>
       </p:sp>
@@ -2643,7 +2647,7 @@
     </p:spTree>
     <p:extLst>
       <p:ext uri="{BB962C8B-B14F-4D97-AF65-F5344CB8AC3E}">
-        <p14:creationId xmlns:p14="http://schemas.microsoft.com/office/powerpoint/2010/main" val="1620608549"/>
+        <p14:creationId xmlns:p14="http://schemas.microsoft.com/office/powerpoint/2010/main" val="3372806075"/>
       </p:ext>
     </p:extLst>
   </p:cSld>
@@ -2829,7 +2833,7 @@
     </p:spTree>
     <p:extLst>
       <p:ext uri="{BB962C8B-B14F-4D97-AF65-F5344CB8AC3E}">
-        <p14:creationId xmlns:p14="http://schemas.microsoft.com/office/powerpoint/2010/main" val="3372806075"/>
+        <p14:creationId xmlns:p14="http://schemas.microsoft.com/office/powerpoint/2010/main" val="3223258865"/>
       </p:ext>
     </p:extLst>
   </p:cSld>
@@ -2888,6 +2892,14 @@
           <a:bodyPr/>
           <a:lstStyle/>
           <a:p>
+            <a:r>
+              <a:rPr lang="en-US" dirty="0"/>
+              <a:t>Add screenshots of an X and an O</a:t>
+            </a:r>
+            <a:r>
+              <a:rPr lang="en-US" baseline="0" dirty="0"/>
+              <a:t> screen – like a timeline of screenshots.</a:t>
+            </a:r>
             <a:endParaRPr lang="en-US" dirty="0"/>
           </a:p>
         </p:txBody>
@@ -2918,7 +2930,7 @@
     </p:spTree>
     <p:extLst>
       <p:ext uri="{BB962C8B-B14F-4D97-AF65-F5344CB8AC3E}">
-        <p14:creationId xmlns:p14="http://schemas.microsoft.com/office/powerpoint/2010/main" val="3223258865"/>
+        <p14:creationId xmlns:p14="http://schemas.microsoft.com/office/powerpoint/2010/main" val="339904243"/>
       </p:ext>
     </p:extLst>
   </p:cSld>
@@ -21488,7 +21500,7 @@
 </file>
 
 <file path=ppt/slides/slide28.xml><?xml version="1.0" encoding="utf-8"?>
-<p:sld xmlns:a="http://schemas.openxmlformats.org/drawingml/2006/main" xmlns:r="http://schemas.openxmlformats.org/officeDocument/2006/relationships" xmlns:p="http://schemas.openxmlformats.org/presentationml/2006/main" show="0">
+<p:sld xmlns:a="http://schemas.openxmlformats.org/drawingml/2006/main" xmlns:r="http://schemas.openxmlformats.org/officeDocument/2006/relationships" xmlns:p="http://schemas.openxmlformats.org/presentationml/2006/main">
   <p:cSld>
     <p:bg>
       <p:bgPr>
@@ -21524,8 +21536,8 @@
         </p:nvSpPr>
         <p:spPr>
           <a:xfrm>
-            <a:off x="1628172" y="922386"/>
-            <a:ext cx="8935655" cy="5013227"/>
+            <a:off x="1111170" y="583724"/>
+            <a:ext cx="10591879" cy="5013227"/>
           </a:xfrm>
           <a:ln>
             <a:noFill/>
@@ -21537,50 +21549,639 @@
           </a:bodyPr>
           <a:lstStyle/>
           <a:p>
-            <a:pPr marL="0" indent="0" algn="ctr">
+            <a:pPr marL="0" indent="0">
               <a:buNone/>
             </a:pPr>
             <a:r>
               <a:rPr lang="en-US" dirty="0"/>
-              <a:t>Good Job!</a:t>
-            </a:r>
-          </a:p>
-          <a:p>
-            <a:pPr marL="0" indent="0" algn="ctr">
+              <a:t>Before you start playing as the person choosing </a:t>
+            </a:r>
+            <a:r>
+              <a:rPr lang="en-US" dirty="0">
+                <a:solidFill>
+                  <a:srgbClr val="FFFF66"/>
+                </a:solidFill>
+              </a:rPr>
+              <a:t>posts</a:t>
+            </a:r>
+            <a:r>
+              <a:rPr lang="en-US" dirty="0"/>
+              <a:t>, we'd also like you to help as a </a:t>
+            </a:r>
+            <a:r>
+              <a:rPr lang="en-US" dirty="0">
+                <a:solidFill>
+                  <a:srgbClr val="00FF00"/>
+                </a:solidFill>
+              </a:rPr>
+              <a:t>chatroom</a:t>
+            </a:r>
+            <a:r>
+              <a:rPr lang="en-US" dirty="0"/>
+              <a:t> member reading some other players' </a:t>
+            </a:r>
+            <a:r>
+              <a:rPr lang="en-US" dirty="0">
+                <a:solidFill>
+                  <a:srgbClr val="FFFF66"/>
+                </a:solidFill>
+              </a:rPr>
+              <a:t>posts</a:t>
+            </a:r>
+            <a:r>
+              <a:rPr lang="en-US" dirty="0"/>
+              <a:t>. </a:t>
+            </a:r>
+          </a:p>
+          <a:p>
+            <a:pPr marL="0" indent="0">
               <a:buNone/>
             </a:pPr>
             <a:endParaRPr lang="en-US" dirty="0"/>
           </a:p>
-          <a:p>
-            <a:pPr marL="0" indent="0" algn="ctr">
-              <a:buNone/>
-            </a:pPr>
-            <a:r>
-              <a:rPr lang="en-US" dirty="0"/>
-              <a:t>Now you know how to play this game.</a:t>
-            </a:r>
-          </a:p>
-          <a:p>
-            <a:pPr marL="0" indent="0" algn="ctr">
-              <a:buNone/>
-            </a:pPr>
-            <a:endParaRPr lang="en-US" dirty="0"/>
-          </a:p>
-          <a:p>
-            <a:pPr marL="0" indent="0" algn="ctr">
-              <a:buNone/>
-            </a:pPr>
-            <a:r>
-              <a:rPr lang="en-US" dirty="0"/>
-              <a:t>Once you are ready to start playing the  actual game, please press the RIGHT BUTTON.</a:t>
-            </a:r>
-          </a:p>
-        </p:txBody>
-      </p:sp>
+        </p:txBody>
+      </p:sp>
+      <p:sp>
+        <p:nvSpPr>
+          <p:cNvPr id="4" name="Title 3">
+            <a:extLst>
+              <a:ext uri="{FF2B5EF4-FFF2-40B4-BE49-F238E27FC236}">
+                <a16:creationId xmlns:a16="http://schemas.microsoft.com/office/drawing/2014/main" id="{3A04687C-A569-2C46-9FC2-ADCBBB048C8E}"/>
+              </a:ext>
+            </a:extLst>
+          </p:cNvPr>
+          <p:cNvSpPr txBox="1">
+            <a:spLocks/>
+          </p:cNvSpPr>
+          <p:nvPr/>
+        </p:nvSpPr>
+        <p:spPr>
+          <a:xfrm>
+            <a:off x="1524000" y="6201295"/>
+            <a:ext cx="9149174" cy="656705"/>
+          </a:xfrm>
+          <a:prstGeom prst="rect">
+            <a:avLst/>
+          </a:prstGeom>
+        </p:spPr>
+        <p:txBody>
+          <a:bodyPr vert="horz" lIns="91440" tIns="45720" rIns="91440" bIns="45720" rtlCol="0" anchor="ctr">
+            <a:normAutofit/>
+          </a:bodyPr>
+          <a:lstStyle>
+            <a:lvl1pPr algn="ctr" defTabSz="914400" rtl="0" eaLnBrk="1" latinLnBrk="0" hangingPunct="1">
+              <a:spcBef>
+                <a:spcPct val="0"/>
+              </a:spcBef>
+              <a:buNone/>
+              <a:defRPr sz="4400" kern="1200">
+                <a:solidFill>
+                  <a:schemeClr val="tx1"/>
+                </a:solidFill>
+                <a:latin typeface="+mj-lt"/>
+                <a:ea typeface="+mj-ea"/>
+                <a:cs typeface="+mj-cs"/>
+              </a:defRPr>
+            </a:lvl1pPr>
+          </a:lstStyle>
+          <a:p>
+            <a:r>
+              <a:rPr lang="en-US" sz="3000" dirty="0">
+                <a:solidFill>
+                  <a:srgbClr val="FF0000"/>
+                </a:solidFill>
+              </a:rPr>
+              <a:t>PRESS THE RIGHT BUTTON TO CONTINUE</a:t>
+            </a:r>
+          </a:p>
+        </p:txBody>
+      </p:sp>
+      <p:sp>
+        <p:nvSpPr>
+          <p:cNvPr id="5" name="Subtitle 8">
+            <a:extLst>
+              <a:ext uri="{FF2B5EF4-FFF2-40B4-BE49-F238E27FC236}">
+                <a16:creationId xmlns:a16="http://schemas.microsoft.com/office/drawing/2014/main" id="{5385BA60-94EE-1D48-A0DD-23171E6645FB}"/>
+              </a:ext>
+            </a:extLst>
+          </p:cNvPr>
+          <p:cNvSpPr txBox="1">
+            <a:spLocks/>
+          </p:cNvSpPr>
+          <p:nvPr/>
+        </p:nvSpPr>
+        <p:spPr>
+          <a:xfrm>
+            <a:off x="9140345" y="6073844"/>
+            <a:ext cx="1532830" cy="801636"/>
+          </a:xfrm>
+          <a:prstGeom prst="rect">
+            <a:avLst/>
+          </a:prstGeom>
+        </p:spPr>
+        <p:txBody>
+          <a:bodyPr vert="horz" lIns="91440" tIns="45720" rIns="91440" bIns="45720" rtlCol="0">
+            <a:normAutofit/>
+          </a:bodyPr>
+          <a:lstStyle>
+            <a:lvl1pPr marL="0" indent="0" algn="ctr" defTabSz="914400" rtl="0" eaLnBrk="1" latinLnBrk="0" hangingPunct="1">
+              <a:spcBef>
+                <a:spcPct val="20000"/>
+              </a:spcBef>
+              <a:buFont typeface="Arial" pitchFamily="34" charset="0"/>
+              <a:buNone/>
+              <a:defRPr sz="3200" kern="1200">
+                <a:solidFill>
+                  <a:schemeClr val="tx1">
+                    <a:tint val="75000"/>
+                  </a:schemeClr>
+                </a:solidFill>
+                <a:latin typeface="+mn-lt"/>
+                <a:ea typeface="+mn-ea"/>
+                <a:cs typeface="+mn-cs"/>
+              </a:defRPr>
+            </a:lvl1pPr>
+            <a:lvl2pPr marL="457200" indent="0" algn="ctr" defTabSz="914400" rtl="0" eaLnBrk="1" latinLnBrk="0" hangingPunct="1">
+              <a:spcBef>
+                <a:spcPct val="20000"/>
+              </a:spcBef>
+              <a:buFont typeface="Arial" pitchFamily="34" charset="0"/>
+              <a:buNone/>
+              <a:defRPr sz="2800" kern="1200">
+                <a:solidFill>
+                  <a:schemeClr val="tx1">
+                    <a:tint val="75000"/>
+                  </a:schemeClr>
+                </a:solidFill>
+                <a:latin typeface="+mn-lt"/>
+                <a:ea typeface="+mn-ea"/>
+                <a:cs typeface="+mn-cs"/>
+              </a:defRPr>
+            </a:lvl2pPr>
+            <a:lvl3pPr marL="914400" indent="0" algn="ctr" defTabSz="914400" rtl="0" eaLnBrk="1" latinLnBrk="0" hangingPunct="1">
+              <a:spcBef>
+                <a:spcPct val="20000"/>
+              </a:spcBef>
+              <a:buFont typeface="Arial" pitchFamily="34" charset="0"/>
+              <a:buNone/>
+              <a:defRPr sz="2400" kern="1200">
+                <a:solidFill>
+                  <a:schemeClr val="tx1">
+                    <a:tint val="75000"/>
+                  </a:schemeClr>
+                </a:solidFill>
+                <a:latin typeface="+mn-lt"/>
+                <a:ea typeface="+mn-ea"/>
+                <a:cs typeface="+mn-cs"/>
+              </a:defRPr>
+            </a:lvl3pPr>
+            <a:lvl4pPr marL="1371600" indent="0" algn="ctr" defTabSz="914400" rtl="0" eaLnBrk="1" latinLnBrk="0" hangingPunct="1">
+              <a:spcBef>
+                <a:spcPct val="20000"/>
+              </a:spcBef>
+              <a:buFont typeface="Arial" pitchFamily="34" charset="0"/>
+              <a:buNone/>
+              <a:defRPr sz="2000" kern="1200">
+                <a:solidFill>
+                  <a:schemeClr val="tx1">
+                    <a:tint val="75000"/>
+                  </a:schemeClr>
+                </a:solidFill>
+                <a:latin typeface="+mn-lt"/>
+                <a:ea typeface="+mn-ea"/>
+                <a:cs typeface="+mn-cs"/>
+              </a:defRPr>
+            </a:lvl4pPr>
+            <a:lvl5pPr marL="1828800" indent="0" algn="ctr" defTabSz="914400" rtl="0" eaLnBrk="1" latinLnBrk="0" hangingPunct="1">
+              <a:spcBef>
+                <a:spcPct val="20000"/>
+              </a:spcBef>
+              <a:buFont typeface="Arial" pitchFamily="34" charset="0"/>
+              <a:buNone/>
+              <a:defRPr sz="2000" kern="1200">
+                <a:solidFill>
+                  <a:schemeClr val="tx1">
+                    <a:tint val="75000"/>
+                  </a:schemeClr>
+                </a:solidFill>
+                <a:latin typeface="+mn-lt"/>
+                <a:ea typeface="+mn-ea"/>
+                <a:cs typeface="+mn-cs"/>
+              </a:defRPr>
+            </a:lvl5pPr>
+            <a:lvl6pPr marL="2286000" indent="0" algn="ctr" defTabSz="914400" rtl="0" eaLnBrk="1" latinLnBrk="0" hangingPunct="1">
+              <a:spcBef>
+                <a:spcPct val="20000"/>
+              </a:spcBef>
+              <a:buFont typeface="Arial" pitchFamily="34" charset="0"/>
+              <a:buNone/>
+              <a:defRPr sz="2000" kern="1200">
+                <a:solidFill>
+                  <a:schemeClr val="tx1">
+                    <a:tint val="75000"/>
+                  </a:schemeClr>
+                </a:solidFill>
+                <a:latin typeface="+mn-lt"/>
+                <a:ea typeface="+mn-ea"/>
+                <a:cs typeface="+mn-cs"/>
+              </a:defRPr>
+            </a:lvl6pPr>
+            <a:lvl7pPr marL="2743200" indent="0" algn="ctr" defTabSz="914400" rtl="0" eaLnBrk="1" latinLnBrk="0" hangingPunct="1">
+              <a:spcBef>
+                <a:spcPct val="20000"/>
+              </a:spcBef>
+              <a:buFont typeface="Arial" pitchFamily="34" charset="0"/>
+              <a:buNone/>
+              <a:defRPr sz="2000" kern="1200">
+                <a:solidFill>
+                  <a:schemeClr val="tx1">
+                    <a:tint val="75000"/>
+                  </a:schemeClr>
+                </a:solidFill>
+                <a:latin typeface="+mn-lt"/>
+                <a:ea typeface="+mn-ea"/>
+                <a:cs typeface="+mn-cs"/>
+              </a:defRPr>
+            </a:lvl7pPr>
+            <a:lvl8pPr marL="3200400" indent="0" algn="ctr" defTabSz="914400" rtl="0" eaLnBrk="1" latinLnBrk="0" hangingPunct="1">
+              <a:spcBef>
+                <a:spcPct val="20000"/>
+              </a:spcBef>
+              <a:buFont typeface="Arial" pitchFamily="34" charset="0"/>
+              <a:buNone/>
+              <a:defRPr sz="2000" kern="1200">
+                <a:solidFill>
+                  <a:schemeClr val="tx1">
+                    <a:tint val="75000"/>
+                  </a:schemeClr>
+                </a:solidFill>
+                <a:latin typeface="+mn-lt"/>
+                <a:ea typeface="+mn-ea"/>
+                <a:cs typeface="+mn-cs"/>
+              </a:defRPr>
+            </a:lvl8pPr>
+            <a:lvl9pPr marL="3657600" indent="0" algn="ctr" defTabSz="914400" rtl="0" eaLnBrk="1" latinLnBrk="0" hangingPunct="1">
+              <a:spcBef>
+                <a:spcPct val="20000"/>
+              </a:spcBef>
+              <a:buFont typeface="Arial" pitchFamily="34" charset="0"/>
+              <a:buNone/>
+              <a:defRPr sz="2000" kern="1200">
+                <a:solidFill>
+                  <a:schemeClr val="tx1">
+                    <a:tint val="75000"/>
+                  </a:schemeClr>
+                </a:solidFill>
+                <a:latin typeface="+mn-lt"/>
+                <a:ea typeface="+mn-ea"/>
+                <a:cs typeface="+mn-cs"/>
+              </a:defRPr>
+            </a:lvl9pPr>
+          </a:lstStyle>
+          <a:p>
+            <a:r>
+              <a:rPr lang="en-US" sz="1600" dirty="0">
+                <a:solidFill>
+                  <a:schemeClr val="tx1"/>
+                </a:solidFill>
+              </a:rPr>
+              <a:t>RIGHT</a:t>
+            </a:r>
+          </a:p>
+        </p:txBody>
+      </p:sp>
+      <p:sp>
+        <p:nvSpPr>
+          <p:cNvPr id="6" name="Right Arrow 5">
+            <a:extLst>
+              <a:ext uri="{FF2B5EF4-FFF2-40B4-BE49-F238E27FC236}">
+                <a16:creationId xmlns:a16="http://schemas.microsoft.com/office/drawing/2014/main" id="{E505ED16-B2E8-4140-B53D-56027D0A90C5}"/>
+              </a:ext>
+            </a:extLst>
+          </p:cNvPr>
+          <p:cNvSpPr/>
+          <p:nvPr/>
+        </p:nvSpPr>
+        <p:spPr>
+          <a:xfrm>
+            <a:off x="9637318" y="6391827"/>
+            <a:ext cx="640200" cy="289763"/>
+          </a:xfrm>
+          <a:prstGeom prst="rightArrow">
+            <a:avLst/>
+          </a:prstGeom>
+          <a:solidFill>
+            <a:schemeClr val="tx1"/>
+          </a:solidFill>
+          <a:ln>
+            <a:noFill/>
+          </a:ln>
+        </p:spPr>
+        <p:style>
+          <a:lnRef idx="1">
+            <a:schemeClr val="accent1"/>
+          </a:lnRef>
+          <a:fillRef idx="3">
+            <a:schemeClr val="accent1"/>
+          </a:fillRef>
+          <a:effectRef idx="2">
+            <a:schemeClr val="accent1"/>
+          </a:effectRef>
+          <a:fontRef idx="minor">
+            <a:schemeClr val="lt1"/>
+          </a:fontRef>
+        </p:style>
+        <p:txBody>
+          <a:bodyPr rtlCol="0" anchor="ctr"/>
+          <a:lstStyle/>
+          <a:p>
+            <a:pPr algn="ctr"/>
+            <a:endParaRPr lang="en-US"/>
+          </a:p>
+        </p:txBody>
+      </p:sp>
+      <p:sp>
+        <p:nvSpPr>
+          <p:cNvPr id="7" name="Subtitle 8">
+            <a:extLst>
+              <a:ext uri="{FF2B5EF4-FFF2-40B4-BE49-F238E27FC236}">
+                <a16:creationId xmlns:a16="http://schemas.microsoft.com/office/drawing/2014/main" id="{E6F82A75-E88D-9449-99A1-10A143D7EA42}"/>
+              </a:ext>
+            </a:extLst>
+          </p:cNvPr>
+          <p:cNvSpPr txBox="1">
+            <a:spLocks/>
+          </p:cNvSpPr>
+          <p:nvPr/>
+        </p:nvSpPr>
+        <p:spPr>
+          <a:xfrm>
+            <a:off x="1518826" y="6073844"/>
+            <a:ext cx="1532830" cy="801636"/>
+          </a:xfrm>
+          <a:prstGeom prst="rect">
+            <a:avLst/>
+          </a:prstGeom>
+        </p:spPr>
+        <p:txBody>
+          <a:bodyPr vert="horz" lIns="91440" tIns="45720" rIns="91440" bIns="45720" rtlCol="0">
+            <a:normAutofit/>
+          </a:bodyPr>
+          <a:lstStyle>
+            <a:lvl1pPr marL="0" indent="0" algn="ctr" defTabSz="914400" rtl="0" eaLnBrk="1" latinLnBrk="0" hangingPunct="1">
+              <a:spcBef>
+                <a:spcPct val="20000"/>
+              </a:spcBef>
+              <a:buFont typeface="Arial" pitchFamily="34" charset="0"/>
+              <a:buNone/>
+              <a:defRPr sz="3200" kern="1200">
+                <a:solidFill>
+                  <a:schemeClr val="tx1">
+                    <a:tint val="75000"/>
+                  </a:schemeClr>
+                </a:solidFill>
+                <a:latin typeface="+mn-lt"/>
+                <a:ea typeface="+mn-ea"/>
+                <a:cs typeface="+mn-cs"/>
+              </a:defRPr>
+            </a:lvl1pPr>
+            <a:lvl2pPr marL="457200" indent="0" algn="ctr" defTabSz="914400" rtl="0" eaLnBrk="1" latinLnBrk="0" hangingPunct="1">
+              <a:spcBef>
+                <a:spcPct val="20000"/>
+              </a:spcBef>
+              <a:buFont typeface="Arial" pitchFamily="34" charset="0"/>
+              <a:buNone/>
+              <a:defRPr sz="2800" kern="1200">
+                <a:solidFill>
+                  <a:schemeClr val="tx1">
+                    <a:tint val="75000"/>
+                  </a:schemeClr>
+                </a:solidFill>
+                <a:latin typeface="+mn-lt"/>
+                <a:ea typeface="+mn-ea"/>
+                <a:cs typeface="+mn-cs"/>
+              </a:defRPr>
+            </a:lvl2pPr>
+            <a:lvl3pPr marL="914400" indent="0" algn="ctr" defTabSz="914400" rtl="0" eaLnBrk="1" latinLnBrk="0" hangingPunct="1">
+              <a:spcBef>
+                <a:spcPct val="20000"/>
+              </a:spcBef>
+              <a:buFont typeface="Arial" pitchFamily="34" charset="0"/>
+              <a:buNone/>
+              <a:defRPr sz="2400" kern="1200">
+                <a:solidFill>
+                  <a:schemeClr val="tx1">
+                    <a:tint val="75000"/>
+                  </a:schemeClr>
+                </a:solidFill>
+                <a:latin typeface="+mn-lt"/>
+                <a:ea typeface="+mn-ea"/>
+                <a:cs typeface="+mn-cs"/>
+              </a:defRPr>
+            </a:lvl3pPr>
+            <a:lvl4pPr marL="1371600" indent="0" algn="ctr" defTabSz="914400" rtl="0" eaLnBrk="1" latinLnBrk="0" hangingPunct="1">
+              <a:spcBef>
+                <a:spcPct val="20000"/>
+              </a:spcBef>
+              <a:buFont typeface="Arial" pitchFamily="34" charset="0"/>
+              <a:buNone/>
+              <a:defRPr sz="2000" kern="1200">
+                <a:solidFill>
+                  <a:schemeClr val="tx1">
+                    <a:tint val="75000"/>
+                  </a:schemeClr>
+                </a:solidFill>
+                <a:latin typeface="+mn-lt"/>
+                <a:ea typeface="+mn-ea"/>
+                <a:cs typeface="+mn-cs"/>
+              </a:defRPr>
+            </a:lvl4pPr>
+            <a:lvl5pPr marL="1828800" indent="0" algn="ctr" defTabSz="914400" rtl="0" eaLnBrk="1" latinLnBrk="0" hangingPunct="1">
+              <a:spcBef>
+                <a:spcPct val="20000"/>
+              </a:spcBef>
+              <a:buFont typeface="Arial" pitchFamily="34" charset="0"/>
+              <a:buNone/>
+              <a:defRPr sz="2000" kern="1200">
+                <a:solidFill>
+                  <a:schemeClr val="tx1">
+                    <a:tint val="75000"/>
+                  </a:schemeClr>
+                </a:solidFill>
+                <a:latin typeface="+mn-lt"/>
+                <a:ea typeface="+mn-ea"/>
+                <a:cs typeface="+mn-cs"/>
+              </a:defRPr>
+            </a:lvl5pPr>
+            <a:lvl6pPr marL="2286000" indent="0" algn="ctr" defTabSz="914400" rtl="0" eaLnBrk="1" latinLnBrk="0" hangingPunct="1">
+              <a:spcBef>
+                <a:spcPct val="20000"/>
+              </a:spcBef>
+              <a:buFont typeface="Arial" pitchFamily="34" charset="0"/>
+              <a:buNone/>
+              <a:defRPr sz="2000" kern="1200">
+                <a:solidFill>
+                  <a:schemeClr val="tx1">
+                    <a:tint val="75000"/>
+                  </a:schemeClr>
+                </a:solidFill>
+                <a:latin typeface="+mn-lt"/>
+                <a:ea typeface="+mn-ea"/>
+                <a:cs typeface="+mn-cs"/>
+              </a:defRPr>
+            </a:lvl6pPr>
+            <a:lvl7pPr marL="2743200" indent="0" algn="ctr" defTabSz="914400" rtl="0" eaLnBrk="1" latinLnBrk="0" hangingPunct="1">
+              <a:spcBef>
+                <a:spcPct val="20000"/>
+              </a:spcBef>
+              <a:buFont typeface="Arial" pitchFamily="34" charset="0"/>
+              <a:buNone/>
+              <a:defRPr sz="2000" kern="1200">
+                <a:solidFill>
+                  <a:schemeClr val="tx1">
+                    <a:tint val="75000"/>
+                  </a:schemeClr>
+                </a:solidFill>
+                <a:latin typeface="+mn-lt"/>
+                <a:ea typeface="+mn-ea"/>
+                <a:cs typeface="+mn-cs"/>
+              </a:defRPr>
+            </a:lvl7pPr>
+            <a:lvl8pPr marL="3200400" indent="0" algn="ctr" defTabSz="914400" rtl="0" eaLnBrk="1" latinLnBrk="0" hangingPunct="1">
+              <a:spcBef>
+                <a:spcPct val="20000"/>
+              </a:spcBef>
+              <a:buFont typeface="Arial" pitchFamily="34" charset="0"/>
+              <a:buNone/>
+              <a:defRPr sz="2000" kern="1200">
+                <a:solidFill>
+                  <a:schemeClr val="tx1">
+                    <a:tint val="75000"/>
+                  </a:schemeClr>
+                </a:solidFill>
+                <a:latin typeface="+mn-lt"/>
+                <a:ea typeface="+mn-ea"/>
+                <a:cs typeface="+mn-cs"/>
+              </a:defRPr>
+            </a:lvl8pPr>
+            <a:lvl9pPr marL="3657600" indent="0" algn="ctr" defTabSz="914400" rtl="0" eaLnBrk="1" latinLnBrk="0" hangingPunct="1">
+              <a:spcBef>
+                <a:spcPct val="20000"/>
+              </a:spcBef>
+              <a:buFont typeface="Arial" pitchFamily="34" charset="0"/>
+              <a:buNone/>
+              <a:defRPr sz="2000" kern="1200">
+                <a:solidFill>
+                  <a:schemeClr val="tx1">
+                    <a:tint val="75000"/>
+                  </a:schemeClr>
+                </a:solidFill>
+                <a:latin typeface="+mn-lt"/>
+                <a:ea typeface="+mn-ea"/>
+                <a:cs typeface="+mn-cs"/>
+              </a:defRPr>
+            </a:lvl9pPr>
+          </a:lstStyle>
+          <a:p>
+            <a:r>
+              <a:rPr lang="en-US" sz="1600" dirty="0">
+                <a:solidFill>
+                  <a:schemeClr val="tx1"/>
+                </a:solidFill>
+              </a:rPr>
+              <a:t>LEFT</a:t>
+            </a:r>
+          </a:p>
+        </p:txBody>
+      </p:sp>
+      <p:sp>
+        <p:nvSpPr>
+          <p:cNvPr id="8" name="Right Arrow 7">
+            <a:extLst>
+              <a:ext uri="{FF2B5EF4-FFF2-40B4-BE49-F238E27FC236}">
+                <a16:creationId xmlns:a16="http://schemas.microsoft.com/office/drawing/2014/main" id="{427030FA-99E1-0845-A3B8-346EE1357636}"/>
+              </a:ext>
+            </a:extLst>
+          </p:cNvPr>
+          <p:cNvSpPr/>
+          <p:nvPr/>
+        </p:nvSpPr>
+        <p:spPr>
+          <a:xfrm rot="10800000">
+            <a:off x="1902125" y="6391827"/>
+            <a:ext cx="640200" cy="289763"/>
+          </a:xfrm>
+          <a:prstGeom prst="rightArrow">
+            <a:avLst/>
+          </a:prstGeom>
+          <a:solidFill>
+            <a:schemeClr val="tx1"/>
+          </a:solidFill>
+          <a:ln>
+            <a:noFill/>
+          </a:ln>
+        </p:spPr>
+        <p:style>
+          <a:lnRef idx="1">
+            <a:schemeClr val="accent1"/>
+          </a:lnRef>
+          <a:fillRef idx="3">
+            <a:schemeClr val="accent1"/>
+          </a:fillRef>
+          <a:effectRef idx="2">
+            <a:schemeClr val="accent1"/>
+          </a:effectRef>
+          <a:fontRef idx="minor">
+            <a:schemeClr val="lt1"/>
+          </a:fontRef>
+        </p:style>
+        <p:txBody>
+          <a:bodyPr rtlCol="0" anchor="ctr"/>
+          <a:lstStyle/>
+          <a:p>
+            <a:pPr algn="ctr"/>
+            <a:endParaRPr lang="en-US"/>
+          </a:p>
+        </p:txBody>
+      </p:sp>
+      <p:pic>
+        <p:nvPicPr>
+          <p:cNvPr id="9" name="Picture 8" descr="A screenshot of a computer&#10;&#10;Description automatically generated with medium confidence">
+            <a:extLst>
+              <a:ext uri="{FF2B5EF4-FFF2-40B4-BE49-F238E27FC236}">
+                <a16:creationId xmlns:a16="http://schemas.microsoft.com/office/drawing/2014/main" id="{DEA315B9-3AE8-544C-BB4B-3F1CB88493DC}"/>
+              </a:ext>
+            </a:extLst>
+          </p:cNvPr>
+          <p:cNvPicPr>
+            <a:picLocks noChangeAspect="1"/>
+          </p:cNvPicPr>
+          <p:nvPr/>
+        </p:nvPicPr>
+        <p:blipFill rotWithShape="1">
+          <a:blip r:embed="rId3"/>
+          <a:srcRect l="4700" t="13549" r="4278" b="6797"/>
+          <a:stretch/>
+        </p:blipFill>
+        <p:spPr>
+          <a:xfrm>
+            <a:off x="3628103" y="2264577"/>
+            <a:ext cx="4935794" cy="3634546"/>
+          </a:xfrm>
+          <a:prstGeom prst="rect">
+            <a:avLst/>
+          </a:prstGeom>
+          <a:ln>
+            <a:solidFill>
+              <a:schemeClr val="tx1"/>
+            </a:solidFill>
+          </a:ln>
+        </p:spPr>
+      </p:pic>
     </p:spTree>
     <p:extLst>
       <p:ext uri="{BB962C8B-B14F-4D97-AF65-F5344CB8AC3E}">
-        <p14:creationId xmlns:p14="http://schemas.microsoft.com/office/powerpoint/2010/main" val="3634238876"/>
+        <p14:creationId xmlns:p14="http://schemas.microsoft.com/office/powerpoint/2010/main" val="3655759105"/>
       </p:ext>
     </p:extLst>
   </p:cSld>
@@ -21645,7 +22246,7 @@
             </a:pPr>
             <a:r>
               <a:rPr lang="en-US" dirty="0"/>
-              <a:t>Before you start playing as the person choosing </a:t>
+              <a:t>For each </a:t>
             </a:r>
             <a:r>
               <a:rPr lang="en-US" dirty="0">
@@ -21653,35 +22254,61 @@
                   <a:srgbClr val="FFFF66"/>
                 </a:solidFill>
               </a:rPr>
-              <a:t>posts</a:t>
+              <a:t>post</a:t>
             </a:r>
             <a:r>
               <a:rPr lang="en-US" dirty="0"/>
-              <a:t>, we'd also like you to help as a </a:t>
+              <a:t> you see:</a:t>
+            </a:r>
+          </a:p>
+          <a:p>
+            <a:pPr marL="0" indent="0">
+              <a:buNone/>
+            </a:pPr>
+            <a:r>
+              <a:rPr lang="en-US" dirty="0"/>
+              <a:t>Press the ‘&gt;’ KEY to </a:t>
+            </a:r>
+            <a:r>
+              <a:rPr lang="en-US" b="1" dirty="0"/>
+              <a:t>ADD</a:t>
+            </a:r>
+            <a:r>
+              <a:rPr lang="en-US" dirty="0"/>
+              <a:t> a </a:t>
             </a:r>
             <a:r>
               <a:rPr lang="en-US" dirty="0">
                 <a:solidFill>
-                  <a:srgbClr val="00FF00"/>
+                  <a:srgbClr val="00FDFF"/>
                 </a:solidFill>
               </a:rPr>
-              <a:t>chatroom</a:t>
+              <a:t>like</a:t>
             </a:r>
             <a:r>
               <a:rPr lang="en-US" dirty="0"/>
-              <a:t> member reading some other players' </a:t>
+              <a:t>.</a:t>
+            </a:r>
+          </a:p>
+          <a:p>
+            <a:pPr marL="0" indent="0">
+              <a:buNone/>
+            </a:pPr>
+            <a:r>
+              <a:rPr lang="en-US" dirty="0"/>
+              <a:t>Press the ‘&lt;‘ KEY if you don’t want to add a </a:t>
             </a:r>
             <a:r>
               <a:rPr lang="en-US" dirty="0">
                 <a:solidFill>
-                  <a:srgbClr val="FFFF66"/>
+                  <a:srgbClr val="00FDFF"/>
                 </a:solidFill>
               </a:rPr>
-              <a:t>posts</a:t>
+              <a:t>like</a:t>
             </a:r>
             <a:r>
               <a:rPr lang="en-US" dirty="0"/>
-              <a:t>. </a:t>
+              <a:t>.</a:t>
             </a:r>
           </a:p>
           <a:p>
@@ -21996,7 +22623,7 @@
           <p:cNvPr id="7" name="Subtitle 8">
             <a:extLst>
               <a:ext uri="{FF2B5EF4-FFF2-40B4-BE49-F238E27FC236}">
-                <a16:creationId xmlns:a16="http://schemas.microsoft.com/office/drawing/2014/main" id="{E6F82A75-E88D-9449-99A1-10A143D7EA42}"/>
+                <a16:creationId xmlns:a16="http://schemas.microsoft.com/office/drawing/2014/main" id="{4BDF4734-B63C-DF44-8671-1E43AFCD02DC}"/>
               </a:ext>
             </a:extLst>
           </p:cNvPr>
@@ -22190,7 +22817,7 @@
           <p:cNvPr id="8" name="Right Arrow 7">
             <a:extLst>
               <a:ext uri="{FF2B5EF4-FFF2-40B4-BE49-F238E27FC236}">
-                <a16:creationId xmlns:a16="http://schemas.microsoft.com/office/drawing/2014/main" id="{427030FA-99E1-0845-A3B8-346EE1357636}"/>
+                <a16:creationId xmlns:a16="http://schemas.microsoft.com/office/drawing/2014/main" id="{8E22DF06-D6BE-AB44-B261-74815089D5A0}"/>
               </a:ext>
             </a:extLst>
           </p:cNvPr>
@@ -22235,10 +22862,78 @@
           </a:p>
         </p:txBody>
       </p:sp>
+      <p:pic>
+        <p:nvPicPr>
+          <p:cNvPr id="9" name="Picture 8" descr="A screenshot of a computer&#10;&#10;Description automatically generated with medium confidence">
+            <a:extLst>
+              <a:ext uri="{FF2B5EF4-FFF2-40B4-BE49-F238E27FC236}">
+                <a16:creationId xmlns:a16="http://schemas.microsoft.com/office/drawing/2014/main" id="{39AECFE0-4DE0-A642-B84B-622F5F7928C9}"/>
+              </a:ext>
+            </a:extLst>
+          </p:cNvPr>
+          <p:cNvPicPr>
+            <a:picLocks noChangeAspect="1"/>
+          </p:cNvPicPr>
+          <p:nvPr/>
+        </p:nvPicPr>
+        <p:blipFill rotWithShape="1">
+          <a:blip r:embed="rId3"/>
+          <a:srcRect l="28990" t="25136" r="16970" b="67881"/>
+          <a:stretch/>
+        </p:blipFill>
+        <p:spPr>
+          <a:xfrm>
+            <a:off x="2542325" y="2690287"/>
+            <a:ext cx="6908866" cy="751241"/>
+          </a:xfrm>
+          <a:prstGeom prst="rect">
+            <a:avLst/>
+          </a:prstGeom>
+          <a:ln>
+            <a:solidFill>
+              <a:schemeClr val="tx1"/>
+            </a:solidFill>
+          </a:ln>
+        </p:spPr>
+      </p:pic>
+      <p:pic>
+        <p:nvPicPr>
+          <p:cNvPr id="11" name="Picture 10" descr="A screenshot of a computer&#10;&#10;Description automatically generated with medium confidence">
+            <a:extLst>
+              <a:ext uri="{FF2B5EF4-FFF2-40B4-BE49-F238E27FC236}">
+                <a16:creationId xmlns:a16="http://schemas.microsoft.com/office/drawing/2014/main" id="{D1E110C0-4239-7A4B-930B-CD80117D2CF9}"/>
+              </a:ext>
+            </a:extLst>
+          </p:cNvPr>
+          <p:cNvPicPr>
+            <a:picLocks noChangeAspect="1"/>
+          </p:cNvPicPr>
+          <p:nvPr/>
+        </p:nvPicPr>
+        <p:blipFill rotWithShape="1">
+          <a:blip r:embed="rId4"/>
+          <a:srcRect l="28635" t="31963" r="16724" b="61066"/>
+          <a:stretch/>
+        </p:blipFill>
+        <p:spPr>
+          <a:xfrm>
+            <a:off x="2542325" y="3459670"/>
+            <a:ext cx="6908866" cy="741751"/>
+          </a:xfrm>
+          <a:prstGeom prst="rect">
+            <a:avLst/>
+          </a:prstGeom>
+          <a:ln>
+            <a:solidFill>
+              <a:schemeClr val="tx1"/>
+            </a:solidFill>
+          </a:ln>
+        </p:spPr>
+      </p:pic>
     </p:spTree>
     <p:extLst>
       <p:ext uri="{BB962C8B-B14F-4D97-AF65-F5344CB8AC3E}">
-        <p14:creationId xmlns:p14="http://schemas.microsoft.com/office/powerpoint/2010/main" val="3655759105"/>
+        <p14:creationId xmlns:p14="http://schemas.microsoft.com/office/powerpoint/2010/main" val="3066544549"/>
       </p:ext>
     </p:extLst>
   </p:cSld>
@@ -22981,8 +23676,8 @@
         </p:nvSpPr>
         <p:spPr>
           <a:xfrm>
-            <a:off x="1111170" y="583724"/>
-            <a:ext cx="10591879" cy="5013227"/>
+            <a:off x="800060" y="712122"/>
+            <a:ext cx="10591879" cy="1884219"/>
           </a:xfrm>
           <a:ln>
             <a:noFill/>
@@ -22999,68 +23694,20 @@
             </a:pPr>
             <a:r>
               <a:rPr lang="en-US" dirty="0"/>
-              <a:t>For each </a:t>
+              <a:t>We will just have you do this for two </a:t>
             </a:r>
             <a:r>
               <a:rPr lang="en-US" dirty="0">
                 <a:solidFill>
-                  <a:srgbClr val="FFFF66"/>
+                  <a:srgbClr val="00FF00"/>
                 </a:solidFill>
               </a:rPr>
-              <a:t>post</a:t>
+              <a:t>chatrooms</a:t>
             </a:r>
             <a:r>
               <a:rPr lang="en-US" dirty="0"/>
-              <a:t> you see:</a:t>
-            </a:r>
-          </a:p>
-          <a:p>
-            <a:pPr marL="0" indent="0">
-              <a:buNone/>
-            </a:pPr>
-            <a:r>
-              <a:rPr lang="en-US" dirty="0"/>
-              <a:t>Press the ‘&gt;’ KEY to add a </a:t>
-            </a:r>
-            <a:r>
-              <a:rPr lang="en-US" dirty="0">
-                <a:solidFill>
-                  <a:srgbClr val="00FDFF"/>
-                </a:solidFill>
-              </a:rPr>
-              <a:t>like</a:t>
-            </a:r>
-            <a:r>
-              <a:rPr lang="en-US" dirty="0"/>
-              <a:t>.</a:t>
-            </a:r>
-          </a:p>
-          <a:p>
-            <a:pPr marL="0" indent="0">
-              <a:buNone/>
-            </a:pPr>
-            <a:r>
-              <a:rPr lang="en-US" dirty="0"/>
-              <a:t>Press the ‘&lt;‘ KEY if you don’t want to add a </a:t>
-            </a:r>
-            <a:r>
-              <a:rPr lang="en-US" dirty="0">
-                <a:solidFill>
-                  <a:srgbClr val="00FDFF"/>
-                </a:solidFill>
-              </a:rPr>
-              <a:t>like</a:t>
-            </a:r>
-            <a:r>
-              <a:rPr lang="en-US" dirty="0"/>
-              <a:t>.</a:t>
-            </a:r>
-          </a:p>
-          <a:p>
-            <a:pPr marL="0" indent="0">
-              <a:buNone/>
-            </a:pPr>
-            <a:endParaRPr lang="en-US" dirty="0"/>
+              <a:t> before you start playing as the one posting.</a:t>
+            </a:r>
           </a:p>
         </p:txBody>
       </p:sp>
@@ -23368,7 +24015,7 @@
           <p:cNvPr id="7" name="Subtitle 8">
             <a:extLst>
               <a:ext uri="{FF2B5EF4-FFF2-40B4-BE49-F238E27FC236}">
-                <a16:creationId xmlns:a16="http://schemas.microsoft.com/office/drawing/2014/main" id="{4BDF4734-B63C-DF44-8671-1E43AFCD02DC}"/>
+                <a16:creationId xmlns:a16="http://schemas.microsoft.com/office/drawing/2014/main" id="{8AFC28FF-E56E-C24A-ADF8-84A5C380A13A}"/>
               </a:ext>
             </a:extLst>
           </p:cNvPr>
@@ -23562,7 +24209,7 @@
           <p:cNvPr id="8" name="Right Arrow 7">
             <a:extLst>
               <a:ext uri="{FF2B5EF4-FFF2-40B4-BE49-F238E27FC236}">
-                <a16:creationId xmlns:a16="http://schemas.microsoft.com/office/drawing/2014/main" id="{8E22DF06-D6BE-AB44-B261-74815089D5A0}"/>
+                <a16:creationId xmlns:a16="http://schemas.microsoft.com/office/drawing/2014/main" id="{B2397E97-8CBC-1849-B93C-7FDE623F1693}"/>
               </a:ext>
             </a:extLst>
           </p:cNvPr>
@@ -23607,10 +24254,112 @@
           </a:p>
         </p:txBody>
       </p:sp>
+      <p:pic>
+        <p:nvPicPr>
+          <p:cNvPr id="9" name="Picture 8" descr="Graphical user interface, text, application, email&#10;&#10;Description automatically generated">
+            <a:extLst>
+              <a:ext uri="{FF2B5EF4-FFF2-40B4-BE49-F238E27FC236}">
+                <a16:creationId xmlns:a16="http://schemas.microsoft.com/office/drawing/2014/main" id="{3E74C630-076E-164C-B4FC-70070247FBBD}"/>
+              </a:ext>
+            </a:extLst>
+          </p:cNvPr>
+          <p:cNvPicPr>
+            <a:picLocks noChangeAspect="1"/>
+          </p:cNvPicPr>
+          <p:nvPr/>
+        </p:nvPicPr>
+        <p:blipFill rotWithShape="1">
+          <a:blip r:embed="rId3"/>
+          <a:srcRect l="562" r="688" b="3660"/>
+          <a:stretch/>
+        </p:blipFill>
+        <p:spPr>
+          <a:xfrm>
+            <a:off x="2542325" y="4201421"/>
+            <a:ext cx="6908866" cy="1435704"/>
+          </a:xfrm>
+          <a:prstGeom prst="rect">
+            <a:avLst/>
+          </a:prstGeom>
+          <a:ln>
+            <a:solidFill>
+              <a:schemeClr val="tx1"/>
+            </a:solidFill>
+          </a:ln>
+        </p:spPr>
+      </p:pic>
+      <p:pic>
+        <p:nvPicPr>
+          <p:cNvPr id="12" name="Picture 11" descr="A screenshot of a computer&#10;&#10;Description automatically generated with medium confidence">
+            <a:extLst>
+              <a:ext uri="{FF2B5EF4-FFF2-40B4-BE49-F238E27FC236}">
+                <a16:creationId xmlns:a16="http://schemas.microsoft.com/office/drawing/2014/main" id="{F097A60F-26F5-B749-A5F7-F3369D5DC5A1}"/>
+              </a:ext>
+            </a:extLst>
+          </p:cNvPr>
+          <p:cNvPicPr>
+            <a:picLocks noChangeAspect="1"/>
+          </p:cNvPicPr>
+          <p:nvPr/>
+        </p:nvPicPr>
+        <p:blipFill rotWithShape="1">
+          <a:blip r:embed="rId4"/>
+          <a:srcRect l="28990" t="25136" r="16970" b="67881"/>
+          <a:stretch/>
+        </p:blipFill>
+        <p:spPr>
+          <a:xfrm>
+            <a:off x="2542325" y="2690287"/>
+            <a:ext cx="6908866" cy="751241"/>
+          </a:xfrm>
+          <a:prstGeom prst="rect">
+            <a:avLst/>
+          </a:prstGeom>
+          <a:ln>
+            <a:solidFill>
+              <a:schemeClr val="tx1"/>
+            </a:solidFill>
+          </a:ln>
+        </p:spPr>
+      </p:pic>
+      <p:pic>
+        <p:nvPicPr>
+          <p:cNvPr id="13" name="Picture 12" descr="A screenshot of a computer&#10;&#10;Description automatically generated with medium confidence">
+            <a:extLst>
+              <a:ext uri="{FF2B5EF4-FFF2-40B4-BE49-F238E27FC236}">
+                <a16:creationId xmlns:a16="http://schemas.microsoft.com/office/drawing/2014/main" id="{97AF40FF-A4D7-E54A-9360-653E5107896A}"/>
+              </a:ext>
+            </a:extLst>
+          </p:cNvPr>
+          <p:cNvPicPr>
+            <a:picLocks noChangeAspect="1"/>
+          </p:cNvPicPr>
+          <p:nvPr/>
+        </p:nvPicPr>
+        <p:blipFill rotWithShape="1">
+          <a:blip r:embed="rId5"/>
+          <a:srcRect l="28635" t="31963" r="16724" b="61066"/>
+          <a:stretch/>
+        </p:blipFill>
+        <p:spPr>
+          <a:xfrm>
+            <a:off x="2542325" y="3459670"/>
+            <a:ext cx="6908866" cy="741751"/>
+          </a:xfrm>
+          <a:prstGeom prst="rect">
+            <a:avLst/>
+          </a:prstGeom>
+          <a:ln>
+            <a:solidFill>
+              <a:schemeClr val="tx1"/>
+            </a:solidFill>
+          </a:ln>
+        </p:spPr>
+      </p:pic>
     </p:spTree>
     <p:extLst>
       <p:ext uri="{BB962C8B-B14F-4D97-AF65-F5344CB8AC3E}">
-        <p14:creationId xmlns:p14="http://schemas.microsoft.com/office/powerpoint/2010/main" val="3066544549"/>
+        <p14:creationId xmlns:p14="http://schemas.microsoft.com/office/powerpoint/2010/main" val="886889999"/>
       </p:ext>
     </p:extLst>
   </p:cSld>
@@ -23657,8 +24406,8 @@
         </p:nvSpPr>
         <p:spPr>
           <a:xfrm>
-            <a:off x="1111170" y="2255520"/>
-            <a:ext cx="10591879" cy="3341431"/>
+            <a:off x="486362" y="2703703"/>
+            <a:ext cx="11214100" cy="1662164"/>
           </a:xfrm>
           <a:ln>
             <a:noFill/>
@@ -23670,43 +24419,77 @@
           </a:bodyPr>
           <a:lstStyle/>
           <a:p>
-            <a:pPr marL="0" indent="0">
+            <a:pPr marL="0" indent="0" algn="ctr">
               <a:buNone/>
             </a:pPr>
-            <a:endParaRPr lang="en-US" dirty="0"/>
-          </a:p>
-          <a:p>
-            <a:pPr marL="0" indent="0">
+            <a:r>
+              <a:rPr lang="en-US" dirty="0"/>
+              <a:t>Remember, to make your choices:</a:t>
+            </a:r>
+          </a:p>
+          <a:p>
+            <a:pPr marL="0" indent="0" algn="ctr">
               <a:buNone/>
             </a:pPr>
             <a:r>
               <a:rPr lang="en-US" dirty="0"/>
-              <a:t>We will just have you do this for two </a:t>
+              <a:t>Press the </a:t>
+            </a:r>
+            <a:r>
+              <a:rPr lang="en-US" b="1" dirty="0"/>
+              <a:t>&lt;</a:t>
+            </a:r>
+            <a:r>
+              <a:rPr lang="en-US" dirty="0"/>
+              <a:t> KEY to </a:t>
             </a:r>
             <a:r>
               <a:rPr lang="en-US" dirty="0">
                 <a:solidFill>
-                  <a:srgbClr val="00FF00"/>
+                  <a:srgbClr val="FFFF66"/>
                 </a:solidFill>
               </a:rPr>
-              <a:t>chatrooms</a:t>
+              <a:t>post</a:t>
             </a:r>
             <a:r>
               <a:rPr lang="en-US" dirty="0"/>
-              <a:t> before you start playing as the one posting.</a:t>
-            </a:r>
-          </a:p>
-        </p:txBody>
-      </p:sp>
-      <p:sp>
-        <p:nvSpPr>
-          <p:cNvPr id="4" name="Title 3">
-            <a:extLst>
-              <a:ext uri="{FF2B5EF4-FFF2-40B4-BE49-F238E27FC236}">
-                <a16:creationId xmlns:a16="http://schemas.microsoft.com/office/drawing/2014/main" id="{3A04687C-A569-2C46-9FC2-ADCBBB048C8E}"/>
-              </a:ext>
-            </a:extLst>
-          </p:cNvPr>
+              <a:t> about the topic on the left.</a:t>
+            </a:r>
+          </a:p>
+          <a:p>
+            <a:pPr marL="0" indent="0" algn="ctr">
+              <a:buNone/>
+            </a:pPr>
+            <a:r>
+              <a:rPr lang="en-US" dirty="0"/>
+              <a:t>Press the </a:t>
+            </a:r>
+            <a:r>
+              <a:rPr lang="en-US" b="1" dirty="0"/>
+              <a:t>&gt;</a:t>
+            </a:r>
+            <a:r>
+              <a:rPr lang="en-US" dirty="0"/>
+              <a:t> KEY to </a:t>
+            </a:r>
+            <a:r>
+              <a:rPr lang="en-US" dirty="0">
+                <a:solidFill>
+                  <a:srgbClr val="FFFF66"/>
+                </a:solidFill>
+              </a:rPr>
+              <a:t>post</a:t>
+            </a:r>
+            <a:r>
+              <a:rPr lang="en-US" dirty="0"/>
+              <a:t> about the topic on the right.</a:t>
+            </a:r>
+          </a:p>
+        </p:txBody>
+      </p:sp>
+      <p:sp>
+        <p:nvSpPr>
+          <p:cNvPr id="26" name="Title 3"/>
           <p:cNvSpPr txBox="1">
             <a:spLocks/>
           </p:cNvSpPr>
@@ -23714,7 +24497,7 @@
         </p:nvSpPr>
         <p:spPr>
           <a:xfrm>
-            <a:off x="1524000" y="6201295"/>
+            <a:off x="1524001" y="5223249"/>
             <a:ext cx="9149174" cy="656705"/>
           </a:xfrm>
           <a:prstGeom prst="rect">
@@ -23748,211 +24531,28 @@
                   <a:srgbClr val="FF0000"/>
                 </a:solidFill>
               </a:rPr>
-              <a:t>PRESS THE RIGHT BUTTON TO CONTINUE</a:t>
-            </a:r>
-          </a:p>
-        </p:txBody>
-      </p:sp>
-      <p:sp>
-        <p:nvSpPr>
-          <p:cNvPr id="5" name="Subtitle 8">
+              <a:t>PRESS THE RIGHT BUTTON TO </a:t>
+            </a:r>
+            <a:r>
+              <a:rPr lang="en-US" sz="3000" dirty="0">
+                <a:solidFill>
+                  <a:srgbClr val="FF0000"/>
+                </a:solidFill>
+                <a:highlight>
+                  <a:srgbClr val="00FF00"/>
+                </a:highlight>
+              </a:rPr>
+              <a:t>BEGIN</a:t>
+            </a:r>
+          </a:p>
+        </p:txBody>
+      </p:sp>
+      <p:sp>
+        <p:nvSpPr>
+          <p:cNvPr id="22" name="Rectangle 21">
             <a:extLst>
               <a:ext uri="{FF2B5EF4-FFF2-40B4-BE49-F238E27FC236}">
-                <a16:creationId xmlns:a16="http://schemas.microsoft.com/office/drawing/2014/main" id="{5385BA60-94EE-1D48-A0DD-23171E6645FB}"/>
-              </a:ext>
-            </a:extLst>
-          </p:cNvPr>
-          <p:cNvSpPr txBox="1">
-            <a:spLocks/>
-          </p:cNvSpPr>
-          <p:nvPr/>
-        </p:nvSpPr>
-        <p:spPr>
-          <a:xfrm>
-            <a:off x="9140345" y="6073844"/>
-            <a:ext cx="1532830" cy="801636"/>
-          </a:xfrm>
-          <a:prstGeom prst="rect">
-            <a:avLst/>
-          </a:prstGeom>
-        </p:spPr>
-        <p:txBody>
-          <a:bodyPr vert="horz" lIns="91440" tIns="45720" rIns="91440" bIns="45720" rtlCol="0">
-            <a:normAutofit/>
-          </a:bodyPr>
-          <a:lstStyle>
-            <a:lvl1pPr marL="0" indent="0" algn="ctr" defTabSz="914400" rtl="0" eaLnBrk="1" latinLnBrk="0" hangingPunct="1">
-              <a:spcBef>
-                <a:spcPct val="20000"/>
-              </a:spcBef>
-              <a:buFont typeface="Arial" pitchFamily="34" charset="0"/>
-              <a:buNone/>
-              <a:defRPr sz="3200" kern="1200">
-                <a:solidFill>
-                  <a:schemeClr val="tx1">
-                    <a:tint val="75000"/>
-                  </a:schemeClr>
-                </a:solidFill>
-                <a:latin typeface="+mn-lt"/>
-                <a:ea typeface="+mn-ea"/>
-                <a:cs typeface="+mn-cs"/>
-              </a:defRPr>
-            </a:lvl1pPr>
-            <a:lvl2pPr marL="457200" indent="0" algn="ctr" defTabSz="914400" rtl="0" eaLnBrk="1" latinLnBrk="0" hangingPunct="1">
-              <a:spcBef>
-                <a:spcPct val="20000"/>
-              </a:spcBef>
-              <a:buFont typeface="Arial" pitchFamily="34" charset="0"/>
-              <a:buNone/>
-              <a:defRPr sz="2800" kern="1200">
-                <a:solidFill>
-                  <a:schemeClr val="tx1">
-                    <a:tint val="75000"/>
-                  </a:schemeClr>
-                </a:solidFill>
-                <a:latin typeface="+mn-lt"/>
-                <a:ea typeface="+mn-ea"/>
-                <a:cs typeface="+mn-cs"/>
-              </a:defRPr>
-            </a:lvl2pPr>
-            <a:lvl3pPr marL="914400" indent="0" algn="ctr" defTabSz="914400" rtl="0" eaLnBrk="1" latinLnBrk="0" hangingPunct="1">
-              <a:spcBef>
-                <a:spcPct val="20000"/>
-              </a:spcBef>
-              <a:buFont typeface="Arial" pitchFamily="34" charset="0"/>
-              <a:buNone/>
-              <a:defRPr sz="2400" kern="1200">
-                <a:solidFill>
-                  <a:schemeClr val="tx1">
-                    <a:tint val="75000"/>
-                  </a:schemeClr>
-                </a:solidFill>
-                <a:latin typeface="+mn-lt"/>
-                <a:ea typeface="+mn-ea"/>
-                <a:cs typeface="+mn-cs"/>
-              </a:defRPr>
-            </a:lvl3pPr>
-            <a:lvl4pPr marL="1371600" indent="0" algn="ctr" defTabSz="914400" rtl="0" eaLnBrk="1" latinLnBrk="0" hangingPunct="1">
-              <a:spcBef>
-                <a:spcPct val="20000"/>
-              </a:spcBef>
-              <a:buFont typeface="Arial" pitchFamily="34" charset="0"/>
-              <a:buNone/>
-              <a:defRPr sz="2000" kern="1200">
-                <a:solidFill>
-                  <a:schemeClr val="tx1">
-                    <a:tint val="75000"/>
-                  </a:schemeClr>
-                </a:solidFill>
-                <a:latin typeface="+mn-lt"/>
-                <a:ea typeface="+mn-ea"/>
-                <a:cs typeface="+mn-cs"/>
-              </a:defRPr>
-            </a:lvl4pPr>
-            <a:lvl5pPr marL="1828800" indent="0" algn="ctr" defTabSz="914400" rtl="0" eaLnBrk="1" latinLnBrk="0" hangingPunct="1">
-              <a:spcBef>
-                <a:spcPct val="20000"/>
-              </a:spcBef>
-              <a:buFont typeface="Arial" pitchFamily="34" charset="0"/>
-              <a:buNone/>
-              <a:defRPr sz="2000" kern="1200">
-                <a:solidFill>
-                  <a:schemeClr val="tx1">
-                    <a:tint val="75000"/>
-                  </a:schemeClr>
-                </a:solidFill>
-                <a:latin typeface="+mn-lt"/>
-                <a:ea typeface="+mn-ea"/>
-                <a:cs typeface="+mn-cs"/>
-              </a:defRPr>
-            </a:lvl5pPr>
-            <a:lvl6pPr marL="2286000" indent="0" algn="ctr" defTabSz="914400" rtl="0" eaLnBrk="1" latinLnBrk="0" hangingPunct="1">
-              <a:spcBef>
-                <a:spcPct val="20000"/>
-              </a:spcBef>
-              <a:buFont typeface="Arial" pitchFamily="34" charset="0"/>
-              <a:buNone/>
-              <a:defRPr sz="2000" kern="1200">
-                <a:solidFill>
-                  <a:schemeClr val="tx1">
-                    <a:tint val="75000"/>
-                  </a:schemeClr>
-                </a:solidFill>
-                <a:latin typeface="+mn-lt"/>
-                <a:ea typeface="+mn-ea"/>
-                <a:cs typeface="+mn-cs"/>
-              </a:defRPr>
-            </a:lvl6pPr>
-            <a:lvl7pPr marL="2743200" indent="0" algn="ctr" defTabSz="914400" rtl="0" eaLnBrk="1" latinLnBrk="0" hangingPunct="1">
-              <a:spcBef>
-                <a:spcPct val="20000"/>
-              </a:spcBef>
-              <a:buFont typeface="Arial" pitchFamily="34" charset="0"/>
-              <a:buNone/>
-              <a:defRPr sz="2000" kern="1200">
-                <a:solidFill>
-                  <a:schemeClr val="tx1">
-                    <a:tint val="75000"/>
-                  </a:schemeClr>
-                </a:solidFill>
-                <a:latin typeface="+mn-lt"/>
-                <a:ea typeface="+mn-ea"/>
-                <a:cs typeface="+mn-cs"/>
-              </a:defRPr>
-            </a:lvl7pPr>
-            <a:lvl8pPr marL="3200400" indent="0" algn="ctr" defTabSz="914400" rtl="0" eaLnBrk="1" latinLnBrk="0" hangingPunct="1">
-              <a:spcBef>
-                <a:spcPct val="20000"/>
-              </a:spcBef>
-              <a:buFont typeface="Arial" pitchFamily="34" charset="0"/>
-              <a:buNone/>
-              <a:defRPr sz="2000" kern="1200">
-                <a:solidFill>
-                  <a:schemeClr val="tx1">
-                    <a:tint val="75000"/>
-                  </a:schemeClr>
-                </a:solidFill>
-                <a:latin typeface="+mn-lt"/>
-                <a:ea typeface="+mn-ea"/>
-                <a:cs typeface="+mn-cs"/>
-              </a:defRPr>
-            </a:lvl8pPr>
-            <a:lvl9pPr marL="3657600" indent="0" algn="ctr" defTabSz="914400" rtl="0" eaLnBrk="1" latinLnBrk="0" hangingPunct="1">
-              <a:spcBef>
-                <a:spcPct val="20000"/>
-              </a:spcBef>
-              <a:buFont typeface="Arial" pitchFamily="34" charset="0"/>
-              <a:buNone/>
-              <a:defRPr sz="2000" kern="1200">
-                <a:solidFill>
-                  <a:schemeClr val="tx1">
-                    <a:tint val="75000"/>
-                  </a:schemeClr>
-                </a:solidFill>
-                <a:latin typeface="+mn-lt"/>
-                <a:ea typeface="+mn-ea"/>
-                <a:cs typeface="+mn-cs"/>
-              </a:defRPr>
-            </a:lvl9pPr>
-          </a:lstStyle>
-          <a:p>
-            <a:r>
-              <a:rPr lang="en-US" sz="1600" dirty="0">
-                <a:solidFill>
-                  <a:schemeClr val="tx1"/>
-                </a:solidFill>
-              </a:rPr>
-              <a:t>RIGHT</a:t>
-            </a:r>
-          </a:p>
-        </p:txBody>
-      </p:sp>
-      <p:sp>
-        <p:nvSpPr>
-          <p:cNvPr id="6" name="Right Arrow 5">
-            <a:extLst>
-              <a:ext uri="{FF2B5EF4-FFF2-40B4-BE49-F238E27FC236}">
-                <a16:creationId xmlns:a16="http://schemas.microsoft.com/office/drawing/2014/main" id="{E505ED16-B2E8-4140-B53D-56027D0A90C5}"/>
+                <a16:creationId xmlns:a16="http://schemas.microsoft.com/office/drawing/2014/main" id="{8AE16CA7-6556-E645-8E2C-3B78486F4571}"/>
               </a:ext>
             </a:extLst>
           </p:cNvPr>
@@ -23961,27 +24561,29 @@
         </p:nvSpPr>
         <p:spPr>
           <a:xfrm>
-            <a:off x="9637318" y="6391827"/>
-            <a:ext cx="640200" cy="289763"/>
-          </a:xfrm>
-          <a:prstGeom prst="rightArrow">
+            <a:off x="6502401" y="3255385"/>
+            <a:ext cx="495300" cy="279400"/>
+          </a:xfrm>
+          <a:prstGeom prst="rect">
             <a:avLst/>
           </a:prstGeom>
           <a:solidFill>
-            <a:schemeClr val="tx1"/>
+            <a:schemeClr val="bg1"/>
           </a:solidFill>
           <a:ln>
             <a:noFill/>
           </a:ln>
         </p:spPr>
         <p:style>
-          <a:lnRef idx="1">
-            <a:schemeClr val="accent1"/>
+          <a:lnRef idx="2">
+            <a:schemeClr val="accent1">
+              <a:shade val="50000"/>
+            </a:schemeClr>
           </a:lnRef>
-          <a:fillRef idx="3">
+          <a:fillRef idx="1">
             <a:schemeClr val="accent1"/>
           </a:fillRef>
-          <a:effectRef idx="2">
+          <a:effectRef idx="0">
             <a:schemeClr val="accent1"/>
           </a:effectRef>
           <a:fontRef idx="minor">
@@ -23999,204 +24601,10 @@
       </p:sp>
       <p:sp>
         <p:nvSpPr>
-          <p:cNvPr id="7" name="Subtitle 8">
+          <p:cNvPr id="2" name="Rectangle 1">
             <a:extLst>
               <a:ext uri="{FF2B5EF4-FFF2-40B4-BE49-F238E27FC236}">
-                <a16:creationId xmlns:a16="http://schemas.microsoft.com/office/drawing/2014/main" id="{8AFC28FF-E56E-C24A-ADF8-84A5C380A13A}"/>
-              </a:ext>
-            </a:extLst>
-          </p:cNvPr>
-          <p:cNvSpPr txBox="1">
-            <a:spLocks/>
-          </p:cNvSpPr>
-          <p:nvPr/>
-        </p:nvSpPr>
-        <p:spPr>
-          <a:xfrm>
-            <a:off x="1518826" y="6073844"/>
-            <a:ext cx="1532830" cy="801636"/>
-          </a:xfrm>
-          <a:prstGeom prst="rect">
-            <a:avLst/>
-          </a:prstGeom>
-        </p:spPr>
-        <p:txBody>
-          <a:bodyPr vert="horz" lIns="91440" tIns="45720" rIns="91440" bIns="45720" rtlCol="0">
-            <a:normAutofit/>
-          </a:bodyPr>
-          <a:lstStyle>
-            <a:lvl1pPr marL="0" indent="0" algn="ctr" defTabSz="914400" rtl="0" eaLnBrk="1" latinLnBrk="0" hangingPunct="1">
-              <a:spcBef>
-                <a:spcPct val="20000"/>
-              </a:spcBef>
-              <a:buFont typeface="Arial" pitchFamily="34" charset="0"/>
-              <a:buNone/>
-              <a:defRPr sz="3200" kern="1200">
-                <a:solidFill>
-                  <a:schemeClr val="tx1">
-                    <a:tint val="75000"/>
-                  </a:schemeClr>
-                </a:solidFill>
-                <a:latin typeface="+mn-lt"/>
-                <a:ea typeface="+mn-ea"/>
-                <a:cs typeface="+mn-cs"/>
-              </a:defRPr>
-            </a:lvl1pPr>
-            <a:lvl2pPr marL="457200" indent="0" algn="ctr" defTabSz="914400" rtl="0" eaLnBrk="1" latinLnBrk="0" hangingPunct="1">
-              <a:spcBef>
-                <a:spcPct val="20000"/>
-              </a:spcBef>
-              <a:buFont typeface="Arial" pitchFamily="34" charset="0"/>
-              <a:buNone/>
-              <a:defRPr sz="2800" kern="1200">
-                <a:solidFill>
-                  <a:schemeClr val="tx1">
-                    <a:tint val="75000"/>
-                  </a:schemeClr>
-                </a:solidFill>
-                <a:latin typeface="+mn-lt"/>
-                <a:ea typeface="+mn-ea"/>
-                <a:cs typeface="+mn-cs"/>
-              </a:defRPr>
-            </a:lvl2pPr>
-            <a:lvl3pPr marL="914400" indent="0" algn="ctr" defTabSz="914400" rtl="0" eaLnBrk="1" latinLnBrk="0" hangingPunct="1">
-              <a:spcBef>
-                <a:spcPct val="20000"/>
-              </a:spcBef>
-              <a:buFont typeface="Arial" pitchFamily="34" charset="0"/>
-              <a:buNone/>
-              <a:defRPr sz="2400" kern="1200">
-                <a:solidFill>
-                  <a:schemeClr val="tx1">
-                    <a:tint val="75000"/>
-                  </a:schemeClr>
-                </a:solidFill>
-                <a:latin typeface="+mn-lt"/>
-                <a:ea typeface="+mn-ea"/>
-                <a:cs typeface="+mn-cs"/>
-              </a:defRPr>
-            </a:lvl3pPr>
-            <a:lvl4pPr marL="1371600" indent="0" algn="ctr" defTabSz="914400" rtl="0" eaLnBrk="1" latinLnBrk="0" hangingPunct="1">
-              <a:spcBef>
-                <a:spcPct val="20000"/>
-              </a:spcBef>
-              <a:buFont typeface="Arial" pitchFamily="34" charset="0"/>
-              <a:buNone/>
-              <a:defRPr sz="2000" kern="1200">
-                <a:solidFill>
-                  <a:schemeClr val="tx1">
-                    <a:tint val="75000"/>
-                  </a:schemeClr>
-                </a:solidFill>
-                <a:latin typeface="+mn-lt"/>
-                <a:ea typeface="+mn-ea"/>
-                <a:cs typeface="+mn-cs"/>
-              </a:defRPr>
-            </a:lvl4pPr>
-            <a:lvl5pPr marL="1828800" indent="0" algn="ctr" defTabSz="914400" rtl="0" eaLnBrk="1" latinLnBrk="0" hangingPunct="1">
-              <a:spcBef>
-                <a:spcPct val="20000"/>
-              </a:spcBef>
-              <a:buFont typeface="Arial" pitchFamily="34" charset="0"/>
-              <a:buNone/>
-              <a:defRPr sz="2000" kern="1200">
-                <a:solidFill>
-                  <a:schemeClr val="tx1">
-                    <a:tint val="75000"/>
-                  </a:schemeClr>
-                </a:solidFill>
-                <a:latin typeface="+mn-lt"/>
-                <a:ea typeface="+mn-ea"/>
-                <a:cs typeface="+mn-cs"/>
-              </a:defRPr>
-            </a:lvl5pPr>
-            <a:lvl6pPr marL="2286000" indent="0" algn="ctr" defTabSz="914400" rtl="0" eaLnBrk="1" latinLnBrk="0" hangingPunct="1">
-              <a:spcBef>
-                <a:spcPct val="20000"/>
-              </a:spcBef>
-              <a:buFont typeface="Arial" pitchFamily="34" charset="0"/>
-              <a:buNone/>
-              <a:defRPr sz="2000" kern="1200">
-                <a:solidFill>
-                  <a:schemeClr val="tx1">
-                    <a:tint val="75000"/>
-                  </a:schemeClr>
-                </a:solidFill>
-                <a:latin typeface="+mn-lt"/>
-                <a:ea typeface="+mn-ea"/>
-                <a:cs typeface="+mn-cs"/>
-              </a:defRPr>
-            </a:lvl6pPr>
-            <a:lvl7pPr marL="2743200" indent="0" algn="ctr" defTabSz="914400" rtl="0" eaLnBrk="1" latinLnBrk="0" hangingPunct="1">
-              <a:spcBef>
-                <a:spcPct val="20000"/>
-              </a:spcBef>
-              <a:buFont typeface="Arial" pitchFamily="34" charset="0"/>
-              <a:buNone/>
-              <a:defRPr sz="2000" kern="1200">
-                <a:solidFill>
-                  <a:schemeClr val="tx1">
-                    <a:tint val="75000"/>
-                  </a:schemeClr>
-                </a:solidFill>
-                <a:latin typeface="+mn-lt"/>
-                <a:ea typeface="+mn-ea"/>
-                <a:cs typeface="+mn-cs"/>
-              </a:defRPr>
-            </a:lvl7pPr>
-            <a:lvl8pPr marL="3200400" indent="0" algn="ctr" defTabSz="914400" rtl="0" eaLnBrk="1" latinLnBrk="0" hangingPunct="1">
-              <a:spcBef>
-                <a:spcPct val="20000"/>
-              </a:spcBef>
-              <a:buFont typeface="Arial" pitchFamily="34" charset="0"/>
-              <a:buNone/>
-              <a:defRPr sz="2000" kern="1200">
-                <a:solidFill>
-                  <a:schemeClr val="tx1">
-                    <a:tint val="75000"/>
-                  </a:schemeClr>
-                </a:solidFill>
-                <a:latin typeface="+mn-lt"/>
-                <a:ea typeface="+mn-ea"/>
-                <a:cs typeface="+mn-cs"/>
-              </a:defRPr>
-            </a:lvl8pPr>
-            <a:lvl9pPr marL="3657600" indent="0" algn="ctr" defTabSz="914400" rtl="0" eaLnBrk="1" latinLnBrk="0" hangingPunct="1">
-              <a:spcBef>
-                <a:spcPct val="20000"/>
-              </a:spcBef>
-              <a:buFont typeface="Arial" pitchFamily="34" charset="0"/>
-              <a:buNone/>
-              <a:defRPr sz="2000" kern="1200">
-                <a:solidFill>
-                  <a:schemeClr val="tx1">
-                    <a:tint val="75000"/>
-                  </a:schemeClr>
-                </a:solidFill>
-                <a:latin typeface="+mn-lt"/>
-                <a:ea typeface="+mn-ea"/>
-                <a:cs typeface="+mn-cs"/>
-              </a:defRPr>
-            </a:lvl9pPr>
-          </a:lstStyle>
-          <a:p>
-            <a:r>
-              <a:rPr lang="en-US" sz="1600" dirty="0">
-                <a:solidFill>
-                  <a:schemeClr val="tx1"/>
-                </a:solidFill>
-              </a:rPr>
-              <a:t>LEFT</a:t>
-            </a:r>
-          </a:p>
-        </p:txBody>
-      </p:sp>
-      <p:sp>
-        <p:nvSpPr>
-          <p:cNvPr id="8" name="Right Arrow 7">
-            <a:extLst>
-              <a:ext uri="{FF2B5EF4-FFF2-40B4-BE49-F238E27FC236}">
-                <a16:creationId xmlns:a16="http://schemas.microsoft.com/office/drawing/2014/main" id="{B2397E97-8CBC-1849-B93C-7FDE623F1693}"/>
+                <a16:creationId xmlns:a16="http://schemas.microsoft.com/office/drawing/2014/main" id="{25D76DA4-1FAB-B745-81C7-134B8947625F}"/>
               </a:ext>
             </a:extLst>
           </p:cNvPr>
@@ -24204,47 +24612,43 @@
           <p:nvPr/>
         </p:nvSpPr>
         <p:spPr>
-          <a:xfrm rot="10800000">
-            <a:off x="1902125" y="6391827"/>
-            <a:ext cx="640200" cy="289763"/>
-          </a:xfrm>
-          <a:prstGeom prst="rightArrow">
+          <a:xfrm>
+            <a:off x="969818" y="632486"/>
+            <a:ext cx="10002981" cy="1569660"/>
+          </a:xfrm>
+          <a:prstGeom prst="rect">
             <a:avLst/>
           </a:prstGeom>
-          <a:solidFill>
-            <a:schemeClr val="tx1"/>
-          </a:solidFill>
-          <a:ln>
-            <a:noFill/>
-          </a:ln>
-        </p:spPr>
-        <p:style>
-          <a:lnRef idx="1">
-            <a:schemeClr val="accent1"/>
-          </a:lnRef>
-          <a:fillRef idx="3">
-            <a:schemeClr val="accent1"/>
-          </a:fillRef>
-          <a:effectRef idx="2">
-            <a:schemeClr val="accent1"/>
-          </a:effectRef>
-          <a:fontRef idx="minor">
-            <a:schemeClr val="lt1"/>
-          </a:fontRef>
-        </p:style>
-        <p:txBody>
-          <a:bodyPr rtlCol="0" anchor="ctr"/>
+        </p:spPr>
+        <p:txBody>
+          <a:bodyPr wrap="square">
+            <a:spAutoFit/>
+          </a:bodyPr>
           <a:lstStyle/>
           <a:p>
             <a:pPr algn="ctr"/>
-            <a:endParaRPr lang="en-US"/>
+            <a:r>
+              <a:rPr lang="en-US" sz="3200" dirty="0"/>
+              <a:t>Good Job!</a:t>
+            </a:r>
+          </a:p>
+          <a:p>
+            <a:pPr algn="ctr"/>
+            <a:endParaRPr lang="en-US" sz="3200" dirty="0"/>
+          </a:p>
+          <a:p>
+            <a:pPr algn="ctr"/>
+            <a:r>
+              <a:rPr lang="en-US" sz="3200" dirty="0"/>
+              <a:t>Now you know how to play this game.</a:t>
+            </a:r>
           </a:p>
         </p:txBody>
       </p:sp>
     </p:spTree>
     <p:extLst>
       <p:ext uri="{BB962C8B-B14F-4D97-AF65-F5344CB8AC3E}">
-        <p14:creationId xmlns:p14="http://schemas.microsoft.com/office/powerpoint/2010/main" val="886889999"/>
+        <p14:creationId xmlns:p14="http://schemas.microsoft.com/office/powerpoint/2010/main" val="1777576823"/>
       </p:ext>
     </p:extLst>
   </p:cSld>
